--- a/B_Fiches_Protocoles/ProtocolesExpérimentaux.pptx
+++ b/B_Fiches_Protocoles/ProtocolesExpérimentaux.pptx
@@ -259,7 +259,7 @@
           <a:p>
             <a:fld id="{1A3D9B3B-1EC8-4BC4-B783-7630517B3190}" type="datetimeFigureOut">
               <a:rPr lang="fr-FR" smtClean="0"/>
-              <a:t>12/12/2021</a:t>
+              <a:t>15/03/2022</a:t>
             </a:fld>
             <a:endParaRPr lang="fr-FR"/>
           </a:p>
@@ -668,7 +668,7 @@
           <a:p>
             <a:fld id="{1A3D9B3B-1EC8-4BC4-B783-7630517B3190}" type="datetimeFigureOut">
               <a:rPr lang="fr-FR" smtClean="0"/>
-              <a:t>12/12/2021</a:t>
+              <a:t>15/03/2022</a:t>
             </a:fld>
             <a:endParaRPr lang="fr-FR"/>
           </a:p>
@@ -854,7 +854,7 @@
           <a:p>
             <a:fld id="{1A3D9B3B-1EC8-4BC4-B783-7630517B3190}" type="datetimeFigureOut">
               <a:rPr lang="fr-FR" smtClean="0"/>
-              <a:t>12/12/2021</a:t>
+              <a:t>15/03/2022</a:t>
             </a:fld>
             <a:endParaRPr lang="fr-FR"/>
           </a:p>
@@ -1030,7 +1030,7 @@
           <a:p>
             <a:fld id="{1A3D9B3B-1EC8-4BC4-B783-7630517B3190}" type="datetimeFigureOut">
               <a:rPr lang="fr-FR" smtClean="0"/>
-              <a:t>12/12/2021</a:t>
+              <a:t>15/03/2022</a:t>
             </a:fld>
             <a:endParaRPr lang="fr-FR"/>
           </a:p>
@@ -1329,7 +1329,7 @@
           <a:p>
             <a:fld id="{1A3D9B3B-1EC8-4BC4-B783-7630517B3190}" type="datetimeFigureOut">
               <a:rPr lang="fr-FR" smtClean="0"/>
-              <a:t>12/12/2021</a:t>
+              <a:t>15/03/2022</a:t>
             </a:fld>
             <a:endParaRPr lang="fr-FR"/>
           </a:p>
@@ -1566,7 +1566,7 @@
           <a:p>
             <a:fld id="{1A3D9B3B-1EC8-4BC4-B783-7630517B3190}" type="datetimeFigureOut">
               <a:rPr lang="fr-FR" smtClean="0"/>
-              <a:t>12/12/2021</a:t>
+              <a:t>15/03/2022</a:t>
             </a:fld>
             <a:endParaRPr lang="fr-FR"/>
           </a:p>
@@ -1984,7 +1984,7 @@
           <a:p>
             <a:fld id="{1A3D9B3B-1EC8-4BC4-B783-7630517B3190}" type="datetimeFigureOut">
               <a:rPr lang="fr-FR" smtClean="0"/>
-              <a:t>12/12/2021</a:t>
+              <a:t>15/03/2022</a:t>
             </a:fld>
             <a:endParaRPr lang="fr-FR"/>
           </a:p>
@@ -2109,7 +2109,7 @@
           <a:p>
             <a:fld id="{1A3D9B3B-1EC8-4BC4-B783-7630517B3190}" type="datetimeFigureOut">
               <a:rPr lang="fr-FR" smtClean="0"/>
-              <a:t>12/12/2021</a:t>
+              <a:t>15/03/2022</a:t>
             </a:fld>
             <a:endParaRPr lang="fr-FR"/>
           </a:p>
@@ -2258,7 +2258,7 @@
           <a:p>
             <a:fld id="{1A3D9B3B-1EC8-4BC4-B783-7630517B3190}" type="datetimeFigureOut">
               <a:rPr lang="fr-FR" smtClean="0"/>
-              <a:t>12/12/2021</a:t>
+              <a:t>15/03/2022</a:t>
             </a:fld>
             <a:endParaRPr lang="fr-FR"/>
           </a:p>
@@ -2541,7 +2541,7 @@
           <a:p>
             <a:fld id="{1A3D9B3B-1EC8-4BC4-B783-7630517B3190}" type="datetimeFigureOut">
               <a:rPr lang="fr-FR" smtClean="0"/>
-              <a:t>12/12/2021</a:t>
+              <a:t>15/03/2022</a:t>
             </a:fld>
             <a:endParaRPr lang="fr-FR"/>
           </a:p>
@@ -2801,7 +2801,7 @@
           <a:p>
             <a:fld id="{1A3D9B3B-1EC8-4BC4-B783-7630517B3190}" type="datetimeFigureOut">
               <a:rPr lang="fr-FR" smtClean="0"/>
-              <a:t>12/12/2021</a:t>
+              <a:t>15/03/2022</a:t>
             </a:fld>
             <a:endParaRPr lang="fr-FR"/>
           </a:p>
@@ -3021,7 +3021,7 @@
             <a:fld id="{1A3D9B3B-1EC8-4BC4-B783-7630517B3190}" type="datetimeFigureOut">
               <a:rPr lang="fr-FR" smtClean="0"/>
               <a:pPr/>
-              <a:t>12/12/2021</a:t>
+              <a:t>15/03/2022</a:t>
             </a:fld>
             <a:endParaRPr lang="fr-FR"/>
           </a:p>
@@ -4255,7 +4255,7 @@
           <a:bodyPr/>
           <a:lstStyle/>
           <a:p>
-            <a:endParaRPr lang="fr-FR"/>
+            <a:endParaRPr lang="fr-FR" dirty="0"/>
           </a:p>
         </p:txBody>
       </p:sp>
@@ -4267,7 +4267,7 @@
         </p:nvSpPr>
         <p:spPr>
           <a:xfrm>
-            <a:off x="1147482" y="2034988"/>
+            <a:off x="950258" y="1414258"/>
             <a:ext cx="259977" cy="259977"/>
           </a:xfrm>
           <a:prstGeom prst="rect">
@@ -4301,7 +4301,11 @@
           <a:lstStyle/>
           <a:p>
             <a:pPr algn="ctr"/>
-            <a:endParaRPr lang="fr-FR"/>
+            <a:endParaRPr lang="fr-FR">
+              <a:solidFill>
+                <a:srgbClr val="118977"/>
+              </a:solidFill>
+            </a:endParaRPr>
           </a:p>
         </p:txBody>
       </p:sp>
@@ -4313,7 +4317,7 @@
         </p:nvSpPr>
         <p:spPr>
           <a:xfrm>
-            <a:off x="1712258" y="2034988"/>
+            <a:off x="950258" y="1883412"/>
             <a:ext cx="259977" cy="259977"/>
           </a:xfrm>
           <a:prstGeom prst="rect">
@@ -4359,7 +4363,7 @@
         </p:nvSpPr>
         <p:spPr>
           <a:xfrm>
-            <a:off x="2290480" y="2034988"/>
+            <a:off x="950258" y="2258382"/>
             <a:ext cx="259977" cy="259977"/>
           </a:xfrm>
           <a:prstGeom prst="rect">
@@ -4393,7 +4397,11 @@
           <a:lstStyle/>
           <a:p>
             <a:pPr algn="ctr"/>
-            <a:endParaRPr lang="fr-FR"/>
+            <a:endParaRPr lang="fr-FR">
+              <a:solidFill>
+                <a:srgbClr val="CEE3E0"/>
+              </a:solidFill>
+            </a:endParaRPr>
           </a:p>
         </p:txBody>
       </p:sp>
@@ -4405,7 +4413,7 @@
         </p:nvSpPr>
         <p:spPr>
           <a:xfrm>
-            <a:off x="1147482" y="2803902"/>
+            <a:off x="999514" y="2741238"/>
             <a:ext cx="259977" cy="259977"/>
           </a:xfrm>
           <a:prstGeom prst="rect">
@@ -4439,7 +4447,11 @@
           <a:lstStyle/>
           <a:p>
             <a:pPr algn="ctr"/>
-            <a:endParaRPr lang="fr-FR"/>
+            <a:endParaRPr lang="fr-FR">
+              <a:solidFill>
+                <a:srgbClr val="F6AB32"/>
+              </a:solidFill>
+            </a:endParaRPr>
           </a:p>
         </p:txBody>
       </p:sp>
@@ -4451,7 +4463,7 @@
         </p:nvSpPr>
         <p:spPr>
           <a:xfrm>
-            <a:off x="1712258" y="2803902"/>
+            <a:off x="1017493" y="3135596"/>
             <a:ext cx="259977" cy="259977"/>
           </a:xfrm>
           <a:prstGeom prst="rect">
@@ -4497,7 +4509,7 @@
         </p:nvSpPr>
         <p:spPr>
           <a:xfrm>
-            <a:off x="2290480" y="2803902"/>
+            <a:off x="1020258" y="3531937"/>
             <a:ext cx="259977" cy="259977"/>
           </a:xfrm>
           <a:prstGeom prst="rect">
@@ -4543,7 +4555,7 @@
         </p:nvSpPr>
         <p:spPr>
           <a:xfrm>
-            <a:off x="1147482" y="3554585"/>
+            <a:off x="1017493" y="3911102"/>
             <a:ext cx="259977" cy="259977"/>
           </a:xfrm>
           <a:prstGeom prst="rect">
@@ -4589,7 +4601,7 @@
         </p:nvSpPr>
         <p:spPr>
           <a:xfrm>
-            <a:off x="1712258" y="3554585"/>
+            <a:off x="1047255" y="4415886"/>
             <a:ext cx="259977" cy="259977"/>
           </a:xfrm>
           <a:prstGeom prst="rect">
@@ -4635,7 +4647,7 @@
         </p:nvSpPr>
         <p:spPr>
           <a:xfrm>
-            <a:off x="2290480" y="3554585"/>
+            <a:off x="1080022" y="4851190"/>
             <a:ext cx="259977" cy="259977"/>
           </a:xfrm>
           <a:prstGeom prst="rect">
@@ -4681,7 +4693,7 @@
         </p:nvSpPr>
         <p:spPr>
           <a:xfrm>
-            <a:off x="1210235" y="4437071"/>
+            <a:off x="1043803" y="5327250"/>
             <a:ext cx="259977" cy="259977"/>
           </a:xfrm>
           <a:prstGeom prst="rect">
@@ -4731,7 +4743,7 @@
         </p:nvSpPr>
         <p:spPr>
           <a:xfrm>
-            <a:off x="1775011" y="4437071"/>
+            <a:off x="1015778" y="5673321"/>
             <a:ext cx="259977" cy="259977"/>
           </a:xfrm>
           <a:prstGeom prst="rect">
@@ -4781,12 +4793,15 @@
         </p:nvSpPr>
         <p:spPr>
           <a:xfrm>
-            <a:off x="2353233" y="4437071"/>
+            <a:off x="950258" y="1106755"/>
             <a:ext cx="259977" cy="259977"/>
           </a:xfrm>
           <a:prstGeom prst="rect">
             <a:avLst/>
           </a:prstGeom>
+          <a:solidFill>
+            <a:srgbClr val="455368"/>
+          </a:solidFill>
           <a:ln>
             <a:noFill/>
           </a:ln>
@@ -4984,6 +4999,255 @@
           </a:prstGeom>
         </p:spPr>
       </p:pic>
+      <p:sp>
+        <p:nvSpPr>
+          <p:cNvPr id="26" name="ZoneTexte 25">
+            <a:extLst>
+              <a:ext uri="{FF2B5EF4-FFF2-40B4-BE49-F238E27FC236}">
+                <a16:creationId xmlns:a16="http://schemas.microsoft.com/office/drawing/2014/main" id="{6460248B-FF48-49DE-8DA2-099732AD8E83}"/>
+              </a:ext>
+            </a:extLst>
+          </p:cNvPr>
+          <p:cNvSpPr txBox="1"/>
+          <p:nvPr/>
+        </p:nvSpPr>
+        <p:spPr>
+          <a:xfrm>
+            <a:off x="1210235" y="1373521"/>
+            <a:ext cx="1732990" cy="369332"/>
+          </a:xfrm>
+          <a:prstGeom prst="rect">
+            <a:avLst/>
+          </a:prstGeom>
+          <a:noFill/>
+        </p:spPr>
+        <p:txBody>
+          <a:bodyPr wrap="square">
+            <a:spAutoFit/>
+          </a:bodyPr>
+          <a:lstStyle/>
+          <a:p>
+            <a:r>
+              <a:rPr lang="fr-FR" dirty="0"/>
+              <a:t>#118977</a:t>
+            </a:r>
+          </a:p>
+        </p:txBody>
+      </p:sp>
+      <p:sp>
+        <p:nvSpPr>
+          <p:cNvPr id="27" name="ZoneTexte 26">
+            <a:extLst>
+              <a:ext uri="{FF2B5EF4-FFF2-40B4-BE49-F238E27FC236}">
+                <a16:creationId xmlns:a16="http://schemas.microsoft.com/office/drawing/2014/main" id="{80CECD6C-2540-44B5-96C9-1E5C26732843}"/>
+              </a:ext>
+            </a:extLst>
+          </p:cNvPr>
+          <p:cNvSpPr txBox="1"/>
+          <p:nvPr/>
+        </p:nvSpPr>
+        <p:spPr>
+          <a:xfrm>
+            <a:off x="1275755" y="1780646"/>
+            <a:ext cx="6094948" cy="369332"/>
+          </a:xfrm>
+          <a:prstGeom prst="rect">
+            <a:avLst/>
+          </a:prstGeom>
+          <a:noFill/>
+        </p:spPr>
+        <p:txBody>
+          <a:bodyPr wrap="square">
+            <a:spAutoFit/>
+          </a:bodyPr>
+          <a:lstStyle/>
+          <a:p>
+            <a:r>
+              <a:rPr lang="fr-FR" dirty="0"/>
+              <a:t>#1CAE97</a:t>
+            </a:r>
+          </a:p>
+        </p:txBody>
+      </p:sp>
+      <p:sp>
+        <p:nvSpPr>
+          <p:cNvPr id="28" name="ZoneTexte 27">
+            <a:extLst>
+              <a:ext uri="{FF2B5EF4-FFF2-40B4-BE49-F238E27FC236}">
+                <a16:creationId xmlns:a16="http://schemas.microsoft.com/office/drawing/2014/main" id="{50B7A1B0-A0EA-415A-BD9F-3D1368ECB67D}"/>
+              </a:ext>
+            </a:extLst>
+          </p:cNvPr>
+          <p:cNvSpPr txBox="1"/>
+          <p:nvPr/>
+        </p:nvSpPr>
+        <p:spPr>
+          <a:xfrm>
+            <a:off x="1275755" y="2152950"/>
+            <a:ext cx="6094948" cy="369332"/>
+          </a:xfrm>
+          <a:prstGeom prst="rect">
+            <a:avLst/>
+          </a:prstGeom>
+          <a:noFill/>
+        </p:spPr>
+        <p:txBody>
+          <a:bodyPr wrap="square">
+            <a:spAutoFit/>
+          </a:bodyPr>
+          <a:lstStyle/>
+          <a:p>
+            <a:r>
+              <a:rPr lang="fr-FR" dirty="0"/>
+              <a:t>#CEE3E0</a:t>
+            </a:r>
+          </a:p>
+        </p:txBody>
+      </p:sp>
+      <p:sp>
+        <p:nvSpPr>
+          <p:cNvPr id="29" name="ZoneTexte 28">
+            <a:extLst>
+              <a:ext uri="{FF2B5EF4-FFF2-40B4-BE49-F238E27FC236}">
+                <a16:creationId xmlns:a16="http://schemas.microsoft.com/office/drawing/2014/main" id="{5475E71E-62E7-4940-B19F-94C99AF18DE7}"/>
+              </a:ext>
+            </a:extLst>
+          </p:cNvPr>
+          <p:cNvSpPr txBox="1"/>
+          <p:nvPr/>
+        </p:nvSpPr>
+        <p:spPr>
+          <a:xfrm>
+            <a:off x="1210235" y="1017766"/>
+            <a:ext cx="6094476" cy="369332"/>
+          </a:xfrm>
+          <a:prstGeom prst="rect">
+            <a:avLst/>
+          </a:prstGeom>
+          <a:noFill/>
+        </p:spPr>
+        <p:txBody>
+          <a:bodyPr wrap="square">
+            <a:spAutoFit/>
+          </a:bodyPr>
+          <a:lstStyle/>
+          <a:p>
+            <a:r>
+              <a:rPr lang="fr-FR" dirty="0"/>
+              <a:t>#455368</a:t>
+            </a:r>
+          </a:p>
+        </p:txBody>
+      </p:sp>
+      <p:sp>
+        <p:nvSpPr>
+          <p:cNvPr id="31" name="ZoneTexte 30">
+            <a:extLst>
+              <a:ext uri="{FF2B5EF4-FFF2-40B4-BE49-F238E27FC236}">
+                <a16:creationId xmlns:a16="http://schemas.microsoft.com/office/drawing/2014/main" id="{D793CD8C-A67B-4DFD-B6D2-E9398A9B9BAE}"/>
+              </a:ext>
+            </a:extLst>
+          </p:cNvPr>
+          <p:cNvSpPr txBox="1"/>
+          <p:nvPr/>
+        </p:nvSpPr>
+        <p:spPr>
+          <a:xfrm>
+            <a:off x="1303780" y="2710241"/>
+            <a:ext cx="6094476" cy="369332"/>
+          </a:xfrm>
+          <a:prstGeom prst="rect">
+            <a:avLst/>
+          </a:prstGeom>
+          <a:noFill/>
+        </p:spPr>
+        <p:txBody>
+          <a:bodyPr wrap="square">
+            <a:spAutoFit/>
+          </a:bodyPr>
+          <a:lstStyle/>
+          <a:p>
+            <a:r>
+              <a:rPr lang="fr-FR" dirty="0">
+                <a:solidFill>
+                  <a:srgbClr val="CB4E3D"/>
+                </a:solidFill>
+              </a:rPr>
+              <a:t>#F6AB32</a:t>
+            </a:r>
+          </a:p>
+        </p:txBody>
+      </p:sp>
+      <p:sp>
+        <p:nvSpPr>
+          <p:cNvPr id="33" name="ZoneTexte 32">
+            <a:extLst>
+              <a:ext uri="{FF2B5EF4-FFF2-40B4-BE49-F238E27FC236}">
+                <a16:creationId xmlns:a16="http://schemas.microsoft.com/office/drawing/2014/main" id="{2F610191-175A-41B6-8AAF-DCF20AFD5E54}"/>
+              </a:ext>
+            </a:extLst>
+          </p:cNvPr>
+          <p:cNvSpPr txBox="1"/>
+          <p:nvPr/>
+        </p:nvSpPr>
+        <p:spPr>
+          <a:xfrm>
+            <a:off x="1339999" y="3894169"/>
+            <a:ext cx="6094476" cy="369332"/>
+          </a:xfrm>
+          <a:prstGeom prst="rect">
+            <a:avLst/>
+          </a:prstGeom>
+          <a:noFill/>
+        </p:spPr>
+        <p:txBody>
+          <a:bodyPr wrap="square">
+            <a:spAutoFit/>
+          </a:bodyPr>
+          <a:lstStyle/>
+          <a:p>
+            <a:r>
+              <a:rPr lang="fr-FR" dirty="0"/>
+              <a:t>#CB4E3D</a:t>
+            </a:r>
+          </a:p>
+        </p:txBody>
+      </p:sp>
+      <p:sp>
+        <p:nvSpPr>
+          <p:cNvPr id="35" name="ZoneTexte 34">
+            <a:extLst>
+              <a:ext uri="{FF2B5EF4-FFF2-40B4-BE49-F238E27FC236}">
+                <a16:creationId xmlns:a16="http://schemas.microsoft.com/office/drawing/2014/main" id="{2285B10A-76A4-4E86-9978-EBCC5CD76582}"/>
+              </a:ext>
+            </a:extLst>
+          </p:cNvPr>
+          <p:cNvSpPr txBox="1"/>
+          <p:nvPr/>
+        </p:nvSpPr>
+        <p:spPr>
+          <a:xfrm>
+            <a:off x="1339999" y="5361309"/>
+            <a:ext cx="6094476" cy="369332"/>
+          </a:xfrm>
+          <a:prstGeom prst="rect">
+            <a:avLst/>
+          </a:prstGeom>
+          <a:noFill/>
+        </p:spPr>
+        <p:txBody>
+          <a:bodyPr wrap="square">
+            <a:spAutoFit/>
+          </a:bodyPr>
+          <a:lstStyle/>
+          <a:p>
+            <a:r>
+              <a:rPr lang="fr-FR" dirty="0"/>
+              <a:t>#55687C</a:t>
+            </a:r>
+          </a:p>
+        </p:txBody>
+      </p:sp>
     </p:spTree>
     <p:extLst>
       <p:ext uri="{BB962C8B-B14F-4D97-AF65-F5344CB8AC3E}">

--- a/B_Fiches_Protocoles/ProtocolesExpérimentaux.pptx
+++ b/B_Fiches_Protocoles/ProtocolesExpérimentaux.pptx
@@ -16,12 +16,13 @@
     <p:sldId id="262" r:id="rId10"/>
     <p:sldId id="263" r:id="rId11"/>
     <p:sldId id="265" r:id="rId12"/>
-    <p:sldId id="273" r:id="rId13"/>
-    <p:sldId id="264" r:id="rId14"/>
-    <p:sldId id="270" r:id="rId15"/>
-    <p:sldId id="269" r:id="rId16"/>
-    <p:sldId id="271" r:id="rId17"/>
-    <p:sldId id="257" r:id="rId18"/>
+    <p:sldId id="274" r:id="rId13"/>
+    <p:sldId id="273" r:id="rId14"/>
+    <p:sldId id="264" r:id="rId15"/>
+    <p:sldId id="270" r:id="rId16"/>
+    <p:sldId id="269" r:id="rId17"/>
+    <p:sldId id="271" r:id="rId18"/>
+    <p:sldId id="257" r:id="rId19"/>
   </p:sldIdLst>
   <p:sldSz cx="12192000" cy="6858000"/>
   <p:notesSz cx="6858000" cy="9144000"/>
@@ -122,7 +123,18 @@
   </p:defaultTextStyle>
   <p:extLst>
     <p:ext uri="{EFAFB233-063F-42B5-8137-9DF3F51BA10A}">
-      <p15:sldGuideLst xmlns:p15="http://schemas.microsoft.com/office/powerpoint/2012/main"/>
+      <p15:sldGuideLst xmlns:p15="http://schemas.microsoft.com/office/powerpoint/2012/main">
+        <p15:guide id="1" orient="horz" pos="2160" userDrawn="1">
+          <p15:clr>
+            <a:srgbClr val="A4A3A4"/>
+          </p15:clr>
+        </p15:guide>
+        <p15:guide id="2" pos="3840" userDrawn="1">
+          <p15:clr>
+            <a:srgbClr val="A4A3A4"/>
+          </p15:clr>
+        </p15:guide>
+      </p15:sldGuideLst>
     </p:ext>
   </p:extLst>
 </p:presentation>
@@ -260,7 +272,7 @@
           <a:p>
             <a:fld id="{1A3D9B3B-1EC8-4BC4-B783-7630517B3190}" type="datetimeFigureOut">
               <a:rPr lang="fr-FR" smtClean="0"/>
-              <a:t>13/06/2022</a:t>
+              <a:t>18/05/2023</a:t>
             </a:fld>
             <a:endParaRPr lang="fr-FR"/>
           </a:p>
@@ -669,7 +681,7 @@
           <a:p>
             <a:fld id="{1A3D9B3B-1EC8-4BC4-B783-7630517B3190}" type="datetimeFigureOut">
               <a:rPr lang="fr-FR" smtClean="0"/>
-              <a:t>13/06/2022</a:t>
+              <a:t>18/05/2023</a:t>
             </a:fld>
             <a:endParaRPr lang="fr-FR"/>
           </a:p>
@@ -855,7 +867,7 @@
           <a:p>
             <a:fld id="{1A3D9B3B-1EC8-4BC4-B783-7630517B3190}" type="datetimeFigureOut">
               <a:rPr lang="fr-FR" smtClean="0"/>
-              <a:t>13/06/2022</a:t>
+              <a:t>18/05/2023</a:t>
             </a:fld>
             <a:endParaRPr lang="fr-FR"/>
           </a:p>
@@ -1031,7 +1043,7 @@
           <a:p>
             <a:fld id="{1A3D9B3B-1EC8-4BC4-B783-7630517B3190}" type="datetimeFigureOut">
               <a:rPr lang="fr-FR" smtClean="0"/>
-              <a:t>13/06/2022</a:t>
+              <a:t>18/05/2023</a:t>
             </a:fld>
             <a:endParaRPr lang="fr-FR"/>
           </a:p>
@@ -1330,7 +1342,7 @@
           <a:p>
             <a:fld id="{1A3D9B3B-1EC8-4BC4-B783-7630517B3190}" type="datetimeFigureOut">
               <a:rPr lang="fr-FR" smtClean="0"/>
-              <a:t>13/06/2022</a:t>
+              <a:t>18/05/2023</a:t>
             </a:fld>
             <a:endParaRPr lang="fr-FR"/>
           </a:p>
@@ -1567,7 +1579,7 @@
           <a:p>
             <a:fld id="{1A3D9B3B-1EC8-4BC4-B783-7630517B3190}" type="datetimeFigureOut">
               <a:rPr lang="fr-FR" smtClean="0"/>
-              <a:t>13/06/2022</a:t>
+              <a:t>18/05/2023</a:t>
             </a:fld>
             <a:endParaRPr lang="fr-FR"/>
           </a:p>
@@ -1985,7 +1997,7 @@
           <a:p>
             <a:fld id="{1A3D9B3B-1EC8-4BC4-B783-7630517B3190}" type="datetimeFigureOut">
               <a:rPr lang="fr-FR" smtClean="0"/>
-              <a:t>13/06/2022</a:t>
+              <a:t>18/05/2023</a:t>
             </a:fld>
             <a:endParaRPr lang="fr-FR"/>
           </a:p>
@@ -2110,7 +2122,7 @@
           <a:p>
             <a:fld id="{1A3D9B3B-1EC8-4BC4-B783-7630517B3190}" type="datetimeFigureOut">
               <a:rPr lang="fr-FR" smtClean="0"/>
-              <a:t>13/06/2022</a:t>
+              <a:t>18/05/2023</a:t>
             </a:fld>
             <a:endParaRPr lang="fr-FR"/>
           </a:p>
@@ -2259,7 +2271,7 @@
           <a:p>
             <a:fld id="{1A3D9B3B-1EC8-4BC4-B783-7630517B3190}" type="datetimeFigureOut">
               <a:rPr lang="fr-FR" smtClean="0"/>
-              <a:t>13/06/2022</a:t>
+              <a:t>18/05/2023</a:t>
             </a:fld>
             <a:endParaRPr lang="fr-FR"/>
           </a:p>
@@ -2542,7 +2554,7 @@
           <a:p>
             <a:fld id="{1A3D9B3B-1EC8-4BC4-B783-7630517B3190}" type="datetimeFigureOut">
               <a:rPr lang="fr-FR" smtClean="0"/>
-              <a:t>13/06/2022</a:t>
+              <a:t>18/05/2023</a:t>
             </a:fld>
             <a:endParaRPr lang="fr-FR"/>
           </a:p>
@@ -2802,7 +2814,7 @@
           <a:p>
             <a:fld id="{1A3D9B3B-1EC8-4BC4-B783-7630517B3190}" type="datetimeFigureOut">
               <a:rPr lang="fr-FR" smtClean="0"/>
-              <a:t>13/06/2022</a:t>
+              <a:t>18/05/2023</a:t>
             </a:fld>
             <a:endParaRPr lang="fr-FR"/>
           </a:p>
@@ -3022,7 +3034,7 @@
             <a:fld id="{1A3D9B3B-1EC8-4BC4-B783-7630517B3190}" type="datetimeFigureOut">
               <a:rPr lang="fr-FR" smtClean="0"/>
               <a:pPr/>
-              <a:t>13/06/2022</a:t>
+              <a:t>18/05/2023</a:t>
             </a:fld>
             <a:endParaRPr lang="fr-FR"/>
           </a:p>
@@ -3745,7 +3757,54 @@
           <a:bodyPr/>
           <a:lstStyle/>
           <a:p>
-            <a:endParaRPr lang="fr-FR"/>
+            <a:r>
+              <a:rPr lang="fr-FR" dirty="0"/>
+              <a:t>Idées : </a:t>
+            </a:r>
+          </a:p>
+          <a:p>
+            <a:pPr lvl="1"/>
+            <a:r>
+              <a:rPr lang="fr-FR" dirty="0"/>
+              <a:t>Le frottement s’oppose à l’établissement d’un mouvement</a:t>
+            </a:r>
+          </a:p>
+          <a:p>
+            <a:pPr lvl="1"/>
+            <a:r>
+              <a:rPr lang="fr-FR" dirty="0"/>
+              <a:t>Il empêche un système de se mettre en mouvement à basse vitesse</a:t>
+            </a:r>
+          </a:p>
+          <a:p>
+            <a:pPr lvl="1"/>
+            <a:r>
+              <a:rPr lang="fr-FR" dirty="0"/>
+              <a:t>Il est souvent dû à des frottements dans plusieurs liaisons</a:t>
+            </a:r>
+          </a:p>
+          <a:p>
+            <a:pPr lvl="2"/>
+            <a:r>
+              <a:rPr lang="fr-FR" dirty="0"/>
+              <a:t>Liaisons pivot, hélicoïdale, roue et vis sans fin etc…</a:t>
+            </a:r>
+          </a:p>
+          <a:p>
+            <a:pPr lvl="1"/>
+            <a:r>
+              <a:rPr lang="fr-FR" dirty="0"/>
+              <a:t>On peut ramener l’effet du frottement à un couple résistant au niveau du moteur ou à un effort résistant au niveau d’un vérin</a:t>
+            </a:r>
+          </a:p>
+          <a:p>
+            <a:r>
+              <a:rPr lang="fr-FR" dirty="0"/>
+              <a:t>Modèles</a:t>
+            </a:r>
+          </a:p>
+          <a:p>
+            <a:endParaRPr lang="fr-FR" dirty="0"/>
           </a:p>
         </p:txBody>
       </p:sp>
@@ -3781,6 +3840,219 @@
       </p:grpSpPr>
       <p:sp>
         <p:nvSpPr>
+          <p:cNvPr id="2" name="Titre 1">
+            <a:extLst>
+              <a:ext uri="{FF2B5EF4-FFF2-40B4-BE49-F238E27FC236}">
+                <a16:creationId xmlns:a16="http://schemas.microsoft.com/office/drawing/2014/main" id="{DEBD14AD-921D-69FD-A1BA-CC905E0B0D3A}"/>
+              </a:ext>
+            </a:extLst>
+          </p:cNvPr>
+          <p:cNvSpPr>
+            <a:spLocks noGrp="1"/>
+          </p:cNvSpPr>
+          <p:nvPr>
+            <p:ph type="title"/>
+          </p:nvPr>
+        </p:nvSpPr>
+        <p:spPr/>
+        <p:txBody>
+          <a:bodyPr/>
+          <a:lstStyle/>
+          <a:p>
+            <a:r>
+              <a:rPr lang="fr-FR" dirty="0"/>
+              <a:t>Détermination du frottement sec</a:t>
+            </a:r>
+            <a:br>
+              <a:rPr lang="fr-FR" dirty="0"/>
+            </a:br>
+            <a:r>
+              <a:rPr lang="fr-FR" dirty="0"/>
+              <a:t>Protocoles</a:t>
+            </a:r>
+          </a:p>
+        </p:txBody>
+      </p:sp>
+      <p:sp>
+        <p:nvSpPr>
+          <p:cNvPr id="3" name="Espace réservé du contenu 2">
+            <a:extLst>
+              <a:ext uri="{FF2B5EF4-FFF2-40B4-BE49-F238E27FC236}">
+                <a16:creationId xmlns:a16="http://schemas.microsoft.com/office/drawing/2014/main" id="{35FE8FE1-A6F7-64D3-99E8-856B381FC1E6}"/>
+              </a:ext>
+            </a:extLst>
+          </p:cNvPr>
+          <p:cNvSpPr>
+            <a:spLocks noGrp="1"/>
+          </p:cNvSpPr>
+          <p:nvPr>
+            <p:ph idx="1"/>
+          </p:nvPr>
+        </p:nvSpPr>
+        <p:spPr/>
+        <p:txBody>
+          <a:bodyPr>
+            <a:normAutofit fontScale="92500" lnSpcReduction="20000"/>
+          </a:bodyPr>
+          <a:lstStyle/>
+          <a:p>
+            <a:r>
+              <a:rPr lang="fr-FR" dirty="0"/>
+              <a:t>En boucle ouverte, déterminer la tension du moteur à partir de laquelle le système se met en mouvement.</a:t>
+            </a:r>
+          </a:p>
+          <a:p>
+            <a:pPr lvl="1"/>
+            <a:r>
+              <a:rPr lang="fr-FR" dirty="0"/>
+              <a:t>Mesurer le courant et en déduire le couple</a:t>
+            </a:r>
+          </a:p>
+          <a:p>
+            <a:pPr lvl="1"/>
+            <a:endParaRPr lang="fr-FR" dirty="0"/>
+          </a:p>
+          <a:p>
+            <a:r>
+              <a:rPr lang="fr-FR" dirty="0"/>
+              <a:t>Sur un déplacement où la pesanteur ne travaille pas (</a:t>
+            </a:r>
+            <a:r>
+              <a:rPr lang="fr-FR" dirty="0" err="1"/>
+              <a:t>ControlX</a:t>
+            </a:r>
+            <a:r>
+              <a:rPr lang="fr-FR" dirty="0"/>
+              <a:t>, MaxPID à plat, </a:t>
+            </a:r>
+            <a:r>
+              <a:rPr lang="fr-FR" dirty="0" err="1"/>
+              <a:t>BrasBeta</a:t>
+            </a:r>
+            <a:r>
+              <a:rPr lang="fr-FR" dirty="0"/>
+              <a:t>, Mouvement horizontal du Moby </a:t>
+            </a:r>
+            <a:r>
+              <a:rPr lang="fr-FR" dirty="0" err="1"/>
+              <a:t>Crea</a:t>
+            </a:r>
+            <a:r>
+              <a:rPr lang="fr-FR" dirty="0"/>
+              <a:t>, BGR a plat)</a:t>
+            </a:r>
+          </a:p>
+          <a:p>
+            <a:pPr lvl="1"/>
+            <a:r>
+              <a:rPr lang="fr-FR" dirty="0"/>
+              <a:t>Faire des essais à vitesse différentes</a:t>
+            </a:r>
+          </a:p>
+          <a:p>
+            <a:pPr lvl="1"/>
+            <a:r>
+              <a:rPr lang="fr-FR" dirty="0"/>
+              <a:t>Mesurer le couple grâce au courant</a:t>
+            </a:r>
+          </a:p>
+          <a:p>
+            <a:pPr lvl="2"/>
+            <a:r>
+              <a:rPr lang="fr-FR" dirty="0"/>
+              <a:t>Le couple à fournir par l’actionneur doit être nul ou constant.</a:t>
+            </a:r>
+          </a:p>
+          <a:p>
+            <a:pPr lvl="3"/>
+            <a:r>
+              <a:rPr lang="fr-FR" dirty="0"/>
+              <a:t>Si couple nul, pas de frottement sec (ou négligeable)</a:t>
+            </a:r>
+          </a:p>
+          <a:p>
+            <a:pPr lvl="3"/>
+            <a:r>
+              <a:rPr lang="fr-FR" dirty="0"/>
+              <a:t>Si couple constant, frottement sec</a:t>
+            </a:r>
+          </a:p>
+          <a:p>
+            <a:pPr lvl="3"/>
+            <a:r>
+              <a:rPr lang="fr-FR" dirty="0"/>
+              <a:t>Si couple variable, frottement sec + autre frottement</a:t>
+            </a:r>
+          </a:p>
+          <a:p>
+            <a:pPr lvl="3"/>
+            <a:endParaRPr lang="fr-FR" dirty="0"/>
+          </a:p>
+          <a:p>
+            <a:r>
+              <a:rPr lang="fr-FR" dirty="0"/>
+              <a:t>Sur un déplacement où la pesanteur travaille (Comax, Robot Delta 2D)</a:t>
+            </a:r>
+          </a:p>
+          <a:p>
+            <a:pPr lvl="1"/>
+            <a:r>
+              <a:rPr lang="fr-FR" dirty="0"/>
+              <a:t>Se positionner à une vitesse constante, plutôt en phase de montée</a:t>
+            </a:r>
+          </a:p>
+          <a:p>
+            <a:pPr lvl="1"/>
+            <a:r>
+              <a:rPr lang="fr-FR" dirty="0"/>
+              <a:t>Evaluer le couple à fournir pour compenser le poids</a:t>
+            </a:r>
+          </a:p>
+          <a:p>
+            <a:pPr lvl="1"/>
+            <a:r>
+              <a:rPr lang="fr-FR" dirty="0"/>
+              <a:t>En déduire le couple de frottement</a:t>
+            </a:r>
+          </a:p>
+          <a:p>
+            <a:pPr lvl="3"/>
+            <a:endParaRPr lang="fr-FR" dirty="0"/>
+          </a:p>
+        </p:txBody>
+      </p:sp>
+    </p:spTree>
+    <p:extLst>
+      <p:ext uri="{BB962C8B-B14F-4D97-AF65-F5344CB8AC3E}">
+        <p14:creationId xmlns:p14="http://schemas.microsoft.com/office/powerpoint/2010/main" val="632606674"/>
+      </p:ext>
+    </p:extLst>
+  </p:cSld>
+  <p:clrMapOvr>
+    <a:masterClrMapping/>
+  </p:clrMapOvr>
+</p:sld>
+</file>
+
+<file path=ppt/slides/slide13.xml><?xml version="1.0" encoding="utf-8"?>
+<p:sld xmlns:a="http://schemas.openxmlformats.org/drawingml/2006/main" xmlns:r="http://schemas.openxmlformats.org/officeDocument/2006/relationships" xmlns:p="http://schemas.openxmlformats.org/presentationml/2006/main">
+  <p:cSld>
+    <p:spTree>
+      <p:nvGrpSpPr>
+        <p:cNvPr id="1" name=""/>
+        <p:cNvGrpSpPr/>
+        <p:nvPr/>
+      </p:nvGrpSpPr>
+      <p:grpSpPr>
+        <a:xfrm>
+          <a:off x="0" y="0"/>
+          <a:ext cx="0" cy="0"/>
+          <a:chOff x="0" y="0"/>
+          <a:chExt cx="0" cy="0"/>
+        </a:xfrm>
+      </p:grpSpPr>
+      <p:sp>
+        <p:nvSpPr>
           <p:cNvPr id="2" name="Titre 1"/>
           <p:cNvSpPr>
             <a:spLocks noGrp="1"/>
@@ -3833,7 +4105,7 @@
 </p:sld>
 </file>
 
-<file path=ppt/slides/slide13.xml><?xml version="1.0" encoding="utf-8"?>
+<file path=ppt/slides/slide14.xml><?xml version="1.0" encoding="utf-8"?>
 <p:sld xmlns:a="http://schemas.openxmlformats.org/drawingml/2006/main" xmlns:r="http://schemas.openxmlformats.org/officeDocument/2006/relationships" xmlns:p="http://schemas.openxmlformats.org/presentationml/2006/main">
   <p:cSld>
     <p:spTree>
@@ -4022,89 +4294,6 @@
 </p:sld>
 </file>
 
-<file path=ppt/slides/slide14.xml><?xml version="1.0" encoding="utf-8"?>
-<p:sld xmlns:a="http://schemas.openxmlformats.org/drawingml/2006/main" xmlns:r="http://schemas.openxmlformats.org/officeDocument/2006/relationships" xmlns:p="http://schemas.openxmlformats.org/presentationml/2006/main">
-  <p:cSld>
-    <p:spTree>
-      <p:nvGrpSpPr>
-        <p:cNvPr id="1" name=""/>
-        <p:cNvGrpSpPr/>
-        <p:nvPr/>
-      </p:nvGrpSpPr>
-      <p:grpSpPr>
-        <a:xfrm>
-          <a:off x="0" y="0"/>
-          <a:ext cx="0" cy="0"/>
-          <a:chOff x="0" y="0"/>
-          <a:chExt cx="0" cy="0"/>
-        </a:xfrm>
-      </p:grpSpPr>
-      <p:sp>
-        <p:nvSpPr>
-          <p:cNvPr id="5" name="Titre 4">
-            <a:extLst>
-              <a:ext uri="{FF2B5EF4-FFF2-40B4-BE49-F238E27FC236}">
-                <a16:creationId xmlns:a16="http://schemas.microsoft.com/office/drawing/2014/main" id="{1B3466BE-90DA-460C-89D2-467B99FE9911}"/>
-              </a:ext>
-            </a:extLst>
-          </p:cNvPr>
-          <p:cNvSpPr>
-            <a:spLocks noGrp="1"/>
-          </p:cNvSpPr>
-          <p:nvPr>
-            <p:ph type="title"/>
-          </p:nvPr>
-        </p:nvSpPr>
-        <p:spPr/>
-        <p:txBody>
-          <a:bodyPr/>
-          <a:lstStyle/>
-          <a:p>
-            <a:r>
-              <a:rPr lang="fr-FR" dirty="0"/>
-              <a:t>Détermination de la constante électrique ou de la constante de couple</a:t>
-            </a:r>
-          </a:p>
-        </p:txBody>
-      </p:sp>
-      <p:sp>
-        <p:nvSpPr>
-          <p:cNvPr id="6" name="Espace réservé du contenu 5">
-            <a:extLst>
-              <a:ext uri="{FF2B5EF4-FFF2-40B4-BE49-F238E27FC236}">
-                <a16:creationId xmlns:a16="http://schemas.microsoft.com/office/drawing/2014/main" id="{DD3182B1-2E49-4758-9780-442FDA2CB3F8}"/>
-              </a:ext>
-            </a:extLst>
-          </p:cNvPr>
-          <p:cNvSpPr>
-            <a:spLocks noGrp="1"/>
-          </p:cNvSpPr>
-          <p:nvPr>
-            <p:ph idx="1"/>
-          </p:nvPr>
-        </p:nvSpPr>
-        <p:spPr/>
-        <p:txBody>
-          <a:bodyPr/>
-          <a:lstStyle/>
-          <a:p>
-            <a:endParaRPr lang="fr-FR"/>
-          </a:p>
-        </p:txBody>
-      </p:sp>
-    </p:spTree>
-    <p:extLst>
-      <p:ext uri="{BB962C8B-B14F-4D97-AF65-F5344CB8AC3E}">
-        <p14:creationId xmlns:p14="http://schemas.microsoft.com/office/powerpoint/2010/main" val="2801543763"/>
-      </p:ext>
-    </p:extLst>
-  </p:cSld>
-  <p:clrMapOvr>
-    <a:masterClrMapping/>
-  </p:clrMapOvr>
-</p:sld>
-</file>
-
 <file path=ppt/slides/slide15.xml><?xml version="1.0" encoding="utf-8"?>
 <p:sld xmlns:a="http://schemas.openxmlformats.org/drawingml/2006/main" xmlns:r="http://schemas.openxmlformats.org/officeDocument/2006/relationships" xmlns:p="http://schemas.openxmlformats.org/presentationml/2006/main">
   <p:cSld>
@@ -4145,40 +4334,1181 @@
           <a:p>
             <a:r>
               <a:rPr lang="fr-FR" dirty="0"/>
-              <a:t>Détermination de la résistance</a:t>
-            </a:r>
-          </a:p>
-        </p:txBody>
-      </p:sp>
-      <p:sp>
-        <p:nvSpPr>
-          <p:cNvPr id="6" name="Espace réservé du contenu 5">
-            <a:extLst>
-              <a:ext uri="{FF2B5EF4-FFF2-40B4-BE49-F238E27FC236}">
-                <a16:creationId xmlns:a16="http://schemas.microsoft.com/office/drawing/2014/main" id="{DD3182B1-2E49-4758-9780-442FDA2CB3F8}"/>
-              </a:ext>
-            </a:extLst>
-          </p:cNvPr>
-          <p:cNvSpPr>
-            <a:spLocks noGrp="1"/>
-          </p:cNvSpPr>
-          <p:nvPr>
-            <p:ph idx="1"/>
-          </p:nvPr>
-        </p:nvSpPr>
-        <p:spPr/>
-        <p:txBody>
-          <a:bodyPr/>
-          <a:lstStyle/>
-          <a:p>
-            <a:endParaRPr lang="fr-FR"/>
-          </a:p>
-        </p:txBody>
-      </p:sp>
+              <a:t>Détermination de la constante électrique ou de la constante de couple</a:t>
+            </a:r>
+          </a:p>
+        </p:txBody>
+      </p:sp>
+      <mc:AlternateContent xmlns:mc="http://schemas.openxmlformats.org/markup-compatibility/2006">
+        <mc:Choice xmlns:a14="http://schemas.microsoft.com/office/drawing/2010/main" Requires="a14">
+          <p:sp>
+            <p:nvSpPr>
+              <p:cNvPr id="6" name="Espace réservé du contenu 5">
+                <a:extLst>
+                  <a:ext uri="{FF2B5EF4-FFF2-40B4-BE49-F238E27FC236}">
+                    <a16:creationId xmlns:a16="http://schemas.microsoft.com/office/drawing/2014/main" id="{DD3182B1-2E49-4758-9780-442FDA2CB3F8}"/>
+                  </a:ext>
+                </a:extLst>
+              </p:cNvPr>
+              <p:cNvSpPr>
+                <a:spLocks noGrp="1"/>
+              </p:cNvSpPr>
+              <p:nvPr>
+                <p:ph idx="1"/>
+              </p:nvPr>
+            </p:nvSpPr>
+            <p:spPr>
+              <a:xfrm>
+                <a:off x="232229" y="1248228"/>
+                <a:ext cx="9054011" cy="5110161"/>
+              </a:xfrm>
+            </p:spPr>
+            <p:txBody>
+              <a:bodyPr/>
+              <a:lstStyle/>
+              <a:p>
+                <a:r>
+                  <a:rPr lang="fr-FR" dirty="0"/>
+                  <a:t>Utilisation d’un moteur (à vide). </a:t>
+                </a:r>
+              </a:p>
+              <a:p>
+                <a:r>
+                  <a:rPr lang="fr-FR" dirty="0"/>
+                  <a:t>On utilise un codeur ou un tachymètre pour avoir </a:t>
+                </a:r>
+                <a14:m>
+                  <m:oMath xmlns:m="http://schemas.openxmlformats.org/officeDocument/2006/math">
+                    <m:r>
+                      <a:rPr lang="fr-FR" b="0" i="1" smtClean="0">
+                        <a:latin typeface="Cambria Math" panose="02040503050406030204" pitchFamily="18" charset="0"/>
+                      </a:rPr>
+                      <m:t>𝜔</m:t>
+                    </m:r>
+                    <m:r>
+                      <a:rPr lang="fr-FR" b="0" i="1" smtClean="0">
+                        <a:latin typeface="Cambria Math" panose="02040503050406030204" pitchFamily="18" charset="0"/>
+                      </a:rPr>
+                      <m:t>(</m:t>
+                    </m:r>
+                    <m:r>
+                      <a:rPr lang="fr-FR" b="0" i="1" smtClean="0">
+                        <a:latin typeface="Cambria Math" panose="02040503050406030204" pitchFamily="18" charset="0"/>
+                      </a:rPr>
+                      <m:t>𝑡</m:t>
+                    </m:r>
+                    <m:r>
+                      <a:rPr lang="fr-FR" b="0" i="1" smtClean="0">
+                        <a:latin typeface="Cambria Math" panose="02040503050406030204" pitchFamily="18" charset="0"/>
+                      </a:rPr>
+                      <m:t>)</m:t>
+                    </m:r>
+                  </m:oMath>
+                </a14:m>
+                <a:endParaRPr lang="fr-FR" dirty="0"/>
+              </a:p>
+              <a:p>
+                <a:r>
+                  <a:rPr lang="fr-FR" dirty="0"/>
+                  <a:t>On fait varier </a:t>
+                </a:r>
+                <a14:m>
+                  <m:oMath xmlns:m="http://schemas.openxmlformats.org/officeDocument/2006/math">
+                    <m:r>
+                      <a:rPr lang="fr-FR" b="0" i="1" dirty="0" smtClean="0">
+                        <a:latin typeface="Cambria Math" panose="02040503050406030204" pitchFamily="18" charset="0"/>
+                      </a:rPr>
+                      <m:t>𝑈</m:t>
+                    </m:r>
+                    <m:r>
+                      <a:rPr lang="fr-FR" b="0" i="1" dirty="0" smtClean="0">
+                        <a:latin typeface="Cambria Math" panose="02040503050406030204" pitchFamily="18" charset="0"/>
+                      </a:rPr>
+                      <m:t>(</m:t>
+                    </m:r>
+                    <m:r>
+                      <a:rPr lang="fr-FR" b="0" i="1" dirty="0" smtClean="0">
+                        <a:latin typeface="Cambria Math" panose="02040503050406030204" pitchFamily="18" charset="0"/>
+                      </a:rPr>
+                      <m:t>𝑡</m:t>
+                    </m:r>
+                    <m:r>
+                      <a:rPr lang="fr-FR" b="0" i="1" dirty="0" smtClean="0">
+                        <a:latin typeface="Cambria Math" panose="02040503050406030204" pitchFamily="18" charset="0"/>
+                      </a:rPr>
+                      <m:t>)</m:t>
+                    </m:r>
+                  </m:oMath>
+                </a14:m>
+                <a:r>
+                  <a:rPr lang="fr-FR" dirty="0"/>
+                  <a:t>. En régime permanent, on a alors  </a:t>
+                </a:r>
+                <a14:m>
+                  <m:oMath xmlns:m="http://schemas.openxmlformats.org/officeDocument/2006/math">
+                    <m:r>
+                      <a:rPr lang="fr-FR" i="1">
+                        <a:latin typeface="Cambria Math" panose="02040503050406030204" pitchFamily="18" charset="0"/>
+                      </a:rPr>
+                      <m:t>𝑈</m:t>
+                    </m:r>
+                    <m:d>
+                      <m:dPr>
+                        <m:ctrlPr>
+                          <a:rPr lang="fr-FR" i="1">
+                            <a:latin typeface="Cambria Math" panose="02040503050406030204" pitchFamily="18" charset="0"/>
+                          </a:rPr>
+                        </m:ctrlPr>
+                      </m:dPr>
+                      <m:e>
+                        <m:r>
+                          <a:rPr lang="fr-FR" i="1">
+                            <a:latin typeface="Cambria Math" panose="02040503050406030204" pitchFamily="18" charset="0"/>
+                          </a:rPr>
+                          <m:t>𝑡</m:t>
+                        </m:r>
+                      </m:e>
+                    </m:d>
+                    <m:r>
+                      <a:rPr lang="fr-FR" i="1">
+                        <a:latin typeface="Cambria Math" panose="02040503050406030204" pitchFamily="18" charset="0"/>
+                      </a:rPr>
+                      <m:t>=</m:t>
+                    </m:r>
+                    <m:r>
+                      <a:rPr lang="fr-FR" i="1">
+                        <a:latin typeface="Cambria Math" panose="02040503050406030204" pitchFamily="18" charset="0"/>
+                      </a:rPr>
+                      <m:t>𝑅𝑖</m:t>
+                    </m:r>
+                    <m:d>
+                      <m:dPr>
+                        <m:ctrlPr>
+                          <a:rPr lang="fr-FR" i="1">
+                            <a:latin typeface="Cambria Math" panose="02040503050406030204" pitchFamily="18" charset="0"/>
+                          </a:rPr>
+                        </m:ctrlPr>
+                      </m:dPr>
+                      <m:e>
+                        <m:r>
+                          <a:rPr lang="fr-FR" i="1">
+                            <a:latin typeface="Cambria Math" panose="02040503050406030204" pitchFamily="18" charset="0"/>
+                          </a:rPr>
+                          <m:t>𝑡</m:t>
+                        </m:r>
+                      </m:e>
+                    </m:d>
+                    <m:r>
+                      <a:rPr lang="fr-FR" i="1">
+                        <a:latin typeface="Cambria Math" panose="02040503050406030204" pitchFamily="18" charset="0"/>
+                      </a:rPr>
+                      <m:t>+</m:t>
+                    </m:r>
+                    <m:r>
+                      <a:rPr lang="fr-FR" i="1">
+                        <a:latin typeface="Cambria Math" panose="02040503050406030204" pitchFamily="18" charset="0"/>
+                      </a:rPr>
+                      <m:t>𝐸</m:t>
+                    </m:r>
+                    <m:d>
+                      <m:dPr>
+                        <m:ctrlPr>
+                          <a:rPr lang="fr-FR" i="1">
+                            <a:latin typeface="Cambria Math" panose="02040503050406030204" pitchFamily="18" charset="0"/>
+                          </a:rPr>
+                        </m:ctrlPr>
+                      </m:dPr>
+                      <m:e>
+                        <m:r>
+                          <a:rPr lang="fr-FR" i="1">
+                            <a:latin typeface="Cambria Math" panose="02040503050406030204" pitchFamily="18" charset="0"/>
+                          </a:rPr>
+                          <m:t>𝑡</m:t>
+                        </m:r>
+                      </m:e>
+                    </m:d>
+                  </m:oMath>
+                </a14:m>
+                <a:r>
+                  <a:rPr lang="fr-FR" i="1" dirty="0"/>
+                  <a:t> </a:t>
+                </a:r>
+                <a:r>
+                  <a:rPr lang="fr-FR" dirty="0"/>
+                  <a:t>et donc </a:t>
+                </a:r>
+                <a14:m>
+                  <m:oMath xmlns:m="http://schemas.openxmlformats.org/officeDocument/2006/math">
+                    <m:r>
+                      <a:rPr lang="fr-FR" b="0" i="1" smtClean="0">
+                        <a:latin typeface="Cambria Math" panose="02040503050406030204" pitchFamily="18" charset="0"/>
+                      </a:rPr>
+                      <m:t>𝐸</m:t>
+                    </m:r>
+                    <m:d>
+                      <m:dPr>
+                        <m:ctrlPr>
+                          <a:rPr lang="fr-FR" b="0" i="1" smtClean="0">
+                            <a:latin typeface="Cambria Math" panose="02040503050406030204" pitchFamily="18" charset="0"/>
+                          </a:rPr>
+                        </m:ctrlPr>
+                      </m:dPr>
+                      <m:e>
+                        <m:r>
+                          <a:rPr lang="fr-FR" b="0" i="1" smtClean="0">
+                            <a:latin typeface="Cambria Math" panose="02040503050406030204" pitchFamily="18" charset="0"/>
+                          </a:rPr>
+                          <m:t>𝑡</m:t>
+                        </m:r>
+                      </m:e>
+                    </m:d>
+                    <m:r>
+                      <a:rPr lang="fr-FR" b="0" i="1" smtClean="0">
+                        <a:latin typeface="Cambria Math" panose="02040503050406030204" pitchFamily="18" charset="0"/>
+                      </a:rPr>
+                      <m:t>=</m:t>
+                    </m:r>
+                    <m:r>
+                      <a:rPr lang="fr-FR" b="0" i="1" smtClean="0">
+                        <a:latin typeface="Cambria Math" panose="02040503050406030204" pitchFamily="18" charset="0"/>
+                      </a:rPr>
+                      <m:t>𝑈</m:t>
+                    </m:r>
+                    <m:d>
+                      <m:dPr>
+                        <m:ctrlPr>
+                          <a:rPr lang="fr-FR" b="0" i="1" smtClean="0">
+                            <a:latin typeface="Cambria Math" panose="02040503050406030204" pitchFamily="18" charset="0"/>
+                          </a:rPr>
+                        </m:ctrlPr>
+                      </m:dPr>
+                      <m:e>
+                        <m:r>
+                          <a:rPr lang="fr-FR" b="0" i="1" smtClean="0">
+                            <a:latin typeface="Cambria Math" panose="02040503050406030204" pitchFamily="18" charset="0"/>
+                          </a:rPr>
+                          <m:t>𝑡</m:t>
+                        </m:r>
+                      </m:e>
+                    </m:d>
+                    <m:r>
+                      <a:rPr lang="fr-FR" b="0" i="1" smtClean="0">
+                        <a:latin typeface="Cambria Math" panose="02040503050406030204" pitchFamily="18" charset="0"/>
+                      </a:rPr>
+                      <m:t>−</m:t>
+                    </m:r>
+                    <m:r>
+                      <a:rPr lang="fr-FR" b="0" i="1" smtClean="0">
+                        <a:latin typeface="Cambria Math" panose="02040503050406030204" pitchFamily="18" charset="0"/>
+                      </a:rPr>
+                      <m:t>𝑅𝑖</m:t>
+                    </m:r>
+                    <m:r>
+                      <a:rPr lang="fr-FR" b="0" i="1" smtClean="0">
+                        <a:latin typeface="Cambria Math" panose="02040503050406030204" pitchFamily="18" charset="0"/>
+                      </a:rPr>
+                      <m:t>(</m:t>
+                    </m:r>
+                    <m:r>
+                      <a:rPr lang="fr-FR" b="0" i="1" smtClean="0">
+                        <a:latin typeface="Cambria Math" panose="02040503050406030204" pitchFamily="18" charset="0"/>
+                      </a:rPr>
+                      <m:t>𝑡</m:t>
+                    </m:r>
+                    <m:r>
+                      <a:rPr lang="fr-FR" b="0" i="1" smtClean="0">
+                        <a:latin typeface="Cambria Math" panose="02040503050406030204" pitchFamily="18" charset="0"/>
+                      </a:rPr>
+                      <m:t>)</m:t>
+                    </m:r>
+                  </m:oMath>
+                </a14:m>
+                <a:r>
+                  <a:rPr lang="fr-FR" dirty="0"/>
+                  <a:t>.</a:t>
+                </a:r>
+              </a:p>
+              <a:p>
+                <a:r>
+                  <a:rPr lang="fr-FR" dirty="0"/>
+                  <a:t>Par suite, </a:t>
+                </a:r>
+                <a14:m>
+                  <m:oMath xmlns:m="http://schemas.openxmlformats.org/officeDocument/2006/math">
+                    <m:r>
+                      <a:rPr lang="fr-FR" b="0" i="1" smtClean="0">
+                        <a:latin typeface="Cambria Math" panose="02040503050406030204" pitchFamily="18" charset="0"/>
+                      </a:rPr>
+                      <m:t>𝐾</m:t>
+                    </m:r>
+                    <m:r>
+                      <a:rPr lang="fr-FR" b="0" i="1" smtClean="0">
+                        <a:latin typeface="Cambria Math" panose="02040503050406030204" pitchFamily="18" charset="0"/>
+                      </a:rPr>
+                      <m:t>=</m:t>
+                    </m:r>
+                    <m:f>
+                      <m:fPr>
+                        <m:ctrlPr>
+                          <a:rPr lang="fr-FR" b="0" i="0" smtClean="0">
+                            <a:latin typeface="Cambria Math" panose="02040503050406030204" pitchFamily="18" charset="0"/>
+                          </a:rPr>
+                        </m:ctrlPr>
+                      </m:fPr>
+                      <m:num>
+                        <m:r>
+                          <a:rPr lang="fr-FR" i="1">
+                            <a:latin typeface="Cambria Math" panose="02040503050406030204" pitchFamily="18" charset="0"/>
+                          </a:rPr>
+                          <m:t>𝑈</m:t>
+                        </m:r>
+                        <m:d>
+                          <m:dPr>
+                            <m:ctrlPr>
+                              <a:rPr lang="fr-FR" i="1">
+                                <a:latin typeface="Cambria Math" panose="02040503050406030204" pitchFamily="18" charset="0"/>
+                              </a:rPr>
+                            </m:ctrlPr>
+                          </m:dPr>
+                          <m:e>
+                            <m:r>
+                              <a:rPr lang="fr-FR" i="1">
+                                <a:latin typeface="Cambria Math" panose="02040503050406030204" pitchFamily="18" charset="0"/>
+                              </a:rPr>
+                              <m:t>𝑡</m:t>
+                            </m:r>
+                          </m:e>
+                        </m:d>
+                        <m:r>
+                          <a:rPr lang="fr-FR" i="1">
+                            <a:latin typeface="Cambria Math" panose="02040503050406030204" pitchFamily="18" charset="0"/>
+                          </a:rPr>
+                          <m:t>−</m:t>
+                        </m:r>
+                        <m:r>
+                          <a:rPr lang="fr-FR" i="1">
+                            <a:latin typeface="Cambria Math" panose="02040503050406030204" pitchFamily="18" charset="0"/>
+                          </a:rPr>
+                          <m:t>𝑅𝑖</m:t>
+                        </m:r>
+                        <m:d>
+                          <m:dPr>
+                            <m:ctrlPr>
+                              <a:rPr lang="fr-FR" i="1">
+                                <a:latin typeface="Cambria Math" panose="02040503050406030204" pitchFamily="18" charset="0"/>
+                              </a:rPr>
+                            </m:ctrlPr>
+                          </m:dPr>
+                          <m:e>
+                            <m:r>
+                              <a:rPr lang="fr-FR" i="1">
+                                <a:latin typeface="Cambria Math" panose="02040503050406030204" pitchFamily="18" charset="0"/>
+                              </a:rPr>
+                              <m:t>𝑡</m:t>
+                            </m:r>
+                          </m:e>
+                        </m:d>
+                      </m:num>
+                      <m:den>
+                        <m:r>
+                          <a:rPr lang="fr-FR" b="0" i="1" smtClean="0">
+                            <a:latin typeface="Cambria Math" panose="02040503050406030204" pitchFamily="18" charset="0"/>
+                          </a:rPr>
+                          <m:t>𝜔</m:t>
+                        </m:r>
+                        <m:r>
+                          <a:rPr lang="fr-FR" b="0" i="1" smtClean="0">
+                            <a:latin typeface="Cambria Math" panose="02040503050406030204" pitchFamily="18" charset="0"/>
+                          </a:rPr>
+                          <m:t>(</m:t>
+                        </m:r>
+                        <m:r>
+                          <a:rPr lang="fr-FR" b="0" i="1" smtClean="0">
+                            <a:latin typeface="Cambria Math" panose="02040503050406030204" pitchFamily="18" charset="0"/>
+                          </a:rPr>
+                          <m:t>𝑡</m:t>
+                        </m:r>
+                        <m:r>
+                          <a:rPr lang="fr-FR" b="0" i="1" smtClean="0">
+                            <a:latin typeface="Cambria Math" panose="02040503050406030204" pitchFamily="18" charset="0"/>
+                          </a:rPr>
+                          <m:t>)</m:t>
+                        </m:r>
+                      </m:den>
+                    </m:f>
+                  </m:oMath>
+                </a14:m>
+                <a:endParaRPr lang="fr-FR" dirty="0"/>
+              </a:p>
+              <a:p>
+                <a:endParaRPr lang="fr-FR" dirty="0"/>
+              </a:p>
+            </p:txBody>
+          </p:sp>
+        </mc:Choice>
+        <mc:Fallback>
+          <p:sp>
+            <p:nvSpPr>
+              <p:cNvPr id="6" name="Espace réservé du contenu 5">
+                <a:extLst>
+                  <a:ext uri="{FF2B5EF4-FFF2-40B4-BE49-F238E27FC236}">
+                    <a16:creationId xmlns:a16="http://schemas.microsoft.com/office/drawing/2014/main" id="{DD3182B1-2E49-4758-9780-442FDA2CB3F8}"/>
+                  </a:ext>
+                </a:extLst>
+              </p:cNvPr>
+              <p:cNvSpPr>
+                <a:spLocks noGrp="1" noRot="1" noChangeAspect="1" noMove="1" noResize="1" noEditPoints="1" noAdjustHandles="1" noChangeArrowheads="1" noChangeShapeType="1" noTextEdit="1"/>
+              </p:cNvSpPr>
+              <p:nvPr>
+                <p:ph idx="1"/>
+              </p:nvPr>
+            </p:nvSpPr>
+            <p:spPr>
+              <a:xfrm>
+                <a:off x="232229" y="1248228"/>
+                <a:ext cx="9054011" cy="5110161"/>
+              </a:xfrm>
+              <a:blipFill>
+                <a:blip r:embed="rId2"/>
+                <a:stretch>
+                  <a:fillRect l="-1212" t="-2029"/>
+                </a:stretch>
+              </a:blipFill>
+            </p:spPr>
+            <p:txBody>
+              <a:bodyPr/>
+              <a:lstStyle/>
+              <a:p>
+                <a:r>
+                  <a:rPr lang="fr-FR">
+                    <a:noFill/>
+                  </a:rPr>
+                  <a:t> </a:t>
+                </a:r>
+              </a:p>
+            </p:txBody>
+          </p:sp>
+        </mc:Fallback>
+      </mc:AlternateContent>
+      <mc:AlternateContent xmlns:mc="http://schemas.openxmlformats.org/markup-compatibility/2006">
+        <mc:Choice xmlns:a14="http://schemas.microsoft.com/office/drawing/2010/main" Requires="a14">
+          <p:sp>
+            <p:nvSpPr>
+              <p:cNvPr id="2" name="Espace réservé du contenu 5">
+                <a:extLst>
+                  <a:ext uri="{FF2B5EF4-FFF2-40B4-BE49-F238E27FC236}">
+                    <a16:creationId xmlns:a16="http://schemas.microsoft.com/office/drawing/2014/main" id="{34A94D06-0425-E509-B002-D55E208182D5}"/>
+                  </a:ext>
+                </a:extLst>
+              </p:cNvPr>
+              <p:cNvSpPr txBox="1">
+                <a:spLocks/>
+              </p:cNvSpPr>
+              <p:nvPr/>
+            </p:nvSpPr>
+            <p:spPr>
+              <a:xfrm>
+                <a:off x="9194800" y="1400629"/>
+                <a:ext cx="2917370" cy="1576251"/>
+              </a:xfrm>
+              <a:prstGeom prst="rect">
+                <a:avLst/>
+              </a:prstGeom>
+            </p:spPr>
+            <p:txBody>
+              <a:bodyPr vert="horz" lIns="91440" tIns="45720" rIns="91440" bIns="45720" rtlCol="0">
+                <a:normAutofit fontScale="85000" lnSpcReduction="10000"/>
+              </a:bodyPr>
+              <a:lstStyle>
+                <a:lvl1pPr marL="228600" indent="-228600" algn="l" defTabSz="914400" rtl="0" eaLnBrk="1" latinLnBrk="0" hangingPunct="1">
+                  <a:lnSpc>
+                    <a:spcPct val="90000"/>
+                  </a:lnSpc>
+                  <a:spcBef>
+                    <a:spcPts val="1000"/>
+                  </a:spcBef>
+                  <a:buFont typeface="Arial" panose="020B0604020202020204" pitchFamily="34" charset="0"/>
+                  <a:buChar char="•"/>
+                  <a:defRPr sz="2800" kern="1200">
+                    <a:solidFill>
+                      <a:schemeClr val="tx1"/>
+                    </a:solidFill>
+                    <a:latin typeface="+mn-lt"/>
+                    <a:ea typeface="+mn-ea"/>
+                    <a:cs typeface="+mn-cs"/>
+                  </a:defRPr>
+                </a:lvl1pPr>
+                <a:lvl2pPr marL="685800" indent="-228600" algn="l" defTabSz="914400" rtl="0" eaLnBrk="1" latinLnBrk="0" hangingPunct="1">
+                  <a:lnSpc>
+                    <a:spcPct val="90000"/>
+                  </a:lnSpc>
+                  <a:spcBef>
+                    <a:spcPts val="500"/>
+                  </a:spcBef>
+                  <a:buFont typeface="Arial" panose="020B0604020202020204" pitchFamily="34" charset="0"/>
+                  <a:buChar char="•"/>
+                  <a:defRPr sz="2400" kern="1200">
+                    <a:solidFill>
+                      <a:schemeClr val="tx1"/>
+                    </a:solidFill>
+                    <a:latin typeface="+mn-lt"/>
+                    <a:ea typeface="+mn-ea"/>
+                    <a:cs typeface="+mn-cs"/>
+                  </a:defRPr>
+                </a:lvl2pPr>
+                <a:lvl3pPr marL="1143000" indent="-228600" algn="l" defTabSz="914400" rtl="0" eaLnBrk="1" latinLnBrk="0" hangingPunct="1">
+                  <a:lnSpc>
+                    <a:spcPct val="90000"/>
+                  </a:lnSpc>
+                  <a:spcBef>
+                    <a:spcPts val="500"/>
+                  </a:spcBef>
+                  <a:buFont typeface="Arial" panose="020B0604020202020204" pitchFamily="34" charset="0"/>
+                  <a:buChar char="•"/>
+                  <a:defRPr sz="2000" kern="1200">
+                    <a:solidFill>
+                      <a:schemeClr val="tx1"/>
+                    </a:solidFill>
+                    <a:latin typeface="+mn-lt"/>
+                    <a:ea typeface="+mn-ea"/>
+                    <a:cs typeface="+mn-cs"/>
+                  </a:defRPr>
+                </a:lvl3pPr>
+                <a:lvl4pPr marL="1600200" indent="-228600" algn="l" defTabSz="914400" rtl="0" eaLnBrk="1" latinLnBrk="0" hangingPunct="1">
+                  <a:lnSpc>
+                    <a:spcPct val="90000"/>
+                  </a:lnSpc>
+                  <a:spcBef>
+                    <a:spcPts val="500"/>
+                  </a:spcBef>
+                  <a:buFont typeface="Arial" panose="020B0604020202020204" pitchFamily="34" charset="0"/>
+                  <a:buChar char="•"/>
+                  <a:defRPr sz="1800" kern="1200">
+                    <a:solidFill>
+                      <a:schemeClr val="tx1"/>
+                    </a:solidFill>
+                    <a:latin typeface="+mn-lt"/>
+                    <a:ea typeface="+mn-ea"/>
+                    <a:cs typeface="+mn-cs"/>
+                  </a:defRPr>
+                </a:lvl4pPr>
+                <a:lvl5pPr marL="2057400" indent="-228600" algn="l" defTabSz="914400" rtl="0" eaLnBrk="1" latinLnBrk="0" hangingPunct="1">
+                  <a:lnSpc>
+                    <a:spcPct val="90000"/>
+                  </a:lnSpc>
+                  <a:spcBef>
+                    <a:spcPts val="500"/>
+                  </a:spcBef>
+                  <a:buFont typeface="Arial" panose="020B0604020202020204" pitchFamily="34" charset="0"/>
+                  <a:buChar char="•"/>
+                  <a:defRPr sz="1800" kern="1200">
+                    <a:solidFill>
+                      <a:schemeClr val="tx1"/>
+                    </a:solidFill>
+                    <a:latin typeface="+mn-lt"/>
+                    <a:ea typeface="+mn-ea"/>
+                    <a:cs typeface="+mn-cs"/>
+                  </a:defRPr>
+                </a:lvl5pPr>
+                <a:lvl6pPr marL="2514600" indent="-228600" algn="l" defTabSz="914400" rtl="0" eaLnBrk="1" latinLnBrk="0" hangingPunct="1">
+                  <a:lnSpc>
+                    <a:spcPct val="90000"/>
+                  </a:lnSpc>
+                  <a:spcBef>
+                    <a:spcPts val="500"/>
+                  </a:spcBef>
+                  <a:buFont typeface="Arial" panose="020B0604020202020204" pitchFamily="34" charset="0"/>
+                  <a:buChar char="•"/>
+                  <a:defRPr sz="1800" kern="1200">
+                    <a:solidFill>
+                      <a:schemeClr val="tx1"/>
+                    </a:solidFill>
+                    <a:latin typeface="+mn-lt"/>
+                    <a:ea typeface="+mn-ea"/>
+                    <a:cs typeface="+mn-cs"/>
+                  </a:defRPr>
+                </a:lvl6pPr>
+                <a:lvl7pPr marL="2971800" indent="-228600" algn="l" defTabSz="914400" rtl="0" eaLnBrk="1" latinLnBrk="0" hangingPunct="1">
+                  <a:lnSpc>
+                    <a:spcPct val="90000"/>
+                  </a:lnSpc>
+                  <a:spcBef>
+                    <a:spcPts val="500"/>
+                  </a:spcBef>
+                  <a:buFont typeface="Arial" panose="020B0604020202020204" pitchFamily="34" charset="0"/>
+                  <a:buChar char="•"/>
+                  <a:defRPr sz="1800" kern="1200">
+                    <a:solidFill>
+                      <a:schemeClr val="tx1"/>
+                    </a:solidFill>
+                    <a:latin typeface="+mn-lt"/>
+                    <a:ea typeface="+mn-ea"/>
+                    <a:cs typeface="+mn-cs"/>
+                  </a:defRPr>
+                </a:lvl7pPr>
+                <a:lvl8pPr marL="3429000" indent="-228600" algn="l" defTabSz="914400" rtl="0" eaLnBrk="1" latinLnBrk="0" hangingPunct="1">
+                  <a:lnSpc>
+                    <a:spcPct val="90000"/>
+                  </a:lnSpc>
+                  <a:spcBef>
+                    <a:spcPts val="500"/>
+                  </a:spcBef>
+                  <a:buFont typeface="Arial" panose="020B0604020202020204" pitchFamily="34" charset="0"/>
+                  <a:buChar char="•"/>
+                  <a:defRPr sz="1800" kern="1200">
+                    <a:solidFill>
+                      <a:schemeClr val="tx1"/>
+                    </a:solidFill>
+                    <a:latin typeface="+mn-lt"/>
+                    <a:ea typeface="+mn-ea"/>
+                    <a:cs typeface="+mn-cs"/>
+                  </a:defRPr>
+                </a:lvl8pPr>
+                <a:lvl9pPr marL="3886200" indent="-228600" algn="l" defTabSz="914400" rtl="0" eaLnBrk="1" latinLnBrk="0" hangingPunct="1">
+                  <a:lnSpc>
+                    <a:spcPct val="90000"/>
+                  </a:lnSpc>
+                  <a:spcBef>
+                    <a:spcPts val="500"/>
+                  </a:spcBef>
+                  <a:buFont typeface="Arial" panose="020B0604020202020204" pitchFamily="34" charset="0"/>
+                  <a:buChar char="•"/>
+                  <a:defRPr sz="1800" kern="1200">
+                    <a:solidFill>
+                      <a:schemeClr val="tx1"/>
+                    </a:solidFill>
+                    <a:latin typeface="+mn-lt"/>
+                    <a:ea typeface="+mn-ea"/>
+                    <a:cs typeface="+mn-cs"/>
+                  </a:defRPr>
+                </a:lvl9pPr>
+              </a:lstStyle>
+              <a:p>
+                <a14:m>
+                  <m:oMath xmlns:m="http://schemas.openxmlformats.org/officeDocument/2006/math">
+                    <m:r>
+                      <a:rPr lang="fr-FR" sz="1800" i="1" smtClean="0">
+                        <a:latin typeface="Cambria Math" panose="02040503050406030204" pitchFamily="18" charset="0"/>
+                      </a:rPr>
+                      <m:t>𝑈</m:t>
+                    </m:r>
+                    <m:d>
+                      <m:dPr>
+                        <m:ctrlPr>
+                          <a:rPr lang="fr-FR" sz="1800" i="1" smtClean="0">
+                            <a:latin typeface="Cambria Math" panose="02040503050406030204" pitchFamily="18" charset="0"/>
+                          </a:rPr>
+                        </m:ctrlPr>
+                      </m:dPr>
+                      <m:e>
+                        <m:r>
+                          <a:rPr lang="fr-FR" sz="1800" i="1" smtClean="0">
+                            <a:latin typeface="Cambria Math" panose="02040503050406030204" pitchFamily="18" charset="0"/>
+                          </a:rPr>
+                          <m:t>𝑡</m:t>
+                        </m:r>
+                      </m:e>
+                    </m:d>
+                    <m:r>
+                      <a:rPr lang="fr-FR" sz="1800" i="1" smtClean="0">
+                        <a:latin typeface="Cambria Math" panose="02040503050406030204" pitchFamily="18" charset="0"/>
+                      </a:rPr>
+                      <m:t>=</m:t>
+                    </m:r>
+                    <m:r>
+                      <a:rPr lang="fr-FR" sz="1800" i="1" smtClean="0">
+                        <a:latin typeface="Cambria Math" panose="02040503050406030204" pitchFamily="18" charset="0"/>
+                      </a:rPr>
+                      <m:t>𝑅𝑖</m:t>
+                    </m:r>
+                    <m:d>
+                      <m:dPr>
+                        <m:ctrlPr>
+                          <a:rPr lang="fr-FR" sz="1800" i="1" smtClean="0">
+                            <a:latin typeface="Cambria Math" panose="02040503050406030204" pitchFamily="18" charset="0"/>
+                          </a:rPr>
+                        </m:ctrlPr>
+                      </m:dPr>
+                      <m:e>
+                        <m:r>
+                          <a:rPr lang="fr-FR" sz="1800" i="1" smtClean="0">
+                            <a:latin typeface="Cambria Math" panose="02040503050406030204" pitchFamily="18" charset="0"/>
+                          </a:rPr>
+                          <m:t>𝑡</m:t>
+                        </m:r>
+                      </m:e>
+                    </m:d>
+                    <m:r>
+                      <a:rPr lang="fr-FR" sz="1800" i="1" smtClean="0">
+                        <a:latin typeface="Cambria Math" panose="02040503050406030204" pitchFamily="18" charset="0"/>
+                      </a:rPr>
+                      <m:t>+</m:t>
+                    </m:r>
+                    <m:f>
+                      <m:fPr>
+                        <m:ctrlPr>
+                          <a:rPr lang="fr-FR" sz="1800" i="1" smtClean="0">
+                            <a:latin typeface="Cambria Math" panose="02040503050406030204" pitchFamily="18" charset="0"/>
+                          </a:rPr>
+                        </m:ctrlPr>
+                      </m:fPr>
+                      <m:num>
+                        <m:r>
+                          <a:rPr lang="fr-FR" sz="1800" i="1" smtClean="0">
+                            <a:latin typeface="Cambria Math" panose="02040503050406030204" pitchFamily="18" charset="0"/>
+                          </a:rPr>
+                          <m:t>𝐿</m:t>
+                        </m:r>
+                        <m:r>
+                          <m:rPr>
+                            <m:sty m:val="p"/>
+                          </m:rPr>
+                          <a:rPr lang="fr-FR" sz="1800" smtClean="0">
+                            <a:latin typeface="Cambria Math" panose="02040503050406030204" pitchFamily="18" charset="0"/>
+                          </a:rPr>
+                          <m:t>d</m:t>
+                        </m:r>
+                        <m:r>
+                          <a:rPr lang="fr-FR" sz="1800" i="1" smtClean="0">
+                            <a:latin typeface="Cambria Math" panose="02040503050406030204" pitchFamily="18" charset="0"/>
+                          </a:rPr>
+                          <m:t>𝑖</m:t>
+                        </m:r>
+                        <m:d>
+                          <m:dPr>
+                            <m:ctrlPr>
+                              <a:rPr lang="fr-FR" sz="1800" i="1" smtClean="0">
+                                <a:latin typeface="Cambria Math" panose="02040503050406030204" pitchFamily="18" charset="0"/>
+                              </a:rPr>
+                            </m:ctrlPr>
+                          </m:dPr>
+                          <m:e>
+                            <m:r>
+                              <a:rPr lang="fr-FR" sz="1800" i="1" smtClean="0">
+                                <a:latin typeface="Cambria Math" panose="02040503050406030204" pitchFamily="18" charset="0"/>
+                              </a:rPr>
+                              <m:t>𝑡</m:t>
+                            </m:r>
+                          </m:e>
+                        </m:d>
+                      </m:num>
+                      <m:den>
+                        <m:r>
+                          <m:rPr>
+                            <m:sty m:val="p"/>
+                          </m:rPr>
+                          <a:rPr lang="fr-FR" sz="1800" smtClean="0">
+                            <a:latin typeface="Cambria Math" panose="02040503050406030204" pitchFamily="18" charset="0"/>
+                          </a:rPr>
+                          <m:t>d</m:t>
+                        </m:r>
+                        <m:r>
+                          <a:rPr lang="fr-FR" sz="1800" i="1" smtClean="0">
+                            <a:latin typeface="Cambria Math" panose="02040503050406030204" pitchFamily="18" charset="0"/>
+                          </a:rPr>
+                          <m:t>𝑡</m:t>
+                        </m:r>
+                      </m:den>
+                    </m:f>
+                    <m:r>
+                      <a:rPr lang="fr-FR" sz="1800" i="1" smtClean="0">
+                        <a:latin typeface="Cambria Math" panose="02040503050406030204" pitchFamily="18" charset="0"/>
+                      </a:rPr>
+                      <m:t>+</m:t>
+                    </m:r>
+                    <m:r>
+                      <a:rPr lang="fr-FR" sz="1800" i="1" smtClean="0">
+                        <a:latin typeface="Cambria Math" panose="02040503050406030204" pitchFamily="18" charset="0"/>
+                      </a:rPr>
+                      <m:t>𝐸</m:t>
+                    </m:r>
+                    <m:r>
+                      <a:rPr lang="fr-FR" sz="1800" i="1" smtClean="0">
+                        <a:latin typeface="Cambria Math" panose="02040503050406030204" pitchFamily="18" charset="0"/>
+                      </a:rPr>
+                      <m:t>(</m:t>
+                    </m:r>
+                    <m:r>
+                      <a:rPr lang="fr-FR" sz="1800" i="1" smtClean="0">
+                        <a:latin typeface="Cambria Math" panose="02040503050406030204" pitchFamily="18" charset="0"/>
+                      </a:rPr>
+                      <m:t>𝑡</m:t>
+                    </m:r>
+                    <m:r>
+                      <a:rPr lang="fr-FR" sz="1800" i="1" smtClean="0">
+                        <a:latin typeface="Cambria Math" panose="02040503050406030204" pitchFamily="18" charset="0"/>
+                      </a:rPr>
+                      <m:t>)</m:t>
+                    </m:r>
+                  </m:oMath>
+                </a14:m>
+                <a:endParaRPr lang="fr-FR" sz="1800" i="1" dirty="0"/>
+              </a:p>
+              <a:p>
+                <a14:m>
+                  <m:oMath xmlns:m="http://schemas.openxmlformats.org/officeDocument/2006/math">
+                    <m:r>
+                      <a:rPr lang="fr-FR" sz="1800" i="1" smtClean="0">
+                        <a:latin typeface="Cambria Math" panose="02040503050406030204" pitchFamily="18" charset="0"/>
+                      </a:rPr>
+                      <m:t>𝐸</m:t>
+                    </m:r>
+                    <m:d>
+                      <m:dPr>
+                        <m:ctrlPr>
+                          <a:rPr lang="fr-FR" sz="1800" i="1" smtClean="0">
+                            <a:latin typeface="Cambria Math" panose="02040503050406030204" pitchFamily="18" charset="0"/>
+                          </a:rPr>
+                        </m:ctrlPr>
+                      </m:dPr>
+                      <m:e>
+                        <m:r>
+                          <a:rPr lang="fr-FR" sz="1800" i="1" smtClean="0">
+                            <a:latin typeface="Cambria Math" panose="02040503050406030204" pitchFamily="18" charset="0"/>
+                          </a:rPr>
+                          <m:t>𝑡</m:t>
+                        </m:r>
+                      </m:e>
+                    </m:d>
+                    <m:r>
+                      <a:rPr lang="fr-FR" sz="1800" i="1" smtClean="0">
+                        <a:latin typeface="Cambria Math" panose="02040503050406030204" pitchFamily="18" charset="0"/>
+                      </a:rPr>
+                      <m:t>=</m:t>
+                    </m:r>
+                    <m:r>
+                      <a:rPr lang="fr-FR" sz="1800" i="1" smtClean="0">
+                        <a:latin typeface="Cambria Math" panose="02040503050406030204" pitchFamily="18" charset="0"/>
+                      </a:rPr>
+                      <m:t>𝐾</m:t>
+                    </m:r>
+                    <m:r>
+                      <a:rPr lang="fr-FR" sz="1800" i="1" smtClean="0">
+                        <a:latin typeface="Cambria Math" panose="02040503050406030204" pitchFamily="18" charset="0"/>
+                      </a:rPr>
+                      <m:t>𝜔</m:t>
+                    </m:r>
+                    <m:d>
+                      <m:dPr>
+                        <m:ctrlPr>
+                          <a:rPr lang="fr-FR" sz="1800" i="1" smtClean="0">
+                            <a:latin typeface="Cambria Math" panose="02040503050406030204" pitchFamily="18" charset="0"/>
+                          </a:rPr>
+                        </m:ctrlPr>
+                      </m:dPr>
+                      <m:e>
+                        <m:r>
+                          <a:rPr lang="fr-FR" sz="1800" i="1" smtClean="0">
+                            <a:latin typeface="Cambria Math" panose="02040503050406030204" pitchFamily="18" charset="0"/>
+                          </a:rPr>
+                          <m:t>𝑡</m:t>
+                        </m:r>
+                      </m:e>
+                    </m:d>
+                  </m:oMath>
+                </a14:m>
+                <a:endParaRPr lang="fr-FR" sz="1800" i="1" dirty="0"/>
+              </a:p>
+              <a:p>
+                <a14:m>
+                  <m:oMath xmlns:m="http://schemas.openxmlformats.org/officeDocument/2006/math">
+                    <m:sSub>
+                      <m:sSubPr>
+                        <m:ctrlPr>
+                          <a:rPr lang="fr-FR" sz="1800" i="1" smtClean="0">
+                            <a:latin typeface="Cambria Math" panose="02040503050406030204" pitchFamily="18" charset="0"/>
+                          </a:rPr>
+                        </m:ctrlPr>
+                      </m:sSubPr>
+                      <m:e>
+                        <m:r>
+                          <a:rPr lang="fr-FR" sz="1800" i="1" smtClean="0">
+                            <a:latin typeface="Cambria Math" panose="02040503050406030204" pitchFamily="18" charset="0"/>
+                          </a:rPr>
+                          <m:t>𝐶</m:t>
+                        </m:r>
+                      </m:e>
+                      <m:sub>
+                        <m:r>
+                          <a:rPr lang="fr-FR" sz="1800" i="1" smtClean="0">
+                            <a:latin typeface="Cambria Math" panose="02040503050406030204" pitchFamily="18" charset="0"/>
+                          </a:rPr>
+                          <m:t>𝑚</m:t>
+                        </m:r>
+                      </m:sub>
+                    </m:sSub>
+                    <m:d>
+                      <m:dPr>
+                        <m:ctrlPr>
+                          <a:rPr lang="fr-FR" sz="1800" i="1" smtClean="0">
+                            <a:latin typeface="Cambria Math" panose="02040503050406030204" pitchFamily="18" charset="0"/>
+                          </a:rPr>
+                        </m:ctrlPr>
+                      </m:dPr>
+                      <m:e>
+                        <m:r>
+                          <a:rPr lang="fr-FR" sz="1800" i="1" smtClean="0">
+                            <a:latin typeface="Cambria Math" panose="02040503050406030204" pitchFamily="18" charset="0"/>
+                          </a:rPr>
+                          <m:t>𝑡</m:t>
+                        </m:r>
+                      </m:e>
+                    </m:d>
+                    <m:r>
+                      <a:rPr lang="fr-FR" sz="1800" i="1" smtClean="0">
+                        <a:latin typeface="Cambria Math" panose="02040503050406030204" pitchFamily="18" charset="0"/>
+                      </a:rPr>
+                      <m:t>=</m:t>
+                    </m:r>
+                    <m:r>
+                      <a:rPr lang="fr-FR" sz="1800" i="1" smtClean="0">
+                        <a:latin typeface="Cambria Math" panose="02040503050406030204" pitchFamily="18" charset="0"/>
+                      </a:rPr>
+                      <m:t>𝐾𝑖</m:t>
+                    </m:r>
+                    <m:d>
+                      <m:dPr>
+                        <m:ctrlPr>
+                          <a:rPr lang="fr-FR" sz="1800" i="1" smtClean="0">
+                            <a:latin typeface="Cambria Math" panose="02040503050406030204" pitchFamily="18" charset="0"/>
+                          </a:rPr>
+                        </m:ctrlPr>
+                      </m:dPr>
+                      <m:e>
+                        <m:r>
+                          <a:rPr lang="fr-FR" sz="1800" i="1" smtClean="0">
+                            <a:latin typeface="Cambria Math" panose="02040503050406030204" pitchFamily="18" charset="0"/>
+                          </a:rPr>
+                          <m:t>𝑡</m:t>
+                        </m:r>
+                      </m:e>
+                    </m:d>
+                  </m:oMath>
+                </a14:m>
+                <a:endParaRPr lang="fr-FR" sz="1800" i="1" dirty="0"/>
+              </a:p>
+              <a:p>
+                <a14:m>
+                  <m:oMath xmlns:m="http://schemas.openxmlformats.org/officeDocument/2006/math">
+                    <m:sSub>
+                      <m:sSubPr>
+                        <m:ctrlPr>
+                          <a:rPr lang="fr-FR" sz="1800" i="1" smtClean="0">
+                            <a:latin typeface="Cambria Math" panose="02040503050406030204" pitchFamily="18" charset="0"/>
+                          </a:rPr>
+                        </m:ctrlPr>
+                      </m:sSubPr>
+                      <m:e>
+                        <m:r>
+                          <a:rPr lang="fr-FR" sz="1800" i="1" smtClean="0">
+                            <a:latin typeface="Cambria Math" panose="02040503050406030204" pitchFamily="18" charset="0"/>
+                          </a:rPr>
+                          <m:t>𝐶</m:t>
+                        </m:r>
+                      </m:e>
+                      <m:sub>
+                        <m:r>
+                          <a:rPr lang="fr-FR" sz="1800" i="1" smtClean="0">
+                            <a:latin typeface="Cambria Math" panose="02040503050406030204" pitchFamily="18" charset="0"/>
+                          </a:rPr>
+                          <m:t>𝑚</m:t>
+                        </m:r>
+                      </m:sub>
+                    </m:sSub>
+                    <m:d>
+                      <m:dPr>
+                        <m:ctrlPr>
+                          <a:rPr lang="fr-FR" sz="1800" i="1" smtClean="0">
+                            <a:latin typeface="Cambria Math" panose="02040503050406030204" pitchFamily="18" charset="0"/>
+                          </a:rPr>
+                        </m:ctrlPr>
+                      </m:dPr>
+                      <m:e>
+                        <m:r>
+                          <a:rPr lang="fr-FR" sz="1800" i="1" smtClean="0">
+                            <a:latin typeface="Cambria Math" panose="02040503050406030204" pitchFamily="18" charset="0"/>
+                          </a:rPr>
+                          <m:t>𝑡</m:t>
+                        </m:r>
+                      </m:e>
+                    </m:d>
+                    <m:r>
+                      <a:rPr lang="fr-FR" sz="1800" i="1" smtClean="0">
+                        <a:latin typeface="Cambria Math" panose="02040503050406030204" pitchFamily="18" charset="0"/>
+                      </a:rPr>
+                      <m:t>+</m:t>
+                    </m:r>
+                    <m:sSub>
+                      <m:sSubPr>
+                        <m:ctrlPr>
+                          <a:rPr lang="fr-FR" sz="1800" i="1" smtClean="0">
+                            <a:latin typeface="Cambria Math" panose="02040503050406030204" pitchFamily="18" charset="0"/>
+                          </a:rPr>
+                        </m:ctrlPr>
+                      </m:sSubPr>
+                      <m:e>
+                        <m:r>
+                          <a:rPr lang="fr-FR" sz="1800" i="1" smtClean="0">
+                            <a:latin typeface="Cambria Math" panose="02040503050406030204" pitchFamily="18" charset="0"/>
+                          </a:rPr>
+                          <m:t>𝐶</m:t>
+                        </m:r>
+                      </m:e>
+                      <m:sub>
+                        <m:r>
+                          <a:rPr lang="fr-FR" sz="1800" i="1" smtClean="0">
+                            <a:latin typeface="Cambria Math" panose="02040503050406030204" pitchFamily="18" charset="0"/>
+                          </a:rPr>
+                          <m:t>𝑓</m:t>
+                        </m:r>
+                      </m:sub>
+                    </m:sSub>
+                    <m:d>
+                      <m:dPr>
+                        <m:ctrlPr>
+                          <a:rPr lang="fr-FR" sz="1800" i="1" smtClean="0">
+                            <a:latin typeface="Cambria Math" panose="02040503050406030204" pitchFamily="18" charset="0"/>
+                          </a:rPr>
+                        </m:ctrlPr>
+                      </m:dPr>
+                      <m:e>
+                        <m:r>
+                          <a:rPr lang="fr-FR" sz="1800" i="1" smtClean="0">
+                            <a:latin typeface="Cambria Math" panose="02040503050406030204" pitchFamily="18" charset="0"/>
+                          </a:rPr>
+                          <m:t>𝑡</m:t>
+                        </m:r>
+                      </m:e>
+                    </m:d>
+                    <m:r>
+                      <a:rPr lang="fr-FR" sz="1800" i="1">
+                        <a:latin typeface="Cambria Math" panose="02040503050406030204" pitchFamily="18" charset="0"/>
+                      </a:rPr>
+                      <m:t>=</m:t>
+                    </m:r>
+                    <m:r>
+                      <a:rPr lang="fr-FR" sz="1800" i="1">
+                        <a:latin typeface="Cambria Math" panose="02040503050406030204" pitchFamily="18" charset="0"/>
+                      </a:rPr>
+                      <m:t>𝐽</m:t>
+                    </m:r>
+                    <m:f>
+                      <m:fPr>
+                        <m:ctrlPr>
+                          <a:rPr lang="fr-FR" sz="1800" i="1" smtClean="0">
+                            <a:latin typeface="Cambria Math" panose="02040503050406030204" pitchFamily="18" charset="0"/>
+                          </a:rPr>
+                        </m:ctrlPr>
+                      </m:fPr>
+                      <m:num>
+                        <m:r>
+                          <m:rPr>
+                            <m:sty m:val="p"/>
+                          </m:rPr>
+                          <a:rPr lang="fr-FR" sz="1800" smtClean="0">
+                            <a:latin typeface="Cambria Math" panose="02040503050406030204" pitchFamily="18" charset="0"/>
+                          </a:rPr>
+                          <m:t>d</m:t>
+                        </m:r>
+                        <m:r>
+                          <a:rPr lang="fr-FR" sz="1800" i="1" smtClean="0">
+                            <a:latin typeface="Cambria Math" panose="02040503050406030204" pitchFamily="18" charset="0"/>
+                          </a:rPr>
+                          <m:t>𝜔</m:t>
+                        </m:r>
+                        <m:r>
+                          <a:rPr lang="fr-FR" sz="1800" i="1" smtClean="0">
+                            <a:latin typeface="Cambria Math" panose="02040503050406030204" pitchFamily="18" charset="0"/>
+                          </a:rPr>
+                          <m:t>(</m:t>
+                        </m:r>
+                        <m:r>
+                          <a:rPr lang="fr-FR" sz="1800" i="1" smtClean="0">
+                            <a:latin typeface="Cambria Math" panose="02040503050406030204" pitchFamily="18" charset="0"/>
+                          </a:rPr>
+                          <m:t>𝑡</m:t>
+                        </m:r>
+                        <m:r>
+                          <a:rPr lang="fr-FR" sz="1800" i="1" smtClean="0">
+                            <a:latin typeface="Cambria Math" panose="02040503050406030204" pitchFamily="18" charset="0"/>
+                          </a:rPr>
+                          <m:t>)</m:t>
+                        </m:r>
+                      </m:num>
+                      <m:den>
+                        <m:r>
+                          <m:rPr>
+                            <m:sty m:val="p"/>
+                          </m:rPr>
+                          <a:rPr lang="fr-FR" sz="1800" smtClean="0">
+                            <a:latin typeface="Cambria Math" panose="02040503050406030204" pitchFamily="18" charset="0"/>
+                          </a:rPr>
+                          <m:t>d</m:t>
+                        </m:r>
+                        <m:r>
+                          <a:rPr lang="fr-FR" sz="1800" i="1" smtClean="0">
+                            <a:latin typeface="Cambria Math" panose="02040503050406030204" pitchFamily="18" charset="0"/>
+                          </a:rPr>
+                          <m:t>𝑡</m:t>
+                        </m:r>
+                      </m:den>
+                    </m:f>
+                  </m:oMath>
+                </a14:m>
+                <a:endParaRPr lang="fr-FR" sz="1800" i="1" dirty="0"/>
+              </a:p>
+            </p:txBody>
+          </p:sp>
+        </mc:Choice>
+        <mc:Fallback>
+          <p:sp>
+            <p:nvSpPr>
+              <p:cNvPr id="2" name="Espace réservé du contenu 5">
+                <a:extLst>
+                  <a:ext uri="{FF2B5EF4-FFF2-40B4-BE49-F238E27FC236}">
+                    <a16:creationId xmlns:a16="http://schemas.microsoft.com/office/drawing/2014/main" id="{34A94D06-0425-E509-B002-D55E208182D5}"/>
+                  </a:ext>
+                </a:extLst>
+              </p:cNvPr>
+              <p:cNvSpPr txBox="1">
+                <a:spLocks noRot="1" noChangeAspect="1" noMove="1" noResize="1" noEditPoints="1" noAdjustHandles="1" noChangeArrowheads="1" noChangeShapeType="1" noTextEdit="1"/>
+              </p:cNvSpPr>
+              <p:nvPr/>
+            </p:nvSpPr>
+            <p:spPr>
+              <a:xfrm>
+                <a:off x="9194800" y="1400629"/>
+                <a:ext cx="2917370" cy="1576251"/>
+              </a:xfrm>
+              <a:prstGeom prst="rect">
+                <a:avLst/>
+              </a:prstGeom>
+              <a:blipFill>
+                <a:blip r:embed="rId3"/>
+                <a:stretch>
+                  <a:fillRect l="-626"/>
+                </a:stretch>
+              </a:blipFill>
+            </p:spPr>
+            <p:txBody>
+              <a:bodyPr/>
+              <a:lstStyle/>
+              <a:p>
+                <a:r>
+                  <a:rPr lang="fr-FR">
+                    <a:noFill/>
+                  </a:rPr>
+                  <a:t> </a:t>
+                </a:r>
+              </a:p>
+            </p:txBody>
+          </p:sp>
+        </mc:Fallback>
+      </mc:AlternateContent>
     </p:spTree>
     <p:extLst>
       <p:ext uri="{BB962C8B-B14F-4D97-AF65-F5344CB8AC3E}">
-        <p14:creationId xmlns:p14="http://schemas.microsoft.com/office/powerpoint/2010/main" val="1218073976"/>
+        <p14:creationId xmlns:p14="http://schemas.microsoft.com/office/powerpoint/2010/main" val="2801543763"/>
       </p:ext>
     </p:extLst>
   </p:cSld>
@@ -4228,6 +5558,1086 @@
           <a:p>
             <a:r>
               <a:rPr lang="fr-FR" dirty="0"/>
+              <a:t>Détermination de la résistance</a:t>
+            </a:r>
+          </a:p>
+        </p:txBody>
+      </p:sp>
+      <mc:AlternateContent xmlns:mc="http://schemas.openxmlformats.org/markup-compatibility/2006">
+        <mc:Choice xmlns:a14="http://schemas.microsoft.com/office/drawing/2010/main" Requires="a14">
+          <p:sp>
+            <p:nvSpPr>
+              <p:cNvPr id="6" name="Espace réservé du contenu 5">
+                <a:extLst>
+                  <a:ext uri="{FF2B5EF4-FFF2-40B4-BE49-F238E27FC236}">
+                    <a16:creationId xmlns:a16="http://schemas.microsoft.com/office/drawing/2014/main" id="{DD3182B1-2E49-4758-9780-442FDA2CB3F8}"/>
+                  </a:ext>
+                </a:extLst>
+              </p:cNvPr>
+              <p:cNvSpPr>
+                <a:spLocks noGrp="1"/>
+              </p:cNvSpPr>
+              <p:nvPr>
+                <p:ph idx="1"/>
+              </p:nvPr>
+            </p:nvSpPr>
+            <p:spPr>
+              <a:xfrm>
+                <a:off x="232229" y="1248228"/>
+                <a:ext cx="7560491" cy="5110161"/>
+              </a:xfrm>
+            </p:spPr>
+            <p:txBody>
+              <a:bodyPr/>
+              <a:lstStyle/>
+              <a:p>
+                <a:r>
+                  <a:rPr lang="fr-FR" dirty="0"/>
+                  <a:t>Si </a:t>
+                </a:r>
+                <a14:m>
+                  <m:oMath xmlns:m="http://schemas.openxmlformats.org/officeDocument/2006/math">
+                    <m:r>
+                      <a:rPr lang="fr-FR" b="0" i="1" smtClean="0">
+                        <a:latin typeface="Cambria Math" panose="02040503050406030204" pitchFamily="18" charset="0"/>
+                      </a:rPr>
+                      <m:t>𝜔</m:t>
+                    </m:r>
+                    <m:d>
+                      <m:dPr>
+                        <m:ctrlPr>
+                          <a:rPr lang="fr-FR" b="0" i="1" smtClean="0">
+                            <a:latin typeface="Cambria Math" panose="02040503050406030204" pitchFamily="18" charset="0"/>
+                          </a:rPr>
+                        </m:ctrlPr>
+                      </m:dPr>
+                      <m:e>
+                        <m:r>
+                          <a:rPr lang="fr-FR" b="0" i="1" smtClean="0">
+                            <a:latin typeface="Cambria Math" panose="02040503050406030204" pitchFamily="18" charset="0"/>
+                          </a:rPr>
+                          <m:t>𝑡</m:t>
+                        </m:r>
+                      </m:e>
+                    </m:d>
+                    <m:r>
+                      <a:rPr lang="fr-FR" b="0" i="1" smtClean="0">
+                        <a:latin typeface="Cambria Math" panose="02040503050406030204" pitchFamily="18" charset="0"/>
+                      </a:rPr>
+                      <m:t>=0</m:t>
+                    </m:r>
+                  </m:oMath>
+                </a14:m>
+                <a:r>
+                  <a:rPr lang="fr-FR" dirty="0"/>
+                  <a:t> alors </a:t>
+                </a:r>
+                <a14:m>
+                  <m:oMath xmlns:m="http://schemas.openxmlformats.org/officeDocument/2006/math">
+                    <m:r>
+                      <a:rPr lang="fr-FR" b="0" i="1" smtClean="0">
+                        <a:latin typeface="Cambria Math" panose="02040503050406030204" pitchFamily="18" charset="0"/>
+                      </a:rPr>
+                      <m:t>𝐸</m:t>
+                    </m:r>
+                    <m:d>
+                      <m:dPr>
+                        <m:ctrlPr>
+                          <a:rPr lang="fr-FR" b="0" i="1" smtClean="0">
+                            <a:latin typeface="Cambria Math" panose="02040503050406030204" pitchFamily="18" charset="0"/>
+                          </a:rPr>
+                        </m:ctrlPr>
+                      </m:dPr>
+                      <m:e>
+                        <m:r>
+                          <a:rPr lang="fr-FR" b="0" i="1" smtClean="0">
+                            <a:latin typeface="Cambria Math" panose="02040503050406030204" pitchFamily="18" charset="0"/>
+                          </a:rPr>
+                          <m:t>𝑡</m:t>
+                        </m:r>
+                      </m:e>
+                    </m:d>
+                    <m:r>
+                      <a:rPr lang="fr-FR" b="0" i="1" smtClean="0">
+                        <a:latin typeface="Cambria Math" panose="02040503050406030204" pitchFamily="18" charset="0"/>
+                      </a:rPr>
+                      <m:t>=0</m:t>
+                    </m:r>
+                    <m:r>
+                      <a:rPr lang="fr-FR" b="0" i="0" smtClean="0">
+                        <a:latin typeface="Cambria Math" panose="02040503050406030204" pitchFamily="18" charset="0"/>
+                      </a:rPr>
+                      <m:t>.</m:t>
+                    </m:r>
+                  </m:oMath>
+                </a14:m>
+                <a:endParaRPr lang="fr-FR" b="0" dirty="0"/>
+              </a:p>
+              <a:p>
+                <a:r>
+                  <a:rPr lang="fr-FR" dirty="0"/>
+                  <a:t>En régime permanent, on a alors </a:t>
+                </a:r>
+                <a14:m>
+                  <m:oMath xmlns:m="http://schemas.openxmlformats.org/officeDocument/2006/math">
+                    <m:r>
+                      <a:rPr lang="fr-FR" sz="2800" i="1" smtClean="0">
+                        <a:latin typeface="Cambria Math" panose="02040503050406030204" pitchFamily="18" charset="0"/>
+                      </a:rPr>
+                      <m:t>𝑈</m:t>
+                    </m:r>
+                    <m:d>
+                      <m:dPr>
+                        <m:ctrlPr>
+                          <a:rPr lang="fr-FR" sz="2800" i="1" smtClean="0">
+                            <a:latin typeface="Cambria Math" panose="02040503050406030204" pitchFamily="18" charset="0"/>
+                          </a:rPr>
+                        </m:ctrlPr>
+                      </m:dPr>
+                      <m:e>
+                        <m:r>
+                          <a:rPr lang="fr-FR" sz="2800" i="1" smtClean="0">
+                            <a:latin typeface="Cambria Math" panose="02040503050406030204" pitchFamily="18" charset="0"/>
+                          </a:rPr>
+                          <m:t>𝑡</m:t>
+                        </m:r>
+                      </m:e>
+                    </m:d>
+                    <m:r>
+                      <a:rPr lang="fr-FR" sz="2800" i="1" smtClean="0">
+                        <a:latin typeface="Cambria Math" panose="02040503050406030204" pitchFamily="18" charset="0"/>
+                      </a:rPr>
+                      <m:t>=</m:t>
+                    </m:r>
+                    <m:r>
+                      <a:rPr lang="fr-FR" sz="2800" i="1" smtClean="0">
+                        <a:latin typeface="Cambria Math" panose="02040503050406030204" pitchFamily="18" charset="0"/>
+                      </a:rPr>
+                      <m:t>𝑅𝑖</m:t>
+                    </m:r>
+                    <m:d>
+                      <m:dPr>
+                        <m:ctrlPr>
+                          <a:rPr lang="fr-FR" sz="2800" i="1" smtClean="0">
+                            <a:latin typeface="Cambria Math" panose="02040503050406030204" pitchFamily="18" charset="0"/>
+                          </a:rPr>
+                        </m:ctrlPr>
+                      </m:dPr>
+                      <m:e>
+                        <m:r>
+                          <a:rPr lang="fr-FR" sz="2800" i="1" smtClean="0">
+                            <a:latin typeface="Cambria Math" panose="02040503050406030204" pitchFamily="18" charset="0"/>
+                          </a:rPr>
+                          <m:t>𝑡</m:t>
+                        </m:r>
+                      </m:e>
+                    </m:d>
+                  </m:oMath>
+                </a14:m>
+                <a:r>
+                  <a:rPr lang="fr-FR" dirty="0"/>
+                  <a:t>.</a:t>
+                </a:r>
+              </a:p>
+              <a:p>
+                <a:r>
+                  <a:rPr lang="fr-FR" dirty="0"/>
+                  <a:t>On peut alors parler d’essai « rotor bloqué ». </a:t>
+                </a:r>
+              </a:p>
+              <a:p>
+                <a:r>
+                  <a:rPr lang="fr-FR" dirty="0"/>
+                  <a:t>En bloquant le moteur, on peut alors mesurer </a:t>
+                </a:r>
+                <a14:m>
+                  <m:oMath xmlns:m="http://schemas.openxmlformats.org/officeDocument/2006/math">
+                    <m:r>
+                      <a:rPr lang="fr-FR" b="0" i="1" smtClean="0">
+                        <a:latin typeface="Cambria Math" panose="02040503050406030204" pitchFamily="18" charset="0"/>
+                      </a:rPr>
+                      <m:t>𝐼</m:t>
+                    </m:r>
+                    <m:d>
+                      <m:dPr>
+                        <m:ctrlPr>
+                          <a:rPr lang="fr-FR" b="0" i="1" smtClean="0">
+                            <a:latin typeface="Cambria Math" panose="02040503050406030204" pitchFamily="18" charset="0"/>
+                          </a:rPr>
+                        </m:ctrlPr>
+                      </m:dPr>
+                      <m:e>
+                        <m:r>
+                          <a:rPr lang="fr-FR" b="0" i="1" smtClean="0">
+                            <a:latin typeface="Cambria Math" panose="02040503050406030204" pitchFamily="18" charset="0"/>
+                          </a:rPr>
+                          <m:t>𝑡</m:t>
+                        </m:r>
+                      </m:e>
+                    </m:d>
+                  </m:oMath>
+                </a14:m>
+                <a:r>
+                  <a:rPr lang="fr-FR" dirty="0"/>
+                  <a:t> en faisant varier </a:t>
+                </a:r>
+                <a14:m>
+                  <m:oMath xmlns:m="http://schemas.openxmlformats.org/officeDocument/2006/math">
+                    <m:r>
+                      <a:rPr lang="fr-FR" b="0" i="1" smtClean="0">
+                        <a:latin typeface="Cambria Math" panose="02040503050406030204" pitchFamily="18" charset="0"/>
+                      </a:rPr>
+                      <m:t>𝑈</m:t>
+                    </m:r>
+                    <m:r>
+                      <a:rPr lang="fr-FR" b="0" i="1" smtClean="0">
+                        <a:latin typeface="Cambria Math" panose="02040503050406030204" pitchFamily="18" charset="0"/>
+                      </a:rPr>
+                      <m:t>(</m:t>
+                    </m:r>
+                    <m:r>
+                      <a:rPr lang="fr-FR" b="0" i="1" smtClean="0">
+                        <a:latin typeface="Cambria Math" panose="02040503050406030204" pitchFamily="18" charset="0"/>
+                      </a:rPr>
+                      <m:t>𝑡</m:t>
+                    </m:r>
+                    <m:r>
+                      <a:rPr lang="fr-FR" b="0" i="1" smtClean="0">
+                        <a:latin typeface="Cambria Math" panose="02040503050406030204" pitchFamily="18" charset="0"/>
+                      </a:rPr>
+                      <m:t>)</m:t>
+                    </m:r>
+                  </m:oMath>
+                </a14:m>
+                <a:r>
+                  <a:rPr lang="fr-FR" dirty="0"/>
+                  <a:t>.</a:t>
+                </a:r>
+              </a:p>
+              <a:p>
+                <a:r>
+                  <a:rPr lang="fr-FR" dirty="0"/>
+                  <a:t>Il peut être intéressant de faire les essais « à chaud » quand le moteur a travaillé.</a:t>
+                </a:r>
+              </a:p>
+              <a:p>
+                <a:endParaRPr lang="fr-FR" dirty="0"/>
+              </a:p>
+            </p:txBody>
+          </p:sp>
+        </mc:Choice>
+        <mc:Fallback>
+          <p:sp>
+            <p:nvSpPr>
+              <p:cNvPr id="6" name="Espace réservé du contenu 5">
+                <a:extLst>
+                  <a:ext uri="{FF2B5EF4-FFF2-40B4-BE49-F238E27FC236}">
+                    <a16:creationId xmlns:a16="http://schemas.microsoft.com/office/drawing/2014/main" id="{DD3182B1-2E49-4758-9780-442FDA2CB3F8}"/>
+                  </a:ext>
+                </a:extLst>
+              </p:cNvPr>
+              <p:cNvSpPr>
+                <a:spLocks noGrp="1" noRot="1" noChangeAspect="1" noMove="1" noResize="1" noEditPoints="1" noAdjustHandles="1" noChangeArrowheads="1" noChangeShapeType="1" noTextEdit="1"/>
+              </p:cNvSpPr>
+              <p:nvPr>
+                <p:ph idx="1"/>
+              </p:nvPr>
+            </p:nvSpPr>
+            <p:spPr>
+              <a:xfrm>
+                <a:off x="232229" y="1248228"/>
+                <a:ext cx="7560491" cy="5110161"/>
+              </a:xfrm>
+              <a:blipFill>
+                <a:blip r:embed="rId2"/>
+                <a:stretch>
+                  <a:fillRect l="-1452" t="-2029"/>
+                </a:stretch>
+              </a:blipFill>
+            </p:spPr>
+            <p:txBody>
+              <a:bodyPr/>
+              <a:lstStyle/>
+              <a:p>
+                <a:r>
+                  <a:rPr lang="fr-FR">
+                    <a:noFill/>
+                  </a:rPr>
+                  <a:t> </a:t>
+                </a:r>
+              </a:p>
+            </p:txBody>
+          </p:sp>
+        </mc:Fallback>
+      </mc:AlternateContent>
+      <mc:AlternateContent xmlns:mc="http://schemas.openxmlformats.org/markup-compatibility/2006">
+        <mc:Choice xmlns:a14="http://schemas.microsoft.com/office/drawing/2010/main" Requires="a14">
+          <p:sp>
+            <p:nvSpPr>
+              <p:cNvPr id="2" name="Espace réservé du contenu 5">
+                <a:extLst>
+                  <a:ext uri="{FF2B5EF4-FFF2-40B4-BE49-F238E27FC236}">
+                    <a16:creationId xmlns:a16="http://schemas.microsoft.com/office/drawing/2014/main" id="{4F494113-301F-6C2D-6326-14787B2C6677}"/>
+                  </a:ext>
+                </a:extLst>
+              </p:cNvPr>
+              <p:cNvSpPr txBox="1">
+                <a:spLocks/>
+              </p:cNvSpPr>
+              <p:nvPr/>
+            </p:nvSpPr>
+            <p:spPr>
+              <a:xfrm>
+                <a:off x="7923349" y="1390469"/>
+                <a:ext cx="4268651" cy="1576251"/>
+              </a:xfrm>
+              <a:prstGeom prst="rect">
+                <a:avLst/>
+              </a:prstGeom>
+            </p:spPr>
+            <p:txBody>
+              <a:bodyPr vert="horz" lIns="91440" tIns="45720" rIns="91440" bIns="45720" rtlCol="0">
+                <a:normAutofit fontScale="85000" lnSpcReduction="10000"/>
+              </a:bodyPr>
+              <a:lstStyle>
+                <a:lvl1pPr marL="228600" indent="-228600" algn="l" defTabSz="914400" rtl="0" eaLnBrk="1" latinLnBrk="0" hangingPunct="1">
+                  <a:lnSpc>
+                    <a:spcPct val="90000"/>
+                  </a:lnSpc>
+                  <a:spcBef>
+                    <a:spcPts val="1000"/>
+                  </a:spcBef>
+                  <a:buFont typeface="Arial" panose="020B0604020202020204" pitchFamily="34" charset="0"/>
+                  <a:buChar char="•"/>
+                  <a:defRPr sz="2800" kern="1200">
+                    <a:solidFill>
+                      <a:schemeClr val="tx1"/>
+                    </a:solidFill>
+                    <a:latin typeface="+mn-lt"/>
+                    <a:ea typeface="+mn-ea"/>
+                    <a:cs typeface="+mn-cs"/>
+                  </a:defRPr>
+                </a:lvl1pPr>
+                <a:lvl2pPr marL="685800" indent="-228600" algn="l" defTabSz="914400" rtl="0" eaLnBrk="1" latinLnBrk="0" hangingPunct="1">
+                  <a:lnSpc>
+                    <a:spcPct val="90000"/>
+                  </a:lnSpc>
+                  <a:spcBef>
+                    <a:spcPts val="500"/>
+                  </a:spcBef>
+                  <a:buFont typeface="Arial" panose="020B0604020202020204" pitchFamily="34" charset="0"/>
+                  <a:buChar char="•"/>
+                  <a:defRPr sz="2400" kern="1200">
+                    <a:solidFill>
+                      <a:schemeClr val="tx1"/>
+                    </a:solidFill>
+                    <a:latin typeface="+mn-lt"/>
+                    <a:ea typeface="+mn-ea"/>
+                    <a:cs typeface="+mn-cs"/>
+                  </a:defRPr>
+                </a:lvl2pPr>
+                <a:lvl3pPr marL="1143000" indent="-228600" algn="l" defTabSz="914400" rtl="0" eaLnBrk="1" latinLnBrk="0" hangingPunct="1">
+                  <a:lnSpc>
+                    <a:spcPct val="90000"/>
+                  </a:lnSpc>
+                  <a:spcBef>
+                    <a:spcPts val="500"/>
+                  </a:spcBef>
+                  <a:buFont typeface="Arial" panose="020B0604020202020204" pitchFamily="34" charset="0"/>
+                  <a:buChar char="•"/>
+                  <a:defRPr sz="2000" kern="1200">
+                    <a:solidFill>
+                      <a:schemeClr val="tx1"/>
+                    </a:solidFill>
+                    <a:latin typeface="+mn-lt"/>
+                    <a:ea typeface="+mn-ea"/>
+                    <a:cs typeface="+mn-cs"/>
+                  </a:defRPr>
+                </a:lvl3pPr>
+                <a:lvl4pPr marL="1600200" indent="-228600" algn="l" defTabSz="914400" rtl="0" eaLnBrk="1" latinLnBrk="0" hangingPunct="1">
+                  <a:lnSpc>
+                    <a:spcPct val="90000"/>
+                  </a:lnSpc>
+                  <a:spcBef>
+                    <a:spcPts val="500"/>
+                  </a:spcBef>
+                  <a:buFont typeface="Arial" panose="020B0604020202020204" pitchFamily="34" charset="0"/>
+                  <a:buChar char="•"/>
+                  <a:defRPr sz="1800" kern="1200">
+                    <a:solidFill>
+                      <a:schemeClr val="tx1"/>
+                    </a:solidFill>
+                    <a:latin typeface="+mn-lt"/>
+                    <a:ea typeface="+mn-ea"/>
+                    <a:cs typeface="+mn-cs"/>
+                  </a:defRPr>
+                </a:lvl4pPr>
+                <a:lvl5pPr marL="2057400" indent="-228600" algn="l" defTabSz="914400" rtl="0" eaLnBrk="1" latinLnBrk="0" hangingPunct="1">
+                  <a:lnSpc>
+                    <a:spcPct val="90000"/>
+                  </a:lnSpc>
+                  <a:spcBef>
+                    <a:spcPts val="500"/>
+                  </a:spcBef>
+                  <a:buFont typeface="Arial" panose="020B0604020202020204" pitchFamily="34" charset="0"/>
+                  <a:buChar char="•"/>
+                  <a:defRPr sz="1800" kern="1200">
+                    <a:solidFill>
+                      <a:schemeClr val="tx1"/>
+                    </a:solidFill>
+                    <a:latin typeface="+mn-lt"/>
+                    <a:ea typeface="+mn-ea"/>
+                    <a:cs typeface="+mn-cs"/>
+                  </a:defRPr>
+                </a:lvl5pPr>
+                <a:lvl6pPr marL="2514600" indent="-228600" algn="l" defTabSz="914400" rtl="0" eaLnBrk="1" latinLnBrk="0" hangingPunct="1">
+                  <a:lnSpc>
+                    <a:spcPct val="90000"/>
+                  </a:lnSpc>
+                  <a:spcBef>
+                    <a:spcPts val="500"/>
+                  </a:spcBef>
+                  <a:buFont typeface="Arial" panose="020B0604020202020204" pitchFamily="34" charset="0"/>
+                  <a:buChar char="•"/>
+                  <a:defRPr sz="1800" kern="1200">
+                    <a:solidFill>
+                      <a:schemeClr val="tx1"/>
+                    </a:solidFill>
+                    <a:latin typeface="+mn-lt"/>
+                    <a:ea typeface="+mn-ea"/>
+                    <a:cs typeface="+mn-cs"/>
+                  </a:defRPr>
+                </a:lvl6pPr>
+                <a:lvl7pPr marL="2971800" indent="-228600" algn="l" defTabSz="914400" rtl="0" eaLnBrk="1" latinLnBrk="0" hangingPunct="1">
+                  <a:lnSpc>
+                    <a:spcPct val="90000"/>
+                  </a:lnSpc>
+                  <a:spcBef>
+                    <a:spcPts val="500"/>
+                  </a:spcBef>
+                  <a:buFont typeface="Arial" panose="020B0604020202020204" pitchFamily="34" charset="0"/>
+                  <a:buChar char="•"/>
+                  <a:defRPr sz="1800" kern="1200">
+                    <a:solidFill>
+                      <a:schemeClr val="tx1"/>
+                    </a:solidFill>
+                    <a:latin typeface="+mn-lt"/>
+                    <a:ea typeface="+mn-ea"/>
+                    <a:cs typeface="+mn-cs"/>
+                  </a:defRPr>
+                </a:lvl7pPr>
+                <a:lvl8pPr marL="3429000" indent="-228600" algn="l" defTabSz="914400" rtl="0" eaLnBrk="1" latinLnBrk="0" hangingPunct="1">
+                  <a:lnSpc>
+                    <a:spcPct val="90000"/>
+                  </a:lnSpc>
+                  <a:spcBef>
+                    <a:spcPts val="500"/>
+                  </a:spcBef>
+                  <a:buFont typeface="Arial" panose="020B0604020202020204" pitchFamily="34" charset="0"/>
+                  <a:buChar char="•"/>
+                  <a:defRPr sz="1800" kern="1200">
+                    <a:solidFill>
+                      <a:schemeClr val="tx1"/>
+                    </a:solidFill>
+                    <a:latin typeface="+mn-lt"/>
+                    <a:ea typeface="+mn-ea"/>
+                    <a:cs typeface="+mn-cs"/>
+                  </a:defRPr>
+                </a:lvl8pPr>
+                <a:lvl9pPr marL="3886200" indent="-228600" algn="l" defTabSz="914400" rtl="0" eaLnBrk="1" latinLnBrk="0" hangingPunct="1">
+                  <a:lnSpc>
+                    <a:spcPct val="90000"/>
+                  </a:lnSpc>
+                  <a:spcBef>
+                    <a:spcPts val="500"/>
+                  </a:spcBef>
+                  <a:buFont typeface="Arial" panose="020B0604020202020204" pitchFamily="34" charset="0"/>
+                  <a:buChar char="•"/>
+                  <a:defRPr sz="1800" kern="1200">
+                    <a:solidFill>
+                      <a:schemeClr val="tx1"/>
+                    </a:solidFill>
+                    <a:latin typeface="+mn-lt"/>
+                    <a:ea typeface="+mn-ea"/>
+                    <a:cs typeface="+mn-cs"/>
+                  </a:defRPr>
+                </a:lvl9pPr>
+              </a:lstStyle>
+              <a:p>
+                <a14:m>
+                  <m:oMath xmlns:m="http://schemas.openxmlformats.org/officeDocument/2006/math">
+                    <m:r>
+                      <a:rPr lang="fr-FR" sz="1800" i="1" smtClean="0">
+                        <a:latin typeface="Cambria Math" panose="02040503050406030204" pitchFamily="18" charset="0"/>
+                      </a:rPr>
+                      <m:t>𝑈</m:t>
+                    </m:r>
+                    <m:d>
+                      <m:dPr>
+                        <m:ctrlPr>
+                          <a:rPr lang="fr-FR" sz="1800" i="1" smtClean="0">
+                            <a:latin typeface="Cambria Math" panose="02040503050406030204" pitchFamily="18" charset="0"/>
+                          </a:rPr>
+                        </m:ctrlPr>
+                      </m:dPr>
+                      <m:e>
+                        <m:r>
+                          <a:rPr lang="fr-FR" sz="1800" i="1" smtClean="0">
+                            <a:latin typeface="Cambria Math" panose="02040503050406030204" pitchFamily="18" charset="0"/>
+                          </a:rPr>
+                          <m:t>𝑡</m:t>
+                        </m:r>
+                      </m:e>
+                    </m:d>
+                    <m:r>
+                      <a:rPr lang="fr-FR" sz="1800" i="1" smtClean="0">
+                        <a:latin typeface="Cambria Math" panose="02040503050406030204" pitchFamily="18" charset="0"/>
+                      </a:rPr>
+                      <m:t>=</m:t>
+                    </m:r>
+                    <m:r>
+                      <a:rPr lang="fr-FR" sz="1800" i="1" smtClean="0">
+                        <a:latin typeface="Cambria Math" panose="02040503050406030204" pitchFamily="18" charset="0"/>
+                      </a:rPr>
+                      <m:t>𝑅𝑖</m:t>
+                    </m:r>
+                    <m:d>
+                      <m:dPr>
+                        <m:ctrlPr>
+                          <a:rPr lang="fr-FR" sz="1800" i="1" smtClean="0">
+                            <a:latin typeface="Cambria Math" panose="02040503050406030204" pitchFamily="18" charset="0"/>
+                          </a:rPr>
+                        </m:ctrlPr>
+                      </m:dPr>
+                      <m:e>
+                        <m:r>
+                          <a:rPr lang="fr-FR" sz="1800" i="1" smtClean="0">
+                            <a:latin typeface="Cambria Math" panose="02040503050406030204" pitchFamily="18" charset="0"/>
+                          </a:rPr>
+                          <m:t>𝑡</m:t>
+                        </m:r>
+                      </m:e>
+                    </m:d>
+                    <m:r>
+                      <a:rPr lang="fr-FR" sz="1800" i="1" smtClean="0">
+                        <a:latin typeface="Cambria Math" panose="02040503050406030204" pitchFamily="18" charset="0"/>
+                      </a:rPr>
+                      <m:t>+</m:t>
+                    </m:r>
+                    <m:f>
+                      <m:fPr>
+                        <m:ctrlPr>
+                          <a:rPr lang="fr-FR" sz="1800" i="1" smtClean="0">
+                            <a:latin typeface="Cambria Math" panose="02040503050406030204" pitchFamily="18" charset="0"/>
+                          </a:rPr>
+                        </m:ctrlPr>
+                      </m:fPr>
+                      <m:num>
+                        <m:r>
+                          <a:rPr lang="fr-FR" sz="1800" i="1" smtClean="0">
+                            <a:latin typeface="Cambria Math" panose="02040503050406030204" pitchFamily="18" charset="0"/>
+                          </a:rPr>
+                          <m:t>𝐿</m:t>
+                        </m:r>
+                        <m:r>
+                          <m:rPr>
+                            <m:sty m:val="p"/>
+                          </m:rPr>
+                          <a:rPr lang="fr-FR" sz="1800" smtClean="0">
+                            <a:latin typeface="Cambria Math" panose="02040503050406030204" pitchFamily="18" charset="0"/>
+                          </a:rPr>
+                          <m:t>d</m:t>
+                        </m:r>
+                        <m:r>
+                          <a:rPr lang="fr-FR" sz="1800" i="1" smtClean="0">
+                            <a:latin typeface="Cambria Math" panose="02040503050406030204" pitchFamily="18" charset="0"/>
+                          </a:rPr>
+                          <m:t>𝑖</m:t>
+                        </m:r>
+                        <m:d>
+                          <m:dPr>
+                            <m:ctrlPr>
+                              <a:rPr lang="fr-FR" sz="1800" i="1" smtClean="0">
+                                <a:latin typeface="Cambria Math" panose="02040503050406030204" pitchFamily="18" charset="0"/>
+                              </a:rPr>
+                            </m:ctrlPr>
+                          </m:dPr>
+                          <m:e>
+                            <m:r>
+                              <a:rPr lang="fr-FR" sz="1800" i="1" smtClean="0">
+                                <a:latin typeface="Cambria Math" panose="02040503050406030204" pitchFamily="18" charset="0"/>
+                              </a:rPr>
+                              <m:t>𝑡</m:t>
+                            </m:r>
+                          </m:e>
+                        </m:d>
+                      </m:num>
+                      <m:den>
+                        <m:r>
+                          <m:rPr>
+                            <m:sty m:val="p"/>
+                          </m:rPr>
+                          <a:rPr lang="fr-FR" sz="1800" smtClean="0">
+                            <a:latin typeface="Cambria Math" panose="02040503050406030204" pitchFamily="18" charset="0"/>
+                          </a:rPr>
+                          <m:t>d</m:t>
+                        </m:r>
+                        <m:r>
+                          <a:rPr lang="fr-FR" sz="1800" i="1" smtClean="0">
+                            <a:latin typeface="Cambria Math" panose="02040503050406030204" pitchFamily="18" charset="0"/>
+                          </a:rPr>
+                          <m:t>𝑡</m:t>
+                        </m:r>
+                      </m:den>
+                    </m:f>
+                    <m:r>
+                      <a:rPr lang="fr-FR" sz="1800" i="1" smtClean="0">
+                        <a:latin typeface="Cambria Math" panose="02040503050406030204" pitchFamily="18" charset="0"/>
+                      </a:rPr>
+                      <m:t>+</m:t>
+                    </m:r>
+                    <m:r>
+                      <a:rPr lang="fr-FR" sz="1800" i="1" smtClean="0">
+                        <a:latin typeface="Cambria Math" panose="02040503050406030204" pitchFamily="18" charset="0"/>
+                      </a:rPr>
+                      <m:t>𝐸</m:t>
+                    </m:r>
+                    <m:r>
+                      <a:rPr lang="fr-FR" sz="1800" i="1" smtClean="0">
+                        <a:latin typeface="Cambria Math" panose="02040503050406030204" pitchFamily="18" charset="0"/>
+                      </a:rPr>
+                      <m:t>(</m:t>
+                    </m:r>
+                    <m:r>
+                      <a:rPr lang="fr-FR" sz="1800" i="1" smtClean="0">
+                        <a:latin typeface="Cambria Math" panose="02040503050406030204" pitchFamily="18" charset="0"/>
+                      </a:rPr>
+                      <m:t>𝑡</m:t>
+                    </m:r>
+                    <m:r>
+                      <a:rPr lang="fr-FR" sz="1800" i="1" smtClean="0">
+                        <a:latin typeface="Cambria Math" panose="02040503050406030204" pitchFamily="18" charset="0"/>
+                      </a:rPr>
+                      <m:t>)</m:t>
+                    </m:r>
+                  </m:oMath>
+                </a14:m>
+                <a:endParaRPr lang="fr-FR" sz="1800" i="1" dirty="0"/>
+              </a:p>
+              <a:p>
+                <a14:m>
+                  <m:oMath xmlns:m="http://schemas.openxmlformats.org/officeDocument/2006/math">
+                    <m:r>
+                      <a:rPr lang="fr-FR" sz="1800" i="1" smtClean="0">
+                        <a:latin typeface="Cambria Math" panose="02040503050406030204" pitchFamily="18" charset="0"/>
+                      </a:rPr>
+                      <m:t>𝐸</m:t>
+                    </m:r>
+                    <m:d>
+                      <m:dPr>
+                        <m:ctrlPr>
+                          <a:rPr lang="fr-FR" sz="1800" i="1" smtClean="0">
+                            <a:latin typeface="Cambria Math" panose="02040503050406030204" pitchFamily="18" charset="0"/>
+                          </a:rPr>
+                        </m:ctrlPr>
+                      </m:dPr>
+                      <m:e>
+                        <m:r>
+                          <a:rPr lang="fr-FR" sz="1800" i="1" smtClean="0">
+                            <a:latin typeface="Cambria Math" panose="02040503050406030204" pitchFamily="18" charset="0"/>
+                          </a:rPr>
+                          <m:t>𝑡</m:t>
+                        </m:r>
+                      </m:e>
+                    </m:d>
+                    <m:r>
+                      <a:rPr lang="fr-FR" sz="1800" i="1" smtClean="0">
+                        <a:latin typeface="Cambria Math" panose="02040503050406030204" pitchFamily="18" charset="0"/>
+                      </a:rPr>
+                      <m:t>=</m:t>
+                    </m:r>
+                    <m:r>
+                      <a:rPr lang="fr-FR" sz="1800" i="1" smtClean="0">
+                        <a:latin typeface="Cambria Math" panose="02040503050406030204" pitchFamily="18" charset="0"/>
+                      </a:rPr>
+                      <m:t>𝐾</m:t>
+                    </m:r>
+                    <m:r>
+                      <a:rPr lang="fr-FR" sz="1800" i="1" smtClean="0">
+                        <a:latin typeface="Cambria Math" panose="02040503050406030204" pitchFamily="18" charset="0"/>
+                      </a:rPr>
+                      <m:t>𝜔</m:t>
+                    </m:r>
+                    <m:d>
+                      <m:dPr>
+                        <m:ctrlPr>
+                          <a:rPr lang="fr-FR" sz="1800" i="1" smtClean="0">
+                            <a:latin typeface="Cambria Math" panose="02040503050406030204" pitchFamily="18" charset="0"/>
+                          </a:rPr>
+                        </m:ctrlPr>
+                      </m:dPr>
+                      <m:e>
+                        <m:r>
+                          <a:rPr lang="fr-FR" sz="1800" i="1" smtClean="0">
+                            <a:latin typeface="Cambria Math" panose="02040503050406030204" pitchFamily="18" charset="0"/>
+                          </a:rPr>
+                          <m:t>𝑡</m:t>
+                        </m:r>
+                      </m:e>
+                    </m:d>
+                  </m:oMath>
+                </a14:m>
+                <a:endParaRPr lang="fr-FR" sz="1800" i="1" dirty="0"/>
+              </a:p>
+              <a:p>
+                <a14:m>
+                  <m:oMath xmlns:m="http://schemas.openxmlformats.org/officeDocument/2006/math">
+                    <m:sSub>
+                      <m:sSubPr>
+                        <m:ctrlPr>
+                          <a:rPr lang="fr-FR" sz="1800" i="1" smtClean="0">
+                            <a:latin typeface="Cambria Math" panose="02040503050406030204" pitchFamily="18" charset="0"/>
+                          </a:rPr>
+                        </m:ctrlPr>
+                      </m:sSubPr>
+                      <m:e>
+                        <m:r>
+                          <a:rPr lang="fr-FR" sz="1800" i="1" smtClean="0">
+                            <a:latin typeface="Cambria Math" panose="02040503050406030204" pitchFamily="18" charset="0"/>
+                          </a:rPr>
+                          <m:t>𝐶</m:t>
+                        </m:r>
+                      </m:e>
+                      <m:sub>
+                        <m:r>
+                          <a:rPr lang="fr-FR" sz="1800" i="1" smtClean="0">
+                            <a:latin typeface="Cambria Math" panose="02040503050406030204" pitchFamily="18" charset="0"/>
+                          </a:rPr>
+                          <m:t>𝑚</m:t>
+                        </m:r>
+                      </m:sub>
+                    </m:sSub>
+                    <m:d>
+                      <m:dPr>
+                        <m:ctrlPr>
+                          <a:rPr lang="fr-FR" sz="1800" i="1" smtClean="0">
+                            <a:latin typeface="Cambria Math" panose="02040503050406030204" pitchFamily="18" charset="0"/>
+                          </a:rPr>
+                        </m:ctrlPr>
+                      </m:dPr>
+                      <m:e>
+                        <m:r>
+                          <a:rPr lang="fr-FR" sz="1800" i="1" smtClean="0">
+                            <a:latin typeface="Cambria Math" panose="02040503050406030204" pitchFamily="18" charset="0"/>
+                          </a:rPr>
+                          <m:t>𝑡</m:t>
+                        </m:r>
+                      </m:e>
+                    </m:d>
+                    <m:r>
+                      <a:rPr lang="fr-FR" sz="1800" i="1" smtClean="0">
+                        <a:latin typeface="Cambria Math" panose="02040503050406030204" pitchFamily="18" charset="0"/>
+                      </a:rPr>
+                      <m:t>=</m:t>
+                    </m:r>
+                    <m:r>
+                      <a:rPr lang="fr-FR" sz="1800" i="1" smtClean="0">
+                        <a:latin typeface="Cambria Math" panose="02040503050406030204" pitchFamily="18" charset="0"/>
+                      </a:rPr>
+                      <m:t>𝐾𝑖</m:t>
+                    </m:r>
+                    <m:d>
+                      <m:dPr>
+                        <m:ctrlPr>
+                          <a:rPr lang="fr-FR" sz="1800" i="1" smtClean="0">
+                            <a:latin typeface="Cambria Math" panose="02040503050406030204" pitchFamily="18" charset="0"/>
+                          </a:rPr>
+                        </m:ctrlPr>
+                      </m:dPr>
+                      <m:e>
+                        <m:r>
+                          <a:rPr lang="fr-FR" sz="1800" i="1" smtClean="0">
+                            <a:latin typeface="Cambria Math" panose="02040503050406030204" pitchFamily="18" charset="0"/>
+                          </a:rPr>
+                          <m:t>𝑡</m:t>
+                        </m:r>
+                      </m:e>
+                    </m:d>
+                  </m:oMath>
+                </a14:m>
+                <a:endParaRPr lang="fr-FR" sz="1800" i="1" dirty="0"/>
+              </a:p>
+              <a:p>
+                <a14:m>
+                  <m:oMath xmlns:m="http://schemas.openxmlformats.org/officeDocument/2006/math">
+                    <m:sSub>
+                      <m:sSubPr>
+                        <m:ctrlPr>
+                          <a:rPr lang="fr-FR" sz="1800" i="1" smtClean="0">
+                            <a:latin typeface="Cambria Math" panose="02040503050406030204" pitchFamily="18" charset="0"/>
+                          </a:rPr>
+                        </m:ctrlPr>
+                      </m:sSubPr>
+                      <m:e>
+                        <m:r>
+                          <a:rPr lang="fr-FR" sz="1800" i="1" smtClean="0">
+                            <a:latin typeface="Cambria Math" panose="02040503050406030204" pitchFamily="18" charset="0"/>
+                          </a:rPr>
+                          <m:t>𝐶</m:t>
+                        </m:r>
+                      </m:e>
+                      <m:sub>
+                        <m:r>
+                          <a:rPr lang="fr-FR" sz="1800" i="1" smtClean="0">
+                            <a:latin typeface="Cambria Math" panose="02040503050406030204" pitchFamily="18" charset="0"/>
+                          </a:rPr>
+                          <m:t>𝑚</m:t>
+                        </m:r>
+                      </m:sub>
+                    </m:sSub>
+                    <m:d>
+                      <m:dPr>
+                        <m:ctrlPr>
+                          <a:rPr lang="fr-FR" sz="1800" i="1" smtClean="0">
+                            <a:latin typeface="Cambria Math" panose="02040503050406030204" pitchFamily="18" charset="0"/>
+                          </a:rPr>
+                        </m:ctrlPr>
+                      </m:dPr>
+                      <m:e>
+                        <m:r>
+                          <a:rPr lang="fr-FR" sz="1800" i="1" smtClean="0">
+                            <a:latin typeface="Cambria Math" panose="02040503050406030204" pitchFamily="18" charset="0"/>
+                          </a:rPr>
+                          <m:t>𝑡</m:t>
+                        </m:r>
+                      </m:e>
+                    </m:d>
+                    <m:r>
+                      <a:rPr lang="fr-FR" sz="1800" i="1" smtClean="0">
+                        <a:latin typeface="Cambria Math" panose="02040503050406030204" pitchFamily="18" charset="0"/>
+                      </a:rPr>
+                      <m:t>+</m:t>
+                    </m:r>
+                    <m:sSub>
+                      <m:sSubPr>
+                        <m:ctrlPr>
+                          <a:rPr lang="fr-FR" sz="1800" i="1" smtClean="0">
+                            <a:latin typeface="Cambria Math" panose="02040503050406030204" pitchFamily="18" charset="0"/>
+                          </a:rPr>
+                        </m:ctrlPr>
+                      </m:sSubPr>
+                      <m:e>
+                        <m:r>
+                          <a:rPr lang="fr-FR" sz="1800" i="1" smtClean="0">
+                            <a:latin typeface="Cambria Math" panose="02040503050406030204" pitchFamily="18" charset="0"/>
+                          </a:rPr>
+                          <m:t>𝐶</m:t>
+                        </m:r>
+                      </m:e>
+                      <m:sub>
+                        <m:r>
+                          <a:rPr lang="fr-FR" sz="1800" i="1" smtClean="0">
+                            <a:latin typeface="Cambria Math" panose="02040503050406030204" pitchFamily="18" charset="0"/>
+                          </a:rPr>
+                          <m:t>𝑓</m:t>
+                        </m:r>
+                      </m:sub>
+                    </m:sSub>
+                    <m:d>
+                      <m:dPr>
+                        <m:ctrlPr>
+                          <a:rPr lang="fr-FR" sz="1800" i="1" smtClean="0">
+                            <a:latin typeface="Cambria Math" panose="02040503050406030204" pitchFamily="18" charset="0"/>
+                          </a:rPr>
+                        </m:ctrlPr>
+                      </m:dPr>
+                      <m:e>
+                        <m:r>
+                          <a:rPr lang="fr-FR" sz="1800" i="1" smtClean="0">
+                            <a:latin typeface="Cambria Math" panose="02040503050406030204" pitchFamily="18" charset="0"/>
+                          </a:rPr>
+                          <m:t>𝑡</m:t>
+                        </m:r>
+                      </m:e>
+                    </m:d>
+                    <m:r>
+                      <a:rPr lang="fr-FR" sz="1800" i="1">
+                        <a:latin typeface="Cambria Math" panose="02040503050406030204" pitchFamily="18" charset="0"/>
+                      </a:rPr>
+                      <m:t>=</m:t>
+                    </m:r>
+                    <m:r>
+                      <a:rPr lang="fr-FR" sz="1800" i="1">
+                        <a:latin typeface="Cambria Math" panose="02040503050406030204" pitchFamily="18" charset="0"/>
+                      </a:rPr>
+                      <m:t>𝐽</m:t>
+                    </m:r>
+                    <m:f>
+                      <m:fPr>
+                        <m:ctrlPr>
+                          <a:rPr lang="fr-FR" sz="1800" i="1" smtClean="0">
+                            <a:latin typeface="Cambria Math" panose="02040503050406030204" pitchFamily="18" charset="0"/>
+                          </a:rPr>
+                        </m:ctrlPr>
+                      </m:fPr>
+                      <m:num>
+                        <m:r>
+                          <m:rPr>
+                            <m:sty m:val="p"/>
+                          </m:rPr>
+                          <a:rPr lang="fr-FR" sz="1800" smtClean="0">
+                            <a:latin typeface="Cambria Math" panose="02040503050406030204" pitchFamily="18" charset="0"/>
+                          </a:rPr>
+                          <m:t>d</m:t>
+                        </m:r>
+                        <m:r>
+                          <a:rPr lang="fr-FR" sz="1800" i="1" smtClean="0">
+                            <a:latin typeface="Cambria Math" panose="02040503050406030204" pitchFamily="18" charset="0"/>
+                          </a:rPr>
+                          <m:t>𝜔</m:t>
+                        </m:r>
+                        <m:r>
+                          <a:rPr lang="fr-FR" sz="1800" i="1" smtClean="0">
+                            <a:latin typeface="Cambria Math" panose="02040503050406030204" pitchFamily="18" charset="0"/>
+                          </a:rPr>
+                          <m:t>(</m:t>
+                        </m:r>
+                        <m:r>
+                          <a:rPr lang="fr-FR" sz="1800" i="1" smtClean="0">
+                            <a:latin typeface="Cambria Math" panose="02040503050406030204" pitchFamily="18" charset="0"/>
+                          </a:rPr>
+                          <m:t>𝑡</m:t>
+                        </m:r>
+                        <m:r>
+                          <a:rPr lang="fr-FR" sz="1800" i="1" smtClean="0">
+                            <a:latin typeface="Cambria Math" panose="02040503050406030204" pitchFamily="18" charset="0"/>
+                          </a:rPr>
+                          <m:t>)</m:t>
+                        </m:r>
+                      </m:num>
+                      <m:den>
+                        <m:r>
+                          <m:rPr>
+                            <m:sty m:val="p"/>
+                          </m:rPr>
+                          <a:rPr lang="fr-FR" sz="1800" smtClean="0">
+                            <a:latin typeface="Cambria Math" panose="02040503050406030204" pitchFamily="18" charset="0"/>
+                          </a:rPr>
+                          <m:t>d</m:t>
+                        </m:r>
+                        <m:r>
+                          <a:rPr lang="fr-FR" sz="1800" i="1" smtClean="0">
+                            <a:latin typeface="Cambria Math" panose="02040503050406030204" pitchFamily="18" charset="0"/>
+                          </a:rPr>
+                          <m:t>𝑡</m:t>
+                        </m:r>
+                      </m:den>
+                    </m:f>
+                  </m:oMath>
+                </a14:m>
+                <a:endParaRPr lang="fr-FR" sz="1800" i="1" dirty="0"/>
+              </a:p>
+            </p:txBody>
+          </p:sp>
+        </mc:Choice>
+        <mc:Fallback>
+          <p:sp>
+            <p:nvSpPr>
+              <p:cNvPr id="2" name="Espace réservé du contenu 5">
+                <a:extLst>
+                  <a:ext uri="{FF2B5EF4-FFF2-40B4-BE49-F238E27FC236}">
+                    <a16:creationId xmlns:a16="http://schemas.microsoft.com/office/drawing/2014/main" id="{4F494113-301F-6C2D-6326-14787B2C6677}"/>
+                  </a:ext>
+                </a:extLst>
+              </p:cNvPr>
+              <p:cNvSpPr txBox="1">
+                <a:spLocks noRot="1" noChangeAspect="1" noMove="1" noResize="1" noEditPoints="1" noAdjustHandles="1" noChangeArrowheads="1" noChangeShapeType="1" noTextEdit="1"/>
+              </p:cNvSpPr>
+              <p:nvPr/>
+            </p:nvSpPr>
+            <p:spPr>
+              <a:xfrm>
+                <a:off x="7923349" y="1390469"/>
+                <a:ext cx="4268651" cy="1576251"/>
+              </a:xfrm>
+              <a:prstGeom prst="rect">
+                <a:avLst/>
+              </a:prstGeom>
+              <a:blipFill>
+                <a:blip r:embed="rId3"/>
+                <a:stretch>
+                  <a:fillRect l="-429"/>
+                </a:stretch>
+              </a:blipFill>
+            </p:spPr>
+            <p:txBody>
+              <a:bodyPr/>
+              <a:lstStyle/>
+              <a:p>
+                <a:r>
+                  <a:rPr lang="fr-FR">
+                    <a:noFill/>
+                  </a:rPr>
+                  <a:t> </a:t>
+                </a:r>
+              </a:p>
+            </p:txBody>
+          </p:sp>
+        </mc:Fallback>
+      </mc:AlternateContent>
+    </p:spTree>
+    <p:extLst>
+      <p:ext uri="{BB962C8B-B14F-4D97-AF65-F5344CB8AC3E}">
+        <p14:creationId xmlns:p14="http://schemas.microsoft.com/office/powerpoint/2010/main" val="1218073976"/>
+      </p:ext>
+    </p:extLst>
+  </p:cSld>
+  <p:clrMapOvr>
+    <a:masterClrMapping/>
+  </p:clrMapOvr>
+</p:sld>
+</file>
+
+<file path=ppt/slides/slide17.xml><?xml version="1.0" encoding="utf-8"?>
+<p:sld xmlns:a="http://schemas.openxmlformats.org/drawingml/2006/main" xmlns:r="http://schemas.openxmlformats.org/officeDocument/2006/relationships" xmlns:p="http://schemas.openxmlformats.org/presentationml/2006/main">
+  <p:cSld>
+    <p:spTree>
+      <p:nvGrpSpPr>
+        <p:cNvPr id="1" name=""/>
+        <p:cNvGrpSpPr/>
+        <p:nvPr/>
+      </p:nvGrpSpPr>
+      <p:grpSpPr>
+        <a:xfrm>
+          <a:off x="0" y="0"/>
+          <a:ext cx="0" cy="0"/>
+          <a:chOff x="0" y="0"/>
+          <a:chExt cx="0" cy="0"/>
+        </a:xfrm>
+      </p:grpSpPr>
+      <p:sp>
+        <p:nvSpPr>
+          <p:cNvPr id="5" name="Titre 4">
+            <a:extLst>
+              <a:ext uri="{FF2B5EF4-FFF2-40B4-BE49-F238E27FC236}">
+                <a16:creationId xmlns:a16="http://schemas.microsoft.com/office/drawing/2014/main" id="{1B3466BE-90DA-460C-89D2-467B99FE9911}"/>
+              </a:ext>
+            </a:extLst>
+          </p:cNvPr>
+          <p:cNvSpPr>
+            <a:spLocks noGrp="1"/>
+          </p:cNvSpPr>
+          <p:nvPr>
+            <p:ph type="title"/>
+          </p:nvPr>
+        </p:nvSpPr>
+        <p:spPr/>
+        <p:txBody>
+          <a:bodyPr/>
+          <a:lstStyle/>
+          <a:p>
+            <a:r>
+              <a:rPr lang="fr-FR" dirty="0"/>
               <a:t>Détermination de l’inductance</a:t>
             </a:r>
           </a:p>
@@ -4271,7 +6681,7 @@
 </p:sld>
 </file>
 
-<file path=ppt/slides/slide17.xml><?xml version="1.0" encoding="utf-8"?>
+<file path=ppt/slides/slide18.xml><?xml version="1.0" encoding="utf-8"?>
 <p:sld xmlns:a="http://schemas.openxmlformats.org/drawingml/2006/main" xmlns:r="http://schemas.openxmlformats.org/officeDocument/2006/relationships" xmlns:p="http://schemas.openxmlformats.org/presentationml/2006/main">
   <p:cSld>
     <p:spTree>

--- a/B_Fiches_Protocoles/ProtocolesExpérimentaux.pptx
+++ b/B_Fiches_Protocoles/ProtocolesExpérimentaux.pptx
@@ -272,7 +272,7 @@
           <a:p>
             <a:fld id="{1A3D9B3B-1EC8-4BC4-B783-7630517B3190}" type="datetimeFigureOut">
               <a:rPr lang="fr-FR" smtClean="0"/>
-              <a:t>18/05/2023</a:t>
+              <a:t>22/05/2023</a:t>
             </a:fld>
             <a:endParaRPr lang="fr-FR"/>
           </a:p>
@@ -681,7 +681,7 @@
           <a:p>
             <a:fld id="{1A3D9B3B-1EC8-4BC4-B783-7630517B3190}" type="datetimeFigureOut">
               <a:rPr lang="fr-FR" smtClean="0"/>
-              <a:t>18/05/2023</a:t>
+              <a:t>22/05/2023</a:t>
             </a:fld>
             <a:endParaRPr lang="fr-FR"/>
           </a:p>
@@ -867,7 +867,7 @@
           <a:p>
             <a:fld id="{1A3D9B3B-1EC8-4BC4-B783-7630517B3190}" type="datetimeFigureOut">
               <a:rPr lang="fr-FR" smtClean="0"/>
-              <a:t>18/05/2023</a:t>
+              <a:t>22/05/2023</a:t>
             </a:fld>
             <a:endParaRPr lang="fr-FR"/>
           </a:p>
@@ -1043,7 +1043,7 @@
           <a:p>
             <a:fld id="{1A3D9B3B-1EC8-4BC4-B783-7630517B3190}" type="datetimeFigureOut">
               <a:rPr lang="fr-FR" smtClean="0"/>
-              <a:t>18/05/2023</a:t>
+              <a:t>22/05/2023</a:t>
             </a:fld>
             <a:endParaRPr lang="fr-FR"/>
           </a:p>
@@ -1342,7 +1342,7 @@
           <a:p>
             <a:fld id="{1A3D9B3B-1EC8-4BC4-B783-7630517B3190}" type="datetimeFigureOut">
               <a:rPr lang="fr-FR" smtClean="0"/>
-              <a:t>18/05/2023</a:t>
+              <a:t>22/05/2023</a:t>
             </a:fld>
             <a:endParaRPr lang="fr-FR"/>
           </a:p>
@@ -1579,7 +1579,7 @@
           <a:p>
             <a:fld id="{1A3D9B3B-1EC8-4BC4-B783-7630517B3190}" type="datetimeFigureOut">
               <a:rPr lang="fr-FR" smtClean="0"/>
-              <a:t>18/05/2023</a:t>
+              <a:t>22/05/2023</a:t>
             </a:fld>
             <a:endParaRPr lang="fr-FR"/>
           </a:p>
@@ -1997,7 +1997,7 @@
           <a:p>
             <a:fld id="{1A3D9B3B-1EC8-4BC4-B783-7630517B3190}" type="datetimeFigureOut">
               <a:rPr lang="fr-FR" smtClean="0"/>
-              <a:t>18/05/2023</a:t>
+              <a:t>22/05/2023</a:t>
             </a:fld>
             <a:endParaRPr lang="fr-FR"/>
           </a:p>
@@ -2122,7 +2122,7 @@
           <a:p>
             <a:fld id="{1A3D9B3B-1EC8-4BC4-B783-7630517B3190}" type="datetimeFigureOut">
               <a:rPr lang="fr-FR" smtClean="0"/>
-              <a:t>18/05/2023</a:t>
+              <a:t>22/05/2023</a:t>
             </a:fld>
             <a:endParaRPr lang="fr-FR"/>
           </a:p>
@@ -2271,7 +2271,7 @@
           <a:p>
             <a:fld id="{1A3D9B3B-1EC8-4BC4-B783-7630517B3190}" type="datetimeFigureOut">
               <a:rPr lang="fr-FR" smtClean="0"/>
-              <a:t>18/05/2023</a:t>
+              <a:t>22/05/2023</a:t>
             </a:fld>
             <a:endParaRPr lang="fr-FR"/>
           </a:p>
@@ -2554,7 +2554,7 @@
           <a:p>
             <a:fld id="{1A3D9B3B-1EC8-4BC4-B783-7630517B3190}" type="datetimeFigureOut">
               <a:rPr lang="fr-FR" smtClean="0"/>
-              <a:t>18/05/2023</a:t>
+              <a:t>22/05/2023</a:t>
             </a:fld>
             <a:endParaRPr lang="fr-FR"/>
           </a:p>
@@ -2814,7 +2814,7 @@
           <a:p>
             <a:fld id="{1A3D9B3B-1EC8-4BC4-B783-7630517B3190}" type="datetimeFigureOut">
               <a:rPr lang="fr-FR" smtClean="0"/>
-              <a:t>18/05/2023</a:t>
+              <a:t>22/05/2023</a:t>
             </a:fld>
             <a:endParaRPr lang="fr-FR"/>
           </a:p>
@@ -3034,7 +3034,7 @@
             <a:fld id="{1A3D9B3B-1EC8-4BC4-B783-7630517B3190}" type="datetimeFigureOut">
               <a:rPr lang="fr-FR" smtClean="0"/>
               <a:pPr/>
-              <a:t>18/05/2023</a:t>
+              <a:t>22/05/2023</a:t>
             </a:fld>
             <a:endParaRPr lang="fr-FR"/>
           </a:p>
@@ -4339,8 +4339,8 @@
           </a:p>
         </p:txBody>
       </p:sp>
-      <mc:AlternateContent xmlns:mc="http://schemas.openxmlformats.org/markup-compatibility/2006">
-        <mc:Choice xmlns:a14="http://schemas.microsoft.com/office/drawing/2010/main" Requires="a14">
+      <mc:AlternateContent xmlns:mc="http://schemas.openxmlformats.org/markup-compatibility/2006" xmlns:a14="http://schemas.microsoft.com/office/drawing/2010/main">
+        <mc:Choice Requires="a14">
           <p:sp>
             <p:nvSpPr>
               <p:cNvPr id="6" name="Espace réservé du contenu 5">
@@ -4650,7 +4650,7 @@
                     <m:f>
                       <m:fPr>
                         <m:ctrlPr>
-                          <a:rPr lang="fr-FR" b="0" i="0" smtClean="0">
+                          <a:rPr lang="fr-FR" b="0" i="1" smtClean="0">
                             <a:latin typeface="Cambria Math" panose="02040503050406030204" pitchFamily="18" charset="0"/>
                           </a:rPr>
                         </m:ctrlPr>
@@ -4746,7 +4746,7 @@
             </p:txBody>
           </p:sp>
         </mc:Choice>
-        <mc:Fallback>
+        <mc:Fallback xmlns="">
           <p:sp>
             <p:nvSpPr>
               <p:cNvPr id="6" name="Espace réservé du contenu 5">
@@ -4790,8 +4790,8 @@
           </p:sp>
         </mc:Fallback>
       </mc:AlternateContent>
-      <mc:AlternateContent xmlns:mc="http://schemas.openxmlformats.org/markup-compatibility/2006">
-        <mc:Choice xmlns:a14="http://schemas.microsoft.com/office/drawing/2010/main" Requires="a14">
+      <mc:AlternateContent xmlns:mc="http://schemas.openxmlformats.org/markup-compatibility/2006" xmlns:a14="http://schemas.microsoft.com/office/drawing/2010/main">
+        <mc:Choice Requires="a14">
           <p:sp>
             <p:nvSpPr>
               <p:cNvPr id="2" name="Espace réservé du contenu 5">
@@ -5460,7 +5460,7 @@
             </p:txBody>
           </p:sp>
         </mc:Choice>
-        <mc:Fallback>
+        <mc:Fallback xmlns="">
           <p:sp>
             <p:nvSpPr>
               <p:cNvPr id="2" name="Espace réservé du contenu 5">
@@ -5563,8 +5563,8 @@
           </a:p>
         </p:txBody>
       </p:sp>
-      <mc:AlternateContent xmlns:mc="http://schemas.openxmlformats.org/markup-compatibility/2006">
-        <mc:Choice xmlns:a14="http://schemas.microsoft.com/office/drawing/2010/main" Requires="a14">
+      <mc:AlternateContent xmlns:mc="http://schemas.openxmlformats.org/markup-compatibility/2006" xmlns:a14="http://schemas.microsoft.com/office/drawing/2010/main">
+        <mc:Choice Requires="a14">
           <p:sp>
             <p:nvSpPr>
               <p:cNvPr id="6" name="Espace réservé du contenu 5">
@@ -5826,7 +5826,7 @@
             </p:txBody>
           </p:sp>
         </mc:Choice>
-        <mc:Fallback>
+        <mc:Fallback xmlns="">
           <p:sp>
             <p:nvSpPr>
               <p:cNvPr id="6" name="Espace réservé du contenu 5">
@@ -5870,8 +5870,8 @@
           </p:sp>
         </mc:Fallback>
       </mc:AlternateContent>
-      <mc:AlternateContent xmlns:mc="http://schemas.openxmlformats.org/markup-compatibility/2006">
-        <mc:Choice xmlns:a14="http://schemas.microsoft.com/office/drawing/2010/main" Requires="a14">
+      <mc:AlternateContent xmlns:mc="http://schemas.openxmlformats.org/markup-compatibility/2006" xmlns:a14="http://schemas.microsoft.com/office/drawing/2010/main">
+        <mc:Choice Requires="a14">
           <p:sp>
             <p:nvSpPr>
               <p:cNvPr id="2" name="Espace réservé du contenu 5">
@@ -6540,7 +6540,7 @@
             </p:txBody>
           </p:sp>
         </mc:Choice>
-        <mc:Fallback>
+        <mc:Fallback xmlns="">
           <p:sp>
             <p:nvSpPr>
               <p:cNvPr id="2" name="Espace réservé du contenu 5">
@@ -8192,6 +8192,94 @@
           <a:chExt cx="0" cy="0"/>
         </a:xfrm>
       </p:grpSpPr>
+      <p:cxnSp>
+        <p:nvCxnSpPr>
+          <p:cNvPr id="23" name="Connecteur droit avec flèche 22">
+            <a:extLst>
+              <a:ext uri="{FF2B5EF4-FFF2-40B4-BE49-F238E27FC236}">
+                <a16:creationId xmlns:a16="http://schemas.microsoft.com/office/drawing/2014/main" id="{171C3288-508A-F830-AD9D-FD3BE6B6C6D0}"/>
+              </a:ext>
+            </a:extLst>
+          </p:cNvPr>
+          <p:cNvCxnSpPr>
+            <a:cxnSpLocks/>
+          </p:cNvCxnSpPr>
+          <p:nvPr/>
+        </p:nvCxnSpPr>
+        <p:spPr>
+          <a:xfrm flipV="1">
+            <a:off x="11136544" y="1872970"/>
+            <a:ext cx="0" cy="836328"/>
+          </a:xfrm>
+          <a:prstGeom prst="straightConnector1">
+            <a:avLst/>
+          </a:prstGeom>
+          <a:ln>
+            <a:solidFill>
+              <a:srgbClr val="C00000"/>
+            </a:solidFill>
+            <a:tailEnd type="stealth" w="med" len="lg"/>
+          </a:ln>
+        </p:spPr>
+        <p:style>
+          <a:lnRef idx="1">
+            <a:schemeClr val="accent1"/>
+          </a:lnRef>
+          <a:fillRef idx="0">
+            <a:schemeClr val="accent1"/>
+          </a:fillRef>
+          <a:effectRef idx="0">
+            <a:schemeClr val="accent1"/>
+          </a:effectRef>
+          <a:fontRef idx="minor">
+            <a:schemeClr val="tx1"/>
+          </a:fontRef>
+        </p:style>
+      </p:cxnSp>
+      <p:cxnSp>
+        <p:nvCxnSpPr>
+          <p:cNvPr id="26" name="Connecteur droit avec flèche 25">
+            <a:extLst>
+              <a:ext uri="{FF2B5EF4-FFF2-40B4-BE49-F238E27FC236}">
+                <a16:creationId xmlns:a16="http://schemas.microsoft.com/office/drawing/2014/main" id="{5FEBE480-2096-1166-B319-DAD7798AEEA4}"/>
+              </a:ext>
+            </a:extLst>
+          </p:cNvPr>
+          <p:cNvCxnSpPr>
+            <a:cxnSpLocks/>
+          </p:cNvCxnSpPr>
+          <p:nvPr/>
+        </p:nvCxnSpPr>
+        <p:spPr>
+          <a:xfrm rot="5400000" flipV="1">
+            <a:off x="11554708" y="2291134"/>
+            <a:ext cx="0" cy="836328"/>
+          </a:xfrm>
+          <a:prstGeom prst="straightConnector1">
+            <a:avLst/>
+          </a:prstGeom>
+          <a:ln>
+            <a:solidFill>
+              <a:srgbClr val="C00000"/>
+            </a:solidFill>
+            <a:tailEnd type="stealth" w="med" len="lg"/>
+          </a:ln>
+        </p:spPr>
+        <p:style>
+          <a:lnRef idx="1">
+            <a:schemeClr val="accent1"/>
+          </a:lnRef>
+          <a:fillRef idx="0">
+            <a:schemeClr val="accent1"/>
+          </a:fillRef>
+          <a:effectRef idx="0">
+            <a:schemeClr val="accent1"/>
+          </a:effectRef>
+          <a:fontRef idx="minor">
+            <a:schemeClr val="tx1"/>
+          </a:fontRef>
+        </p:style>
+      </p:cxnSp>
       <p:sp>
         <p:nvSpPr>
           <p:cNvPr id="2" name="Titre 1"/>
@@ -8221,21 +8309,2115 @@
           </a:p>
         </p:txBody>
       </p:sp>
-      <p:sp>
-        <p:nvSpPr>
-          <p:cNvPr id="3" name="Espace réservé du contenu 2"/>
+      <mc:AlternateContent xmlns:mc="http://schemas.openxmlformats.org/markup-compatibility/2006" xmlns:a14="http://schemas.microsoft.com/office/drawing/2010/main">
+        <mc:Choice Requires="a14">
+          <p:sp>
+            <p:nvSpPr>
+              <p:cNvPr id="3" name="Espace réservé du contenu 2"/>
+              <p:cNvSpPr>
+                <a:spLocks noGrp="1"/>
+              </p:cNvSpPr>
+              <p:nvPr>
+                <p:ph idx="1"/>
+              </p:nvPr>
+            </p:nvSpPr>
+            <p:spPr/>
+            <p:txBody>
+              <a:bodyPr>
+                <a:normAutofit fontScale="55000" lnSpcReduction="20000"/>
+              </a:bodyPr>
+              <a:lstStyle/>
+              <a:p>
+                <a:r>
+                  <a:rPr lang="fr-FR" dirty="0"/>
+                  <a:t>Idée : on fait penduler la pièce autour de son axe et on relie la période d’oscillation à l’inertie. </a:t>
+                </a:r>
+              </a:p>
+              <a:p>
+                <a:endParaRPr lang="fr-FR" dirty="0"/>
+              </a:p>
+              <a:p>
+                <a:r>
+                  <a:rPr lang="fr-FR" dirty="0"/>
+                  <a:t>Modèle issu du TMD (ou du TEC)</a:t>
+                </a:r>
+              </a:p>
+              <a:p>
+                <a:pPr lvl="1"/>
+                <a:r>
+                  <a:rPr lang="fr-FR" dirty="0"/>
+                  <a:t>On isole la pièce</a:t>
+                </a:r>
+              </a:p>
+              <a:p>
+                <a:pPr lvl="1"/>
+                <a:r>
+                  <a:rPr lang="fr-FR" dirty="0"/>
+                  <a:t>BAME :</a:t>
+                </a:r>
+              </a:p>
+              <a:p>
+                <a:pPr lvl="2"/>
+                <a:r>
+                  <a:rPr lang="fr-FR" dirty="0"/>
+                  <a:t>Pesanteur </a:t>
+                </a:r>
+                <a14:m>
+                  <m:oMath xmlns:m="http://schemas.openxmlformats.org/officeDocument/2006/math">
+                    <m:r>
+                      <a:rPr lang="fr-FR" i="1" smtClean="0">
+                        <a:latin typeface="Cambria Math" panose="02040503050406030204" pitchFamily="18" charset="0"/>
+                        <a:ea typeface="Cambria Math" panose="02040503050406030204" pitchFamily="18" charset="0"/>
+                      </a:rPr>
+                      <m:t>ℳ</m:t>
+                    </m:r>
+                    <m:d>
+                      <m:dPr>
+                        <m:ctrlPr>
+                          <a:rPr lang="fr-FR" i="1" smtClean="0">
+                            <a:latin typeface="Cambria Math" panose="02040503050406030204" pitchFamily="18" charset="0"/>
+                            <a:ea typeface="Cambria Math" panose="02040503050406030204" pitchFamily="18" charset="0"/>
+                          </a:rPr>
+                        </m:ctrlPr>
+                      </m:dPr>
+                      <m:e>
+                        <m:r>
+                          <a:rPr lang="fr-FR" b="0" i="1" smtClean="0">
+                            <a:latin typeface="Cambria Math" panose="02040503050406030204" pitchFamily="18" charset="0"/>
+                            <a:ea typeface="Cambria Math" panose="02040503050406030204" pitchFamily="18" charset="0"/>
+                          </a:rPr>
+                          <m:t>𝑂</m:t>
+                        </m:r>
+                        <m:r>
+                          <a:rPr lang="fr-FR" b="0" i="1" smtClean="0">
+                            <a:latin typeface="Cambria Math" panose="02040503050406030204" pitchFamily="18" charset="0"/>
+                            <a:ea typeface="Cambria Math" panose="02040503050406030204" pitchFamily="18" charset="0"/>
+                          </a:rPr>
+                          <m:t>,</m:t>
+                        </m:r>
+                        <m:acc>
+                          <m:accPr>
+                            <m:chr m:val="⃗"/>
+                            <m:ctrlPr>
+                              <a:rPr lang="fr-FR" b="0" i="1" smtClean="0">
+                                <a:latin typeface="Cambria Math" panose="02040503050406030204" pitchFamily="18" charset="0"/>
+                                <a:ea typeface="Cambria Math" panose="02040503050406030204" pitchFamily="18" charset="0"/>
+                              </a:rPr>
+                            </m:ctrlPr>
+                          </m:accPr>
+                          <m:e>
+                            <m:r>
+                              <a:rPr lang="fr-FR" b="0" i="1" smtClean="0">
+                                <a:latin typeface="Cambria Math" panose="02040503050406030204" pitchFamily="18" charset="0"/>
+                                <a:ea typeface="Cambria Math" panose="02040503050406030204" pitchFamily="18" charset="0"/>
+                              </a:rPr>
+                              <m:t>𝑃</m:t>
+                            </m:r>
+                          </m:e>
+                        </m:acc>
+                        <m:r>
+                          <a:rPr lang="fr-FR" b="0" i="1" smtClean="0">
+                            <a:latin typeface="Cambria Math" panose="02040503050406030204" pitchFamily="18" charset="0"/>
+                            <a:ea typeface="Cambria Math" panose="02040503050406030204" pitchFamily="18" charset="0"/>
+                          </a:rPr>
+                          <m:t>→0</m:t>
+                        </m:r>
+                      </m:e>
+                    </m:d>
+                    <m:r>
+                      <a:rPr lang="fr-FR" b="0" i="1" smtClean="0">
+                        <a:latin typeface="Cambria Math" panose="02040503050406030204" pitchFamily="18" charset="0"/>
+                        <a:ea typeface="Cambria Math" panose="02040503050406030204" pitchFamily="18" charset="0"/>
+                      </a:rPr>
+                      <m:t>=</m:t>
+                    </m:r>
+                    <m:r>
+                      <a:rPr lang="fr-FR" b="0" i="1" smtClean="0">
+                        <a:latin typeface="Cambria Math" panose="02040503050406030204" pitchFamily="18" charset="0"/>
+                        <a:ea typeface="Cambria Math" panose="02040503050406030204" pitchFamily="18" charset="0"/>
+                      </a:rPr>
+                      <m:t>𝐿</m:t>
+                    </m:r>
+                    <m:acc>
+                      <m:accPr>
+                        <m:chr m:val="⃗"/>
+                        <m:ctrlPr>
+                          <a:rPr lang="fr-FR" b="0" i="1" smtClean="0">
+                            <a:latin typeface="Cambria Math" panose="02040503050406030204" pitchFamily="18" charset="0"/>
+                            <a:ea typeface="Cambria Math" panose="02040503050406030204" pitchFamily="18" charset="0"/>
+                          </a:rPr>
+                        </m:ctrlPr>
+                      </m:accPr>
+                      <m:e>
+                        <m:r>
+                          <a:rPr lang="fr-FR" b="0" i="1" smtClean="0">
+                            <a:latin typeface="Cambria Math" panose="02040503050406030204" pitchFamily="18" charset="0"/>
+                            <a:ea typeface="Cambria Math" panose="02040503050406030204" pitchFamily="18" charset="0"/>
+                          </a:rPr>
+                          <m:t>𝑢</m:t>
+                        </m:r>
+                      </m:e>
+                    </m:acc>
+                    <m:r>
+                      <a:rPr lang="fr-FR" b="0" i="1" smtClean="0">
+                        <a:latin typeface="Cambria Math" panose="02040503050406030204" pitchFamily="18" charset="0"/>
+                        <a:ea typeface="Cambria Math" panose="02040503050406030204" pitchFamily="18" charset="0"/>
+                      </a:rPr>
+                      <m:t>∧−</m:t>
+                    </m:r>
+                    <m:r>
+                      <a:rPr lang="fr-FR" b="0" i="1" smtClean="0">
+                        <a:latin typeface="Cambria Math" panose="02040503050406030204" pitchFamily="18" charset="0"/>
+                        <a:ea typeface="Cambria Math" panose="02040503050406030204" pitchFamily="18" charset="0"/>
+                      </a:rPr>
+                      <m:t>𝑀𝑔</m:t>
+                    </m:r>
+                    <m:acc>
+                      <m:accPr>
+                        <m:chr m:val="⃗"/>
+                        <m:ctrlPr>
+                          <a:rPr lang="fr-FR" i="1">
+                            <a:latin typeface="Cambria Math" panose="02040503050406030204" pitchFamily="18" charset="0"/>
+                            <a:ea typeface="Cambria Math" panose="02040503050406030204" pitchFamily="18" charset="0"/>
+                          </a:rPr>
+                        </m:ctrlPr>
+                      </m:accPr>
+                      <m:e>
+                        <m:r>
+                          <a:rPr lang="fr-FR" b="0" i="1" smtClean="0">
+                            <a:latin typeface="Cambria Math" panose="02040503050406030204" pitchFamily="18" charset="0"/>
+                            <a:ea typeface="Cambria Math" panose="02040503050406030204" pitchFamily="18" charset="0"/>
+                          </a:rPr>
+                          <m:t>𝑦</m:t>
+                        </m:r>
+                      </m:e>
+                    </m:acc>
+                    <m:r>
+                      <a:rPr lang="fr-FR" b="0" i="1" smtClean="0">
+                        <a:latin typeface="Cambria Math" panose="02040503050406030204" pitchFamily="18" charset="0"/>
+                        <a:ea typeface="Cambria Math" panose="02040503050406030204" pitchFamily="18" charset="0"/>
+                      </a:rPr>
+                      <m:t>=−</m:t>
+                    </m:r>
+                    <m:r>
+                      <a:rPr lang="fr-FR" b="0" i="1" smtClean="0">
+                        <a:latin typeface="Cambria Math" panose="02040503050406030204" pitchFamily="18" charset="0"/>
+                        <a:ea typeface="Cambria Math" panose="02040503050406030204" pitchFamily="18" charset="0"/>
+                      </a:rPr>
+                      <m:t>𝐿𝑀𝑔</m:t>
+                    </m:r>
+                    <m:func>
+                      <m:funcPr>
+                        <m:ctrlPr>
+                          <a:rPr lang="fr-FR" b="0" i="1" smtClean="0">
+                            <a:latin typeface="Cambria Math" panose="02040503050406030204" pitchFamily="18" charset="0"/>
+                            <a:ea typeface="Cambria Math" panose="02040503050406030204" pitchFamily="18" charset="0"/>
+                          </a:rPr>
+                        </m:ctrlPr>
+                      </m:funcPr>
+                      <m:fName>
+                        <m:r>
+                          <m:rPr>
+                            <m:sty m:val="p"/>
+                          </m:rPr>
+                          <a:rPr lang="fr-FR" b="0" i="0" smtClean="0">
+                            <a:latin typeface="Cambria Math" panose="02040503050406030204" pitchFamily="18" charset="0"/>
+                            <a:ea typeface="Cambria Math" panose="02040503050406030204" pitchFamily="18" charset="0"/>
+                          </a:rPr>
+                          <m:t>sin</m:t>
+                        </m:r>
+                      </m:fName>
+                      <m:e>
+                        <m:r>
+                          <a:rPr lang="fr-FR" b="0" i="1" smtClean="0">
+                            <a:latin typeface="Cambria Math" panose="02040503050406030204" pitchFamily="18" charset="0"/>
+                            <a:ea typeface="Cambria Math" panose="02040503050406030204" pitchFamily="18" charset="0"/>
+                          </a:rPr>
+                          <m:t>𝜃</m:t>
+                        </m:r>
+                      </m:e>
+                    </m:func>
+                    <m:acc>
+                      <m:accPr>
+                        <m:chr m:val="⃗"/>
+                        <m:ctrlPr>
+                          <a:rPr lang="fr-FR" i="1">
+                            <a:latin typeface="Cambria Math" panose="02040503050406030204" pitchFamily="18" charset="0"/>
+                            <a:ea typeface="Cambria Math" panose="02040503050406030204" pitchFamily="18" charset="0"/>
+                          </a:rPr>
+                        </m:ctrlPr>
+                      </m:accPr>
+                      <m:e>
+                        <m:sSub>
+                          <m:sSubPr>
+                            <m:ctrlPr>
+                              <a:rPr lang="fr-FR" b="0" i="1" smtClean="0">
+                                <a:latin typeface="Cambria Math" panose="02040503050406030204" pitchFamily="18" charset="0"/>
+                                <a:ea typeface="Cambria Math" panose="02040503050406030204" pitchFamily="18" charset="0"/>
+                              </a:rPr>
+                            </m:ctrlPr>
+                          </m:sSubPr>
+                          <m:e>
+                            <m:r>
+                              <a:rPr lang="fr-FR" b="0" i="1" smtClean="0">
+                                <a:latin typeface="Cambria Math" panose="02040503050406030204" pitchFamily="18" charset="0"/>
+                                <a:ea typeface="Cambria Math" panose="02040503050406030204" pitchFamily="18" charset="0"/>
+                              </a:rPr>
+                              <m:t>𝑧</m:t>
+                            </m:r>
+                          </m:e>
+                          <m:sub>
+                            <m:r>
+                              <a:rPr lang="fr-FR" b="0" i="1" smtClean="0">
+                                <a:latin typeface="Cambria Math" panose="02040503050406030204" pitchFamily="18" charset="0"/>
+                                <a:ea typeface="Cambria Math" panose="02040503050406030204" pitchFamily="18" charset="0"/>
+                              </a:rPr>
+                              <m:t>0</m:t>
+                            </m:r>
+                          </m:sub>
+                        </m:sSub>
+                      </m:e>
+                    </m:acc>
+                  </m:oMath>
+                </a14:m>
+                <a:endParaRPr lang="fr-FR" dirty="0"/>
+              </a:p>
+              <a:p>
+                <a:pPr lvl="2"/>
+                <a:r>
+                  <a:rPr lang="fr-FR" dirty="0"/>
+                  <a:t>Frottements dans la liaison pivot : </a:t>
+                </a:r>
+                <a14:m>
+                  <m:oMath xmlns:m="http://schemas.openxmlformats.org/officeDocument/2006/math">
+                    <m:sSub>
+                      <m:sSubPr>
+                        <m:ctrlPr>
+                          <a:rPr lang="fr-FR" b="0" i="1" smtClean="0">
+                            <a:latin typeface="Cambria Math" panose="02040503050406030204" pitchFamily="18" charset="0"/>
+                          </a:rPr>
+                        </m:ctrlPr>
+                      </m:sSubPr>
+                      <m:e>
+                        <m:r>
+                          <a:rPr lang="fr-FR" b="0" i="1" smtClean="0">
+                            <a:latin typeface="Cambria Math" panose="02040503050406030204" pitchFamily="18" charset="0"/>
+                          </a:rPr>
+                          <m:t>𝐶</m:t>
+                        </m:r>
+                      </m:e>
+                      <m:sub>
+                        <m:r>
+                          <a:rPr lang="fr-FR" b="0" i="1" smtClean="0">
+                            <a:latin typeface="Cambria Math" panose="02040503050406030204" pitchFamily="18" charset="0"/>
+                          </a:rPr>
+                          <m:t>𝑓</m:t>
+                        </m:r>
+                      </m:sub>
+                    </m:sSub>
+                    <m:d>
+                      <m:dPr>
+                        <m:ctrlPr>
+                          <a:rPr lang="fr-FR" b="0" i="1" smtClean="0">
+                            <a:latin typeface="Cambria Math" panose="02040503050406030204" pitchFamily="18" charset="0"/>
+                          </a:rPr>
+                        </m:ctrlPr>
+                      </m:dPr>
+                      <m:e>
+                        <m:r>
+                          <a:rPr lang="fr-FR" b="0" i="1" smtClean="0">
+                            <a:latin typeface="Cambria Math" panose="02040503050406030204" pitchFamily="18" charset="0"/>
+                          </a:rPr>
+                          <m:t>𝜔</m:t>
+                        </m:r>
+                      </m:e>
+                    </m:d>
+                    <m:r>
+                      <a:rPr lang="fr-FR" b="0" i="1" smtClean="0">
+                        <a:latin typeface="Cambria Math" panose="02040503050406030204" pitchFamily="18" charset="0"/>
+                      </a:rPr>
+                      <m:t>=</m:t>
+                    </m:r>
+                    <m:sSub>
+                      <m:sSubPr>
+                        <m:ctrlPr>
+                          <a:rPr lang="fr-FR" b="0" i="1" smtClean="0">
+                            <a:latin typeface="Cambria Math" panose="02040503050406030204" pitchFamily="18" charset="0"/>
+                          </a:rPr>
+                        </m:ctrlPr>
+                      </m:sSubPr>
+                      <m:e>
+                        <m:r>
+                          <a:rPr lang="fr-FR" b="0" i="1" smtClean="0">
+                            <a:latin typeface="Cambria Math" panose="02040503050406030204" pitchFamily="18" charset="0"/>
+                          </a:rPr>
+                          <m:t>𝐶</m:t>
+                        </m:r>
+                      </m:e>
+                      <m:sub>
+                        <m:r>
+                          <a:rPr lang="fr-FR" b="0" i="1" smtClean="0">
+                            <a:latin typeface="Cambria Math" panose="02040503050406030204" pitchFamily="18" charset="0"/>
+                          </a:rPr>
+                          <m:t>𝑠</m:t>
+                        </m:r>
+                      </m:sub>
+                    </m:sSub>
+                    <m:r>
+                      <a:rPr lang="fr-FR" b="0" i="1" smtClean="0">
+                        <a:latin typeface="Cambria Math" panose="02040503050406030204" pitchFamily="18" charset="0"/>
+                      </a:rPr>
+                      <m:t>+</m:t>
+                    </m:r>
+                    <m:sSub>
+                      <m:sSubPr>
+                        <m:ctrlPr>
+                          <a:rPr lang="fr-FR" b="0" i="1" smtClean="0">
+                            <a:latin typeface="Cambria Math" panose="02040503050406030204" pitchFamily="18" charset="0"/>
+                          </a:rPr>
+                        </m:ctrlPr>
+                      </m:sSubPr>
+                      <m:e>
+                        <m:r>
+                          <a:rPr lang="fr-FR" b="0" i="1" smtClean="0">
+                            <a:latin typeface="Cambria Math" panose="02040503050406030204" pitchFamily="18" charset="0"/>
+                          </a:rPr>
+                          <m:t>𝑘</m:t>
+                        </m:r>
+                      </m:e>
+                      <m:sub>
+                        <m:r>
+                          <a:rPr lang="fr-FR" b="0" i="1" smtClean="0">
+                            <a:latin typeface="Cambria Math" panose="02040503050406030204" pitchFamily="18" charset="0"/>
+                          </a:rPr>
+                          <m:t>1</m:t>
+                        </m:r>
+                      </m:sub>
+                    </m:sSub>
+                    <m:r>
+                      <a:rPr lang="fr-FR" b="0" i="1" smtClean="0">
+                        <a:latin typeface="Cambria Math" panose="02040503050406030204" pitchFamily="18" charset="0"/>
+                      </a:rPr>
+                      <m:t>𝜔</m:t>
+                    </m:r>
+                    <m:r>
+                      <a:rPr lang="fr-FR" b="0" i="1" smtClean="0">
+                        <a:latin typeface="Cambria Math" panose="02040503050406030204" pitchFamily="18" charset="0"/>
+                      </a:rPr>
+                      <m:t>+</m:t>
+                    </m:r>
+                    <m:sSub>
+                      <m:sSubPr>
+                        <m:ctrlPr>
+                          <a:rPr lang="fr-FR" b="0" i="1" smtClean="0">
+                            <a:latin typeface="Cambria Math" panose="02040503050406030204" pitchFamily="18" charset="0"/>
+                          </a:rPr>
+                        </m:ctrlPr>
+                      </m:sSubPr>
+                      <m:e>
+                        <m:r>
+                          <a:rPr lang="fr-FR" b="0" i="1" smtClean="0">
+                            <a:latin typeface="Cambria Math" panose="02040503050406030204" pitchFamily="18" charset="0"/>
+                          </a:rPr>
+                          <m:t>𝑘</m:t>
+                        </m:r>
+                      </m:e>
+                      <m:sub>
+                        <m:r>
+                          <a:rPr lang="fr-FR" b="0" i="1" smtClean="0">
+                            <a:latin typeface="Cambria Math" panose="02040503050406030204" pitchFamily="18" charset="0"/>
+                          </a:rPr>
+                          <m:t>2</m:t>
+                        </m:r>
+                      </m:sub>
+                    </m:sSub>
+                    <m:sSup>
+                      <m:sSupPr>
+                        <m:ctrlPr>
+                          <a:rPr lang="fr-FR" b="0" i="1" smtClean="0">
+                            <a:latin typeface="Cambria Math" panose="02040503050406030204" pitchFamily="18" charset="0"/>
+                          </a:rPr>
+                        </m:ctrlPr>
+                      </m:sSupPr>
+                      <m:e>
+                        <m:r>
+                          <a:rPr lang="fr-FR" b="0" i="1" smtClean="0">
+                            <a:latin typeface="Cambria Math" panose="02040503050406030204" pitchFamily="18" charset="0"/>
+                          </a:rPr>
+                          <m:t>𝜔</m:t>
+                        </m:r>
+                      </m:e>
+                      <m:sup>
+                        <m:r>
+                          <a:rPr lang="fr-FR" b="0" i="1" smtClean="0">
+                            <a:latin typeface="Cambria Math" panose="02040503050406030204" pitchFamily="18" charset="0"/>
+                          </a:rPr>
+                          <m:t>2</m:t>
+                        </m:r>
+                      </m:sup>
+                    </m:sSup>
+                    <m:r>
+                      <a:rPr lang="fr-FR" b="0" i="1" smtClean="0">
+                        <a:latin typeface="Cambria Math" panose="02040503050406030204" pitchFamily="18" charset="0"/>
+                      </a:rPr>
+                      <m:t>+…</m:t>
+                    </m:r>
+                  </m:oMath>
+                </a14:m>
+                <a:endParaRPr lang="fr-FR" dirty="0"/>
+              </a:p>
+              <a:p>
+                <a:pPr lvl="2"/>
+                <a:r>
+                  <a:rPr lang="fr-FR" dirty="0"/>
+                  <a:t>Action de la liaison pivot</a:t>
+                </a:r>
+              </a:p>
+              <a:p>
+                <a:pPr lvl="1"/>
+                <a:r>
+                  <a:rPr lang="fr-FR" dirty="0"/>
+                  <a:t>TMD en O en projection sur : </a:t>
+                </a:r>
+                <a14:m>
+                  <m:oMath xmlns:m="http://schemas.openxmlformats.org/officeDocument/2006/math">
+                    <m:r>
+                      <a:rPr lang="fr-FR" b="0" i="1" smtClean="0">
+                        <a:latin typeface="Cambria Math" panose="02040503050406030204" pitchFamily="18" charset="0"/>
+                        <a:ea typeface="Cambria Math" panose="02040503050406030204" pitchFamily="18" charset="0"/>
+                      </a:rPr>
+                      <m:t>−</m:t>
+                    </m:r>
+                    <m:r>
+                      <a:rPr lang="fr-FR" b="0" i="1" smtClean="0">
+                        <a:latin typeface="Cambria Math" panose="02040503050406030204" pitchFamily="18" charset="0"/>
+                        <a:ea typeface="Cambria Math" panose="02040503050406030204" pitchFamily="18" charset="0"/>
+                      </a:rPr>
+                      <m:t>𝐿𝑀𝑔</m:t>
+                    </m:r>
+                    <m:func>
+                      <m:funcPr>
+                        <m:ctrlPr>
+                          <a:rPr lang="fr-FR" b="0" i="1" smtClean="0">
+                            <a:latin typeface="Cambria Math" panose="02040503050406030204" pitchFamily="18" charset="0"/>
+                            <a:ea typeface="Cambria Math" panose="02040503050406030204" pitchFamily="18" charset="0"/>
+                          </a:rPr>
+                        </m:ctrlPr>
+                      </m:funcPr>
+                      <m:fName>
+                        <m:r>
+                          <m:rPr>
+                            <m:sty m:val="p"/>
+                          </m:rPr>
+                          <a:rPr lang="fr-FR" b="0" i="0" smtClean="0">
+                            <a:latin typeface="Cambria Math" panose="02040503050406030204" pitchFamily="18" charset="0"/>
+                            <a:ea typeface="Cambria Math" panose="02040503050406030204" pitchFamily="18" charset="0"/>
+                          </a:rPr>
+                          <m:t>sin</m:t>
+                        </m:r>
+                      </m:fName>
+                      <m:e>
+                        <m:r>
+                          <a:rPr lang="fr-FR" b="0" i="1" smtClean="0">
+                            <a:latin typeface="Cambria Math" panose="02040503050406030204" pitchFamily="18" charset="0"/>
+                            <a:ea typeface="Cambria Math" panose="02040503050406030204" pitchFamily="18" charset="0"/>
+                          </a:rPr>
+                          <m:t>𝜃</m:t>
+                        </m:r>
+                      </m:e>
+                    </m:func>
+                    <m:r>
+                      <a:rPr lang="fr-FR" b="0" i="0" smtClean="0">
+                        <a:latin typeface="Cambria Math" panose="02040503050406030204" pitchFamily="18" charset="0"/>
+                        <a:ea typeface="Cambria Math" panose="02040503050406030204" pitchFamily="18" charset="0"/>
+                      </a:rPr>
+                      <m:t>+</m:t>
+                    </m:r>
+                    <m:sSub>
+                      <m:sSubPr>
+                        <m:ctrlPr>
+                          <a:rPr lang="fr-FR" b="0" i="1" smtClean="0">
+                            <a:latin typeface="Cambria Math" panose="02040503050406030204" pitchFamily="18" charset="0"/>
+                            <a:ea typeface="Cambria Math" panose="02040503050406030204" pitchFamily="18" charset="0"/>
+                          </a:rPr>
+                        </m:ctrlPr>
+                      </m:sSubPr>
+                      <m:e>
+                        <m:r>
+                          <m:rPr>
+                            <m:sty m:val="p"/>
+                          </m:rPr>
+                          <a:rPr lang="fr-FR" b="0" i="0" smtClean="0">
+                            <a:latin typeface="Cambria Math" panose="02040503050406030204" pitchFamily="18" charset="0"/>
+                            <a:ea typeface="Cambria Math" panose="02040503050406030204" pitchFamily="18" charset="0"/>
+                          </a:rPr>
+                          <m:t>C</m:t>
+                        </m:r>
+                      </m:e>
+                      <m:sub>
+                        <m:r>
+                          <m:rPr>
+                            <m:sty m:val="p"/>
+                          </m:rPr>
+                          <a:rPr lang="fr-FR" b="0" i="0" smtClean="0">
+                            <a:latin typeface="Cambria Math" panose="02040503050406030204" pitchFamily="18" charset="0"/>
+                            <a:ea typeface="Cambria Math" panose="02040503050406030204" pitchFamily="18" charset="0"/>
+                          </a:rPr>
+                          <m:t>f</m:t>
+                        </m:r>
+                      </m:sub>
+                    </m:sSub>
+                    <m:d>
+                      <m:dPr>
+                        <m:ctrlPr>
+                          <a:rPr lang="fr-FR" b="0" i="1" smtClean="0">
+                            <a:latin typeface="Cambria Math" panose="02040503050406030204" pitchFamily="18" charset="0"/>
+                            <a:ea typeface="Cambria Math" panose="02040503050406030204" pitchFamily="18" charset="0"/>
+                          </a:rPr>
+                        </m:ctrlPr>
+                      </m:dPr>
+                      <m:e>
+                        <m:r>
+                          <a:rPr lang="fr-FR" b="0" i="1" smtClean="0">
+                            <a:latin typeface="Cambria Math" panose="02040503050406030204" pitchFamily="18" charset="0"/>
+                            <a:ea typeface="Cambria Math" panose="02040503050406030204" pitchFamily="18" charset="0"/>
+                          </a:rPr>
+                          <m:t>𝜔</m:t>
+                        </m:r>
+                      </m:e>
+                    </m:d>
+                    <m:r>
+                      <a:rPr lang="fr-FR" i="1">
+                        <a:latin typeface="Cambria Math" panose="02040503050406030204" pitchFamily="18" charset="0"/>
+                        <a:ea typeface="Cambria Math" panose="02040503050406030204" pitchFamily="18" charset="0"/>
+                      </a:rPr>
+                      <m:t>=</m:t>
+                    </m:r>
+                    <m:r>
+                      <a:rPr lang="fr-FR" i="1">
+                        <a:latin typeface="Cambria Math" panose="02040503050406030204" pitchFamily="18" charset="0"/>
+                        <a:ea typeface="Cambria Math" panose="02040503050406030204" pitchFamily="18" charset="0"/>
+                      </a:rPr>
+                      <m:t>𝐽</m:t>
+                    </m:r>
+                    <m:f>
+                      <m:fPr>
+                        <m:ctrlPr>
+                          <a:rPr lang="fr-FR" b="0" i="1" smtClean="0">
+                            <a:latin typeface="Cambria Math" panose="02040503050406030204" pitchFamily="18" charset="0"/>
+                            <a:ea typeface="Cambria Math" panose="02040503050406030204" pitchFamily="18" charset="0"/>
+                          </a:rPr>
+                        </m:ctrlPr>
+                      </m:fPr>
+                      <m:num>
+                        <m:r>
+                          <m:rPr>
+                            <m:sty m:val="p"/>
+                          </m:rPr>
+                          <a:rPr lang="fr-FR" b="0" i="0" smtClean="0">
+                            <a:latin typeface="Cambria Math" panose="02040503050406030204" pitchFamily="18" charset="0"/>
+                            <a:ea typeface="Cambria Math" panose="02040503050406030204" pitchFamily="18" charset="0"/>
+                          </a:rPr>
+                          <m:t>d</m:t>
+                        </m:r>
+                        <m:r>
+                          <a:rPr lang="fr-FR" b="0" i="1" smtClean="0">
+                            <a:latin typeface="Cambria Math" panose="02040503050406030204" pitchFamily="18" charset="0"/>
+                            <a:ea typeface="Cambria Math" panose="02040503050406030204" pitchFamily="18" charset="0"/>
+                          </a:rPr>
+                          <m:t>𝜔</m:t>
+                        </m:r>
+                        <m:r>
+                          <a:rPr lang="fr-FR" b="0" i="1" smtClean="0">
+                            <a:latin typeface="Cambria Math" panose="02040503050406030204" pitchFamily="18" charset="0"/>
+                            <a:ea typeface="Cambria Math" panose="02040503050406030204" pitchFamily="18" charset="0"/>
+                          </a:rPr>
+                          <m:t>(</m:t>
+                        </m:r>
+                        <m:r>
+                          <a:rPr lang="fr-FR" b="0" i="1" smtClean="0">
+                            <a:latin typeface="Cambria Math" panose="02040503050406030204" pitchFamily="18" charset="0"/>
+                            <a:ea typeface="Cambria Math" panose="02040503050406030204" pitchFamily="18" charset="0"/>
+                          </a:rPr>
+                          <m:t>𝑡</m:t>
+                        </m:r>
+                        <m:r>
+                          <a:rPr lang="fr-FR" b="0" i="1" smtClean="0">
+                            <a:latin typeface="Cambria Math" panose="02040503050406030204" pitchFamily="18" charset="0"/>
+                            <a:ea typeface="Cambria Math" panose="02040503050406030204" pitchFamily="18" charset="0"/>
+                          </a:rPr>
+                          <m:t>)</m:t>
+                        </m:r>
+                      </m:num>
+                      <m:den>
+                        <m:r>
+                          <m:rPr>
+                            <m:sty m:val="p"/>
+                          </m:rPr>
+                          <a:rPr lang="fr-FR" b="0" i="0" smtClean="0">
+                            <a:latin typeface="Cambria Math" panose="02040503050406030204" pitchFamily="18" charset="0"/>
+                            <a:ea typeface="Cambria Math" panose="02040503050406030204" pitchFamily="18" charset="0"/>
+                          </a:rPr>
+                          <m:t>d</m:t>
+                        </m:r>
+                        <m:r>
+                          <a:rPr lang="fr-FR" b="0" i="1" smtClean="0">
+                            <a:latin typeface="Cambria Math" panose="02040503050406030204" pitchFamily="18" charset="0"/>
+                            <a:ea typeface="Cambria Math" panose="02040503050406030204" pitchFamily="18" charset="0"/>
+                          </a:rPr>
+                          <m:t>𝑡</m:t>
+                        </m:r>
+                      </m:den>
+                    </m:f>
+                  </m:oMath>
+                </a14:m>
+                <a:r>
+                  <a:rPr lang="fr-FR" dirty="0"/>
+                  <a:t>.</a:t>
+                </a:r>
+              </a:p>
+              <a:p>
+                <a:pPr lvl="1"/>
+                <a:endParaRPr lang="fr-FR" dirty="0"/>
+              </a:p>
+              <a:p>
+                <a:pPr lvl="1"/>
+                <a:r>
+                  <a:rPr lang="fr-FR" dirty="0"/>
+                  <a:t>On fait l’hypothèse que le frottement est nul</a:t>
+                </a:r>
+              </a:p>
+              <a:p>
+                <a:pPr lvl="1"/>
+                <a:r>
+                  <a:rPr lang="fr-FR" dirty="0"/>
+                  <a:t>On linéarise l’équation différentielle (Pour </a:t>
+                </a:r>
+                <a14:m>
+                  <m:oMath xmlns:m="http://schemas.openxmlformats.org/officeDocument/2006/math">
+                    <m:r>
+                      <a:rPr lang="fr-FR" b="0" i="1" smtClean="0">
+                        <a:latin typeface="Cambria Math" panose="02040503050406030204" pitchFamily="18" charset="0"/>
+                      </a:rPr>
+                      <m:t>𝜃</m:t>
+                    </m:r>
+                    <m:r>
+                      <a:rPr lang="fr-FR" b="0" i="1" smtClean="0">
+                        <a:latin typeface="Cambria Math" panose="02040503050406030204" pitchFamily="18" charset="0"/>
+                      </a:rPr>
+                      <m:t>∈[−110°,−70°]</m:t>
+                    </m:r>
+                  </m:oMath>
+                </a14:m>
+                <a:r>
+                  <a:rPr lang="fr-FR" dirty="0"/>
+                  <a:t>) : </a:t>
+                </a:r>
+                <a14:m>
+                  <m:oMath xmlns:m="http://schemas.openxmlformats.org/officeDocument/2006/math">
+                    <m:r>
+                      <a:rPr lang="fr-FR" i="1">
+                        <a:latin typeface="Cambria Math" panose="02040503050406030204" pitchFamily="18" charset="0"/>
+                        <a:ea typeface="Cambria Math" panose="02040503050406030204" pitchFamily="18" charset="0"/>
+                      </a:rPr>
+                      <m:t>𝐽</m:t>
+                    </m:r>
+                    <m:acc>
+                      <m:accPr>
+                        <m:chr m:val="̈"/>
+                        <m:ctrlPr>
+                          <a:rPr lang="fr-FR" i="1" smtClean="0">
+                            <a:latin typeface="Cambria Math" panose="02040503050406030204" pitchFamily="18" charset="0"/>
+                            <a:ea typeface="Cambria Math" panose="02040503050406030204" pitchFamily="18" charset="0"/>
+                          </a:rPr>
+                        </m:ctrlPr>
+                      </m:accPr>
+                      <m:e>
+                        <m:r>
+                          <a:rPr lang="fr-FR" b="0" i="1" smtClean="0">
+                            <a:latin typeface="Cambria Math" panose="02040503050406030204" pitchFamily="18" charset="0"/>
+                            <a:ea typeface="Cambria Math" panose="02040503050406030204" pitchFamily="18" charset="0"/>
+                          </a:rPr>
+                          <m:t>𝜃</m:t>
+                        </m:r>
+                      </m:e>
+                    </m:acc>
+                    <m:d>
+                      <m:dPr>
+                        <m:ctrlPr>
+                          <a:rPr lang="fr-FR" b="0" i="1" smtClean="0">
+                            <a:latin typeface="Cambria Math" panose="02040503050406030204" pitchFamily="18" charset="0"/>
+                            <a:ea typeface="Cambria Math" panose="02040503050406030204" pitchFamily="18" charset="0"/>
+                          </a:rPr>
+                        </m:ctrlPr>
+                      </m:dPr>
+                      <m:e>
+                        <m:r>
+                          <a:rPr lang="fr-FR" b="0" i="1" smtClean="0">
+                            <a:latin typeface="Cambria Math" panose="02040503050406030204" pitchFamily="18" charset="0"/>
+                            <a:ea typeface="Cambria Math" panose="02040503050406030204" pitchFamily="18" charset="0"/>
+                          </a:rPr>
+                          <m:t>𝑡</m:t>
+                        </m:r>
+                      </m:e>
+                    </m:d>
+                    <m:r>
+                      <a:rPr lang="fr-FR" b="0" i="1" smtClean="0">
+                        <a:latin typeface="Cambria Math" panose="02040503050406030204" pitchFamily="18" charset="0"/>
+                        <a:ea typeface="Cambria Math" panose="02040503050406030204" pitchFamily="18" charset="0"/>
+                      </a:rPr>
+                      <m:t>+</m:t>
+                    </m:r>
+                    <m:r>
+                      <a:rPr lang="fr-FR" i="1">
+                        <a:latin typeface="Cambria Math" panose="02040503050406030204" pitchFamily="18" charset="0"/>
+                        <a:ea typeface="Cambria Math" panose="02040503050406030204" pitchFamily="18" charset="0"/>
+                      </a:rPr>
+                      <m:t>𝐿𝑀𝑔</m:t>
+                    </m:r>
+                    <m:r>
+                      <a:rPr lang="fr-FR" i="1">
+                        <a:latin typeface="Cambria Math" panose="02040503050406030204" pitchFamily="18" charset="0"/>
+                        <a:ea typeface="Cambria Math" panose="02040503050406030204" pitchFamily="18" charset="0"/>
+                      </a:rPr>
+                      <m:t>𝜃</m:t>
+                    </m:r>
+                  </m:oMath>
+                </a14:m>
+                <a:r>
+                  <a:rPr lang="fr-FR" i="1" dirty="0">
+                    <a:latin typeface="Cambria Math" panose="02040503050406030204" pitchFamily="18" charset="0"/>
+                    <a:ea typeface="Cambria Math" panose="02040503050406030204" pitchFamily="18" charset="0"/>
+                  </a:rPr>
+                  <a:t>=0</a:t>
+                </a:r>
+              </a:p>
+              <a:p>
+                <a:pPr lvl="1"/>
+                <a:r>
+                  <a:rPr lang="fr-FR" dirty="0"/>
+                  <a:t>La solution de l’équation différentielles est donnée par </a:t>
+                </a:r>
+                <a14:m>
+                  <m:oMath xmlns:m="http://schemas.openxmlformats.org/officeDocument/2006/math">
+                    <m:r>
+                      <a:rPr lang="fr-FR" b="0" i="1" smtClean="0">
+                        <a:latin typeface="Cambria Math" panose="02040503050406030204" pitchFamily="18" charset="0"/>
+                      </a:rPr>
+                      <m:t>𝜃</m:t>
+                    </m:r>
+                    <m:d>
+                      <m:dPr>
+                        <m:ctrlPr>
+                          <a:rPr lang="fr-FR" b="0" i="1" smtClean="0">
+                            <a:latin typeface="Cambria Math" panose="02040503050406030204" pitchFamily="18" charset="0"/>
+                          </a:rPr>
+                        </m:ctrlPr>
+                      </m:dPr>
+                      <m:e>
+                        <m:r>
+                          <a:rPr lang="fr-FR" b="0" i="1" smtClean="0">
+                            <a:latin typeface="Cambria Math" panose="02040503050406030204" pitchFamily="18" charset="0"/>
+                          </a:rPr>
+                          <m:t>𝑡</m:t>
+                        </m:r>
+                      </m:e>
+                    </m:d>
+                    <m:r>
+                      <a:rPr lang="fr-FR" b="0" i="1" smtClean="0">
+                        <a:latin typeface="Cambria Math" panose="02040503050406030204" pitchFamily="18" charset="0"/>
+                      </a:rPr>
+                      <m:t>=</m:t>
+                    </m:r>
+                    <m:r>
+                      <a:rPr lang="fr-FR" b="0" i="1" smtClean="0">
+                        <a:latin typeface="Cambria Math" panose="02040503050406030204" pitchFamily="18" charset="0"/>
+                      </a:rPr>
+                      <m:t>𝐴</m:t>
+                    </m:r>
+                    <m:func>
+                      <m:funcPr>
+                        <m:ctrlPr>
+                          <a:rPr lang="fr-FR" b="0" i="1" smtClean="0">
+                            <a:latin typeface="Cambria Math" panose="02040503050406030204" pitchFamily="18" charset="0"/>
+                          </a:rPr>
+                        </m:ctrlPr>
+                      </m:funcPr>
+                      <m:fName>
+                        <m:r>
+                          <m:rPr>
+                            <m:sty m:val="p"/>
+                          </m:rPr>
+                          <a:rPr lang="fr-FR" b="0" i="0" smtClean="0">
+                            <a:latin typeface="Cambria Math" panose="02040503050406030204" pitchFamily="18" charset="0"/>
+                          </a:rPr>
+                          <m:t>cos</m:t>
+                        </m:r>
+                      </m:fName>
+                      <m:e>
+                        <m:d>
+                          <m:dPr>
+                            <m:ctrlPr>
+                              <a:rPr lang="fr-FR" b="0" i="1" smtClean="0">
+                                <a:latin typeface="Cambria Math" panose="02040503050406030204" pitchFamily="18" charset="0"/>
+                              </a:rPr>
+                            </m:ctrlPr>
+                          </m:dPr>
+                          <m:e>
+                            <m:rad>
+                              <m:radPr>
+                                <m:degHide m:val="on"/>
+                                <m:ctrlPr>
+                                  <a:rPr lang="fr-FR" i="1">
+                                    <a:latin typeface="Cambria Math" panose="02040503050406030204" pitchFamily="18" charset="0"/>
+                                  </a:rPr>
+                                </m:ctrlPr>
+                              </m:radPr>
+                              <m:deg/>
+                              <m:e>
+                                <m:f>
+                                  <m:fPr>
+                                    <m:ctrlPr>
+                                      <a:rPr lang="fr-FR" i="1">
+                                        <a:latin typeface="Cambria Math" panose="02040503050406030204" pitchFamily="18" charset="0"/>
+                                      </a:rPr>
+                                    </m:ctrlPr>
+                                  </m:fPr>
+                                  <m:num>
+                                    <m:r>
+                                      <a:rPr lang="fr-FR" i="1">
+                                        <a:latin typeface="Cambria Math" panose="02040503050406030204" pitchFamily="18" charset="0"/>
+                                      </a:rPr>
+                                      <m:t>𝐿𝑀𝑔</m:t>
+                                    </m:r>
+                                  </m:num>
+                                  <m:den>
+                                    <m:r>
+                                      <a:rPr lang="fr-FR" i="1">
+                                        <a:latin typeface="Cambria Math" panose="02040503050406030204" pitchFamily="18" charset="0"/>
+                                      </a:rPr>
+                                      <m:t>𝐽</m:t>
+                                    </m:r>
+                                  </m:den>
+                                </m:f>
+                              </m:e>
+                            </m:rad>
+                            <m:r>
+                              <a:rPr lang="fr-FR" b="0" i="1" smtClean="0">
+                                <a:latin typeface="Cambria Math" panose="02040503050406030204" pitchFamily="18" charset="0"/>
+                              </a:rPr>
+                              <m:t>𝑡</m:t>
+                            </m:r>
+                            <m:r>
+                              <a:rPr lang="fr-FR" b="0" i="1" smtClean="0">
+                                <a:latin typeface="Cambria Math" panose="02040503050406030204" pitchFamily="18" charset="0"/>
+                              </a:rPr>
+                              <m:t>+</m:t>
+                            </m:r>
+                            <m:r>
+                              <a:rPr lang="fr-FR" b="0" i="1" smtClean="0">
+                                <a:latin typeface="Cambria Math" panose="02040503050406030204" pitchFamily="18" charset="0"/>
+                              </a:rPr>
+                              <m:t>𝜑</m:t>
+                            </m:r>
+                          </m:e>
+                        </m:d>
+                      </m:e>
+                    </m:func>
+                  </m:oMath>
+                </a14:m>
+                <a:endParaRPr lang="fr-FR" b="0" dirty="0"/>
+              </a:p>
+              <a:p>
+                <a:endParaRPr lang="fr-FR" dirty="0"/>
+              </a:p>
+              <a:p>
+                <a:r>
+                  <a:rPr lang="fr-FR" dirty="0"/>
+                  <a:t>On mesure la période de pendulation</a:t>
+                </a:r>
+              </a:p>
+              <a:p>
+                <a:pPr lvl="1"/>
+                <a:r>
+                  <a:rPr lang="fr-FR" dirty="0"/>
+                  <a:t>On mesure la période avec un chronomètre</a:t>
+                </a:r>
+              </a:p>
+              <a:p>
+                <a:pPr lvl="1"/>
+                <a:r>
+                  <a:rPr lang="fr-FR" dirty="0"/>
+                  <a:t>Codeur incrémental ou potentiomètre sur la pivot</a:t>
+                </a:r>
+              </a:p>
+              <a:p>
+                <a:pPr lvl="1"/>
+                <a:r>
+                  <a:rPr lang="fr-FR" dirty="0"/>
+                  <a:t>Vidéo + </a:t>
+                </a:r>
+                <a:r>
+                  <a:rPr lang="fr-FR" dirty="0" err="1"/>
+                  <a:t>tracking</a:t>
+                </a:r>
+                <a:r>
+                  <a:rPr lang="fr-FR" dirty="0"/>
+                  <a:t> d’un point</a:t>
+                </a:r>
+              </a:p>
+              <a:p>
+                <a:pPr lvl="1"/>
+                <a:endParaRPr lang="fr-FR" dirty="0"/>
+              </a:p>
+              <a:p>
+                <a:r>
+                  <a:rPr lang="fr-FR" dirty="0"/>
+                  <a:t>On mesure </a:t>
+                </a:r>
+                <a14:m>
+                  <m:oMath xmlns:m="http://schemas.openxmlformats.org/officeDocument/2006/math">
+                    <m:r>
+                      <a:rPr lang="fr-FR" b="0" i="1" smtClean="0">
+                        <a:latin typeface="Cambria Math" panose="02040503050406030204" pitchFamily="18" charset="0"/>
+                      </a:rPr>
+                      <m:t>𝑀</m:t>
+                    </m:r>
+                  </m:oMath>
+                </a14:m>
+                <a:r>
+                  <a:rPr lang="fr-FR" dirty="0"/>
+                  <a:t> avec une balance</a:t>
+                </a:r>
+              </a:p>
+              <a:p>
+                <a:r>
+                  <a:rPr lang="fr-FR" dirty="0"/>
+                  <a:t>Reste à estimer </a:t>
+                </a:r>
+                <a14:m>
+                  <m:oMath xmlns:m="http://schemas.openxmlformats.org/officeDocument/2006/math">
+                    <m:r>
+                      <a:rPr lang="fr-FR" i="1" dirty="0" smtClean="0">
+                        <a:latin typeface="Cambria Math" panose="02040503050406030204" pitchFamily="18" charset="0"/>
+                      </a:rPr>
+                      <m:t>𝐿</m:t>
+                    </m:r>
+                    <m:r>
+                      <a:rPr lang="fr-FR" b="0" i="1" dirty="0" smtClean="0">
+                        <a:latin typeface="Cambria Math" panose="02040503050406030204" pitchFamily="18" charset="0"/>
+                      </a:rPr>
+                      <m:t>…</m:t>
+                    </m:r>
+                  </m:oMath>
+                </a14:m>
+                <a:endParaRPr lang="fr-FR" dirty="0"/>
+              </a:p>
+              <a:p>
+                <a:endParaRPr lang="fr-FR" dirty="0"/>
+              </a:p>
+              <a:p>
+                <a:pPr lvl="2"/>
+                <a:endParaRPr lang="fr-FR" dirty="0"/>
+              </a:p>
+              <a:p>
+                <a:pPr lvl="2"/>
+                <a:endParaRPr lang="fr-FR" dirty="0"/>
+              </a:p>
+            </p:txBody>
+          </p:sp>
+        </mc:Choice>
+        <mc:Fallback xmlns="">
+          <p:sp>
+            <p:nvSpPr>
+              <p:cNvPr id="3" name="Espace réservé du contenu 2"/>
+              <p:cNvSpPr>
+                <a:spLocks noGrp="1" noRot="1" noChangeAspect="1" noMove="1" noResize="1" noEditPoints="1" noAdjustHandles="1" noChangeArrowheads="1" noChangeShapeType="1" noTextEdit="1"/>
+              </p:cNvSpPr>
+              <p:nvPr>
+                <p:ph idx="1"/>
+              </p:nvPr>
+            </p:nvSpPr>
+            <p:spPr>
+              <a:blipFill>
+                <a:blip r:embed="rId2"/>
+                <a:stretch>
+                  <a:fillRect l="-156" t="-1313"/>
+                </a:stretch>
+              </a:blipFill>
+            </p:spPr>
+            <p:txBody>
+              <a:bodyPr/>
+              <a:lstStyle/>
+              <a:p>
+                <a:r>
+                  <a:rPr lang="fr-FR">
+                    <a:noFill/>
+                  </a:rPr>
+                  <a:t> </a:t>
+                </a:r>
+              </a:p>
+            </p:txBody>
+          </p:sp>
+        </mc:Fallback>
+      </mc:AlternateContent>
+      <p:cxnSp>
+        <p:nvCxnSpPr>
+          <p:cNvPr id="6" name="Connecteur droit 5">
+            <a:extLst>
+              <a:ext uri="{FF2B5EF4-FFF2-40B4-BE49-F238E27FC236}">
+                <a16:creationId xmlns:a16="http://schemas.microsoft.com/office/drawing/2014/main" id="{D7E4F389-07A9-8B90-3981-3858FFDB96DF}"/>
+              </a:ext>
+            </a:extLst>
+          </p:cNvPr>
+          <p:cNvCxnSpPr>
+            <a:cxnSpLocks/>
+            <a:stCxn id="4" idx="1"/>
+          </p:cNvCxnSpPr>
+          <p:nvPr/>
+        </p:nvCxnSpPr>
+        <p:spPr>
+          <a:xfrm>
+            <a:off x="11034721" y="2604994"/>
+            <a:ext cx="797025" cy="1070708"/>
+          </a:xfrm>
+          <a:prstGeom prst="line">
+            <a:avLst/>
+          </a:prstGeom>
+          <a:noFill/>
+          <a:ln w="28575">
+            <a:solidFill>
+              <a:srgbClr val="C00000"/>
+            </a:solidFill>
+          </a:ln>
+        </p:spPr>
+        <p:style>
+          <a:lnRef idx="2">
+            <a:schemeClr val="accent1">
+              <a:shade val="50000"/>
+            </a:schemeClr>
+          </a:lnRef>
+          <a:fillRef idx="1">
+            <a:schemeClr val="accent1"/>
+          </a:fillRef>
+          <a:effectRef idx="0">
+            <a:schemeClr val="accent1"/>
+          </a:effectRef>
+          <a:fontRef idx="minor">
+            <a:schemeClr val="lt1"/>
+          </a:fontRef>
+        </p:style>
+      </p:cxnSp>
+      <p:sp>
+        <p:nvSpPr>
+          <p:cNvPr id="7" name="Nuage 6">
+            <a:extLst>
+              <a:ext uri="{FF2B5EF4-FFF2-40B4-BE49-F238E27FC236}">
+                <a16:creationId xmlns:a16="http://schemas.microsoft.com/office/drawing/2014/main" id="{E91F96B8-5118-342F-B4AF-2176F6ADDB98}"/>
+              </a:ext>
+            </a:extLst>
+          </p:cNvPr>
+          <p:cNvSpPr/>
+          <p:nvPr/>
+        </p:nvSpPr>
+        <p:spPr>
+          <a:xfrm>
+            <a:off x="11487731" y="3288257"/>
+            <a:ext cx="667622" cy="707056"/>
+          </a:xfrm>
+          <a:prstGeom prst="cloud">
+            <a:avLst/>
+          </a:prstGeom>
+          <a:solidFill>
+            <a:schemeClr val="bg1"/>
+          </a:solidFill>
+          <a:ln w="28575">
+            <a:solidFill>
+              <a:srgbClr val="C00000"/>
+            </a:solidFill>
+          </a:ln>
+        </p:spPr>
+        <p:style>
+          <a:lnRef idx="2">
+            <a:schemeClr val="accent1">
+              <a:shade val="50000"/>
+            </a:schemeClr>
+          </a:lnRef>
+          <a:fillRef idx="1">
+            <a:schemeClr val="accent1"/>
+          </a:fillRef>
+          <a:effectRef idx="0">
+            <a:schemeClr val="accent1"/>
+          </a:effectRef>
+          <a:fontRef idx="minor">
+            <a:schemeClr val="lt1"/>
+          </a:fontRef>
+        </p:style>
+        <p:txBody>
+          <a:bodyPr rtlCol="0" anchor="ctr"/>
+          <a:lstStyle/>
+          <a:p>
+            <a:pPr algn="ctr"/>
+            <a:endParaRPr lang="fr-FR"/>
+          </a:p>
+        </p:txBody>
+      </p:sp>
+      <mc:AlternateContent xmlns:mc="http://schemas.openxmlformats.org/markup-compatibility/2006" xmlns:a14="http://schemas.microsoft.com/office/drawing/2010/main">
+        <mc:Choice Requires="a14">
+          <p:sp>
+            <p:nvSpPr>
+              <p:cNvPr id="12" name="ZoneTexte 11">
+                <a:extLst>
+                  <a:ext uri="{FF2B5EF4-FFF2-40B4-BE49-F238E27FC236}">
+                    <a16:creationId xmlns:a16="http://schemas.microsoft.com/office/drawing/2014/main" id="{D6414DB5-0205-EC2A-8FAE-DAFDCB60C4EB}"/>
+                  </a:ext>
+                </a:extLst>
+              </p:cNvPr>
+              <p:cNvSpPr txBox="1"/>
+              <p:nvPr/>
+            </p:nvSpPr>
+            <p:spPr>
+              <a:xfrm>
+                <a:off x="11336324" y="2269679"/>
+                <a:ext cx="72008" cy="369332"/>
+              </a:xfrm>
+              <a:prstGeom prst="rect">
+                <a:avLst/>
+              </a:prstGeom>
+              <a:noFill/>
+            </p:spPr>
+            <p:txBody>
+              <a:bodyPr wrap="square" rtlCol="0">
+                <a:spAutoFit/>
+              </a:bodyPr>
+              <a:lstStyle/>
+              <a:p>
+                <a:pPr/>
+                <a14:m>
+                  <m:oMathPara xmlns:m="http://schemas.openxmlformats.org/officeDocument/2006/math">
+                    <m:oMathParaPr>
+                      <m:jc m:val="centerGroup"/>
+                    </m:oMathParaPr>
+                    <m:oMath xmlns:m="http://schemas.openxmlformats.org/officeDocument/2006/math">
+                      <m:r>
+                        <a:rPr lang="fr-FR" b="0" i="1" smtClean="0">
+                          <a:latin typeface="Cambria Math" panose="02040503050406030204" pitchFamily="18" charset="0"/>
+                        </a:rPr>
+                        <m:t>𝑂</m:t>
+                      </m:r>
+                    </m:oMath>
+                  </m:oMathPara>
+                </a14:m>
+                <a:endParaRPr lang="fr-FR" dirty="0"/>
+              </a:p>
+            </p:txBody>
+          </p:sp>
+        </mc:Choice>
+        <mc:Fallback xmlns="">
+          <p:sp>
+            <p:nvSpPr>
+              <p:cNvPr id="12" name="ZoneTexte 11">
+                <a:extLst>
+                  <a:ext uri="{FF2B5EF4-FFF2-40B4-BE49-F238E27FC236}">
+                    <a16:creationId xmlns:a16="http://schemas.microsoft.com/office/drawing/2014/main" id="{D6414DB5-0205-EC2A-8FAE-DAFDCB60C4EB}"/>
+                  </a:ext>
+                </a:extLst>
+              </p:cNvPr>
+              <p:cNvSpPr txBox="1">
+                <a:spLocks noRot="1" noChangeAspect="1" noMove="1" noResize="1" noEditPoints="1" noAdjustHandles="1" noChangeArrowheads="1" noChangeShapeType="1" noTextEdit="1"/>
+              </p:cNvSpPr>
+              <p:nvPr/>
+            </p:nvSpPr>
+            <p:spPr>
+              <a:xfrm>
+                <a:off x="11336324" y="2269679"/>
+                <a:ext cx="72008" cy="369332"/>
+              </a:xfrm>
+              <a:prstGeom prst="rect">
+                <a:avLst/>
+              </a:prstGeom>
+              <a:blipFill>
+                <a:blip r:embed="rId3"/>
+                <a:stretch>
+                  <a:fillRect l="-72727" r="-309091"/>
+                </a:stretch>
+              </a:blipFill>
+            </p:spPr>
+            <p:txBody>
+              <a:bodyPr/>
+              <a:lstStyle/>
+              <a:p>
+                <a:r>
+                  <a:rPr lang="fr-FR">
+                    <a:noFill/>
+                  </a:rPr>
+                  <a:t> </a:t>
+                </a:r>
+              </a:p>
+            </p:txBody>
+          </p:sp>
+        </mc:Fallback>
+      </mc:AlternateContent>
+      <p:cxnSp>
+        <p:nvCxnSpPr>
+          <p:cNvPr id="13" name="Connecteur droit 12">
+            <a:extLst>
+              <a:ext uri="{FF2B5EF4-FFF2-40B4-BE49-F238E27FC236}">
+                <a16:creationId xmlns:a16="http://schemas.microsoft.com/office/drawing/2014/main" id="{5CBF21BB-BCB7-2555-7ABB-337EC4FE09DB}"/>
+              </a:ext>
+            </a:extLst>
+          </p:cNvPr>
+          <p:cNvCxnSpPr>
+            <a:cxnSpLocks/>
+            <a:stCxn id="4" idx="0"/>
+          </p:cNvCxnSpPr>
+          <p:nvPr/>
+        </p:nvCxnSpPr>
+        <p:spPr>
+          <a:xfrm flipV="1">
+            <a:off x="11136544" y="2212853"/>
+            <a:ext cx="0" cy="349964"/>
+          </a:xfrm>
+          <a:prstGeom prst="line">
+            <a:avLst/>
+          </a:prstGeom>
+          <a:noFill/>
+          <a:ln w="28575">
+            <a:solidFill>
+              <a:srgbClr val="455368"/>
+            </a:solidFill>
+          </a:ln>
+        </p:spPr>
+        <p:style>
+          <a:lnRef idx="2">
+            <a:schemeClr val="accent1">
+              <a:shade val="50000"/>
+            </a:schemeClr>
+          </a:lnRef>
+          <a:fillRef idx="1">
+            <a:schemeClr val="accent1"/>
+          </a:fillRef>
+          <a:effectRef idx="0">
+            <a:schemeClr val="accent1"/>
+          </a:effectRef>
+          <a:fontRef idx="minor">
+            <a:schemeClr val="lt1"/>
+          </a:fontRef>
+        </p:style>
+      </p:cxnSp>
+      <p:cxnSp>
+        <p:nvCxnSpPr>
+          <p:cNvPr id="17" name="Connecteur droit 16">
+            <a:extLst>
+              <a:ext uri="{FF2B5EF4-FFF2-40B4-BE49-F238E27FC236}">
+                <a16:creationId xmlns:a16="http://schemas.microsoft.com/office/drawing/2014/main" id="{2E16F20C-46B3-74AA-4067-BF8A1E3149C8}"/>
+              </a:ext>
+            </a:extLst>
+          </p:cNvPr>
+          <p:cNvCxnSpPr>
+            <a:cxnSpLocks/>
+          </p:cNvCxnSpPr>
+          <p:nvPr/>
+        </p:nvCxnSpPr>
+        <p:spPr>
+          <a:xfrm flipH="1">
+            <a:off x="10936756" y="2228093"/>
+            <a:ext cx="399568" cy="0"/>
+          </a:xfrm>
+          <a:prstGeom prst="line">
+            <a:avLst/>
+          </a:prstGeom>
+          <a:noFill/>
+          <a:ln w="28575">
+            <a:solidFill>
+              <a:srgbClr val="455368"/>
+            </a:solidFill>
+          </a:ln>
+        </p:spPr>
+        <p:style>
+          <a:lnRef idx="2">
+            <a:schemeClr val="accent1">
+              <a:shade val="50000"/>
+            </a:schemeClr>
+          </a:lnRef>
+          <a:fillRef idx="1">
+            <a:schemeClr val="accent1"/>
+          </a:fillRef>
+          <a:effectRef idx="0">
+            <a:schemeClr val="accent1"/>
+          </a:effectRef>
+          <a:fontRef idx="minor">
+            <a:schemeClr val="lt1"/>
+          </a:fontRef>
+        </p:style>
+      </p:cxnSp>
+      <p:sp>
+        <p:nvSpPr>
+          <p:cNvPr id="4" name="Ellipse 3">
+            <a:extLst>
+              <a:ext uri="{FF2B5EF4-FFF2-40B4-BE49-F238E27FC236}">
+                <a16:creationId xmlns:a16="http://schemas.microsoft.com/office/drawing/2014/main" id="{6830AD02-F298-29A1-9B08-742A9538212B}"/>
+              </a:ext>
+            </a:extLst>
+          </p:cNvPr>
           <p:cNvSpPr>
-            <a:spLocks noGrp="1"/>
+            <a:spLocks/>
           </p:cNvSpPr>
-          <p:nvPr>
-            <p:ph idx="1"/>
-          </p:nvPr>
-        </p:nvSpPr>
-        <p:spPr/>
-        <p:txBody>
-          <a:bodyPr/>
+          <p:nvPr/>
+        </p:nvSpPr>
+        <p:spPr>
+          <a:xfrm>
+            <a:off x="10992544" y="2562817"/>
+            <a:ext cx="288000" cy="288000"/>
+          </a:xfrm>
+          <a:prstGeom prst="ellipse">
+            <a:avLst/>
+          </a:prstGeom>
+          <a:solidFill>
+            <a:schemeClr val="bg1"/>
+          </a:solidFill>
+          <a:ln w="28575">
+            <a:solidFill>
+              <a:srgbClr val="C00000"/>
+            </a:solidFill>
+          </a:ln>
+        </p:spPr>
+        <p:style>
+          <a:lnRef idx="2">
+            <a:schemeClr val="accent1">
+              <a:shade val="50000"/>
+            </a:schemeClr>
+          </a:lnRef>
+          <a:fillRef idx="1">
+            <a:schemeClr val="accent1"/>
+          </a:fillRef>
+          <a:effectRef idx="0">
+            <a:schemeClr val="accent1"/>
+          </a:effectRef>
+          <a:fontRef idx="minor">
+            <a:schemeClr val="lt1"/>
+          </a:fontRef>
+        </p:style>
+        <p:txBody>
+          <a:bodyPr rtlCol="0" anchor="ctr"/>
           <a:lstStyle/>
           <a:p>
+            <a:pPr algn="ctr"/>
+            <a:endParaRPr lang="fr-FR"/>
+          </a:p>
+        </p:txBody>
+      </p:sp>
+      <mc:AlternateContent xmlns:mc="http://schemas.openxmlformats.org/markup-compatibility/2006" xmlns:a14="http://schemas.microsoft.com/office/drawing/2010/main">
+        <mc:Choice Requires="a14">
+          <p:sp>
+            <p:nvSpPr>
+              <p:cNvPr id="21" name="ZoneTexte 20">
+                <a:extLst>
+                  <a:ext uri="{FF2B5EF4-FFF2-40B4-BE49-F238E27FC236}">
+                    <a16:creationId xmlns:a16="http://schemas.microsoft.com/office/drawing/2014/main" id="{5F62C9A0-B361-9AA9-55A1-9D1E50FBDF4E}"/>
+                  </a:ext>
+                </a:extLst>
+              </p:cNvPr>
+              <p:cNvSpPr txBox="1"/>
+              <p:nvPr/>
+            </p:nvSpPr>
+            <p:spPr>
+              <a:xfrm>
+                <a:off x="11723734" y="3503196"/>
+                <a:ext cx="72008" cy="369332"/>
+              </a:xfrm>
+              <a:prstGeom prst="rect">
+                <a:avLst/>
+              </a:prstGeom>
+              <a:noFill/>
+            </p:spPr>
+            <p:txBody>
+              <a:bodyPr wrap="square" rtlCol="0">
+                <a:spAutoFit/>
+              </a:bodyPr>
+              <a:lstStyle/>
+              <a:p>
+                <a:pPr/>
+                <a14:m>
+                  <m:oMathPara xmlns:m="http://schemas.openxmlformats.org/officeDocument/2006/math">
+                    <m:oMathParaPr>
+                      <m:jc m:val="centerGroup"/>
+                    </m:oMathParaPr>
+                    <m:oMath xmlns:m="http://schemas.openxmlformats.org/officeDocument/2006/math">
+                      <m:r>
+                        <a:rPr lang="fr-FR" b="0" i="1" smtClean="0">
+                          <a:latin typeface="Cambria Math" panose="02040503050406030204" pitchFamily="18" charset="0"/>
+                        </a:rPr>
+                        <m:t>𝐺</m:t>
+                      </m:r>
+                    </m:oMath>
+                  </m:oMathPara>
+                </a14:m>
+                <a:endParaRPr lang="fr-FR" dirty="0"/>
+              </a:p>
+            </p:txBody>
+          </p:sp>
+        </mc:Choice>
+        <mc:Fallback xmlns="">
+          <p:sp>
+            <p:nvSpPr>
+              <p:cNvPr id="21" name="ZoneTexte 20">
+                <a:extLst>
+                  <a:ext uri="{FF2B5EF4-FFF2-40B4-BE49-F238E27FC236}">
+                    <a16:creationId xmlns:a16="http://schemas.microsoft.com/office/drawing/2014/main" id="{5F62C9A0-B361-9AA9-55A1-9D1E50FBDF4E}"/>
+                  </a:ext>
+                </a:extLst>
+              </p:cNvPr>
+              <p:cNvSpPr txBox="1">
+                <a:spLocks noRot="1" noChangeAspect="1" noMove="1" noResize="1" noEditPoints="1" noAdjustHandles="1" noChangeArrowheads="1" noChangeShapeType="1" noTextEdit="1"/>
+              </p:cNvSpPr>
+              <p:nvPr/>
+            </p:nvSpPr>
+            <p:spPr>
+              <a:xfrm>
+                <a:off x="11723734" y="3503196"/>
+                <a:ext cx="72008" cy="369332"/>
+              </a:xfrm>
+              <a:prstGeom prst="rect">
+                <a:avLst/>
+              </a:prstGeom>
+              <a:blipFill>
+                <a:blip r:embed="rId4"/>
+                <a:stretch>
+                  <a:fillRect l="-58333" r="-266667"/>
+                </a:stretch>
+              </a:blipFill>
+            </p:spPr>
+            <p:txBody>
+              <a:bodyPr/>
+              <a:lstStyle/>
+              <a:p>
+                <a:r>
+                  <a:rPr lang="fr-FR">
+                    <a:noFill/>
+                  </a:rPr>
+                  <a:t> </a:t>
+                </a:r>
+              </a:p>
+            </p:txBody>
+          </p:sp>
+        </mc:Fallback>
+      </mc:AlternateContent>
+      <mc:AlternateContent xmlns:mc="http://schemas.openxmlformats.org/markup-compatibility/2006" xmlns:a14="http://schemas.microsoft.com/office/drawing/2010/main">
+        <mc:Choice Requires="a14">
+          <p:sp>
+            <p:nvSpPr>
+              <p:cNvPr id="24" name="ZoneTexte 23">
+                <a:extLst>
+                  <a:ext uri="{FF2B5EF4-FFF2-40B4-BE49-F238E27FC236}">
+                    <a16:creationId xmlns:a16="http://schemas.microsoft.com/office/drawing/2014/main" id="{80F81F0E-9698-958F-2832-FB96148D3007}"/>
+                  </a:ext>
+                </a:extLst>
+              </p:cNvPr>
+              <p:cNvSpPr txBox="1"/>
+              <p:nvPr/>
+            </p:nvSpPr>
+            <p:spPr>
+              <a:xfrm>
+                <a:off x="10779005" y="1522649"/>
+                <a:ext cx="626532" cy="307777"/>
+              </a:xfrm>
+              <a:prstGeom prst="rect">
+                <a:avLst/>
+              </a:prstGeom>
+              <a:noFill/>
+            </p:spPr>
+            <p:txBody>
+              <a:bodyPr wrap="square" rtlCol="0">
+                <a:spAutoFit/>
+              </a:bodyPr>
+              <a:lstStyle/>
+              <a:p>
+                <a:pPr/>
+                <a14:m>
+                  <m:oMathPara xmlns:m="http://schemas.openxmlformats.org/officeDocument/2006/math">
+                    <m:oMathParaPr>
+                      <m:jc m:val="centerGroup"/>
+                    </m:oMathParaPr>
+                    <m:oMath xmlns:m="http://schemas.openxmlformats.org/officeDocument/2006/math">
+                      <m:acc>
+                        <m:accPr>
+                          <m:chr m:val="⃗"/>
+                          <m:ctrlPr>
+                            <a:rPr lang="fr-FR" sz="1400" b="0" i="1" smtClean="0">
+                              <a:latin typeface="Cambria Math" panose="02040503050406030204" pitchFamily="18" charset="0"/>
+                            </a:rPr>
+                          </m:ctrlPr>
+                        </m:accPr>
+                        <m:e>
+                          <m:sSub>
+                            <m:sSubPr>
+                              <m:ctrlPr>
+                                <a:rPr lang="fr-FR" sz="1400" i="1">
+                                  <a:latin typeface="Cambria Math" panose="02040503050406030204" pitchFamily="18" charset="0"/>
+                                </a:rPr>
+                              </m:ctrlPr>
+                            </m:sSubPr>
+                            <m:e>
+                              <m:r>
+                                <a:rPr lang="fr-FR" sz="1400" b="0" i="1" smtClean="0">
+                                  <a:latin typeface="Cambria Math" panose="02040503050406030204" pitchFamily="18" charset="0"/>
+                                </a:rPr>
+                                <m:t>𝑦</m:t>
+                              </m:r>
+                            </m:e>
+                            <m:sub>
+                              <m:r>
+                                <a:rPr lang="fr-FR" sz="1400" i="1">
+                                  <a:latin typeface="Cambria Math" panose="02040503050406030204" pitchFamily="18" charset="0"/>
+                                </a:rPr>
+                                <m:t>0</m:t>
+                              </m:r>
+                            </m:sub>
+                          </m:sSub>
+                        </m:e>
+                      </m:acc>
+                    </m:oMath>
+                  </m:oMathPara>
+                </a14:m>
+                <a:endParaRPr lang="fr-FR" sz="1400" dirty="0"/>
+              </a:p>
+            </p:txBody>
+          </p:sp>
+        </mc:Choice>
+        <mc:Fallback xmlns="">
+          <p:sp>
+            <p:nvSpPr>
+              <p:cNvPr id="24" name="ZoneTexte 23">
+                <a:extLst>
+                  <a:ext uri="{FF2B5EF4-FFF2-40B4-BE49-F238E27FC236}">
+                    <a16:creationId xmlns:a16="http://schemas.microsoft.com/office/drawing/2014/main" id="{80F81F0E-9698-958F-2832-FB96148D3007}"/>
+                  </a:ext>
+                </a:extLst>
+              </p:cNvPr>
+              <p:cNvSpPr txBox="1">
+                <a:spLocks noRot="1" noChangeAspect="1" noMove="1" noResize="1" noEditPoints="1" noAdjustHandles="1" noChangeArrowheads="1" noChangeShapeType="1" noTextEdit="1"/>
+              </p:cNvSpPr>
+              <p:nvPr/>
+            </p:nvSpPr>
+            <p:spPr>
+              <a:xfrm>
+                <a:off x="10779005" y="1522649"/>
+                <a:ext cx="626532" cy="307777"/>
+              </a:xfrm>
+              <a:prstGeom prst="rect">
+                <a:avLst/>
+              </a:prstGeom>
+              <a:blipFill>
+                <a:blip r:embed="rId5"/>
+                <a:stretch>
+                  <a:fillRect b="-2000"/>
+                </a:stretch>
+              </a:blipFill>
+            </p:spPr>
+            <p:txBody>
+              <a:bodyPr/>
+              <a:lstStyle/>
+              <a:p>
+                <a:r>
+                  <a:rPr lang="fr-FR">
+                    <a:noFill/>
+                  </a:rPr>
+                  <a:t> </a:t>
+                </a:r>
+              </a:p>
+            </p:txBody>
+          </p:sp>
+        </mc:Fallback>
+      </mc:AlternateContent>
+      <mc:AlternateContent xmlns:mc="http://schemas.openxmlformats.org/markup-compatibility/2006">
+        <mc:Choice xmlns:a14="http://schemas.microsoft.com/office/drawing/2010/main" Requires="a14">
+          <p:sp>
+            <p:nvSpPr>
+              <p:cNvPr id="25" name="ZoneTexte 24">
+                <a:extLst>
+                  <a:ext uri="{FF2B5EF4-FFF2-40B4-BE49-F238E27FC236}">
+                    <a16:creationId xmlns:a16="http://schemas.microsoft.com/office/drawing/2014/main" id="{5098A570-2427-1B98-D622-EB7E57AC64CF}"/>
+                  </a:ext>
+                </a:extLst>
+              </p:cNvPr>
+              <p:cNvSpPr txBox="1"/>
+              <p:nvPr/>
+            </p:nvSpPr>
+            <p:spPr>
+              <a:xfrm>
+                <a:off x="10461317" y="2562817"/>
+                <a:ext cx="626532" cy="307777"/>
+              </a:xfrm>
+              <a:prstGeom prst="rect">
+                <a:avLst/>
+              </a:prstGeom>
+              <a:noFill/>
+            </p:spPr>
+            <p:txBody>
+              <a:bodyPr wrap="square" rtlCol="0">
+                <a:spAutoFit/>
+              </a:bodyPr>
+              <a:lstStyle/>
+              <a:p>
+                <a:pPr/>
+                <a14:m>
+                  <m:oMathPara xmlns:m="http://schemas.openxmlformats.org/officeDocument/2006/math">
+                    <m:oMathParaPr>
+                      <m:jc m:val="centerGroup"/>
+                    </m:oMathParaPr>
+                    <m:oMath xmlns:m="http://schemas.openxmlformats.org/officeDocument/2006/math">
+                      <m:acc>
+                        <m:accPr>
+                          <m:chr m:val="⃗"/>
+                          <m:ctrlPr>
+                            <a:rPr lang="fr-FR" sz="1400" b="0" i="1" smtClean="0">
+                              <a:latin typeface="Cambria Math" panose="02040503050406030204" pitchFamily="18" charset="0"/>
+                            </a:rPr>
+                          </m:ctrlPr>
+                        </m:accPr>
+                        <m:e>
+                          <m:sSub>
+                            <m:sSubPr>
+                              <m:ctrlPr>
+                                <a:rPr lang="fr-FR" sz="1400" i="1">
+                                  <a:latin typeface="Cambria Math" panose="02040503050406030204" pitchFamily="18" charset="0"/>
+                                </a:rPr>
+                              </m:ctrlPr>
+                            </m:sSubPr>
+                            <m:e>
+                              <m:r>
+                                <a:rPr lang="fr-FR" sz="1400" b="0" i="1" smtClean="0">
+                                  <a:latin typeface="Cambria Math" panose="02040503050406030204" pitchFamily="18" charset="0"/>
+                                </a:rPr>
+                                <m:t>𝑧</m:t>
+                              </m:r>
+                            </m:e>
+                            <m:sub>
+                              <m:r>
+                                <a:rPr lang="fr-FR" sz="1400" i="1">
+                                  <a:latin typeface="Cambria Math" panose="02040503050406030204" pitchFamily="18" charset="0"/>
+                                </a:rPr>
+                                <m:t>0</m:t>
+                              </m:r>
+                            </m:sub>
+                          </m:sSub>
+                        </m:e>
+                      </m:acc>
+                    </m:oMath>
+                  </m:oMathPara>
+                </a14:m>
+                <a:endParaRPr lang="fr-FR" sz="1400" dirty="0"/>
+              </a:p>
+            </p:txBody>
+          </p:sp>
+        </mc:Choice>
+        <mc:Fallback>
+          <p:sp>
+            <p:nvSpPr>
+              <p:cNvPr id="25" name="ZoneTexte 24">
+                <a:extLst>
+                  <a:ext uri="{FF2B5EF4-FFF2-40B4-BE49-F238E27FC236}">
+                    <a16:creationId xmlns:a16="http://schemas.microsoft.com/office/drawing/2014/main" id="{5098A570-2427-1B98-D622-EB7E57AC64CF}"/>
+                  </a:ext>
+                </a:extLst>
+              </p:cNvPr>
+              <p:cNvSpPr txBox="1">
+                <a:spLocks noRot="1" noChangeAspect="1" noMove="1" noResize="1" noEditPoints="1" noAdjustHandles="1" noChangeArrowheads="1" noChangeShapeType="1" noTextEdit="1"/>
+              </p:cNvSpPr>
+              <p:nvPr/>
+            </p:nvSpPr>
+            <p:spPr>
+              <a:xfrm>
+                <a:off x="10461317" y="2562817"/>
+                <a:ext cx="626532" cy="307777"/>
+              </a:xfrm>
+              <a:prstGeom prst="rect">
+                <a:avLst/>
+              </a:prstGeom>
+              <a:blipFill>
+                <a:blip r:embed="rId6"/>
+                <a:stretch>
+                  <a:fillRect/>
+                </a:stretch>
+              </a:blipFill>
+            </p:spPr>
+            <p:txBody>
+              <a:bodyPr/>
+              <a:lstStyle/>
+              <a:p>
+                <a:r>
+                  <a:rPr lang="fr-FR">
+                    <a:noFill/>
+                  </a:rPr>
+                  <a:t> </a:t>
+                </a:r>
+              </a:p>
+            </p:txBody>
+          </p:sp>
+        </mc:Fallback>
+      </mc:AlternateContent>
+      <mc:AlternateContent xmlns:mc="http://schemas.openxmlformats.org/markup-compatibility/2006" xmlns:a14="http://schemas.microsoft.com/office/drawing/2010/main">
+        <mc:Choice Requires="a14">
+          <p:sp>
+            <p:nvSpPr>
+              <p:cNvPr id="27" name="ZoneTexte 26">
+                <a:extLst>
+                  <a:ext uri="{FF2B5EF4-FFF2-40B4-BE49-F238E27FC236}">
+                    <a16:creationId xmlns:a16="http://schemas.microsoft.com/office/drawing/2014/main" id="{311A5CF3-8C21-45CA-2CBC-673A7774E266}"/>
+                  </a:ext>
+                </a:extLst>
+              </p:cNvPr>
+              <p:cNvSpPr txBox="1"/>
+              <p:nvPr/>
+            </p:nvSpPr>
+            <p:spPr>
+              <a:xfrm>
+                <a:off x="11565468" y="2353090"/>
+                <a:ext cx="626532" cy="307777"/>
+              </a:xfrm>
+              <a:prstGeom prst="rect">
+                <a:avLst/>
+              </a:prstGeom>
+              <a:noFill/>
+            </p:spPr>
+            <p:txBody>
+              <a:bodyPr wrap="square" rtlCol="0">
+                <a:spAutoFit/>
+              </a:bodyPr>
+              <a:lstStyle/>
+              <a:p>
+                <a:pPr/>
+                <a14:m>
+                  <m:oMathPara xmlns:m="http://schemas.openxmlformats.org/officeDocument/2006/math">
+                    <m:oMathParaPr>
+                      <m:jc m:val="centerGroup"/>
+                    </m:oMathParaPr>
+                    <m:oMath xmlns:m="http://schemas.openxmlformats.org/officeDocument/2006/math">
+                      <m:acc>
+                        <m:accPr>
+                          <m:chr m:val="⃗"/>
+                          <m:ctrlPr>
+                            <a:rPr lang="fr-FR" sz="1400" b="0" i="1" smtClean="0">
+                              <a:latin typeface="Cambria Math" panose="02040503050406030204" pitchFamily="18" charset="0"/>
+                            </a:rPr>
+                          </m:ctrlPr>
+                        </m:accPr>
+                        <m:e>
+                          <m:sSub>
+                            <m:sSubPr>
+                              <m:ctrlPr>
+                                <a:rPr lang="fr-FR" sz="1400" i="1">
+                                  <a:latin typeface="Cambria Math" panose="02040503050406030204" pitchFamily="18" charset="0"/>
+                                </a:rPr>
+                              </m:ctrlPr>
+                            </m:sSubPr>
+                            <m:e>
+                              <m:r>
+                                <a:rPr lang="fr-FR" sz="1400" b="0" i="1" smtClean="0">
+                                  <a:latin typeface="Cambria Math" panose="02040503050406030204" pitchFamily="18" charset="0"/>
+                                </a:rPr>
+                                <m:t>𝑥</m:t>
+                              </m:r>
+                            </m:e>
+                            <m:sub>
+                              <m:r>
+                                <a:rPr lang="fr-FR" sz="1400" i="1">
+                                  <a:latin typeface="Cambria Math" panose="02040503050406030204" pitchFamily="18" charset="0"/>
+                                </a:rPr>
+                                <m:t>0</m:t>
+                              </m:r>
+                            </m:sub>
+                          </m:sSub>
+                        </m:e>
+                      </m:acc>
+                    </m:oMath>
+                  </m:oMathPara>
+                </a14:m>
+                <a:endParaRPr lang="fr-FR" sz="1400" dirty="0"/>
+              </a:p>
+            </p:txBody>
+          </p:sp>
+        </mc:Choice>
+        <mc:Fallback xmlns="">
+          <p:sp>
+            <p:nvSpPr>
+              <p:cNvPr id="27" name="ZoneTexte 26">
+                <a:extLst>
+                  <a:ext uri="{FF2B5EF4-FFF2-40B4-BE49-F238E27FC236}">
+                    <a16:creationId xmlns:a16="http://schemas.microsoft.com/office/drawing/2014/main" id="{311A5CF3-8C21-45CA-2CBC-673A7774E266}"/>
+                  </a:ext>
+                </a:extLst>
+              </p:cNvPr>
+              <p:cNvSpPr txBox="1">
+                <a:spLocks noRot="1" noChangeAspect="1" noMove="1" noResize="1" noEditPoints="1" noAdjustHandles="1" noChangeArrowheads="1" noChangeShapeType="1" noTextEdit="1"/>
+              </p:cNvSpPr>
+              <p:nvPr/>
+            </p:nvSpPr>
+            <p:spPr>
+              <a:xfrm>
+                <a:off x="11565468" y="2353090"/>
+                <a:ext cx="626532" cy="307777"/>
+              </a:xfrm>
+              <a:prstGeom prst="rect">
+                <a:avLst/>
+              </a:prstGeom>
+              <a:blipFill>
+                <a:blip r:embed="rId7"/>
+                <a:stretch>
+                  <a:fillRect/>
+                </a:stretch>
+              </a:blipFill>
+            </p:spPr>
+            <p:txBody>
+              <a:bodyPr/>
+              <a:lstStyle/>
+              <a:p>
+                <a:r>
+                  <a:rPr lang="fr-FR">
+                    <a:noFill/>
+                  </a:rPr>
+                  <a:t> </a:t>
+                </a:r>
+              </a:p>
+            </p:txBody>
+          </p:sp>
+        </mc:Fallback>
+      </mc:AlternateContent>
+      <p:cxnSp>
+        <p:nvCxnSpPr>
+          <p:cNvPr id="28" name="Connecteur droit avec flèche 27">
+            <a:extLst>
+              <a:ext uri="{FF2B5EF4-FFF2-40B4-BE49-F238E27FC236}">
+                <a16:creationId xmlns:a16="http://schemas.microsoft.com/office/drawing/2014/main" id="{DC7A593F-E081-E564-D3F9-2DACE35C9451}"/>
+              </a:ext>
+            </a:extLst>
+          </p:cNvPr>
+          <p:cNvCxnSpPr>
+            <a:cxnSpLocks/>
+          </p:cNvCxnSpPr>
+          <p:nvPr/>
+        </p:nvCxnSpPr>
+        <p:spPr>
+          <a:xfrm>
+            <a:off x="11870268" y="3872528"/>
+            <a:ext cx="0" cy="711894"/>
+          </a:xfrm>
+          <a:prstGeom prst="straightConnector1">
+            <a:avLst/>
+          </a:prstGeom>
+          <a:ln>
+            <a:solidFill>
+              <a:schemeClr val="accent2">
+                <a:lumMod val="75000"/>
+              </a:schemeClr>
+            </a:solidFill>
+            <a:tailEnd type="stealth" w="med" len="lg"/>
+          </a:ln>
+        </p:spPr>
+        <p:style>
+          <a:lnRef idx="1">
+            <a:schemeClr val="accent1"/>
+          </a:lnRef>
+          <a:fillRef idx="0">
+            <a:schemeClr val="accent1"/>
+          </a:fillRef>
+          <a:effectRef idx="0">
+            <a:schemeClr val="accent1"/>
+          </a:effectRef>
+          <a:fontRef idx="minor">
+            <a:schemeClr val="tx1"/>
+          </a:fontRef>
+        </p:style>
+      </p:cxnSp>
+      <mc:AlternateContent xmlns:mc="http://schemas.openxmlformats.org/markup-compatibility/2006" xmlns:a14="http://schemas.microsoft.com/office/drawing/2010/main">
+        <mc:Choice Requires="a14">
+          <p:sp>
+            <p:nvSpPr>
+              <p:cNvPr id="30" name="ZoneTexte 29">
+                <a:extLst>
+                  <a:ext uri="{FF2B5EF4-FFF2-40B4-BE49-F238E27FC236}">
+                    <a16:creationId xmlns:a16="http://schemas.microsoft.com/office/drawing/2014/main" id="{F038BAB4-ABF1-9B77-F053-59E856347777}"/>
+                  </a:ext>
+                </a:extLst>
+              </p:cNvPr>
+              <p:cNvSpPr txBox="1"/>
+              <p:nvPr/>
+            </p:nvSpPr>
+            <p:spPr>
+              <a:xfrm>
+                <a:off x="11280544" y="4278870"/>
+                <a:ext cx="626532" cy="333938"/>
+              </a:xfrm>
+              <a:prstGeom prst="rect">
+                <a:avLst/>
+              </a:prstGeom>
+              <a:noFill/>
+            </p:spPr>
+            <p:txBody>
+              <a:bodyPr wrap="square" rtlCol="0">
+                <a:spAutoFit/>
+              </a:bodyPr>
+              <a:lstStyle/>
+              <a:p>
+                <a:pPr/>
+                <a14:m>
+                  <m:oMathPara xmlns:m="http://schemas.openxmlformats.org/officeDocument/2006/math">
+                    <m:oMathParaPr>
+                      <m:jc m:val="centerGroup"/>
+                    </m:oMathParaPr>
+                    <m:oMath xmlns:m="http://schemas.openxmlformats.org/officeDocument/2006/math">
+                      <m:acc>
+                        <m:accPr>
+                          <m:chr m:val="⃗"/>
+                          <m:ctrlPr>
+                            <a:rPr lang="fr-FR" sz="1400" b="0" i="1" smtClean="0">
+                              <a:latin typeface="Cambria Math" panose="02040503050406030204" pitchFamily="18" charset="0"/>
+                            </a:rPr>
+                          </m:ctrlPr>
+                        </m:accPr>
+                        <m:e>
+                          <m:r>
+                            <a:rPr lang="fr-FR" sz="1400" i="1" smtClean="0">
+                              <a:latin typeface="Cambria Math" panose="02040503050406030204" pitchFamily="18" charset="0"/>
+                            </a:rPr>
+                            <m:t>𝑃</m:t>
+                          </m:r>
+                        </m:e>
+                      </m:acc>
+                    </m:oMath>
+                  </m:oMathPara>
+                </a14:m>
+                <a:endParaRPr lang="fr-FR" sz="1400" dirty="0"/>
+              </a:p>
+            </p:txBody>
+          </p:sp>
+        </mc:Choice>
+        <mc:Fallback xmlns="">
+          <p:sp>
+            <p:nvSpPr>
+              <p:cNvPr id="30" name="ZoneTexte 29">
+                <a:extLst>
+                  <a:ext uri="{FF2B5EF4-FFF2-40B4-BE49-F238E27FC236}">
+                    <a16:creationId xmlns:a16="http://schemas.microsoft.com/office/drawing/2014/main" id="{F038BAB4-ABF1-9B77-F053-59E856347777}"/>
+                  </a:ext>
+                </a:extLst>
+              </p:cNvPr>
+              <p:cNvSpPr txBox="1">
+                <a:spLocks noRot="1" noChangeAspect="1" noMove="1" noResize="1" noEditPoints="1" noAdjustHandles="1" noChangeArrowheads="1" noChangeShapeType="1" noTextEdit="1"/>
+              </p:cNvSpPr>
+              <p:nvPr/>
+            </p:nvSpPr>
+            <p:spPr>
+              <a:xfrm>
+                <a:off x="11280544" y="4278870"/>
+                <a:ext cx="626532" cy="333938"/>
+              </a:xfrm>
+              <a:prstGeom prst="rect">
+                <a:avLst/>
+              </a:prstGeom>
+              <a:blipFill>
+                <a:blip r:embed="rId8"/>
+                <a:stretch>
+                  <a:fillRect t="-10909" r="-3883"/>
+                </a:stretch>
+              </a:blipFill>
+            </p:spPr>
+            <p:txBody>
+              <a:bodyPr/>
+              <a:lstStyle/>
+              <a:p>
+                <a:r>
+                  <a:rPr lang="fr-FR">
+                    <a:noFill/>
+                  </a:rPr>
+                  <a:t> </a:t>
+                </a:r>
+              </a:p>
+            </p:txBody>
+          </p:sp>
+        </mc:Fallback>
+      </mc:AlternateContent>
+      <p:pic>
+        <p:nvPicPr>
+          <p:cNvPr id="8" name="Image 7">
+            <a:extLst>
+              <a:ext uri="{FF2B5EF4-FFF2-40B4-BE49-F238E27FC236}">
+                <a16:creationId xmlns:a16="http://schemas.microsoft.com/office/drawing/2014/main" id="{3E9BF695-47DA-91AE-B4F6-78408450102C}"/>
+              </a:ext>
+            </a:extLst>
+          </p:cNvPr>
+          <p:cNvPicPr>
+            <a:picLocks noChangeAspect="1"/>
+          </p:cNvPicPr>
+          <p:nvPr/>
+        </p:nvPicPr>
+        <p:blipFill>
+          <a:blip r:embed="rId9"/>
+          <a:stretch>
+            <a:fillRect/>
+          </a:stretch>
+        </p:blipFill>
+        <p:spPr>
+          <a:xfrm>
+            <a:off x="10008351" y="4689140"/>
+            <a:ext cx="2162201" cy="2154365"/>
+          </a:xfrm>
+          <a:prstGeom prst="rect">
+            <a:avLst/>
+          </a:prstGeom>
+        </p:spPr>
+      </p:pic>
+      <p:sp>
+        <p:nvSpPr>
+          <p:cNvPr id="9" name="Ellipse 8">
+            <a:extLst>
+              <a:ext uri="{FF2B5EF4-FFF2-40B4-BE49-F238E27FC236}">
+                <a16:creationId xmlns:a16="http://schemas.microsoft.com/office/drawing/2014/main" id="{262F4CBB-4A95-2EF1-07DF-EA1C9E18551E}"/>
+              </a:ext>
+            </a:extLst>
+          </p:cNvPr>
+          <p:cNvSpPr>
+            <a:spLocks/>
+          </p:cNvSpPr>
+          <p:nvPr/>
+        </p:nvSpPr>
+        <p:spPr>
+          <a:xfrm>
+            <a:off x="11100540" y="2679475"/>
+            <a:ext cx="72000" cy="72000"/>
+          </a:xfrm>
+          <a:prstGeom prst="ellipse">
+            <a:avLst/>
+          </a:prstGeom>
+          <a:solidFill>
+            <a:srgbClr val="C00000"/>
+          </a:solidFill>
+          <a:ln w="28575">
+            <a:noFill/>
+          </a:ln>
+        </p:spPr>
+        <p:style>
+          <a:lnRef idx="2">
+            <a:schemeClr val="accent1">
+              <a:shade val="50000"/>
+            </a:schemeClr>
+          </a:lnRef>
+          <a:fillRef idx="1">
+            <a:schemeClr val="accent1"/>
+          </a:fillRef>
+          <a:effectRef idx="0">
+            <a:schemeClr val="accent1"/>
+          </a:effectRef>
+          <a:fontRef idx="minor">
+            <a:schemeClr val="lt1"/>
+          </a:fontRef>
+        </p:style>
+        <p:txBody>
+          <a:bodyPr rtlCol="0" anchor="ctr"/>
+          <a:lstStyle/>
+          <a:p>
+            <a:pPr algn="ctr"/>
             <a:endParaRPr lang="fr-FR"/>
           </a:p>
         </p:txBody>
@@ -8294,30 +10476,531 @@
             </a:br>
             <a:r>
               <a:rPr lang="fr-FR" dirty="0"/>
-              <a:t>Inertie d’une pièce – Oscillations forcées</a:t>
-            </a:r>
-          </a:p>
-        </p:txBody>
-      </p:sp>
-      <p:sp>
-        <p:nvSpPr>
-          <p:cNvPr id="3" name="Espace réservé du contenu 2"/>
-          <p:cNvSpPr>
-            <a:spLocks noGrp="1"/>
-          </p:cNvSpPr>
-          <p:nvPr>
-            <p:ph idx="1"/>
-          </p:nvPr>
-        </p:nvSpPr>
-        <p:spPr/>
-        <p:txBody>
-          <a:bodyPr/>
-          <a:lstStyle/>
-          <a:p>
-            <a:endParaRPr lang="fr-FR"/>
-          </a:p>
-        </p:txBody>
-      </p:sp>
+              <a:t>Inertie d’une pièce – Mise en mouvement grâce à un moteur</a:t>
+            </a:r>
+          </a:p>
+        </p:txBody>
+      </p:sp>
+      <mc:AlternateContent xmlns:mc="http://schemas.openxmlformats.org/markup-compatibility/2006" xmlns:a14="http://schemas.microsoft.com/office/drawing/2010/main">
+        <mc:Choice Requires="a14">
+          <p:sp>
+            <p:nvSpPr>
+              <p:cNvPr id="3" name="Espace réservé du contenu 2"/>
+              <p:cNvSpPr>
+                <a:spLocks noGrp="1"/>
+              </p:cNvSpPr>
+              <p:nvPr>
+                <p:ph idx="1"/>
+              </p:nvPr>
+            </p:nvSpPr>
+            <p:spPr/>
+            <p:txBody>
+              <a:bodyPr/>
+              <a:lstStyle/>
+              <a:p>
+                <a:r>
+                  <a:rPr lang="fr-FR" dirty="0"/>
+                  <a:t>Idée : faire tourner la pièce grâce à un moteur dans un plan où la pesanteur ne travaille pas</a:t>
+                </a:r>
+              </a:p>
+              <a:p>
+                <a:endParaRPr lang="fr-FR" dirty="0"/>
+              </a:p>
+              <a:p>
+                <a:r>
+                  <a:rPr lang="fr-FR" dirty="0"/>
+                  <a:t>Modélisation </a:t>
+                </a:r>
+              </a:p>
+              <a:p>
+                <a:pPr lvl="1"/>
+                <a14:m>
+                  <m:oMath xmlns:m="http://schemas.openxmlformats.org/officeDocument/2006/math">
+                    <m:sSub>
+                      <m:sSubPr>
+                        <m:ctrlPr>
+                          <a:rPr lang="fr-FR" b="0" i="1" smtClean="0">
+                            <a:latin typeface="Cambria Math" panose="02040503050406030204" pitchFamily="18" charset="0"/>
+                            <a:ea typeface="Cambria Math" panose="02040503050406030204" pitchFamily="18" charset="0"/>
+                          </a:rPr>
+                        </m:ctrlPr>
+                      </m:sSubPr>
+                      <m:e>
+                        <m:r>
+                          <a:rPr lang="fr-FR" b="0" i="1" smtClean="0">
+                            <a:latin typeface="Cambria Math" panose="02040503050406030204" pitchFamily="18" charset="0"/>
+                            <a:ea typeface="Cambria Math" panose="02040503050406030204" pitchFamily="18" charset="0"/>
+                          </a:rPr>
+                          <m:t>𝐶</m:t>
+                        </m:r>
+                      </m:e>
+                      <m:sub>
+                        <m:r>
+                          <a:rPr lang="fr-FR" b="0" i="1" smtClean="0">
+                            <a:latin typeface="Cambria Math" panose="02040503050406030204" pitchFamily="18" charset="0"/>
+                            <a:ea typeface="Cambria Math" panose="02040503050406030204" pitchFamily="18" charset="0"/>
+                          </a:rPr>
+                          <m:t>𝑚</m:t>
+                        </m:r>
+                      </m:sub>
+                    </m:sSub>
+                    <m:d>
+                      <m:dPr>
+                        <m:ctrlPr>
+                          <a:rPr lang="fr-FR" i="1">
+                            <a:latin typeface="Cambria Math" panose="02040503050406030204" pitchFamily="18" charset="0"/>
+                            <a:ea typeface="Cambria Math" panose="02040503050406030204" pitchFamily="18" charset="0"/>
+                          </a:rPr>
+                        </m:ctrlPr>
+                      </m:dPr>
+                      <m:e>
+                        <m:r>
+                          <a:rPr lang="fr-FR" i="1">
+                            <a:latin typeface="Cambria Math" panose="02040503050406030204" pitchFamily="18" charset="0"/>
+                            <a:ea typeface="Cambria Math" panose="02040503050406030204" pitchFamily="18" charset="0"/>
+                          </a:rPr>
+                          <m:t>𝑡</m:t>
+                        </m:r>
+                      </m:e>
+                    </m:d>
+                    <m:r>
+                      <a:rPr lang="fr-FR" b="0" i="1" smtClean="0">
+                        <a:latin typeface="Cambria Math" panose="02040503050406030204" pitchFamily="18" charset="0"/>
+                        <a:ea typeface="Cambria Math" panose="02040503050406030204" pitchFamily="18" charset="0"/>
+                      </a:rPr>
+                      <m:t>+</m:t>
+                    </m:r>
+                    <m:sSub>
+                      <m:sSubPr>
+                        <m:ctrlPr>
+                          <a:rPr lang="fr-FR" b="0" i="1" strike="sngStrike" smtClean="0">
+                            <a:latin typeface="Cambria Math" panose="02040503050406030204" pitchFamily="18" charset="0"/>
+                            <a:ea typeface="Cambria Math" panose="02040503050406030204" pitchFamily="18" charset="0"/>
+                          </a:rPr>
+                        </m:ctrlPr>
+                      </m:sSubPr>
+                      <m:e>
+                        <m:r>
+                          <a:rPr lang="fr-FR" b="0" i="1" strike="sngStrike" smtClean="0">
+                            <a:latin typeface="Cambria Math" panose="02040503050406030204" pitchFamily="18" charset="0"/>
+                            <a:ea typeface="Cambria Math" panose="02040503050406030204" pitchFamily="18" charset="0"/>
+                          </a:rPr>
+                          <m:t>𝐶</m:t>
+                        </m:r>
+                      </m:e>
+                      <m:sub>
+                        <m:r>
+                          <a:rPr lang="fr-FR" b="0" i="1" strike="sngStrike" smtClean="0">
+                            <a:latin typeface="Cambria Math" panose="02040503050406030204" pitchFamily="18" charset="0"/>
+                            <a:ea typeface="Cambria Math" panose="02040503050406030204" pitchFamily="18" charset="0"/>
+                          </a:rPr>
+                          <m:t>𝑓</m:t>
+                        </m:r>
+                      </m:sub>
+                    </m:sSub>
+                    <m:r>
+                      <a:rPr lang="fr-FR" i="1">
+                        <a:latin typeface="Cambria Math" panose="02040503050406030204" pitchFamily="18" charset="0"/>
+                        <a:ea typeface="Cambria Math" panose="02040503050406030204" pitchFamily="18" charset="0"/>
+                      </a:rPr>
+                      <m:t>=</m:t>
+                    </m:r>
+                    <m:r>
+                      <a:rPr lang="fr-FR" i="1">
+                        <a:latin typeface="Cambria Math" panose="02040503050406030204" pitchFamily="18" charset="0"/>
+                        <a:ea typeface="Cambria Math" panose="02040503050406030204" pitchFamily="18" charset="0"/>
+                      </a:rPr>
+                      <m:t>𝐽</m:t>
+                    </m:r>
+                    <m:f>
+                      <m:fPr>
+                        <m:ctrlPr>
+                          <a:rPr lang="fr-FR" b="0" i="1" smtClean="0">
+                            <a:latin typeface="Cambria Math" panose="02040503050406030204" pitchFamily="18" charset="0"/>
+                            <a:ea typeface="Cambria Math" panose="02040503050406030204" pitchFamily="18" charset="0"/>
+                          </a:rPr>
+                        </m:ctrlPr>
+                      </m:fPr>
+                      <m:num>
+                        <m:r>
+                          <m:rPr>
+                            <m:sty m:val="p"/>
+                          </m:rPr>
+                          <a:rPr lang="fr-FR" b="0" i="0" smtClean="0">
+                            <a:latin typeface="Cambria Math" panose="02040503050406030204" pitchFamily="18" charset="0"/>
+                            <a:ea typeface="Cambria Math" panose="02040503050406030204" pitchFamily="18" charset="0"/>
+                          </a:rPr>
+                          <m:t>d</m:t>
+                        </m:r>
+                        <m:r>
+                          <a:rPr lang="fr-FR" b="0" i="1" smtClean="0">
+                            <a:latin typeface="Cambria Math" panose="02040503050406030204" pitchFamily="18" charset="0"/>
+                            <a:ea typeface="Cambria Math" panose="02040503050406030204" pitchFamily="18" charset="0"/>
+                          </a:rPr>
+                          <m:t>𝜔</m:t>
+                        </m:r>
+                        <m:r>
+                          <a:rPr lang="fr-FR" b="0" i="1" smtClean="0">
+                            <a:latin typeface="Cambria Math" panose="02040503050406030204" pitchFamily="18" charset="0"/>
+                            <a:ea typeface="Cambria Math" panose="02040503050406030204" pitchFamily="18" charset="0"/>
+                          </a:rPr>
+                          <m:t>(</m:t>
+                        </m:r>
+                        <m:r>
+                          <a:rPr lang="fr-FR" b="0" i="1" smtClean="0">
+                            <a:latin typeface="Cambria Math" panose="02040503050406030204" pitchFamily="18" charset="0"/>
+                            <a:ea typeface="Cambria Math" panose="02040503050406030204" pitchFamily="18" charset="0"/>
+                          </a:rPr>
+                          <m:t>𝑡</m:t>
+                        </m:r>
+                        <m:r>
+                          <a:rPr lang="fr-FR" b="0" i="1" smtClean="0">
+                            <a:latin typeface="Cambria Math" panose="02040503050406030204" pitchFamily="18" charset="0"/>
+                            <a:ea typeface="Cambria Math" panose="02040503050406030204" pitchFamily="18" charset="0"/>
+                          </a:rPr>
+                          <m:t>)</m:t>
+                        </m:r>
+                      </m:num>
+                      <m:den>
+                        <m:r>
+                          <m:rPr>
+                            <m:sty m:val="p"/>
+                          </m:rPr>
+                          <a:rPr lang="fr-FR" b="0" i="0" smtClean="0">
+                            <a:latin typeface="Cambria Math" panose="02040503050406030204" pitchFamily="18" charset="0"/>
+                            <a:ea typeface="Cambria Math" panose="02040503050406030204" pitchFamily="18" charset="0"/>
+                          </a:rPr>
+                          <m:t>d</m:t>
+                        </m:r>
+                        <m:r>
+                          <a:rPr lang="fr-FR" b="0" i="1" smtClean="0">
+                            <a:latin typeface="Cambria Math" panose="02040503050406030204" pitchFamily="18" charset="0"/>
+                            <a:ea typeface="Cambria Math" panose="02040503050406030204" pitchFamily="18" charset="0"/>
+                          </a:rPr>
+                          <m:t>𝑡</m:t>
+                        </m:r>
+                      </m:den>
+                    </m:f>
+                  </m:oMath>
+                </a14:m>
+                <a:r>
+                  <a:rPr lang="fr-FR" dirty="0"/>
+                  <a:t> à accélération constante, </a:t>
+                </a:r>
+                <a14:m>
+                  <m:oMath xmlns:m="http://schemas.openxmlformats.org/officeDocument/2006/math">
+                    <m:sSub>
+                      <m:sSubPr>
+                        <m:ctrlPr>
+                          <a:rPr lang="fr-FR" b="0" i="1" smtClean="0">
+                            <a:latin typeface="Cambria Math" panose="02040503050406030204" pitchFamily="18" charset="0"/>
+                          </a:rPr>
+                        </m:ctrlPr>
+                      </m:sSubPr>
+                      <m:e>
+                        <m:r>
+                          <a:rPr lang="fr-FR" b="0" i="1" smtClean="0">
+                            <a:latin typeface="Cambria Math" panose="02040503050406030204" pitchFamily="18" charset="0"/>
+                          </a:rPr>
+                          <m:t>𝐶</m:t>
+                        </m:r>
+                      </m:e>
+                      <m:sub>
+                        <m:r>
+                          <a:rPr lang="fr-FR" b="0" i="1" smtClean="0">
+                            <a:latin typeface="Cambria Math" panose="02040503050406030204" pitchFamily="18" charset="0"/>
+                          </a:rPr>
+                          <m:t>𝑚</m:t>
+                        </m:r>
+                      </m:sub>
+                    </m:sSub>
+                    <m:r>
+                      <a:rPr lang="fr-FR" b="0" i="1" smtClean="0">
+                        <a:latin typeface="Cambria Math" panose="02040503050406030204" pitchFamily="18" charset="0"/>
+                      </a:rPr>
+                      <m:t>=</m:t>
+                    </m:r>
+                    <m:r>
+                      <a:rPr lang="fr-FR" b="0" i="1" smtClean="0">
+                        <a:latin typeface="Cambria Math" panose="02040503050406030204" pitchFamily="18" charset="0"/>
+                      </a:rPr>
+                      <m:t>𝐽</m:t>
+                    </m:r>
+                    <m:r>
+                      <a:rPr lang="fr-FR" b="0" i="1" smtClean="0">
+                        <a:latin typeface="Cambria Math" panose="02040503050406030204" pitchFamily="18" charset="0"/>
+                      </a:rPr>
+                      <m:t>𝛼</m:t>
+                    </m:r>
+                  </m:oMath>
+                </a14:m>
+                <a:r>
+                  <a:rPr lang="fr-FR" dirty="0"/>
+                  <a:t> avec </a:t>
+                </a:r>
+                <a14:m>
+                  <m:oMath xmlns:m="http://schemas.openxmlformats.org/officeDocument/2006/math">
+                    <m:r>
+                      <a:rPr lang="fr-FR" i="1">
+                        <a:latin typeface="Cambria Math" panose="02040503050406030204" pitchFamily="18" charset="0"/>
+                      </a:rPr>
+                      <m:t>𝛼</m:t>
+                    </m:r>
+                  </m:oMath>
+                </a14:m>
+                <a:r>
+                  <a:rPr lang="fr-FR" dirty="0"/>
+                  <a:t> accélération constante.</a:t>
+                </a:r>
+              </a:p>
+              <a:p>
+                <a:pPr lvl="1"/>
+                <a:endParaRPr lang="fr-FR" dirty="0"/>
+              </a:p>
+              <a:p>
+                <a:r>
+                  <a:rPr lang="fr-FR" dirty="0"/>
+                  <a:t>Protocole expérimental :</a:t>
+                </a:r>
+              </a:p>
+              <a:p>
+                <a:pPr lvl="1"/>
+                <a:r>
+                  <a:rPr lang="fr-FR" dirty="0"/>
+                  <a:t>On fait tourner le moteur avec une accélération constante; donc une vitesse linéaire </a:t>
+                </a:r>
+                <a14:m>
+                  <m:oMath xmlns:m="http://schemas.openxmlformats.org/officeDocument/2006/math">
+                    <m:acc>
+                      <m:accPr>
+                        <m:chr m:val="̇"/>
+                        <m:ctrlPr>
+                          <a:rPr lang="fr-FR" i="1" smtClean="0">
+                            <a:latin typeface="Cambria Math" panose="02040503050406030204" pitchFamily="18" charset="0"/>
+                          </a:rPr>
+                        </m:ctrlPr>
+                      </m:accPr>
+                      <m:e>
+                        <m:r>
+                          <a:rPr lang="fr-FR" b="0" i="1" smtClean="0">
+                            <a:latin typeface="Cambria Math" panose="02040503050406030204" pitchFamily="18" charset="0"/>
+                          </a:rPr>
+                          <m:t>𝜃</m:t>
+                        </m:r>
+                      </m:e>
+                    </m:acc>
+                    <m:d>
+                      <m:dPr>
+                        <m:ctrlPr>
+                          <a:rPr lang="fr-FR" b="0" i="1" smtClean="0">
+                            <a:latin typeface="Cambria Math" panose="02040503050406030204" pitchFamily="18" charset="0"/>
+                          </a:rPr>
+                        </m:ctrlPr>
+                      </m:dPr>
+                      <m:e>
+                        <m:r>
+                          <a:rPr lang="fr-FR" b="0" i="1" smtClean="0">
+                            <a:latin typeface="Cambria Math" panose="02040503050406030204" pitchFamily="18" charset="0"/>
+                          </a:rPr>
+                          <m:t>𝑡</m:t>
+                        </m:r>
+                      </m:e>
+                    </m:d>
+                    <m:r>
+                      <a:rPr lang="fr-FR" b="0" i="1" smtClean="0">
+                        <a:latin typeface="Cambria Math" panose="02040503050406030204" pitchFamily="18" charset="0"/>
+                      </a:rPr>
+                      <m:t>=</m:t>
+                    </m:r>
+                    <m:r>
+                      <a:rPr lang="fr-FR" b="0" i="1" smtClean="0">
+                        <a:latin typeface="Cambria Math" panose="02040503050406030204" pitchFamily="18" charset="0"/>
+                      </a:rPr>
+                      <m:t>𝛼</m:t>
+                    </m:r>
+                    <m:r>
+                      <a:rPr lang="fr-FR" b="0" i="1" smtClean="0">
+                        <a:latin typeface="Cambria Math" panose="02040503050406030204" pitchFamily="18" charset="0"/>
+                      </a:rPr>
+                      <m:t> </m:t>
+                    </m:r>
+                    <m:r>
+                      <a:rPr lang="fr-FR" b="0" i="1" smtClean="0">
+                        <a:latin typeface="Cambria Math" panose="02040503050406030204" pitchFamily="18" charset="0"/>
+                      </a:rPr>
+                      <m:t>𝑡</m:t>
+                    </m:r>
+                  </m:oMath>
+                </a14:m>
+                <a:r>
+                  <a:rPr lang="fr-FR" dirty="0"/>
+                  <a:t>. Pour cela on alimente la moteur avec une tension linéaire (rampe)</a:t>
+                </a:r>
+              </a:p>
+              <a:p>
+                <a:pPr lvl="1"/>
+                <a:r>
+                  <a:rPr lang="fr-FR" dirty="0"/>
+                  <a:t>On mesure </a:t>
+                </a:r>
+                <a14:m>
+                  <m:oMath xmlns:m="http://schemas.openxmlformats.org/officeDocument/2006/math">
+                    <m:sSub>
+                      <m:sSubPr>
+                        <m:ctrlPr>
+                          <a:rPr lang="fr-FR" b="0" i="1" smtClean="0">
+                            <a:latin typeface="Cambria Math" panose="02040503050406030204" pitchFamily="18" charset="0"/>
+                          </a:rPr>
+                        </m:ctrlPr>
+                      </m:sSubPr>
+                      <m:e>
+                        <m:r>
+                          <a:rPr lang="fr-FR" b="0" i="1" smtClean="0">
+                            <a:latin typeface="Cambria Math" panose="02040503050406030204" pitchFamily="18" charset="0"/>
+                          </a:rPr>
+                          <m:t>𝐶</m:t>
+                        </m:r>
+                      </m:e>
+                      <m:sub>
+                        <m:r>
+                          <a:rPr lang="fr-FR" b="0" i="1" smtClean="0">
+                            <a:latin typeface="Cambria Math" panose="02040503050406030204" pitchFamily="18" charset="0"/>
+                          </a:rPr>
+                          <m:t>𝑚</m:t>
+                        </m:r>
+                      </m:sub>
+                    </m:sSub>
+                  </m:oMath>
+                </a14:m>
+                <a:r>
+                  <a:rPr lang="fr-FR" dirty="0"/>
+                  <a:t> grâce au courant induit dans le moteur </a:t>
+                </a:r>
+                <a14:m>
+                  <m:oMath xmlns:m="http://schemas.openxmlformats.org/officeDocument/2006/math">
+                    <m:sSub>
+                      <m:sSubPr>
+                        <m:ctrlPr>
+                          <a:rPr lang="fr-FR" b="0" i="1" smtClean="0">
+                            <a:latin typeface="Cambria Math" panose="02040503050406030204" pitchFamily="18" charset="0"/>
+                          </a:rPr>
+                        </m:ctrlPr>
+                      </m:sSubPr>
+                      <m:e>
+                        <m:r>
+                          <a:rPr lang="fr-FR" b="0" i="1" smtClean="0">
+                            <a:latin typeface="Cambria Math" panose="02040503050406030204" pitchFamily="18" charset="0"/>
+                          </a:rPr>
+                          <m:t>𝐶</m:t>
+                        </m:r>
+                      </m:e>
+                      <m:sub>
+                        <m:r>
+                          <a:rPr lang="fr-FR" b="0" i="1" smtClean="0">
+                            <a:latin typeface="Cambria Math" panose="02040503050406030204" pitchFamily="18" charset="0"/>
+                          </a:rPr>
+                          <m:t>𝑚</m:t>
+                        </m:r>
+                      </m:sub>
+                    </m:sSub>
+                    <m:r>
+                      <a:rPr lang="fr-FR" b="0" i="1" smtClean="0">
+                        <a:latin typeface="Cambria Math" panose="02040503050406030204" pitchFamily="18" charset="0"/>
+                      </a:rPr>
+                      <m:t>≃</m:t>
+                    </m:r>
+                    <m:sSub>
+                      <m:sSubPr>
+                        <m:ctrlPr>
+                          <a:rPr lang="fr-FR" b="0" i="1" smtClean="0">
+                            <a:latin typeface="Cambria Math" panose="02040503050406030204" pitchFamily="18" charset="0"/>
+                          </a:rPr>
+                        </m:ctrlPr>
+                      </m:sSubPr>
+                      <m:e>
+                        <m:r>
+                          <a:rPr lang="fr-FR" b="0" i="1" smtClean="0">
+                            <a:latin typeface="Cambria Math" panose="02040503050406030204" pitchFamily="18" charset="0"/>
+                          </a:rPr>
+                          <m:t>𝐾</m:t>
+                        </m:r>
+                      </m:e>
+                      <m:sub>
+                        <m:r>
+                          <a:rPr lang="fr-FR" b="0" i="1" smtClean="0">
+                            <a:latin typeface="Cambria Math" panose="02040503050406030204" pitchFamily="18" charset="0"/>
+                          </a:rPr>
+                          <m:t>𝑐</m:t>
+                        </m:r>
+                      </m:sub>
+                    </m:sSub>
+                    <m:r>
+                      <a:rPr lang="fr-FR" b="0" i="1" smtClean="0">
+                        <a:latin typeface="Cambria Math" panose="02040503050406030204" pitchFamily="18" charset="0"/>
+                      </a:rPr>
+                      <m:t>×</m:t>
+                    </m:r>
+                    <m:r>
+                      <a:rPr lang="fr-FR" b="0" i="1" smtClean="0">
+                        <a:latin typeface="Cambria Math" panose="02040503050406030204" pitchFamily="18" charset="0"/>
+                      </a:rPr>
+                      <m:t>𝐼</m:t>
+                    </m:r>
+                  </m:oMath>
+                </a14:m>
+                <a:r>
+                  <a:rPr lang="fr-FR" dirty="0"/>
+                  <a:t>.</a:t>
+                </a:r>
+              </a:p>
+              <a:p>
+                <a:pPr lvl="1"/>
+                <a:endParaRPr lang="fr-FR" dirty="0"/>
+              </a:p>
+              <a:p>
+                <a:pPr lvl="1"/>
+                <a:endParaRPr lang="fr-FR" dirty="0"/>
+              </a:p>
+              <a:p>
+                <a:endParaRPr lang="fr-FR" dirty="0"/>
+              </a:p>
+            </p:txBody>
+          </p:sp>
+        </mc:Choice>
+        <mc:Fallback xmlns="">
+          <p:sp>
+            <p:nvSpPr>
+              <p:cNvPr id="3" name="Espace réservé du contenu 2"/>
+              <p:cNvSpPr>
+                <a:spLocks noGrp="1" noRot="1" noChangeAspect="1" noMove="1" noResize="1" noEditPoints="1" noAdjustHandles="1" noChangeArrowheads="1" noChangeShapeType="1" noTextEdit="1"/>
+              </p:cNvSpPr>
+              <p:nvPr>
+                <p:ph idx="1"/>
+              </p:nvPr>
+            </p:nvSpPr>
+            <p:spPr>
+              <a:blipFill>
+                <a:blip r:embed="rId2"/>
+                <a:stretch>
+                  <a:fillRect l="-936" t="-2029"/>
+                </a:stretch>
+              </a:blipFill>
+            </p:spPr>
+            <p:txBody>
+              <a:bodyPr/>
+              <a:lstStyle/>
+              <a:p>
+                <a:r>
+                  <a:rPr lang="fr-FR">
+                    <a:noFill/>
+                  </a:rPr>
+                  <a:t> </a:t>
+                </a:r>
+              </a:p>
+            </p:txBody>
+          </p:sp>
+        </mc:Fallback>
+      </mc:AlternateContent>
     </p:spTree>
     <p:extLst>
       <p:ext uri="{BB962C8B-B14F-4D97-AF65-F5344CB8AC3E}">

--- a/B_Fiches_Protocoles/ProtocolesExpérimentaux.pptx
+++ b/B_Fiches_Protocoles/ProtocolesExpérimentaux.pptx
@@ -272,7 +272,7 @@
           <a:p>
             <a:fld id="{1A3D9B3B-1EC8-4BC4-B783-7630517B3190}" type="datetimeFigureOut">
               <a:rPr lang="fr-FR" smtClean="0"/>
-              <a:t>22/05/2023</a:t>
+              <a:t>04/12/2023</a:t>
             </a:fld>
             <a:endParaRPr lang="fr-FR"/>
           </a:p>
@@ -681,7 +681,7 @@
           <a:p>
             <a:fld id="{1A3D9B3B-1EC8-4BC4-B783-7630517B3190}" type="datetimeFigureOut">
               <a:rPr lang="fr-FR" smtClean="0"/>
-              <a:t>22/05/2023</a:t>
+              <a:t>04/12/2023</a:t>
             </a:fld>
             <a:endParaRPr lang="fr-FR"/>
           </a:p>
@@ -867,7 +867,7 @@
           <a:p>
             <a:fld id="{1A3D9B3B-1EC8-4BC4-B783-7630517B3190}" type="datetimeFigureOut">
               <a:rPr lang="fr-FR" smtClean="0"/>
-              <a:t>22/05/2023</a:t>
+              <a:t>04/12/2023</a:t>
             </a:fld>
             <a:endParaRPr lang="fr-FR"/>
           </a:p>
@@ -1043,7 +1043,7 @@
           <a:p>
             <a:fld id="{1A3D9B3B-1EC8-4BC4-B783-7630517B3190}" type="datetimeFigureOut">
               <a:rPr lang="fr-FR" smtClean="0"/>
-              <a:t>22/05/2023</a:t>
+              <a:t>04/12/2023</a:t>
             </a:fld>
             <a:endParaRPr lang="fr-FR"/>
           </a:p>
@@ -1342,7 +1342,7 @@
           <a:p>
             <a:fld id="{1A3D9B3B-1EC8-4BC4-B783-7630517B3190}" type="datetimeFigureOut">
               <a:rPr lang="fr-FR" smtClean="0"/>
-              <a:t>22/05/2023</a:t>
+              <a:t>04/12/2023</a:t>
             </a:fld>
             <a:endParaRPr lang="fr-FR"/>
           </a:p>
@@ -1579,7 +1579,7 @@
           <a:p>
             <a:fld id="{1A3D9B3B-1EC8-4BC4-B783-7630517B3190}" type="datetimeFigureOut">
               <a:rPr lang="fr-FR" smtClean="0"/>
-              <a:t>22/05/2023</a:t>
+              <a:t>04/12/2023</a:t>
             </a:fld>
             <a:endParaRPr lang="fr-FR"/>
           </a:p>
@@ -1997,7 +1997,7 @@
           <a:p>
             <a:fld id="{1A3D9B3B-1EC8-4BC4-B783-7630517B3190}" type="datetimeFigureOut">
               <a:rPr lang="fr-FR" smtClean="0"/>
-              <a:t>22/05/2023</a:t>
+              <a:t>04/12/2023</a:t>
             </a:fld>
             <a:endParaRPr lang="fr-FR"/>
           </a:p>
@@ -2122,7 +2122,7 @@
           <a:p>
             <a:fld id="{1A3D9B3B-1EC8-4BC4-B783-7630517B3190}" type="datetimeFigureOut">
               <a:rPr lang="fr-FR" smtClean="0"/>
-              <a:t>22/05/2023</a:t>
+              <a:t>04/12/2023</a:t>
             </a:fld>
             <a:endParaRPr lang="fr-FR"/>
           </a:p>
@@ -2271,7 +2271,7 @@
           <a:p>
             <a:fld id="{1A3D9B3B-1EC8-4BC4-B783-7630517B3190}" type="datetimeFigureOut">
               <a:rPr lang="fr-FR" smtClean="0"/>
-              <a:t>22/05/2023</a:t>
+              <a:t>04/12/2023</a:t>
             </a:fld>
             <a:endParaRPr lang="fr-FR"/>
           </a:p>
@@ -2554,7 +2554,7 @@
           <a:p>
             <a:fld id="{1A3D9B3B-1EC8-4BC4-B783-7630517B3190}" type="datetimeFigureOut">
               <a:rPr lang="fr-FR" smtClean="0"/>
-              <a:t>22/05/2023</a:t>
+              <a:t>04/12/2023</a:t>
             </a:fld>
             <a:endParaRPr lang="fr-FR"/>
           </a:p>
@@ -2814,7 +2814,7 @@
           <a:p>
             <a:fld id="{1A3D9B3B-1EC8-4BC4-B783-7630517B3190}" type="datetimeFigureOut">
               <a:rPr lang="fr-FR" smtClean="0"/>
-              <a:t>22/05/2023</a:t>
+              <a:t>04/12/2023</a:t>
             </a:fld>
             <a:endParaRPr lang="fr-FR"/>
           </a:p>
@@ -3034,7 +3034,7 @@
             <a:fld id="{1A3D9B3B-1EC8-4BC4-B783-7630517B3190}" type="datetimeFigureOut">
               <a:rPr lang="fr-FR" smtClean="0"/>
               <a:pPr/>
-              <a:t>22/05/2023</a:t>
+              <a:t>04/12/2023</a:t>
             </a:fld>
             <a:endParaRPr lang="fr-FR"/>
           </a:p>
@@ -4233,6 +4233,13 @@
           </p:nvPr>
         </p:nvSpPr>
         <p:spPr/>
+        <p:txBody>
+          <a:bodyPr/>
+          <a:lstStyle/>
+          <a:p>
+            <a:endParaRPr lang="fr-FR"/>
+          </a:p>
+        </p:txBody>
       </p:sp>
       <p:pic>
         <p:nvPicPr>
@@ -7769,6 +7776,13 @@
           </p:nvPr>
         </p:nvSpPr>
         <p:spPr/>
+        <p:txBody>
+          <a:bodyPr/>
+          <a:lstStyle/>
+          <a:p>
+            <a:endParaRPr lang="fr-FR"/>
+          </a:p>
+        </p:txBody>
       </p:sp>
       <p:sp>
         <p:nvSpPr>
@@ -8309,8 +8323,8 @@
           </a:p>
         </p:txBody>
       </p:sp>
-      <mc:AlternateContent xmlns:mc="http://schemas.openxmlformats.org/markup-compatibility/2006" xmlns:a14="http://schemas.microsoft.com/office/drawing/2010/main">
-        <mc:Choice Requires="a14">
+      <mc:AlternateContent xmlns:mc="http://schemas.openxmlformats.org/markup-compatibility/2006">
+        <mc:Choice xmlns:a14="http://schemas.microsoft.com/office/drawing/2010/main" Requires="a14">
           <p:sp>
             <p:nvSpPr>
               <p:cNvPr id="3" name="Espace réservé du contenu 2"/>
@@ -8329,16 +8343,13 @@
               <a:lstStyle/>
               <a:p>
                 <a:r>
-                  <a:rPr lang="fr-FR" dirty="0"/>
+                  <a:rPr lang="fr-FR" b="1" dirty="0"/>
                   <a:t>Idée : on fait penduler la pièce autour de son axe et on relie la période d’oscillation à l’inertie. </a:t>
                 </a:r>
               </a:p>
               <a:p>
-                <a:endParaRPr lang="fr-FR" dirty="0"/>
-              </a:p>
-              <a:p>
                 <a:r>
-                  <a:rPr lang="fr-FR" dirty="0"/>
+                  <a:rPr lang="fr-FR" b="1" dirty="0"/>
                   <a:t>Modèle issu du TMD (ou du TEC)</a:t>
                 </a:r>
               </a:p>
@@ -9226,14 +9237,145 @@
                     </m:func>
                   </m:oMath>
                 </a14:m>
-                <a:endParaRPr lang="fr-FR" b="0" dirty="0"/>
+                <a:endParaRPr lang="fr-FR" dirty="0"/>
               </a:p>
               <a:p>
+                <a:pPr lvl="1"/>
+                <a:r>
+                  <a:rPr lang="fr-FR" dirty="0"/>
+                  <a:t>De plus  </a:t>
+                </a:r>
+                <a14:m>
+                  <m:oMath xmlns:m="http://schemas.openxmlformats.org/officeDocument/2006/math">
+                    <m:r>
+                      <a:rPr lang="fr-FR" b="0" i="1" smtClean="0">
+                        <a:latin typeface="Cambria Math" panose="02040503050406030204" pitchFamily="18" charset="0"/>
+                      </a:rPr>
+                      <m:t>𝜔</m:t>
+                    </m:r>
+                    <m:r>
+                      <a:rPr lang="fr-FR" b="0" i="1" smtClean="0">
+                        <a:latin typeface="Cambria Math" panose="02040503050406030204" pitchFamily="18" charset="0"/>
+                      </a:rPr>
+                      <m:t>=</m:t>
+                    </m:r>
+                  </m:oMath>
+                </a14:m>
+                <a:r>
+                  <a:rPr lang="fr-FR" dirty="0"/>
+                  <a:t> </a:t>
+                </a:r>
+                <a14:m>
+                  <m:oMath xmlns:m="http://schemas.openxmlformats.org/officeDocument/2006/math">
+                    <m:rad>
+                      <m:radPr>
+                        <m:degHide m:val="on"/>
+                        <m:ctrlPr>
+                          <a:rPr lang="fr-FR" i="1">
+                            <a:latin typeface="Cambria Math" panose="02040503050406030204" pitchFamily="18" charset="0"/>
+                          </a:rPr>
+                        </m:ctrlPr>
+                      </m:radPr>
+                      <m:deg/>
+                      <m:e>
+                        <m:f>
+                          <m:fPr>
+                            <m:ctrlPr>
+                              <a:rPr lang="fr-FR" i="1">
+                                <a:latin typeface="Cambria Math" panose="02040503050406030204" pitchFamily="18" charset="0"/>
+                              </a:rPr>
+                            </m:ctrlPr>
+                          </m:fPr>
+                          <m:num>
+                            <m:r>
+                              <a:rPr lang="fr-FR" i="1">
+                                <a:latin typeface="Cambria Math" panose="02040503050406030204" pitchFamily="18" charset="0"/>
+                              </a:rPr>
+                              <m:t>𝐿𝑀𝑔</m:t>
+                            </m:r>
+                          </m:num>
+                          <m:den>
+                            <m:r>
+                              <a:rPr lang="fr-FR" i="1">
+                                <a:latin typeface="Cambria Math" panose="02040503050406030204" pitchFamily="18" charset="0"/>
+                              </a:rPr>
+                              <m:t>𝐽</m:t>
+                            </m:r>
+                          </m:den>
+                        </m:f>
+                      </m:e>
+                    </m:rad>
+                    <m:r>
+                      <a:rPr lang="fr-FR" b="0" i="0" smtClean="0">
+                        <a:latin typeface="Cambria Math" panose="02040503050406030204" pitchFamily="18" charset="0"/>
+                      </a:rPr>
+                      <m:t>=</m:t>
+                    </m:r>
+                    <m:f>
+                      <m:fPr>
+                        <m:ctrlPr>
+                          <a:rPr lang="fr-FR" b="0" i="1" smtClean="0">
+                            <a:latin typeface="Cambria Math" panose="02040503050406030204" pitchFamily="18" charset="0"/>
+                          </a:rPr>
+                        </m:ctrlPr>
+                      </m:fPr>
+                      <m:num>
+                        <m:r>
+                          <a:rPr lang="fr-FR" b="0" i="0" smtClean="0">
+                            <a:latin typeface="Cambria Math" panose="02040503050406030204" pitchFamily="18" charset="0"/>
+                          </a:rPr>
+                          <m:t>2</m:t>
+                        </m:r>
+                        <m:r>
+                          <a:rPr lang="fr-FR" b="0" i="1" smtClean="0">
+                            <a:latin typeface="Cambria Math" panose="02040503050406030204" pitchFamily="18" charset="0"/>
+                          </a:rPr>
+                          <m:t>𝜋</m:t>
+                        </m:r>
+                      </m:num>
+                      <m:den>
+                        <m:r>
+                          <a:rPr lang="fr-FR" b="0" i="1" smtClean="0">
+                            <a:latin typeface="Cambria Math" panose="02040503050406030204" pitchFamily="18" charset="0"/>
+                          </a:rPr>
+                          <m:t>𝑇</m:t>
+                        </m:r>
+                      </m:den>
+                    </m:f>
+                    <m:r>
+                      <a:rPr lang="fr-FR" b="0" i="0" smtClean="0">
+                        <a:latin typeface="Cambria Math" panose="02040503050406030204" pitchFamily="18" charset="0"/>
+                      </a:rPr>
+                      <m:t>.</m:t>
+                    </m:r>
+                  </m:oMath>
+                </a14:m>
+                <a:r>
+                  <a:rPr lang="fr-FR" dirty="0"/>
+                  <a:t> On peut donc en déduire </a:t>
+                </a:r>
+                <a14:m>
+                  <m:oMath xmlns:m="http://schemas.openxmlformats.org/officeDocument/2006/math">
+                    <m:r>
+                      <a:rPr lang="fr-FR" b="0" i="1" smtClean="0">
+                        <a:latin typeface="Cambria Math" panose="02040503050406030204" pitchFamily="18" charset="0"/>
+                      </a:rPr>
+                      <m:t>𝑇</m:t>
+                    </m:r>
+                  </m:oMath>
+                </a14:m>
+                <a:r>
+                  <a:rPr lang="fr-FR" dirty="0"/>
+                  <a:t>.</a:t>
+                </a:r>
+              </a:p>
+              <a:p>
+                <a:pPr lvl="1"/>
                 <a:endParaRPr lang="fr-FR" dirty="0"/>
               </a:p>
               <a:p>
                 <a:r>
-                  <a:rPr lang="fr-FR" dirty="0"/>
+                  <a:rPr lang="fr-FR" b="1" dirty="0"/>
                   <a:t>On mesure la période de pendulation</a:t>
                 </a:r>
               </a:p>
@@ -9272,46 +9414,46 @@
               </a:p>
               <a:p>
                 <a:r>
-                  <a:rPr lang="fr-FR" dirty="0"/>
+                  <a:rPr lang="fr-FR" b="1" dirty="0"/>
                   <a:t>On mesure </a:t>
                 </a:r>
                 <a14:m>
                   <m:oMath xmlns:m="http://schemas.openxmlformats.org/officeDocument/2006/math">
                     <m:r>
-                      <a:rPr lang="fr-FR" b="0" i="1" smtClean="0">
-                        <a:latin typeface="Cambria Math" panose="02040503050406030204" pitchFamily="18" charset="0"/>
-                      </a:rPr>
-                      <m:t>𝑀</m:t>
+                      <a:rPr lang="fr-FR" b="1" i="1" smtClean="0">
+                        <a:latin typeface="Cambria Math" panose="02040503050406030204" pitchFamily="18" charset="0"/>
+                      </a:rPr>
+                      <m:t>𝑴</m:t>
                     </m:r>
                   </m:oMath>
                 </a14:m>
                 <a:r>
-                  <a:rPr lang="fr-FR" dirty="0"/>
+                  <a:rPr lang="fr-FR" b="1" dirty="0"/>
                   <a:t> avec une balance</a:t>
                 </a:r>
               </a:p>
               <a:p>
                 <a:r>
-                  <a:rPr lang="fr-FR" dirty="0"/>
+                  <a:rPr lang="fr-FR" b="1" dirty="0"/>
                   <a:t>Reste à estimer </a:t>
                 </a:r>
                 <a14:m>
                   <m:oMath xmlns:m="http://schemas.openxmlformats.org/officeDocument/2006/math">
                     <m:r>
-                      <a:rPr lang="fr-FR" i="1" dirty="0" smtClean="0">
-                        <a:latin typeface="Cambria Math" panose="02040503050406030204" pitchFamily="18" charset="0"/>
-                      </a:rPr>
-                      <m:t>𝐿</m:t>
-                    </m:r>
-                    <m:r>
-                      <a:rPr lang="fr-FR" b="0" i="1" dirty="0" smtClean="0">
+                      <a:rPr lang="fr-FR" b="1" i="1" dirty="0" smtClean="0">
+                        <a:latin typeface="Cambria Math" panose="02040503050406030204" pitchFamily="18" charset="0"/>
+                      </a:rPr>
+                      <m:t>𝑳</m:t>
+                    </m:r>
+                    <m:r>
+                      <a:rPr lang="fr-FR" b="1" i="1" dirty="0" smtClean="0">
                         <a:latin typeface="Cambria Math" panose="02040503050406030204" pitchFamily="18" charset="0"/>
                       </a:rPr>
                       <m:t>…</m:t>
                     </m:r>
                   </m:oMath>
                 </a14:m>
-                <a:endParaRPr lang="fr-FR" dirty="0"/>
+                <a:endParaRPr lang="fr-FR" b="1" dirty="0"/>
               </a:p>
               <a:p>
                 <a:endParaRPr lang="fr-FR" dirty="0"/>
@@ -9327,7 +9469,7 @@
             </p:txBody>
           </p:sp>
         </mc:Choice>
-        <mc:Fallback xmlns="">
+        <mc:Fallback>
           <p:sp>
             <p:nvSpPr>
               <p:cNvPr id="3" name="Espace réservé du contenu 2"/>
@@ -9707,8 +9849,8 @@
           </a:p>
         </p:txBody>
       </p:sp>
-      <mc:AlternateContent xmlns:mc="http://schemas.openxmlformats.org/markup-compatibility/2006" xmlns:a14="http://schemas.microsoft.com/office/drawing/2010/main">
-        <mc:Choice Requires="a14">
+      <mc:AlternateContent xmlns:mc="http://schemas.openxmlformats.org/markup-compatibility/2006">
+        <mc:Choice xmlns:a14="http://schemas.microsoft.com/office/drawing/2010/main" Requires="a14">
           <p:sp>
             <p:nvSpPr>
               <p:cNvPr id="21" name="ZoneTexte 20">
@@ -9723,8 +9865,8 @@
             </p:nvSpPr>
             <p:spPr>
               <a:xfrm>
-                <a:off x="11723734" y="3503196"/>
-                <a:ext cx="72008" cy="369332"/>
+                <a:off x="11723733" y="3503196"/>
+                <a:ext cx="431619" cy="369332"/>
               </a:xfrm>
               <a:prstGeom prst="rect">
                 <a:avLst/>
@@ -9758,7 +9900,7 @@
             </p:txBody>
           </p:sp>
         </mc:Choice>
-        <mc:Fallback xmlns="">
+        <mc:Fallback>
           <p:sp>
             <p:nvSpPr>
               <p:cNvPr id="21" name="ZoneTexte 20">
@@ -9775,8 +9917,8 @@
             </p:nvSpPr>
             <p:spPr>
               <a:xfrm>
-                <a:off x="11723734" y="3503196"/>
-                <a:ext cx="72008" cy="369332"/>
+                <a:off x="11723733" y="3503196"/>
+                <a:ext cx="431619" cy="369332"/>
               </a:xfrm>
               <a:prstGeom prst="rect">
                 <a:avLst/>
@@ -9784,7 +9926,7 @@
               <a:blipFill>
                 <a:blip r:embed="rId4"/>
                 <a:stretch>
-                  <a:fillRect l="-58333" r="-266667"/>
+                  <a:fillRect/>
                 </a:stretch>
               </a:blipFill>
             </p:spPr>
@@ -9930,8 +10072,8 @@
           </p:sp>
         </mc:Fallback>
       </mc:AlternateContent>
-      <mc:AlternateContent xmlns:mc="http://schemas.openxmlformats.org/markup-compatibility/2006">
-        <mc:Choice xmlns:a14="http://schemas.microsoft.com/office/drawing/2010/main" Requires="a14">
+      <mc:AlternateContent xmlns:mc="http://schemas.openxmlformats.org/markup-compatibility/2006" xmlns:a14="http://schemas.microsoft.com/office/drawing/2010/main">
+        <mc:Choice Requires="a14">
           <p:sp>
             <p:nvSpPr>
               <p:cNvPr id="25" name="ZoneTexte 24">
@@ -10012,7 +10154,7 @@
             </p:txBody>
           </p:sp>
         </mc:Choice>
-        <mc:Fallback>
+        <mc:Fallback xmlns="">
           <p:sp>
             <p:nvSpPr>
               <p:cNvPr id="25" name="ZoneTexte 24">
@@ -10360,7 +10502,7 @@
         </p:blipFill>
         <p:spPr>
           <a:xfrm>
-            <a:off x="10008351" y="4689140"/>
+            <a:off x="8227116" y="1583684"/>
             <a:ext cx="2162201" cy="2154365"/>
           </a:xfrm>
           <a:prstGeom prst="rect">
@@ -10422,6 +10564,123 @@
           </a:p>
         </p:txBody>
       </p:sp>
+      <p:pic>
+        <p:nvPicPr>
+          <p:cNvPr id="11" name="Image 10">
+            <a:extLst>
+              <a:ext uri="{FF2B5EF4-FFF2-40B4-BE49-F238E27FC236}">
+                <a16:creationId xmlns:a16="http://schemas.microsoft.com/office/drawing/2014/main" id="{A7A9A24E-E1BF-458F-BCC0-9AA859798AFF}"/>
+              </a:ext>
+            </a:extLst>
+          </p:cNvPr>
+          <p:cNvPicPr/>
+          <p:nvPr/>
+        </p:nvPicPr>
+        <p:blipFill>
+          <a:blip r:embed="rId10"/>
+          <a:stretch>
+            <a:fillRect/>
+          </a:stretch>
+        </p:blipFill>
+        <p:spPr>
+          <a:xfrm>
+            <a:off x="6257280" y="5120004"/>
+            <a:ext cx="2753360" cy="1737995"/>
+          </a:xfrm>
+          <a:prstGeom prst="rect">
+            <a:avLst/>
+          </a:prstGeom>
+        </p:spPr>
+      </p:pic>
+      <p:pic>
+        <p:nvPicPr>
+          <p:cNvPr id="15" name="Image 14">
+            <a:extLst>
+              <a:ext uri="{FF2B5EF4-FFF2-40B4-BE49-F238E27FC236}">
+                <a16:creationId xmlns:a16="http://schemas.microsoft.com/office/drawing/2014/main" id="{90DE5613-1283-E184-C6FA-27537441722C}"/>
+              </a:ext>
+            </a:extLst>
+          </p:cNvPr>
+          <p:cNvPicPr>
+            <a:picLocks noChangeAspect="1"/>
+          </p:cNvPicPr>
+          <p:nvPr/>
+        </p:nvPicPr>
+        <p:blipFill>
+          <a:blip r:embed="rId11"/>
+          <a:stretch>
+            <a:fillRect/>
+          </a:stretch>
+        </p:blipFill>
+        <p:spPr>
+          <a:xfrm>
+            <a:off x="7940043" y="5140152"/>
+            <a:ext cx="1077147" cy="885654"/>
+          </a:xfrm>
+          <a:prstGeom prst="rect">
+            <a:avLst/>
+          </a:prstGeom>
+        </p:spPr>
+      </p:pic>
+      <p:pic>
+        <p:nvPicPr>
+          <p:cNvPr id="18" name="Image 17">
+            <a:extLst>
+              <a:ext uri="{FF2B5EF4-FFF2-40B4-BE49-F238E27FC236}">
+                <a16:creationId xmlns:a16="http://schemas.microsoft.com/office/drawing/2014/main" id="{DD8646E7-5ADB-3F49-3D47-C929984E6E49}"/>
+              </a:ext>
+            </a:extLst>
+          </p:cNvPr>
+          <p:cNvPicPr>
+            <a:picLocks noChangeAspect="1"/>
+          </p:cNvPicPr>
+          <p:nvPr/>
+        </p:nvPicPr>
+        <p:blipFill rotWithShape="1">
+          <a:blip r:embed="rId12"/>
+          <a:srcRect l="21470" r="26614"/>
+          <a:stretch/>
+        </p:blipFill>
+        <p:spPr>
+          <a:xfrm>
+            <a:off x="10543429" y="5634019"/>
+            <a:ext cx="1429443" cy="1163623"/>
+          </a:xfrm>
+          <a:prstGeom prst="rect">
+            <a:avLst/>
+          </a:prstGeom>
+        </p:spPr>
+      </p:pic>
+      <p:pic>
+        <p:nvPicPr>
+          <p:cNvPr id="10" name="Image 9">
+            <a:extLst>
+              <a:ext uri="{FF2B5EF4-FFF2-40B4-BE49-F238E27FC236}">
+                <a16:creationId xmlns:a16="http://schemas.microsoft.com/office/drawing/2014/main" id="{E6B65226-7C5F-54CC-D139-5D977761852E}"/>
+              </a:ext>
+            </a:extLst>
+          </p:cNvPr>
+          <p:cNvPicPr>
+            <a:picLocks noChangeAspect="1"/>
+          </p:cNvPicPr>
+          <p:nvPr/>
+        </p:nvPicPr>
+        <p:blipFill>
+          <a:blip r:embed="rId13"/>
+          <a:stretch>
+            <a:fillRect/>
+          </a:stretch>
+        </p:blipFill>
+        <p:spPr>
+          <a:xfrm>
+            <a:off x="9010640" y="5582979"/>
+            <a:ext cx="1759454" cy="1177964"/>
+          </a:xfrm>
+          <a:prstGeom prst="rect">
+            <a:avLst/>
+          </a:prstGeom>
+        </p:spPr>
+      </p:pic>
     </p:spTree>
     <p:extLst>
       <p:ext uri="{BB962C8B-B14F-4D97-AF65-F5344CB8AC3E}">

--- a/B_Fiches_Protocoles/ProtocolesExpérimentaux.pptx
+++ b/B_Fiches_Protocoles/ProtocolesExpérimentaux.pptx
@@ -19,10 +19,11 @@
     <p:sldId id="274" r:id="rId13"/>
     <p:sldId id="273" r:id="rId14"/>
     <p:sldId id="264" r:id="rId15"/>
-    <p:sldId id="270" r:id="rId16"/>
-    <p:sldId id="269" r:id="rId17"/>
+    <p:sldId id="269" r:id="rId16"/>
+    <p:sldId id="270" r:id="rId17"/>
     <p:sldId id="271" r:id="rId18"/>
-    <p:sldId id="257" r:id="rId19"/>
+    <p:sldId id="275" r:id="rId19"/>
+    <p:sldId id="257" r:id="rId20"/>
   </p:sldIdLst>
   <p:sldSz cx="12192000" cy="6858000"/>
   <p:notesSz cx="6858000" cy="9144000"/>
@@ -272,7 +273,7 @@
           <a:p>
             <a:fld id="{1A3D9B3B-1EC8-4BC4-B783-7630517B3190}" type="datetimeFigureOut">
               <a:rPr lang="fr-FR" smtClean="0"/>
-              <a:t>04/12/2023</a:t>
+              <a:t>31/05/2024</a:t>
             </a:fld>
             <a:endParaRPr lang="fr-FR"/>
           </a:p>
@@ -681,7 +682,7 @@
           <a:p>
             <a:fld id="{1A3D9B3B-1EC8-4BC4-B783-7630517B3190}" type="datetimeFigureOut">
               <a:rPr lang="fr-FR" smtClean="0"/>
-              <a:t>04/12/2023</a:t>
+              <a:t>31/05/2024</a:t>
             </a:fld>
             <a:endParaRPr lang="fr-FR"/>
           </a:p>
@@ -867,7 +868,7 @@
           <a:p>
             <a:fld id="{1A3D9B3B-1EC8-4BC4-B783-7630517B3190}" type="datetimeFigureOut">
               <a:rPr lang="fr-FR" smtClean="0"/>
-              <a:t>04/12/2023</a:t>
+              <a:t>31/05/2024</a:t>
             </a:fld>
             <a:endParaRPr lang="fr-FR"/>
           </a:p>
@@ -1043,7 +1044,7 @@
           <a:p>
             <a:fld id="{1A3D9B3B-1EC8-4BC4-B783-7630517B3190}" type="datetimeFigureOut">
               <a:rPr lang="fr-FR" smtClean="0"/>
-              <a:t>04/12/2023</a:t>
+              <a:t>31/05/2024</a:t>
             </a:fld>
             <a:endParaRPr lang="fr-FR"/>
           </a:p>
@@ -1342,7 +1343,7 @@
           <a:p>
             <a:fld id="{1A3D9B3B-1EC8-4BC4-B783-7630517B3190}" type="datetimeFigureOut">
               <a:rPr lang="fr-FR" smtClean="0"/>
-              <a:t>04/12/2023</a:t>
+              <a:t>31/05/2024</a:t>
             </a:fld>
             <a:endParaRPr lang="fr-FR"/>
           </a:p>
@@ -1579,7 +1580,7 @@
           <a:p>
             <a:fld id="{1A3D9B3B-1EC8-4BC4-B783-7630517B3190}" type="datetimeFigureOut">
               <a:rPr lang="fr-FR" smtClean="0"/>
-              <a:t>04/12/2023</a:t>
+              <a:t>31/05/2024</a:t>
             </a:fld>
             <a:endParaRPr lang="fr-FR"/>
           </a:p>
@@ -1997,7 +1998,7 @@
           <a:p>
             <a:fld id="{1A3D9B3B-1EC8-4BC4-B783-7630517B3190}" type="datetimeFigureOut">
               <a:rPr lang="fr-FR" smtClean="0"/>
-              <a:t>04/12/2023</a:t>
+              <a:t>31/05/2024</a:t>
             </a:fld>
             <a:endParaRPr lang="fr-FR"/>
           </a:p>
@@ -2122,7 +2123,7 @@
           <a:p>
             <a:fld id="{1A3D9B3B-1EC8-4BC4-B783-7630517B3190}" type="datetimeFigureOut">
               <a:rPr lang="fr-FR" smtClean="0"/>
-              <a:t>04/12/2023</a:t>
+              <a:t>31/05/2024</a:t>
             </a:fld>
             <a:endParaRPr lang="fr-FR"/>
           </a:p>
@@ -2271,7 +2272,7 @@
           <a:p>
             <a:fld id="{1A3D9B3B-1EC8-4BC4-B783-7630517B3190}" type="datetimeFigureOut">
               <a:rPr lang="fr-FR" smtClean="0"/>
-              <a:t>04/12/2023</a:t>
+              <a:t>31/05/2024</a:t>
             </a:fld>
             <a:endParaRPr lang="fr-FR"/>
           </a:p>
@@ -2554,7 +2555,7 @@
           <a:p>
             <a:fld id="{1A3D9B3B-1EC8-4BC4-B783-7630517B3190}" type="datetimeFigureOut">
               <a:rPr lang="fr-FR" smtClean="0"/>
-              <a:t>04/12/2023</a:t>
+              <a:t>31/05/2024</a:t>
             </a:fld>
             <a:endParaRPr lang="fr-FR"/>
           </a:p>
@@ -2814,7 +2815,7 @@
           <a:p>
             <a:fld id="{1A3D9B3B-1EC8-4BC4-B783-7630517B3190}" type="datetimeFigureOut">
               <a:rPr lang="fr-FR" smtClean="0"/>
-              <a:t>04/12/2023</a:t>
+              <a:t>31/05/2024</a:t>
             </a:fld>
             <a:endParaRPr lang="fr-FR"/>
           </a:p>
@@ -3034,7 +3035,7 @@
             <a:fld id="{1A3D9B3B-1EC8-4BC4-B783-7630517B3190}" type="datetimeFigureOut">
               <a:rPr lang="fr-FR" smtClean="0"/>
               <a:pPr/>
-              <a:t>04/12/2023</a:t>
+              <a:t>31/05/2024</a:t>
             </a:fld>
             <a:endParaRPr lang="fr-FR"/>
           </a:p>
@@ -4341,6 +4342,2041 @@
           <a:p>
             <a:r>
               <a:rPr lang="fr-FR" dirty="0"/>
+              <a:t>Détermination de la résistance</a:t>
+            </a:r>
+          </a:p>
+        </p:txBody>
+      </p:sp>
+      <mc:AlternateContent xmlns:mc="http://schemas.openxmlformats.org/markup-compatibility/2006" xmlns:a14="http://schemas.microsoft.com/office/drawing/2010/main">
+        <mc:Choice Requires="a14">
+          <p:sp>
+            <p:nvSpPr>
+              <p:cNvPr id="6" name="Espace réservé du contenu 5">
+                <a:extLst>
+                  <a:ext uri="{FF2B5EF4-FFF2-40B4-BE49-F238E27FC236}">
+                    <a16:creationId xmlns:a16="http://schemas.microsoft.com/office/drawing/2014/main" id="{DD3182B1-2E49-4758-9780-442FDA2CB3F8}"/>
+                  </a:ext>
+                </a:extLst>
+              </p:cNvPr>
+              <p:cNvSpPr>
+                <a:spLocks noGrp="1"/>
+              </p:cNvSpPr>
+              <p:nvPr>
+                <p:ph idx="1"/>
+              </p:nvPr>
+            </p:nvSpPr>
+            <p:spPr>
+              <a:xfrm>
+                <a:off x="232229" y="1248228"/>
+                <a:ext cx="8348047" cy="5110161"/>
+              </a:xfrm>
+            </p:spPr>
+            <p:txBody>
+              <a:bodyPr>
+                <a:normAutofit fontScale="92500" lnSpcReduction="20000"/>
+              </a:bodyPr>
+              <a:lstStyle/>
+              <a:p>
+                <a:r>
+                  <a:rPr lang="fr-FR" dirty="0"/>
+                  <a:t>Modèle utilisé : </a:t>
+                </a:r>
+              </a:p>
+              <a:p>
+                <a:pPr lvl="1"/>
+                <a:r>
+                  <a:rPr lang="fr-FR" dirty="0"/>
+                  <a:t>Si </a:t>
+                </a:r>
+                <a14:m>
+                  <m:oMath xmlns:m="http://schemas.openxmlformats.org/officeDocument/2006/math">
+                    <m:r>
+                      <a:rPr lang="fr-FR" b="0" i="1" smtClean="0">
+                        <a:latin typeface="Cambria Math" panose="02040503050406030204" pitchFamily="18" charset="0"/>
+                      </a:rPr>
+                      <m:t>𝜔</m:t>
+                    </m:r>
+                    <m:d>
+                      <m:dPr>
+                        <m:ctrlPr>
+                          <a:rPr lang="fr-FR" b="0" i="1" smtClean="0">
+                            <a:latin typeface="Cambria Math" panose="02040503050406030204" pitchFamily="18" charset="0"/>
+                          </a:rPr>
+                        </m:ctrlPr>
+                      </m:dPr>
+                      <m:e>
+                        <m:r>
+                          <a:rPr lang="fr-FR" b="0" i="1" smtClean="0">
+                            <a:latin typeface="Cambria Math" panose="02040503050406030204" pitchFamily="18" charset="0"/>
+                          </a:rPr>
+                          <m:t>𝑡</m:t>
+                        </m:r>
+                      </m:e>
+                    </m:d>
+                    <m:r>
+                      <a:rPr lang="fr-FR" b="0" i="1" smtClean="0">
+                        <a:latin typeface="Cambria Math" panose="02040503050406030204" pitchFamily="18" charset="0"/>
+                      </a:rPr>
+                      <m:t>=0</m:t>
+                    </m:r>
+                  </m:oMath>
+                </a14:m>
+                <a:r>
+                  <a:rPr lang="fr-FR" dirty="0"/>
+                  <a:t> alors </a:t>
+                </a:r>
+                <a14:m>
+                  <m:oMath xmlns:m="http://schemas.openxmlformats.org/officeDocument/2006/math">
+                    <m:r>
+                      <a:rPr lang="fr-FR" b="0" i="1" smtClean="0">
+                        <a:latin typeface="Cambria Math" panose="02040503050406030204" pitchFamily="18" charset="0"/>
+                      </a:rPr>
+                      <m:t>𝐸</m:t>
+                    </m:r>
+                    <m:d>
+                      <m:dPr>
+                        <m:ctrlPr>
+                          <a:rPr lang="fr-FR" b="0" i="1" smtClean="0">
+                            <a:latin typeface="Cambria Math" panose="02040503050406030204" pitchFamily="18" charset="0"/>
+                          </a:rPr>
+                        </m:ctrlPr>
+                      </m:dPr>
+                      <m:e>
+                        <m:r>
+                          <a:rPr lang="fr-FR" b="0" i="1" smtClean="0">
+                            <a:latin typeface="Cambria Math" panose="02040503050406030204" pitchFamily="18" charset="0"/>
+                          </a:rPr>
+                          <m:t>𝑡</m:t>
+                        </m:r>
+                      </m:e>
+                    </m:d>
+                    <m:r>
+                      <a:rPr lang="fr-FR" b="0" i="1" smtClean="0">
+                        <a:latin typeface="Cambria Math" panose="02040503050406030204" pitchFamily="18" charset="0"/>
+                      </a:rPr>
+                      <m:t>=0</m:t>
+                    </m:r>
+                    <m:r>
+                      <a:rPr lang="fr-FR" b="0" i="0" smtClean="0">
+                        <a:latin typeface="Cambria Math" panose="02040503050406030204" pitchFamily="18" charset="0"/>
+                      </a:rPr>
+                      <m:t>.</m:t>
+                    </m:r>
+                  </m:oMath>
+                </a14:m>
+                <a:endParaRPr lang="fr-FR" b="0" dirty="0"/>
+              </a:p>
+              <a:p>
+                <a:pPr lvl="1"/>
+                <a:r>
+                  <a:rPr lang="fr-FR" dirty="0"/>
+                  <a:t>En régime permanent, </a:t>
+                </a:r>
+                <a14:m>
+                  <m:oMath xmlns:m="http://schemas.openxmlformats.org/officeDocument/2006/math">
+                    <m:f>
+                      <m:fPr>
+                        <m:ctrlPr>
+                          <a:rPr lang="fr-FR" b="0" i="1" smtClean="0">
+                            <a:latin typeface="Cambria Math" panose="02040503050406030204" pitchFamily="18" charset="0"/>
+                          </a:rPr>
+                        </m:ctrlPr>
+                      </m:fPr>
+                      <m:num>
+                        <m:r>
+                          <m:rPr>
+                            <m:sty m:val="p"/>
+                          </m:rPr>
+                          <a:rPr lang="fr-FR" b="0" i="0" smtClean="0">
+                            <a:latin typeface="Cambria Math" panose="02040503050406030204" pitchFamily="18" charset="0"/>
+                          </a:rPr>
+                          <m:t>d</m:t>
+                        </m:r>
+                        <m:r>
+                          <a:rPr lang="fr-FR" b="0" i="1" smtClean="0">
+                            <a:latin typeface="Cambria Math" panose="02040503050406030204" pitchFamily="18" charset="0"/>
+                          </a:rPr>
+                          <m:t>𝑖</m:t>
+                        </m:r>
+                        <m:d>
+                          <m:dPr>
+                            <m:ctrlPr>
+                              <a:rPr lang="fr-FR" b="0" i="1" smtClean="0">
+                                <a:latin typeface="Cambria Math" panose="02040503050406030204" pitchFamily="18" charset="0"/>
+                              </a:rPr>
+                            </m:ctrlPr>
+                          </m:dPr>
+                          <m:e>
+                            <m:r>
+                              <a:rPr lang="fr-FR" b="0" i="1" smtClean="0">
+                                <a:latin typeface="Cambria Math" panose="02040503050406030204" pitchFamily="18" charset="0"/>
+                              </a:rPr>
+                              <m:t>𝑡</m:t>
+                            </m:r>
+                          </m:e>
+                        </m:d>
+                      </m:num>
+                      <m:den>
+                        <m:r>
+                          <m:rPr>
+                            <m:sty m:val="p"/>
+                          </m:rPr>
+                          <a:rPr lang="fr-FR" b="0" i="0" smtClean="0">
+                            <a:latin typeface="Cambria Math" panose="02040503050406030204" pitchFamily="18" charset="0"/>
+                          </a:rPr>
+                          <m:t>d</m:t>
+                        </m:r>
+                        <m:r>
+                          <a:rPr lang="fr-FR" b="0" i="1" smtClean="0">
+                            <a:latin typeface="Cambria Math" panose="02040503050406030204" pitchFamily="18" charset="0"/>
+                          </a:rPr>
+                          <m:t>𝑡</m:t>
+                        </m:r>
+                      </m:den>
+                    </m:f>
+                    <m:r>
+                      <a:rPr lang="fr-FR" b="0" i="1" smtClean="0">
+                        <a:latin typeface="Cambria Math" panose="02040503050406030204" pitchFamily="18" charset="0"/>
+                      </a:rPr>
+                      <m:t>=0</m:t>
+                    </m:r>
+                  </m:oMath>
+                </a14:m>
+                <a:endParaRPr lang="fr-FR" b="0" dirty="0"/>
+              </a:p>
+              <a:p>
+                <a:pPr lvl="1"/>
+                <a:r>
+                  <a:rPr lang="fr-FR" dirty="0"/>
+                  <a:t>En régime permanent, on a alors </a:t>
+                </a:r>
+                <a14:m>
+                  <m:oMath xmlns:m="http://schemas.openxmlformats.org/officeDocument/2006/math">
+                    <m:r>
+                      <a:rPr lang="fr-FR" i="1" smtClean="0">
+                        <a:latin typeface="Cambria Math" panose="02040503050406030204" pitchFamily="18" charset="0"/>
+                      </a:rPr>
+                      <m:t>𝑈</m:t>
+                    </m:r>
+                    <m:d>
+                      <m:dPr>
+                        <m:ctrlPr>
+                          <a:rPr lang="fr-FR" i="1" smtClean="0">
+                            <a:latin typeface="Cambria Math" panose="02040503050406030204" pitchFamily="18" charset="0"/>
+                          </a:rPr>
+                        </m:ctrlPr>
+                      </m:dPr>
+                      <m:e>
+                        <m:r>
+                          <a:rPr lang="fr-FR" i="1" smtClean="0">
+                            <a:latin typeface="Cambria Math" panose="02040503050406030204" pitchFamily="18" charset="0"/>
+                          </a:rPr>
+                          <m:t>𝑡</m:t>
+                        </m:r>
+                      </m:e>
+                    </m:d>
+                    <m:r>
+                      <a:rPr lang="fr-FR" i="1" smtClean="0">
+                        <a:latin typeface="Cambria Math" panose="02040503050406030204" pitchFamily="18" charset="0"/>
+                      </a:rPr>
+                      <m:t>=</m:t>
+                    </m:r>
+                    <m:r>
+                      <a:rPr lang="fr-FR" i="1" smtClean="0">
+                        <a:latin typeface="Cambria Math" panose="02040503050406030204" pitchFamily="18" charset="0"/>
+                      </a:rPr>
+                      <m:t>𝑅𝑖</m:t>
+                    </m:r>
+                    <m:d>
+                      <m:dPr>
+                        <m:ctrlPr>
+                          <a:rPr lang="fr-FR" i="1" smtClean="0">
+                            <a:latin typeface="Cambria Math" panose="02040503050406030204" pitchFamily="18" charset="0"/>
+                          </a:rPr>
+                        </m:ctrlPr>
+                      </m:dPr>
+                      <m:e>
+                        <m:r>
+                          <a:rPr lang="fr-FR" i="1" smtClean="0">
+                            <a:latin typeface="Cambria Math" panose="02040503050406030204" pitchFamily="18" charset="0"/>
+                          </a:rPr>
+                          <m:t>𝑡</m:t>
+                        </m:r>
+                      </m:e>
+                    </m:d>
+                  </m:oMath>
+                </a14:m>
+                <a:r>
+                  <a:rPr lang="fr-FR" dirty="0"/>
+                  <a:t>.</a:t>
+                </a:r>
+              </a:p>
+              <a:p>
+                <a:r>
+                  <a:rPr lang="fr-FR" dirty="0"/>
+                  <a:t>On peut alors parler d’essai « rotor bloqué ». </a:t>
+                </a:r>
+              </a:p>
+              <a:p>
+                <a:r>
+                  <a:rPr lang="fr-FR" dirty="0"/>
+                  <a:t>Protocole expérimental :</a:t>
+                </a:r>
+              </a:p>
+              <a:p>
+                <a:pPr lvl="1"/>
+                <a:r>
+                  <a:rPr lang="fr-FR" dirty="0"/>
+                  <a:t>Moteur branché sur alimentation stabilisée</a:t>
+                </a:r>
+              </a:p>
+              <a:p>
+                <a:pPr lvl="1"/>
+                <a:r>
+                  <a:rPr lang="fr-FR" dirty="0"/>
+                  <a:t>Ampèremètre en série avec le moteur</a:t>
+                </a:r>
+              </a:p>
+              <a:p>
+                <a:pPr lvl="1"/>
+                <a:r>
+                  <a:rPr lang="fr-FR" dirty="0"/>
+                  <a:t>Voltmètre en parallèle avec le moteur</a:t>
+                </a:r>
+              </a:p>
+              <a:p>
+                <a:pPr lvl="1"/>
+                <a:r>
+                  <a:rPr lang="fr-FR" dirty="0"/>
+                  <a:t>Le rotor est bloqué mécaniquement (pince par exemple)</a:t>
+                </a:r>
+              </a:p>
+              <a:p>
+                <a:r>
+                  <a:rPr lang="fr-FR" dirty="0"/>
+                  <a:t>Essai : </a:t>
+                </a:r>
+              </a:p>
+              <a:p>
+                <a:pPr lvl="1"/>
+                <a:r>
+                  <a:rPr lang="fr-FR" dirty="0"/>
+                  <a:t>On augmente progressivement la tension avec l’alimentation stabilisée.</a:t>
+                </a:r>
+              </a:p>
+              <a:p>
+                <a:pPr lvl="1"/>
+                <a:r>
+                  <a:rPr lang="fr-FR" dirty="0"/>
+                  <a:t>On mesure </a:t>
+                </a:r>
+                <a14:m>
+                  <m:oMath xmlns:m="http://schemas.openxmlformats.org/officeDocument/2006/math">
+                    <m:r>
+                      <a:rPr lang="fr-FR" i="1" dirty="0" smtClean="0">
+                        <a:latin typeface="Cambria Math" panose="02040503050406030204" pitchFamily="18" charset="0"/>
+                      </a:rPr>
+                      <m:t>𝑈</m:t>
+                    </m:r>
+                  </m:oMath>
+                </a14:m>
+                <a:r>
+                  <a:rPr lang="fr-FR" dirty="0"/>
+                  <a:t> et </a:t>
+                </a:r>
+                <a14:m>
+                  <m:oMath xmlns:m="http://schemas.openxmlformats.org/officeDocument/2006/math">
+                    <m:r>
+                      <a:rPr lang="fr-FR" i="1" dirty="0" smtClean="0">
+                        <a:latin typeface="Cambria Math" panose="02040503050406030204" pitchFamily="18" charset="0"/>
+                      </a:rPr>
+                      <m:t>𝐼</m:t>
+                    </m:r>
+                  </m:oMath>
+                </a14:m>
+                <a:endParaRPr lang="fr-FR" dirty="0"/>
+              </a:p>
+              <a:p>
+                <a:pPr lvl="1"/>
+                <a:r>
+                  <a:rPr lang="fr-FR" dirty="0"/>
+                  <a:t>On trace la courbe.</a:t>
+                </a:r>
+              </a:p>
+              <a:p>
+                <a:endParaRPr lang="fr-FR" dirty="0"/>
+              </a:p>
+            </p:txBody>
+          </p:sp>
+        </mc:Choice>
+        <mc:Fallback xmlns="">
+          <p:sp>
+            <p:nvSpPr>
+              <p:cNvPr id="6" name="Espace réservé du contenu 5">
+                <a:extLst>
+                  <a:ext uri="{FF2B5EF4-FFF2-40B4-BE49-F238E27FC236}">
+                    <a16:creationId xmlns:a16="http://schemas.microsoft.com/office/drawing/2014/main" id="{DD3182B1-2E49-4758-9780-442FDA2CB3F8}"/>
+                  </a:ext>
+                </a:extLst>
+              </p:cNvPr>
+              <p:cNvSpPr>
+                <a:spLocks noGrp="1" noRot="1" noChangeAspect="1" noMove="1" noResize="1" noEditPoints="1" noAdjustHandles="1" noChangeArrowheads="1" noChangeShapeType="1" noTextEdit="1"/>
+              </p:cNvSpPr>
+              <p:nvPr>
+                <p:ph idx="1"/>
+              </p:nvPr>
+            </p:nvSpPr>
+            <p:spPr>
+              <a:xfrm>
+                <a:off x="232229" y="1248228"/>
+                <a:ext cx="8348047" cy="5110161"/>
+              </a:xfrm>
+              <a:blipFill>
+                <a:blip r:embed="rId2"/>
+                <a:stretch>
+                  <a:fillRect l="-1095" t="-2983"/>
+                </a:stretch>
+              </a:blipFill>
+            </p:spPr>
+            <p:txBody>
+              <a:bodyPr/>
+              <a:lstStyle/>
+              <a:p>
+                <a:r>
+                  <a:rPr lang="fr-FR">
+                    <a:noFill/>
+                  </a:rPr>
+                  <a:t> </a:t>
+                </a:r>
+              </a:p>
+            </p:txBody>
+          </p:sp>
+        </mc:Fallback>
+      </mc:AlternateContent>
+      <mc:AlternateContent xmlns:mc="http://schemas.openxmlformats.org/markup-compatibility/2006" xmlns:a14="http://schemas.microsoft.com/office/drawing/2010/main">
+        <mc:Choice Requires="a14">
+          <p:sp>
+            <p:nvSpPr>
+              <p:cNvPr id="2" name="Espace réservé du contenu 5">
+                <a:extLst>
+                  <a:ext uri="{FF2B5EF4-FFF2-40B4-BE49-F238E27FC236}">
+                    <a16:creationId xmlns:a16="http://schemas.microsoft.com/office/drawing/2014/main" id="{4F494113-301F-6C2D-6326-14787B2C6677}"/>
+                  </a:ext>
+                </a:extLst>
+              </p:cNvPr>
+              <p:cNvSpPr txBox="1">
+                <a:spLocks/>
+              </p:cNvSpPr>
+              <p:nvPr/>
+            </p:nvSpPr>
+            <p:spPr>
+              <a:xfrm>
+                <a:off x="9084332" y="233851"/>
+                <a:ext cx="3107668" cy="1576251"/>
+              </a:xfrm>
+              <a:prstGeom prst="rect">
+                <a:avLst/>
+              </a:prstGeom>
+            </p:spPr>
+            <p:txBody>
+              <a:bodyPr vert="horz" lIns="91440" tIns="45720" rIns="91440" bIns="45720" rtlCol="0">
+                <a:normAutofit fontScale="85000" lnSpcReduction="10000"/>
+              </a:bodyPr>
+              <a:lstStyle>
+                <a:lvl1pPr marL="228600" indent="-228600" algn="l" defTabSz="914400" rtl="0" eaLnBrk="1" latinLnBrk="0" hangingPunct="1">
+                  <a:lnSpc>
+                    <a:spcPct val="90000"/>
+                  </a:lnSpc>
+                  <a:spcBef>
+                    <a:spcPts val="1000"/>
+                  </a:spcBef>
+                  <a:buFont typeface="Arial" panose="020B0604020202020204" pitchFamily="34" charset="0"/>
+                  <a:buChar char="•"/>
+                  <a:defRPr sz="2800" kern="1200">
+                    <a:solidFill>
+                      <a:schemeClr val="tx1"/>
+                    </a:solidFill>
+                    <a:latin typeface="+mn-lt"/>
+                    <a:ea typeface="+mn-ea"/>
+                    <a:cs typeface="+mn-cs"/>
+                  </a:defRPr>
+                </a:lvl1pPr>
+                <a:lvl2pPr marL="685800" indent="-228600" algn="l" defTabSz="914400" rtl="0" eaLnBrk="1" latinLnBrk="0" hangingPunct="1">
+                  <a:lnSpc>
+                    <a:spcPct val="90000"/>
+                  </a:lnSpc>
+                  <a:spcBef>
+                    <a:spcPts val="500"/>
+                  </a:spcBef>
+                  <a:buFont typeface="Arial" panose="020B0604020202020204" pitchFamily="34" charset="0"/>
+                  <a:buChar char="•"/>
+                  <a:defRPr sz="2400" kern="1200">
+                    <a:solidFill>
+                      <a:schemeClr val="tx1"/>
+                    </a:solidFill>
+                    <a:latin typeface="+mn-lt"/>
+                    <a:ea typeface="+mn-ea"/>
+                    <a:cs typeface="+mn-cs"/>
+                  </a:defRPr>
+                </a:lvl2pPr>
+                <a:lvl3pPr marL="1143000" indent="-228600" algn="l" defTabSz="914400" rtl="0" eaLnBrk="1" latinLnBrk="0" hangingPunct="1">
+                  <a:lnSpc>
+                    <a:spcPct val="90000"/>
+                  </a:lnSpc>
+                  <a:spcBef>
+                    <a:spcPts val="500"/>
+                  </a:spcBef>
+                  <a:buFont typeface="Arial" panose="020B0604020202020204" pitchFamily="34" charset="0"/>
+                  <a:buChar char="•"/>
+                  <a:defRPr sz="2000" kern="1200">
+                    <a:solidFill>
+                      <a:schemeClr val="tx1"/>
+                    </a:solidFill>
+                    <a:latin typeface="+mn-lt"/>
+                    <a:ea typeface="+mn-ea"/>
+                    <a:cs typeface="+mn-cs"/>
+                  </a:defRPr>
+                </a:lvl3pPr>
+                <a:lvl4pPr marL="1600200" indent="-228600" algn="l" defTabSz="914400" rtl="0" eaLnBrk="1" latinLnBrk="0" hangingPunct="1">
+                  <a:lnSpc>
+                    <a:spcPct val="90000"/>
+                  </a:lnSpc>
+                  <a:spcBef>
+                    <a:spcPts val="500"/>
+                  </a:spcBef>
+                  <a:buFont typeface="Arial" panose="020B0604020202020204" pitchFamily="34" charset="0"/>
+                  <a:buChar char="•"/>
+                  <a:defRPr sz="1800" kern="1200">
+                    <a:solidFill>
+                      <a:schemeClr val="tx1"/>
+                    </a:solidFill>
+                    <a:latin typeface="+mn-lt"/>
+                    <a:ea typeface="+mn-ea"/>
+                    <a:cs typeface="+mn-cs"/>
+                  </a:defRPr>
+                </a:lvl4pPr>
+                <a:lvl5pPr marL="2057400" indent="-228600" algn="l" defTabSz="914400" rtl="0" eaLnBrk="1" latinLnBrk="0" hangingPunct="1">
+                  <a:lnSpc>
+                    <a:spcPct val="90000"/>
+                  </a:lnSpc>
+                  <a:spcBef>
+                    <a:spcPts val="500"/>
+                  </a:spcBef>
+                  <a:buFont typeface="Arial" panose="020B0604020202020204" pitchFamily="34" charset="0"/>
+                  <a:buChar char="•"/>
+                  <a:defRPr sz="1800" kern="1200">
+                    <a:solidFill>
+                      <a:schemeClr val="tx1"/>
+                    </a:solidFill>
+                    <a:latin typeface="+mn-lt"/>
+                    <a:ea typeface="+mn-ea"/>
+                    <a:cs typeface="+mn-cs"/>
+                  </a:defRPr>
+                </a:lvl5pPr>
+                <a:lvl6pPr marL="2514600" indent="-228600" algn="l" defTabSz="914400" rtl="0" eaLnBrk="1" latinLnBrk="0" hangingPunct="1">
+                  <a:lnSpc>
+                    <a:spcPct val="90000"/>
+                  </a:lnSpc>
+                  <a:spcBef>
+                    <a:spcPts val="500"/>
+                  </a:spcBef>
+                  <a:buFont typeface="Arial" panose="020B0604020202020204" pitchFamily="34" charset="0"/>
+                  <a:buChar char="•"/>
+                  <a:defRPr sz="1800" kern="1200">
+                    <a:solidFill>
+                      <a:schemeClr val="tx1"/>
+                    </a:solidFill>
+                    <a:latin typeface="+mn-lt"/>
+                    <a:ea typeface="+mn-ea"/>
+                    <a:cs typeface="+mn-cs"/>
+                  </a:defRPr>
+                </a:lvl6pPr>
+                <a:lvl7pPr marL="2971800" indent="-228600" algn="l" defTabSz="914400" rtl="0" eaLnBrk="1" latinLnBrk="0" hangingPunct="1">
+                  <a:lnSpc>
+                    <a:spcPct val="90000"/>
+                  </a:lnSpc>
+                  <a:spcBef>
+                    <a:spcPts val="500"/>
+                  </a:spcBef>
+                  <a:buFont typeface="Arial" panose="020B0604020202020204" pitchFamily="34" charset="0"/>
+                  <a:buChar char="•"/>
+                  <a:defRPr sz="1800" kern="1200">
+                    <a:solidFill>
+                      <a:schemeClr val="tx1"/>
+                    </a:solidFill>
+                    <a:latin typeface="+mn-lt"/>
+                    <a:ea typeface="+mn-ea"/>
+                    <a:cs typeface="+mn-cs"/>
+                  </a:defRPr>
+                </a:lvl7pPr>
+                <a:lvl8pPr marL="3429000" indent="-228600" algn="l" defTabSz="914400" rtl="0" eaLnBrk="1" latinLnBrk="0" hangingPunct="1">
+                  <a:lnSpc>
+                    <a:spcPct val="90000"/>
+                  </a:lnSpc>
+                  <a:spcBef>
+                    <a:spcPts val="500"/>
+                  </a:spcBef>
+                  <a:buFont typeface="Arial" panose="020B0604020202020204" pitchFamily="34" charset="0"/>
+                  <a:buChar char="•"/>
+                  <a:defRPr sz="1800" kern="1200">
+                    <a:solidFill>
+                      <a:schemeClr val="tx1"/>
+                    </a:solidFill>
+                    <a:latin typeface="+mn-lt"/>
+                    <a:ea typeface="+mn-ea"/>
+                    <a:cs typeface="+mn-cs"/>
+                  </a:defRPr>
+                </a:lvl8pPr>
+                <a:lvl9pPr marL="3886200" indent="-228600" algn="l" defTabSz="914400" rtl="0" eaLnBrk="1" latinLnBrk="0" hangingPunct="1">
+                  <a:lnSpc>
+                    <a:spcPct val="90000"/>
+                  </a:lnSpc>
+                  <a:spcBef>
+                    <a:spcPts val="500"/>
+                  </a:spcBef>
+                  <a:buFont typeface="Arial" panose="020B0604020202020204" pitchFamily="34" charset="0"/>
+                  <a:buChar char="•"/>
+                  <a:defRPr sz="1800" kern="1200">
+                    <a:solidFill>
+                      <a:schemeClr val="tx1"/>
+                    </a:solidFill>
+                    <a:latin typeface="+mn-lt"/>
+                    <a:ea typeface="+mn-ea"/>
+                    <a:cs typeface="+mn-cs"/>
+                  </a:defRPr>
+                </a:lvl9pPr>
+              </a:lstStyle>
+              <a:p>
+                <a14:m>
+                  <m:oMath xmlns:m="http://schemas.openxmlformats.org/officeDocument/2006/math">
+                    <m:r>
+                      <a:rPr lang="fr-FR" sz="1800" i="1" smtClean="0">
+                        <a:latin typeface="Cambria Math" panose="02040503050406030204" pitchFamily="18" charset="0"/>
+                      </a:rPr>
+                      <m:t>𝑈</m:t>
+                    </m:r>
+                    <m:d>
+                      <m:dPr>
+                        <m:ctrlPr>
+                          <a:rPr lang="fr-FR" sz="1800" i="1" smtClean="0">
+                            <a:latin typeface="Cambria Math" panose="02040503050406030204" pitchFamily="18" charset="0"/>
+                          </a:rPr>
+                        </m:ctrlPr>
+                      </m:dPr>
+                      <m:e>
+                        <m:r>
+                          <a:rPr lang="fr-FR" sz="1800" i="1" smtClean="0">
+                            <a:latin typeface="Cambria Math" panose="02040503050406030204" pitchFamily="18" charset="0"/>
+                          </a:rPr>
+                          <m:t>𝑡</m:t>
+                        </m:r>
+                      </m:e>
+                    </m:d>
+                    <m:r>
+                      <a:rPr lang="fr-FR" sz="1800" i="1" smtClean="0">
+                        <a:latin typeface="Cambria Math" panose="02040503050406030204" pitchFamily="18" charset="0"/>
+                      </a:rPr>
+                      <m:t>=</m:t>
+                    </m:r>
+                    <m:r>
+                      <a:rPr lang="fr-FR" sz="1800" i="1" smtClean="0">
+                        <a:latin typeface="Cambria Math" panose="02040503050406030204" pitchFamily="18" charset="0"/>
+                      </a:rPr>
+                      <m:t>𝑅𝑖</m:t>
+                    </m:r>
+                    <m:d>
+                      <m:dPr>
+                        <m:ctrlPr>
+                          <a:rPr lang="fr-FR" sz="1800" i="1" smtClean="0">
+                            <a:latin typeface="Cambria Math" panose="02040503050406030204" pitchFamily="18" charset="0"/>
+                          </a:rPr>
+                        </m:ctrlPr>
+                      </m:dPr>
+                      <m:e>
+                        <m:r>
+                          <a:rPr lang="fr-FR" sz="1800" i="1" smtClean="0">
+                            <a:latin typeface="Cambria Math" panose="02040503050406030204" pitchFamily="18" charset="0"/>
+                          </a:rPr>
+                          <m:t>𝑡</m:t>
+                        </m:r>
+                      </m:e>
+                    </m:d>
+                    <m:r>
+                      <a:rPr lang="fr-FR" sz="1800" i="1" smtClean="0">
+                        <a:latin typeface="Cambria Math" panose="02040503050406030204" pitchFamily="18" charset="0"/>
+                      </a:rPr>
+                      <m:t>+</m:t>
+                    </m:r>
+                    <m:f>
+                      <m:fPr>
+                        <m:ctrlPr>
+                          <a:rPr lang="fr-FR" sz="1800" i="1" smtClean="0">
+                            <a:latin typeface="Cambria Math" panose="02040503050406030204" pitchFamily="18" charset="0"/>
+                          </a:rPr>
+                        </m:ctrlPr>
+                      </m:fPr>
+                      <m:num>
+                        <m:r>
+                          <a:rPr lang="fr-FR" sz="1800" i="1" smtClean="0">
+                            <a:latin typeface="Cambria Math" panose="02040503050406030204" pitchFamily="18" charset="0"/>
+                          </a:rPr>
+                          <m:t>𝐿</m:t>
+                        </m:r>
+                        <m:r>
+                          <m:rPr>
+                            <m:sty m:val="p"/>
+                          </m:rPr>
+                          <a:rPr lang="fr-FR" sz="1800" smtClean="0">
+                            <a:latin typeface="Cambria Math" panose="02040503050406030204" pitchFamily="18" charset="0"/>
+                          </a:rPr>
+                          <m:t>d</m:t>
+                        </m:r>
+                        <m:r>
+                          <a:rPr lang="fr-FR" sz="1800" i="1" smtClean="0">
+                            <a:latin typeface="Cambria Math" panose="02040503050406030204" pitchFamily="18" charset="0"/>
+                          </a:rPr>
+                          <m:t>𝑖</m:t>
+                        </m:r>
+                        <m:d>
+                          <m:dPr>
+                            <m:ctrlPr>
+                              <a:rPr lang="fr-FR" sz="1800" i="1" smtClean="0">
+                                <a:latin typeface="Cambria Math" panose="02040503050406030204" pitchFamily="18" charset="0"/>
+                              </a:rPr>
+                            </m:ctrlPr>
+                          </m:dPr>
+                          <m:e>
+                            <m:r>
+                              <a:rPr lang="fr-FR" sz="1800" i="1" smtClean="0">
+                                <a:latin typeface="Cambria Math" panose="02040503050406030204" pitchFamily="18" charset="0"/>
+                              </a:rPr>
+                              <m:t>𝑡</m:t>
+                            </m:r>
+                          </m:e>
+                        </m:d>
+                      </m:num>
+                      <m:den>
+                        <m:r>
+                          <m:rPr>
+                            <m:sty m:val="p"/>
+                          </m:rPr>
+                          <a:rPr lang="fr-FR" sz="1800" smtClean="0">
+                            <a:latin typeface="Cambria Math" panose="02040503050406030204" pitchFamily="18" charset="0"/>
+                          </a:rPr>
+                          <m:t>d</m:t>
+                        </m:r>
+                        <m:r>
+                          <a:rPr lang="fr-FR" sz="1800" i="1" smtClean="0">
+                            <a:latin typeface="Cambria Math" panose="02040503050406030204" pitchFamily="18" charset="0"/>
+                          </a:rPr>
+                          <m:t>𝑡</m:t>
+                        </m:r>
+                      </m:den>
+                    </m:f>
+                    <m:r>
+                      <a:rPr lang="fr-FR" sz="1800" i="1" smtClean="0">
+                        <a:latin typeface="Cambria Math" panose="02040503050406030204" pitchFamily="18" charset="0"/>
+                      </a:rPr>
+                      <m:t>+</m:t>
+                    </m:r>
+                    <m:r>
+                      <a:rPr lang="fr-FR" sz="1800" i="1" smtClean="0">
+                        <a:latin typeface="Cambria Math" panose="02040503050406030204" pitchFamily="18" charset="0"/>
+                      </a:rPr>
+                      <m:t>𝐸</m:t>
+                    </m:r>
+                    <m:r>
+                      <a:rPr lang="fr-FR" sz="1800" i="1" smtClean="0">
+                        <a:latin typeface="Cambria Math" panose="02040503050406030204" pitchFamily="18" charset="0"/>
+                      </a:rPr>
+                      <m:t>(</m:t>
+                    </m:r>
+                    <m:r>
+                      <a:rPr lang="fr-FR" sz="1800" i="1" smtClean="0">
+                        <a:latin typeface="Cambria Math" panose="02040503050406030204" pitchFamily="18" charset="0"/>
+                      </a:rPr>
+                      <m:t>𝑡</m:t>
+                    </m:r>
+                    <m:r>
+                      <a:rPr lang="fr-FR" sz="1800" i="1" smtClean="0">
+                        <a:latin typeface="Cambria Math" panose="02040503050406030204" pitchFamily="18" charset="0"/>
+                      </a:rPr>
+                      <m:t>)</m:t>
+                    </m:r>
+                  </m:oMath>
+                </a14:m>
+                <a:endParaRPr lang="fr-FR" sz="1800" i="1" dirty="0"/>
+              </a:p>
+              <a:p>
+                <a14:m>
+                  <m:oMath xmlns:m="http://schemas.openxmlformats.org/officeDocument/2006/math">
+                    <m:r>
+                      <a:rPr lang="fr-FR" sz="1800" i="1" smtClean="0">
+                        <a:latin typeface="Cambria Math" panose="02040503050406030204" pitchFamily="18" charset="0"/>
+                      </a:rPr>
+                      <m:t>𝐸</m:t>
+                    </m:r>
+                    <m:d>
+                      <m:dPr>
+                        <m:ctrlPr>
+                          <a:rPr lang="fr-FR" sz="1800" i="1" smtClean="0">
+                            <a:latin typeface="Cambria Math" panose="02040503050406030204" pitchFamily="18" charset="0"/>
+                          </a:rPr>
+                        </m:ctrlPr>
+                      </m:dPr>
+                      <m:e>
+                        <m:r>
+                          <a:rPr lang="fr-FR" sz="1800" i="1" smtClean="0">
+                            <a:latin typeface="Cambria Math" panose="02040503050406030204" pitchFamily="18" charset="0"/>
+                          </a:rPr>
+                          <m:t>𝑡</m:t>
+                        </m:r>
+                      </m:e>
+                    </m:d>
+                    <m:r>
+                      <a:rPr lang="fr-FR" sz="1800" i="1" smtClean="0">
+                        <a:latin typeface="Cambria Math" panose="02040503050406030204" pitchFamily="18" charset="0"/>
+                      </a:rPr>
+                      <m:t>=</m:t>
+                    </m:r>
+                    <m:r>
+                      <a:rPr lang="fr-FR" sz="1800" i="1" smtClean="0">
+                        <a:latin typeface="Cambria Math" panose="02040503050406030204" pitchFamily="18" charset="0"/>
+                      </a:rPr>
+                      <m:t>𝐾</m:t>
+                    </m:r>
+                    <m:r>
+                      <a:rPr lang="fr-FR" sz="1800" i="1" smtClean="0">
+                        <a:latin typeface="Cambria Math" panose="02040503050406030204" pitchFamily="18" charset="0"/>
+                      </a:rPr>
+                      <m:t>𝜔</m:t>
+                    </m:r>
+                    <m:d>
+                      <m:dPr>
+                        <m:ctrlPr>
+                          <a:rPr lang="fr-FR" sz="1800" i="1" smtClean="0">
+                            <a:latin typeface="Cambria Math" panose="02040503050406030204" pitchFamily="18" charset="0"/>
+                          </a:rPr>
+                        </m:ctrlPr>
+                      </m:dPr>
+                      <m:e>
+                        <m:r>
+                          <a:rPr lang="fr-FR" sz="1800" i="1" smtClean="0">
+                            <a:latin typeface="Cambria Math" panose="02040503050406030204" pitchFamily="18" charset="0"/>
+                          </a:rPr>
+                          <m:t>𝑡</m:t>
+                        </m:r>
+                      </m:e>
+                    </m:d>
+                  </m:oMath>
+                </a14:m>
+                <a:endParaRPr lang="fr-FR" sz="1800" i="1" dirty="0"/>
+              </a:p>
+              <a:p>
+                <a14:m>
+                  <m:oMath xmlns:m="http://schemas.openxmlformats.org/officeDocument/2006/math">
+                    <m:sSub>
+                      <m:sSubPr>
+                        <m:ctrlPr>
+                          <a:rPr lang="fr-FR" sz="1800" i="1" smtClean="0">
+                            <a:latin typeface="Cambria Math" panose="02040503050406030204" pitchFamily="18" charset="0"/>
+                          </a:rPr>
+                        </m:ctrlPr>
+                      </m:sSubPr>
+                      <m:e>
+                        <m:r>
+                          <a:rPr lang="fr-FR" sz="1800" i="1" smtClean="0">
+                            <a:latin typeface="Cambria Math" panose="02040503050406030204" pitchFamily="18" charset="0"/>
+                          </a:rPr>
+                          <m:t>𝐶</m:t>
+                        </m:r>
+                      </m:e>
+                      <m:sub>
+                        <m:r>
+                          <a:rPr lang="fr-FR" sz="1800" i="1" smtClean="0">
+                            <a:latin typeface="Cambria Math" panose="02040503050406030204" pitchFamily="18" charset="0"/>
+                          </a:rPr>
+                          <m:t>𝑚</m:t>
+                        </m:r>
+                      </m:sub>
+                    </m:sSub>
+                    <m:d>
+                      <m:dPr>
+                        <m:ctrlPr>
+                          <a:rPr lang="fr-FR" sz="1800" i="1" smtClean="0">
+                            <a:latin typeface="Cambria Math" panose="02040503050406030204" pitchFamily="18" charset="0"/>
+                          </a:rPr>
+                        </m:ctrlPr>
+                      </m:dPr>
+                      <m:e>
+                        <m:r>
+                          <a:rPr lang="fr-FR" sz="1800" i="1" smtClean="0">
+                            <a:latin typeface="Cambria Math" panose="02040503050406030204" pitchFamily="18" charset="0"/>
+                          </a:rPr>
+                          <m:t>𝑡</m:t>
+                        </m:r>
+                      </m:e>
+                    </m:d>
+                    <m:r>
+                      <a:rPr lang="fr-FR" sz="1800" i="1" smtClean="0">
+                        <a:latin typeface="Cambria Math" panose="02040503050406030204" pitchFamily="18" charset="0"/>
+                      </a:rPr>
+                      <m:t>=</m:t>
+                    </m:r>
+                    <m:r>
+                      <a:rPr lang="fr-FR" sz="1800" i="1" smtClean="0">
+                        <a:latin typeface="Cambria Math" panose="02040503050406030204" pitchFamily="18" charset="0"/>
+                      </a:rPr>
+                      <m:t>𝐾𝑖</m:t>
+                    </m:r>
+                    <m:d>
+                      <m:dPr>
+                        <m:ctrlPr>
+                          <a:rPr lang="fr-FR" sz="1800" i="1" smtClean="0">
+                            <a:latin typeface="Cambria Math" panose="02040503050406030204" pitchFamily="18" charset="0"/>
+                          </a:rPr>
+                        </m:ctrlPr>
+                      </m:dPr>
+                      <m:e>
+                        <m:r>
+                          <a:rPr lang="fr-FR" sz="1800" i="1" smtClean="0">
+                            <a:latin typeface="Cambria Math" panose="02040503050406030204" pitchFamily="18" charset="0"/>
+                          </a:rPr>
+                          <m:t>𝑡</m:t>
+                        </m:r>
+                      </m:e>
+                    </m:d>
+                  </m:oMath>
+                </a14:m>
+                <a:endParaRPr lang="fr-FR" sz="1800" i="1" dirty="0"/>
+              </a:p>
+              <a:p>
+                <a14:m>
+                  <m:oMath xmlns:m="http://schemas.openxmlformats.org/officeDocument/2006/math">
+                    <m:sSub>
+                      <m:sSubPr>
+                        <m:ctrlPr>
+                          <a:rPr lang="fr-FR" sz="1800" i="1" smtClean="0">
+                            <a:latin typeface="Cambria Math" panose="02040503050406030204" pitchFamily="18" charset="0"/>
+                          </a:rPr>
+                        </m:ctrlPr>
+                      </m:sSubPr>
+                      <m:e>
+                        <m:r>
+                          <a:rPr lang="fr-FR" sz="1800" i="1" smtClean="0">
+                            <a:latin typeface="Cambria Math" panose="02040503050406030204" pitchFamily="18" charset="0"/>
+                          </a:rPr>
+                          <m:t>𝐶</m:t>
+                        </m:r>
+                      </m:e>
+                      <m:sub>
+                        <m:r>
+                          <a:rPr lang="fr-FR" sz="1800" i="1" smtClean="0">
+                            <a:latin typeface="Cambria Math" panose="02040503050406030204" pitchFamily="18" charset="0"/>
+                          </a:rPr>
+                          <m:t>𝑚</m:t>
+                        </m:r>
+                      </m:sub>
+                    </m:sSub>
+                    <m:d>
+                      <m:dPr>
+                        <m:ctrlPr>
+                          <a:rPr lang="fr-FR" sz="1800" i="1" smtClean="0">
+                            <a:latin typeface="Cambria Math" panose="02040503050406030204" pitchFamily="18" charset="0"/>
+                          </a:rPr>
+                        </m:ctrlPr>
+                      </m:dPr>
+                      <m:e>
+                        <m:r>
+                          <a:rPr lang="fr-FR" sz="1800" i="1" smtClean="0">
+                            <a:latin typeface="Cambria Math" panose="02040503050406030204" pitchFamily="18" charset="0"/>
+                          </a:rPr>
+                          <m:t>𝑡</m:t>
+                        </m:r>
+                      </m:e>
+                    </m:d>
+                    <m:r>
+                      <a:rPr lang="fr-FR" sz="1800" i="1" smtClean="0">
+                        <a:latin typeface="Cambria Math" panose="02040503050406030204" pitchFamily="18" charset="0"/>
+                      </a:rPr>
+                      <m:t>+</m:t>
+                    </m:r>
+                    <m:sSub>
+                      <m:sSubPr>
+                        <m:ctrlPr>
+                          <a:rPr lang="fr-FR" sz="1800" i="1" smtClean="0">
+                            <a:latin typeface="Cambria Math" panose="02040503050406030204" pitchFamily="18" charset="0"/>
+                          </a:rPr>
+                        </m:ctrlPr>
+                      </m:sSubPr>
+                      <m:e>
+                        <m:r>
+                          <a:rPr lang="fr-FR" sz="1800" i="1" smtClean="0">
+                            <a:latin typeface="Cambria Math" panose="02040503050406030204" pitchFamily="18" charset="0"/>
+                          </a:rPr>
+                          <m:t>𝐶</m:t>
+                        </m:r>
+                      </m:e>
+                      <m:sub>
+                        <m:r>
+                          <a:rPr lang="fr-FR" sz="1800" i="1" smtClean="0">
+                            <a:latin typeface="Cambria Math" panose="02040503050406030204" pitchFamily="18" charset="0"/>
+                          </a:rPr>
+                          <m:t>𝑓</m:t>
+                        </m:r>
+                      </m:sub>
+                    </m:sSub>
+                    <m:d>
+                      <m:dPr>
+                        <m:ctrlPr>
+                          <a:rPr lang="fr-FR" sz="1800" i="1" smtClean="0">
+                            <a:latin typeface="Cambria Math" panose="02040503050406030204" pitchFamily="18" charset="0"/>
+                          </a:rPr>
+                        </m:ctrlPr>
+                      </m:dPr>
+                      <m:e>
+                        <m:r>
+                          <a:rPr lang="fr-FR" sz="1800" i="1" smtClean="0">
+                            <a:latin typeface="Cambria Math" panose="02040503050406030204" pitchFamily="18" charset="0"/>
+                          </a:rPr>
+                          <m:t>𝑡</m:t>
+                        </m:r>
+                      </m:e>
+                    </m:d>
+                    <m:r>
+                      <a:rPr lang="fr-FR" sz="1800" i="1">
+                        <a:latin typeface="Cambria Math" panose="02040503050406030204" pitchFamily="18" charset="0"/>
+                      </a:rPr>
+                      <m:t>=</m:t>
+                    </m:r>
+                    <m:r>
+                      <a:rPr lang="fr-FR" sz="1800" i="1">
+                        <a:latin typeface="Cambria Math" panose="02040503050406030204" pitchFamily="18" charset="0"/>
+                      </a:rPr>
+                      <m:t>𝐽</m:t>
+                    </m:r>
+                    <m:f>
+                      <m:fPr>
+                        <m:ctrlPr>
+                          <a:rPr lang="fr-FR" sz="1800" i="1" smtClean="0">
+                            <a:latin typeface="Cambria Math" panose="02040503050406030204" pitchFamily="18" charset="0"/>
+                          </a:rPr>
+                        </m:ctrlPr>
+                      </m:fPr>
+                      <m:num>
+                        <m:r>
+                          <m:rPr>
+                            <m:sty m:val="p"/>
+                          </m:rPr>
+                          <a:rPr lang="fr-FR" sz="1800" smtClean="0">
+                            <a:latin typeface="Cambria Math" panose="02040503050406030204" pitchFamily="18" charset="0"/>
+                          </a:rPr>
+                          <m:t>d</m:t>
+                        </m:r>
+                        <m:r>
+                          <a:rPr lang="fr-FR" sz="1800" i="1" smtClean="0">
+                            <a:latin typeface="Cambria Math" panose="02040503050406030204" pitchFamily="18" charset="0"/>
+                          </a:rPr>
+                          <m:t>𝜔</m:t>
+                        </m:r>
+                        <m:r>
+                          <a:rPr lang="fr-FR" sz="1800" i="1" smtClean="0">
+                            <a:latin typeface="Cambria Math" panose="02040503050406030204" pitchFamily="18" charset="0"/>
+                          </a:rPr>
+                          <m:t>(</m:t>
+                        </m:r>
+                        <m:r>
+                          <a:rPr lang="fr-FR" sz="1800" i="1" smtClean="0">
+                            <a:latin typeface="Cambria Math" panose="02040503050406030204" pitchFamily="18" charset="0"/>
+                          </a:rPr>
+                          <m:t>𝑡</m:t>
+                        </m:r>
+                        <m:r>
+                          <a:rPr lang="fr-FR" sz="1800" i="1" smtClean="0">
+                            <a:latin typeface="Cambria Math" panose="02040503050406030204" pitchFamily="18" charset="0"/>
+                          </a:rPr>
+                          <m:t>)</m:t>
+                        </m:r>
+                      </m:num>
+                      <m:den>
+                        <m:r>
+                          <m:rPr>
+                            <m:sty m:val="p"/>
+                          </m:rPr>
+                          <a:rPr lang="fr-FR" sz="1800" smtClean="0">
+                            <a:latin typeface="Cambria Math" panose="02040503050406030204" pitchFamily="18" charset="0"/>
+                          </a:rPr>
+                          <m:t>d</m:t>
+                        </m:r>
+                        <m:r>
+                          <a:rPr lang="fr-FR" sz="1800" i="1" smtClean="0">
+                            <a:latin typeface="Cambria Math" panose="02040503050406030204" pitchFamily="18" charset="0"/>
+                          </a:rPr>
+                          <m:t>𝑡</m:t>
+                        </m:r>
+                      </m:den>
+                    </m:f>
+                  </m:oMath>
+                </a14:m>
+                <a:endParaRPr lang="fr-FR" sz="1800" i="1" dirty="0"/>
+              </a:p>
+            </p:txBody>
+          </p:sp>
+        </mc:Choice>
+        <mc:Fallback xmlns="">
+          <p:sp>
+            <p:nvSpPr>
+              <p:cNvPr id="2" name="Espace réservé du contenu 5">
+                <a:extLst>
+                  <a:ext uri="{FF2B5EF4-FFF2-40B4-BE49-F238E27FC236}">
+                    <a16:creationId xmlns:a16="http://schemas.microsoft.com/office/drawing/2014/main" id="{4F494113-301F-6C2D-6326-14787B2C6677}"/>
+                  </a:ext>
+                </a:extLst>
+              </p:cNvPr>
+              <p:cNvSpPr txBox="1">
+                <a:spLocks noRot="1" noChangeAspect="1" noMove="1" noResize="1" noEditPoints="1" noAdjustHandles="1" noChangeArrowheads="1" noChangeShapeType="1" noTextEdit="1"/>
+              </p:cNvSpPr>
+              <p:nvPr/>
+            </p:nvSpPr>
+            <p:spPr>
+              <a:xfrm>
+                <a:off x="9084332" y="233851"/>
+                <a:ext cx="3107668" cy="1576251"/>
+              </a:xfrm>
+              <a:prstGeom prst="rect">
+                <a:avLst/>
+              </a:prstGeom>
+              <a:blipFill>
+                <a:blip r:embed="rId3"/>
+                <a:stretch>
+                  <a:fillRect l="-588"/>
+                </a:stretch>
+              </a:blipFill>
+            </p:spPr>
+            <p:txBody>
+              <a:bodyPr/>
+              <a:lstStyle/>
+              <a:p>
+                <a:r>
+                  <a:rPr lang="fr-FR">
+                    <a:noFill/>
+                  </a:rPr>
+                  <a:t> </a:t>
+                </a:r>
+              </a:p>
+            </p:txBody>
+          </p:sp>
+        </mc:Fallback>
+      </mc:AlternateContent>
+      <mc:AlternateContent xmlns:mc="http://schemas.openxmlformats.org/markup-compatibility/2006" xmlns:a14="http://schemas.microsoft.com/office/drawing/2010/main">
+        <mc:Choice Requires="a14">
+          <p:sp>
+            <p:nvSpPr>
+              <p:cNvPr id="3" name="Espace réservé du contenu 5">
+                <a:extLst>
+                  <a:ext uri="{FF2B5EF4-FFF2-40B4-BE49-F238E27FC236}">
+                    <a16:creationId xmlns:a16="http://schemas.microsoft.com/office/drawing/2014/main" id="{CD61C56B-E83A-C4BC-7789-98B6DD7FF668}"/>
+                  </a:ext>
+                </a:extLst>
+              </p:cNvPr>
+              <p:cNvSpPr txBox="1">
+                <a:spLocks/>
+              </p:cNvSpPr>
+              <p:nvPr/>
+            </p:nvSpPr>
+            <p:spPr>
+              <a:xfrm>
+                <a:off x="9084332" y="2348880"/>
+                <a:ext cx="3107668" cy="1576251"/>
+              </a:xfrm>
+              <a:prstGeom prst="rect">
+                <a:avLst/>
+              </a:prstGeom>
+            </p:spPr>
+            <p:txBody>
+              <a:bodyPr vert="horz" lIns="91440" tIns="45720" rIns="91440" bIns="45720" rtlCol="0">
+                <a:normAutofit/>
+              </a:bodyPr>
+              <a:lstStyle>
+                <a:lvl1pPr marL="228600" indent="-228600" algn="l" defTabSz="914400" rtl="0" eaLnBrk="1" latinLnBrk="0" hangingPunct="1">
+                  <a:lnSpc>
+                    <a:spcPct val="90000"/>
+                  </a:lnSpc>
+                  <a:spcBef>
+                    <a:spcPts val="1000"/>
+                  </a:spcBef>
+                  <a:buFont typeface="Arial" panose="020B0604020202020204" pitchFamily="34" charset="0"/>
+                  <a:buChar char="•"/>
+                  <a:defRPr sz="2800" kern="1200">
+                    <a:solidFill>
+                      <a:schemeClr val="tx1"/>
+                    </a:solidFill>
+                    <a:latin typeface="+mn-lt"/>
+                    <a:ea typeface="+mn-ea"/>
+                    <a:cs typeface="+mn-cs"/>
+                  </a:defRPr>
+                </a:lvl1pPr>
+                <a:lvl2pPr marL="685800" indent="-228600" algn="l" defTabSz="914400" rtl="0" eaLnBrk="1" latinLnBrk="0" hangingPunct="1">
+                  <a:lnSpc>
+                    <a:spcPct val="90000"/>
+                  </a:lnSpc>
+                  <a:spcBef>
+                    <a:spcPts val="500"/>
+                  </a:spcBef>
+                  <a:buFont typeface="Arial" panose="020B0604020202020204" pitchFamily="34" charset="0"/>
+                  <a:buChar char="•"/>
+                  <a:defRPr sz="2400" kern="1200">
+                    <a:solidFill>
+                      <a:schemeClr val="tx1"/>
+                    </a:solidFill>
+                    <a:latin typeface="+mn-lt"/>
+                    <a:ea typeface="+mn-ea"/>
+                    <a:cs typeface="+mn-cs"/>
+                  </a:defRPr>
+                </a:lvl2pPr>
+                <a:lvl3pPr marL="1143000" indent="-228600" algn="l" defTabSz="914400" rtl="0" eaLnBrk="1" latinLnBrk="0" hangingPunct="1">
+                  <a:lnSpc>
+                    <a:spcPct val="90000"/>
+                  </a:lnSpc>
+                  <a:spcBef>
+                    <a:spcPts val="500"/>
+                  </a:spcBef>
+                  <a:buFont typeface="Arial" panose="020B0604020202020204" pitchFamily="34" charset="0"/>
+                  <a:buChar char="•"/>
+                  <a:defRPr sz="2000" kern="1200">
+                    <a:solidFill>
+                      <a:schemeClr val="tx1"/>
+                    </a:solidFill>
+                    <a:latin typeface="+mn-lt"/>
+                    <a:ea typeface="+mn-ea"/>
+                    <a:cs typeface="+mn-cs"/>
+                  </a:defRPr>
+                </a:lvl3pPr>
+                <a:lvl4pPr marL="1600200" indent="-228600" algn="l" defTabSz="914400" rtl="0" eaLnBrk="1" latinLnBrk="0" hangingPunct="1">
+                  <a:lnSpc>
+                    <a:spcPct val="90000"/>
+                  </a:lnSpc>
+                  <a:spcBef>
+                    <a:spcPts val="500"/>
+                  </a:spcBef>
+                  <a:buFont typeface="Arial" panose="020B0604020202020204" pitchFamily="34" charset="0"/>
+                  <a:buChar char="•"/>
+                  <a:defRPr sz="1800" kern="1200">
+                    <a:solidFill>
+                      <a:schemeClr val="tx1"/>
+                    </a:solidFill>
+                    <a:latin typeface="+mn-lt"/>
+                    <a:ea typeface="+mn-ea"/>
+                    <a:cs typeface="+mn-cs"/>
+                  </a:defRPr>
+                </a:lvl4pPr>
+                <a:lvl5pPr marL="2057400" indent="-228600" algn="l" defTabSz="914400" rtl="0" eaLnBrk="1" latinLnBrk="0" hangingPunct="1">
+                  <a:lnSpc>
+                    <a:spcPct val="90000"/>
+                  </a:lnSpc>
+                  <a:spcBef>
+                    <a:spcPts val="500"/>
+                  </a:spcBef>
+                  <a:buFont typeface="Arial" panose="020B0604020202020204" pitchFamily="34" charset="0"/>
+                  <a:buChar char="•"/>
+                  <a:defRPr sz="1800" kern="1200">
+                    <a:solidFill>
+                      <a:schemeClr val="tx1"/>
+                    </a:solidFill>
+                    <a:latin typeface="+mn-lt"/>
+                    <a:ea typeface="+mn-ea"/>
+                    <a:cs typeface="+mn-cs"/>
+                  </a:defRPr>
+                </a:lvl5pPr>
+                <a:lvl6pPr marL="2514600" indent="-228600" algn="l" defTabSz="914400" rtl="0" eaLnBrk="1" latinLnBrk="0" hangingPunct="1">
+                  <a:lnSpc>
+                    <a:spcPct val="90000"/>
+                  </a:lnSpc>
+                  <a:spcBef>
+                    <a:spcPts val="500"/>
+                  </a:spcBef>
+                  <a:buFont typeface="Arial" panose="020B0604020202020204" pitchFamily="34" charset="0"/>
+                  <a:buChar char="•"/>
+                  <a:defRPr sz="1800" kern="1200">
+                    <a:solidFill>
+                      <a:schemeClr val="tx1"/>
+                    </a:solidFill>
+                    <a:latin typeface="+mn-lt"/>
+                    <a:ea typeface="+mn-ea"/>
+                    <a:cs typeface="+mn-cs"/>
+                  </a:defRPr>
+                </a:lvl6pPr>
+                <a:lvl7pPr marL="2971800" indent="-228600" algn="l" defTabSz="914400" rtl="0" eaLnBrk="1" latinLnBrk="0" hangingPunct="1">
+                  <a:lnSpc>
+                    <a:spcPct val="90000"/>
+                  </a:lnSpc>
+                  <a:spcBef>
+                    <a:spcPts val="500"/>
+                  </a:spcBef>
+                  <a:buFont typeface="Arial" panose="020B0604020202020204" pitchFamily="34" charset="0"/>
+                  <a:buChar char="•"/>
+                  <a:defRPr sz="1800" kern="1200">
+                    <a:solidFill>
+                      <a:schemeClr val="tx1"/>
+                    </a:solidFill>
+                    <a:latin typeface="+mn-lt"/>
+                    <a:ea typeface="+mn-ea"/>
+                    <a:cs typeface="+mn-cs"/>
+                  </a:defRPr>
+                </a:lvl7pPr>
+                <a:lvl8pPr marL="3429000" indent="-228600" algn="l" defTabSz="914400" rtl="0" eaLnBrk="1" latinLnBrk="0" hangingPunct="1">
+                  <a:lnSpc>
+                    <a:spcPct val="90000"/>
+                  </a:lnSpc>
+                  <a:spcBef>
+                    <a:spcPts val="500"/>
+                  </a:spcBef>
+                  <a:buFont typeface="Arial" panose="020B0604020202020204" pitchFamily="34" charset="0"/>
+                  <a:buChar char="•"/>
+                  <a:defRPr sz="1800" kern="1200">
+                    <a:solidFill>
+                      <a:schemeClr val="tx1"/>
+                    </a:solidFill>
+                    <a:latin typeface="+mn-lt"/>
+                    <a:ea typeface="+mn-ea"/>
+                    <a:cs typeface="+mn-cs"/>
+                  </a:defRPr>
+                </a:lvl8pPr>
+                <a:lvl9pPr marL="3886200" indent="-228600" algn="l" defTabSz="914400" rtl="0" eaLnBrk="1" latinLnBrk="0" hangingPunct="1">
+                  <a:lnSpc>
+                    <a:spcPct val="90000"/>
+                  </a:lnSpc>
+                  <a:spcBef>
+                    <a:spcPts val="500"/>
+                  </a:spcBef>
+                  <a:buFont typeface="Arial" panose="020B0604020202020204" pitchFamily="34" charset="0"/>
+                  <a:buChar char="•"/>
+                  <a:defRPr sz="1800" kern="1200">
+                    <a:solidFill>
+                      <a:schemeClr val="tx1"/>
+                    </a:solidFill>
+                    <a:latin typeface="+mn-lt"/>
+                    <a:ea typeface="+mn-ea"/>
+                    <a:cs typeface="+mn-cs"/>
+                  </a:defRPr>
+                </a:lvl9pPr>
+              </a:lstStyle>
+              <a:p>
+                <a14:m>
+                  <m:oMath xmlns:m="http://schemas.openxmlformats.org/officeDocument/2006/math">
+                    <m:r>
+                      <a:rPr lang="fr-FR" sz="1800" b="1" i="1" smtClean="0">
+                        <a:solidFill>
+                          <a:srgbClr val="FF0000"/>
+                        </a:solidFill>
+                        <a:latin typeface="Cambria Math" panose="02040503050406030204" pitchFamily="18" charset="0"/>
+                      </a:rPr>
+                      <m:t>𝑼</m:t>
+                    </m:r>
+                    <m:d>
+                      <m:dPr>
+                        <m:ctrlPr>
+                          <a:rPr lang="fr-FR" sz="1800" b="1" i="1" smtClean="0">
+                            <a:solidFill>
+                              <a:srgbClr val="FF0000"/>
+                            </a:solidFill>
+                            <a:latin typeface="Cambria Math" panose="02040503050406030204" pitchFamily="18" charset="0"/>
+                          </a:rPr>
+                        </m:ctrlPr>
+                      </m:dPr>
+                      <m:e>
+                        <m:r>
+                          <a:rPr lang="fr-FR" sz="1800" b="1" i="1" smtClean="0">
+                            <a:solidFill>
+                              <a:srgbClr val="FF0000"/>
+                            </a:solidFill>
+                            <a:latin typeface="Cambria Math" panose="02040503050406030204" pitchFamily="18" charset="0"/>
+                          </a:rPr>
+                          <m:t>𝒕</m:t>
+                        </m:r>
+                      </m:e>
+                    </m:d>
+                    <m:r>
+                      <a:rPr lang="fr-FR" sz="1800" b="1" i="1" smtClean="0">
+                        <a:solidFill>
+                          <a:srgbClr val="FF0000"/>
+                        </a:solidFill>
+                        <a:latin typeface="Cambria Math" panose="02040503050406030204" pitchFamily="18" charset="0"/>
+                      </a:rPr>
+                      <m:t>=</m:t>
+                    </m:r>
+                    <m:r>
+                      <a:rPr lang="fr-FR" sz="1800" b="1" i="1" smtClean="0">
+                        <a:solidFill>
+                          <a:srgbClr val="FF0000"/>
+                        </a:solidFill>
+                        <a:latin typeface="Cambria Math" panose="02040503050406030204" pitchFamily="18" charset="0"/>
+                      </a:rPr>
+                      <m:t>𝑹𝒊</m:t>
+                    </m:r>
+                    <m:d>
+                      <m:dPr>
+                        <m:ctrlPr>
+                          <a:rPr lang="fr-FR" sz="1800" b="1" i="1" smtClean="0">
+                            <a:solidFill>
+                              <a:srgbClr val="FF0000"/>
+                            </a:solidFill>
+                            <a:latin typeface="Cambria Math" panose="02040503050406030204" pitchFamily="18" charset="0"/>
+                          </a:rPr>
+                        </m:ctrlPr>
+                      </m:dPr>
+                      <m:e>
+                        <m:r>
+                          <a:rPr lang="fr-FR" sz="1800" b="1" i="1" smtClean="0">
+                            <a:solidFill>
+                              <a:srgbClr val="FF0000"/>
+                            </a:solidFill>
+                            <a:latin typeface="Cambria Math" panose="02040503050406030204" pitchFamily="18" charset="0"/>
+                          </a:rPr>
+                          <m:t>𝒕</m:t>
+                        </m:r>
+                      </m:e>
+                    </m:d>
+                  </m:oMath>
+                </a14:m>
+                <a:endParaRPr lang="fr-FR" sz="1800" b="1" i="1" dirty="0">
+                  <a:solidFill>
+                    <a:srgbClr val="FF0000"/>
+                  </a:solidFill>
+                </a:endParaRPr>
+              </a:p>
+              <a:p>
+                <a14:m>
+                  <m:oMath xmlns:m="http://schemas.openxmlformats.org/officeDocument/2006/math">
+                    <m:r>
+                      <a:rPr lang="fr-FR" sz="1800" i="1" smtClean="0">
+                        <a:latin typeface="Cambria Math" panose="02040503050406030204" pitchFamily="18" charset="0"/>
+                      </a:rPr>
+                      <m:t>𝐸</m:t>
+                    </m:r>
+                    <m:d>
+                      <m:dPr>
+                        <m:ctrlPr>
+                          <a:rPr lang="fr-FR" sz="1800" i="1" smtClean="0">
+                            <a:latin typeface="Cambria Math" panose="02040503050406030204" pitchFamily="18" charset="0"/>
+                          </a:rPr>
+                        </m:ctrlPr>
+                      </m:dPr>
+                      <m:e>
+                        <m:r>
+                          <a:rPr lang="fr-FR" sz="1800" i="1" smtClean="0">
+                            <a:latin typeface="Cambria Math" panose="02040503050406030204" pitchFamily="18" charset="0"/>
+                          </a:rPr>
+                          <m:t>𝑡</m:t>
+                        </m:r>
+                      </m:e>
+                    </m:d>
+                    <m:r>
+                      <a:rPr lang="fr-FR" sz="1800" i="1" smtClean="0">
+                        <a:latin typeface="Cambria Math" panose="02040503050406030204" pitchFamily="18" charset="0"/>
+                      </a:rPr>
+                      <m:t>=</m:t>
+                    </m:r>
+                    <m:r>
+                      <a:rPr lang="fr-FR" sz="1800" i="1" smtClean="0">
+                        <a:latin typeface="Cambria Math" panose="02040503050406030204" pitchFamily="18" charset="0"/>
+                      </a:rPr>
+                      <m:t>𝐾</m:t>
+                    </m:r>
+                    <m:r>
+                      <a:rPr lang="fr-FR" sz="1800" i="1" smtClean="0">
+                        <a:latin typeface="Cambria Math" panose="02040503050406030204" pitchFamily="18" charset="0"/>
+                      </a:rPr>
+                      <m:t>𝜔</m:t>
+                    </m:r>
+                    <m:d>
+                      <m:dPr>
+                        <m:ctrlPr>
+                          <a:rPr lang="fr-FR" sz="1800" i="1" smtClean="0">
+                            <a:latin typeface="Cambria Math" panose="02040503050406030204" pitchFamily="18" charset="0"/>
+                          </a:rPr>
+                        </m:ctrlPr>
+                      </m:dPr>
+                      <m:e>
+                        <m:r>
+                          <a:rPr lang="fr-FR" sz="1800" i="1" smtClean="0">
+                            <a:latin typeface="Cambria Math" panose="02040503050406030204" pitchFamily="18" charset="0"/>
+                          </a:rPr>
+                          <m:t>𝑡</m:t>
+                        </m:r>
+                      </m:e>
+                    </m:d>
+                    <m:r>
+                      <a:rPr lang="fr-FR" sz="1800" b="0" i="1" smtClean="0">
+                        <a:latin typeface="Cambria Math" panose="02040503050406030204" pitchFamily="18" charset="0"/>
+                      </a:rPr>
+                      <m:t>=0</m:t>
+                    </m:r>
+                  </m:oMath>
+                </a14:m>
+                <a:endParaRPr lang="fr-FR" sz="1800" i="1" dirty="0"/>
+              </a:p>
+              <a:p>
+                <a14:m>
+                  <m:oMath xmlns:m="http://schemas.openxmlformats.org/officeDocument/2006/math">
+                    <m:sSub>
+                      <m:sSubPr>
+                        <m:ctrlPr>
+                          <a:rPr lang="fr-FR" sz="1800" i="1" smtClean="0">
+                            <a:latin typeface="Cambria Math" panose="02040503050406030204" pitchFamily="18" charset="0"/>
+                          </a:rPr>
+                        </m:ctrlPr>
+                      </m:sSubPr>
+                      <m:e>
+                        <m:r>
+                          <a:rPr lang="fr-FR" sz="1800" i="1" smtClean="0">
+                            <a:latin typeface="Cambria Math" panose="02040503050406030204" pitchFamily="18" charset="0"/>
+                          </a:rPr>
+                          <m:t>𝐶</m:t>
+                        </m:r>
+                      </m:e>
+                      <m:sub>
+                        <m:r>
+                          <a:rPr lang="fr-FR" sz="1800" i="1" smtClean="0">
+                            <a:latin typeface="Cambria Math" panose="02040503050406030204" pitchFamily="18" charset="0"/>
+                          </a:rPr>
+                          <m:t>𝑚</m:t>
+                        </m:r>
+                      </m:sub>
+                    </m:sSub>
+                    <m:d>
+                      <m:dPr>
+                        <m:ctrlPr>
+                          <a:rPr lang="fr-FR" sz="1800" i="1" smtClean="0">
+                            <a:latin typeface="Cambria Math" panose="02040503050406030204" pitchFamily="18" charset="0"/>
+                          </a:rPr>
+                        </m:ctrlPr>
+                      </m:dPr>
+                      <m:e>
+                        <m:r>
+                          <a:rPr lang="fr-FR" sz="1800" i="1" smtClean="0">
+                            <a:latin typeface="Cambria Math" panose="02040503050406030204" pitchFamily="18" charset="0"/>
+                          </a:rPr>
+                          <m:t>𝑡</m:t>
+                        </m:r>
+                      </m:e>
+                    </m:d>
+                    <m:r>
+                      <a:rPr lang="fr-FR" sz="1800" i="1" smtClean="0">
+                        <a:latin typeface="Cambria Math" panose="02040503050406030204" pitchFamily="18" charset="0"/>
+                      </a:rPr>
+                      <m:t>=</m:t>
+                    </m:r>
+                    <m:r>
+                      <a:rPr lang="fr-FR" sz="1800" i="1" smtClean="0">
+                        <a:latin typeface="Cambria Math" panose="02040503050406030204" pitchFamily="18" charset="0"/>
+                      </a:rPr>
+                      <m:t>𝐾𝑖</m:t>
+                    </m:r>
+                    <m:d>
+                      <m:dPr>
+                        <m:ctrlPr>
+                          <a:rPr lang="fr-FR" sz="1800" i="1" smtClean="0">
+                            <a:latin typeface="Cambria Math" panose="02040503050406030204" pitchFamily="18" charset="0"/>
+                          </a:rPr>
+                        </m:ctrlPr>
+                      </m:dPr>
+                      <m:e>
+                        <m:r>
+                          <a:rPr lang="fr-FR" sz="1800" i="1" smtClean="0">
+                            <a:latin typeface="Cambria Math" panose="02040503050406030204" pitchFamily="18" charset="0"/>
+                          </a:rPr>
+                          <m:t>𝑡</m:t>
+                        </m:r>
+                      </m:e>
+                    </m:d>
+                  </m:oMath>
+                </a14:m>
+                <a:endParaRPr lang="fr-FR" sz="1800" i="1" dirty="0"/>
+              </a:p>
+              <a:p>
+                <a14:m>
+                  <m:oMath xmlns:m="http://schemas.openxmlformats.org/officeDocument/2006/math">
+                    <m:sSub>
+                      <m:sSubPr>
+                        <m:ctrlPr>
+                          <a:rPr lang="fr-FR" sz="1800" i="1" smtClean="0">
+                            <a:latin typeface="Cambria Math" panose="02040503050406030204" pitchFamily="18" charset="0"/>
+                          </a:rPr>
+                        </m:ctrlPr>
+                      </m:sSubPr>
+                      <m:e>
+                        <m:r>
+                          <a:rPr lang="fr-FR" sz="1800" i="1" smtClean="0">
+                            <a:latin typeface="Cambria Math" panose="02040503050406030204" pitchFamily="18" charset="0"/>
+                          </a:rPr>
+                          <m:t>𝐶</m:t>
+                        </m:r>
+                      </m:e>
+                      <m:sub>
+                        <m:r>
+                          <a:rPr lang="fr-FR" sz="1800" i="1" smtClean="0">
+                            <a:latin typeface="Cambria Math" panose="02040503050406030204" pitchFamily="18" charset="0"/>
+                          </a:rPr>
+                          <m:t>𝑚</m:t>
+                        </m:r>
+                      </m:sub>
+                    </m:sSub>
+                    <m:d>
+                      <m:dPr>
+                        <m:ctrlPr>
+                          <a:rPr lang="fr-FR" sz="1800" i="1" smtClean="0">
+                            <a:latin typeface="Cambria Math" panose="02040503050406030204" pitchFamily="18" charset="0"/>
+                          </a:rPr>
+                        </m:ctrlPr>
+                      </m:dPr>
+                      <m:e>
+                        <m:r>
+                          <a:rPr lang="fr-FR" sz="1800" i="1" smtClean="0">
+                            <a:latin typeface="Cambria Math" panose="02040503050406030204" pitchFamily="18" charset="0"/>
+                          </a:rPr>
+                          <m:t>𝑡</m:t>
+                        </m:r>
+                      </m:e>
+                    </m:d>
+                    <m:r>
+                      <a:rPr lang="fr-FR" sz="1800" i="1" smtClean="0">
+                        <a:latin typeface="Cambria Math" panose="02040503050406030204" pitchFamily="18" charset="0"/>
+                      </a:rPr>
+                      <m:t>+</m:t>
+                    </m:r>
+                    <m:sSub>
+                      <m:sSubPr>
+                        <m:ctrlPr>
+                          <a:rPr lang="fr-FR" sz="1800" i="1" smtClean="0">
+                            <a:latin typeface="Cambria Math" panose="02040503050406030204" pitchFamily="18" charset="0"/>
+                          </a:rPr>
+                        </m:ctrlPr>
+                      </m:sSubPr>
+                      <m:e>
+                        <m:r>
+                          <a:rPr lang="fr-FR" sz="1800" i="1" smtClean="0">
+                            <a:latin typeface="Cambria Math" panose="02040503050406030204" pitchFamily="18" charset="0"/>
+                          </a:rPr>
+                          <m:t>𝐶</m:t>
+                        </m:r>
+                      </m:e>
+                      <m:sub>
+                        <m:r>
+                          <a:rPr lang="fr-FR" sz="1800" i="1" smtClean="0">
+                            <a:latin typeface="Cambria Math" panose="02040503050406030204" pitchFamily="18" charset="0"/>
+                          </a:rPr>
+                          <m:t>𝑓</m:t>
+                        </m:r>
+                      </m:sub>
+                    </m:sSub>
+                    <m:d>
+                      <m:dPr>
+                        <m:ctrlPr>
+                          <a:rPr lang="fr-FR" sz="1800" i="1" smtClean="0">
+                            <a:latin typeface="Cambria Math" panose="02040503050406030204" pitchFamily="18" charset="0"/>
+                          </a:rPr>
+                        </m:ctrlPr>
+                      </m:dPr>
+                      <m:e>
+                        <m:r>
+                          <a:rPr lang="fr-FR" sz="1800" i="1" smtClean="0">
+                            <a:latin typeface="Cambria Math" panose="02040503050406030204" pitchFamily="18" charset="0"/>
+                          </a:rPr>
+                          <m:t>𝑡</m:t>
+                        </m:r>
+                      </m:e>
+                    </m:d>
+                    <m:r>
+                      <a:rPr lang="fr-FR" sz="1800" i="1">
+                        <a:latin typeface="Cambria Math" panose="02040503050406030204" pitchFamily="18" charset="0"/>
+                      </a:rPr>
+                      <m:t>=</m:t>
+                    </m:r>
+                    <m:r>
+                      <a:rPr lang="fr-FR" sz="1800" b="0" i="1" smtClean="0">
+                        <a:latin typeface="Cambria Math" panose="02040503050406030204" pitchFamily="18" charset="0"/>
+                      </a:rPr>
+                      <m:t>0</m:t>
+                    </m:r>
+                  </m:oMath>
+                </a14:m>
+                <a:endParaRPr lang="fr-FR" sz="1800" i="1" dirty="0"/>
+              </a:p>
+            </p:txBody>
+          </p:sp>
+        </mc:Choice>
+        <mc:Fallback xmlns="">
+          <p:sp>
+            <p:nvSpPr>
+              <p:cNvPr id="3" name="Espace réservé du contenu 5">
+                <a:extLst>
+                  <a:ext uri="{FF2B5EF4-FFF2-40B4-BE49-F238E27FC236}">
+                    <a16:creationId xmlns:a16="http://schemas.microsoft.com/office/drawing/2014/main" id="{CD61C56B-E83A-C4BC-7789-98B6DD7FF668}"/>
+                  </a:ext>
+                </a:extLst>
+              </p:cNvPr>
+              <p:cNvSpPr txBox="1">
+                <a:spLocks noRot="1" noChangeAspect="1" noMove="1" noResize="1" noEditPoints="1" noAdjustHandles="1" noChangeArrowheads="1" noChangeShapeType="1" noTextEdit="1"/>
+              </p:cNvSpPr>
+              <p:nvPr/>
+            </p:nvSpPr>
+            <p:spPr>
+              <a:xfrm>
+                <a:off x="9084332" y="2348880"/>
+                <a:ext cx="3107668" cy="1576251"/>
+              </a:xfrm>
+              <a:prstGeom prst="rect">
+                <a:avLst/>
+              </a:prstGeom>
+              <a:blipFill>
+                <a:blip r:embed="rId4"/>
+                <a:stretch>
+                  <a:fillRect l="-1176" t="-2317"/>
+                </a:stretch>
+              </a:blipFill>
+            </p:spPr>
+            <p:txBody>
+              <a:bodyPr/>
+              <a:lstStyle/>
+              <a:p>
+                <a:r>
+                  <a:rPr lang="fr-FR">
+                    <a:noFill/>
+                  </a:rPr>
+                  <a:t> </a:t>
+                </a:r>
+              </a:p>
+            </p:txBody>
+          </p:sp>
+        </mc:Fallback>
+      </mc:AlternateContent>
+      <p:sp>
+        <p:nvSpPr>
+          <p:cNvPr id="4" name="Flèche : bas 3">
+            <a:extLst>
+              <a:ext uri="{FF2B5EF4-FFF2-40B4-BE49-F238E27FC236}">
+                <a16:creationId xmlns:a16="http://schemas.microsoft.com/office/drawing/2014/main" id="{3C2672FB-F6D4-1A24-9D5D-2FA15A2431CC}"/>
+              </a:ext>
+            </a:extLst>
+          </p:cNvPr>
+          <p:cNvSpPr/>
+          <p:nvPr/>
+        </p:nvSpPr>
+        <p:spPr>
+          <a:xfrm>
+            <a:off x="9948428" y="1810102"/>
+            <a:ext cx="360040" cy="394762"/>
+          </a:xfrm>
+          <a:prstGeom prst="downArrow">
+            <a:avLst/>
+          </a:prstGeom>
+        </p:spPr>
+        <p:style>
+          <a:lnRef idx="2">
+            <a:schemeClr val="accent1">
+              <a:shade val="15000"/>
+            </a:schemeClr>
+          </a:lnRef>
+          <a:fillRef idx="1">
+            <a:schemeClr val="accent1"/>
+          </a:fillRef>
+          <a:effectRef idx="0">
+            <a:schemeClr val="accent1"/>
+          </a:effectRef>
+          <a:fontRef idx="minor">
+            <a:schemeClr val="lt1"/>
+          </a:fontRef>
+        </p:style>
+        <p:txBody>
+          <a:bodyPr rtlCol="0" anchor="ctr"/>
+          <a:lstStyle/>
+          <a:p>
+            <a:pPr algn="ctr"/>
+            <a:endParaRPr lang="fr-FR"/>
+          </a:p>
+        </p:txBody>
+      </p:sp>
+      <p:sp>
+        <p:nvSpPr>
+          <p:cNvPr id="7" name="Espace réservé du contenu 5">
+            <a:extLst>
+              <a:ext uri="{FF2B5EF4-FFF2-40B4-BE49-F238E27FC236}">
+                <a16:creationId xmlns:a16="http://schemas.microsoft.com/office/drawing/2014/main" id="{99A00671-7264-8B70-DD28-433F3D1D6FB9}"/>
+              </a:ext>
+            </a:extLst>
+          </p:cNvPr>
+          <p:cNvSpPr txBox="1">
+            <a:spLocks/>
+          </p:cNvSpPr>
+          <p:nvPr/>
+        </p:nvSpPr>
+        <p:spPr>
+          <a:xfrm>
+            <a:off x="8760296" y="4581128"/>
+            <a:ext cx="3214298" cy="2196244"/>
+          </a:xfrm>
+          <a:prstGeom prst="rect">
+            <a:avLst/>
+          </a:prstGeom>
+        </p:spPr>
+        <p:txBody>
+          <a:bodyPr vert="horz" lIns="91440" tIns="45720" rIns="91440" bIns="45720" rtlCol="0">
+            <a:normAutofit fontScale="92500" lnSpcReduction="10000"/>
+          </a:bodyPr>
+          <a:lstStyle>
+            <a:lvl1pPr marL="228600" indent="-228600" algn="l" defTabSz="914400" rtl="0" eaLnBrk="1" latinLnBrk="0" hangingPunct="1">
+              <a:lnSpc>
+                <a:spcPct val="90000"/>
+              </a:lnSpc>
+              <a:spcBef>
+                <a:spcPts val="1000"/>
+              </a:spcBef>
+              <a:buFont typeface="Arial" panose="020B0604020202020204" pitchFamily="34" charset="0"/>
+              <a:buChar char="•"/>
+              <a:defRPr sz="2800" kern="1200">
+                <a:solidFill>
+                  <a:schemeClr val="tx1"/>
+                </a:solidFill>
+                <a:latin typeface="+mn-lt"/>
+                <a:ea typeface="+mn-ea"/>
+                <a:cs typeface="+mn-cs"/>
+              </a:defRPr>
+            </a:lvl1pPr>
+            <a:lvl2pPr marL="685800" indent="-228600" algn="l" defTabSz="914400" rtl="0" eaLnBrk="1" latinLnBrk="0" hangingPunct="1">
+              <a:lnSpc>
+                <a:spcPct val="90000"/>
+              </a:lnSpc>
+              <a:spcBef>
+                <a:spcPts val="500"/>
+              </a:spcBef>
+              <a:buFont typeface="Arial" panose="020B0604020202020204" pitchFamily="34" charset="0"/>
+              <a:buChar char="•"/>
+              <a:defRPr sz="2400" kern="1200">
+                <a:solidFill>
+                  <a:schemeClr val="tx1"/>
+                </a:solidFill>
+                <a:latin typeface="+mn-lt"/>
+                <a:ea typeface="+mn-ea"/>
+                <a:cs typeface="+mn-cs"/>
+              </a:defRPr>
+            </a:lvl2pPr>
+            <a:lvl3pPr marL="1143000" indent="-228600" algn="l" defTabSz="914400" rtl="0" eaLnBrk="1" latinLnBrk="0" hangingPunct="1">
+              <a:lnSpc>
+                <a:spcPct val="90000"/>
+              </a:lnSpc>
+              <a:spcBef>
+                <a:spcPts val="500"/>
+              </a:spcBef>
+              <a:buFont typeface="Arial" panose="020B0604020202020204" pitchFamily="34" charset="0"/>
+              <a:buChar char="•"/>
+              <a:defRPr sz="2000" kern="1200">
+                <a:solidFill>
+                  <a:schemeClr val="tx1"/>
+                </a:solidFill>
+                <a:latin typeface="+mn-lt"/>
+                <a:ea typeface="+mn-ea"/>
+                <a:cs typeface="+mn-cs"/>
+              </a:defRPr>
+            </a:lvl3pPr>
+            <a:lvl4pPr marL="1600200" indent="-228600" algn="l" defTabSz="914400" rtl="0" eaLnBrk="1" latinLnBrk="0" hangingPunct="1">
+              <a:lnSpc>
+                <a:spcPct val="90000"/>
+              </a:lnSpc>
+              <a:spcBef>
+                <a:spcPts val="500"/>
+              </a:spcBef>
+              <a:buFont typeface="Arial" panose="020B0604020202020204" pitchFamily="34" charset="0"/>
+              <a:buChar char="•"/>
+              <a:defRPr sz="1800" kern="1200">
+                <a:solidFill>
+                  <a:schemeClr val="tx1"/>
+                </a:solidFill>
+                <a:latin typeface="+mn-lt"/>
+                <a:ea typeface="+mn-ea"/>
+                <a:cs typeface="+mn-cs"/>
+              </a:defRPr>
+            </a:lvl4pPr>
+            <a:lvl5pPr marL="2057400" indent="-228600" algn="l" defTabSz="914400" rtl="0" eaLnBrk="1" latinLnBrk="0" hangingPunct="1">
+              <a:lnSpc>
+                <a:spcPct val="90000"/>
+              </a:lnSpc>
+              <a:spcBef>
+                <a:spcPts val="500"/>
+              </a:spcBef>
+              <a:buFont typeface="Arial" panose="020B0604020202020204" pitchFamily="34" charset="0"/>
+              <a:buChar char="•"/>
+              <a:defRPr sz="1800" kern="1200">
+                <a:solidFill>
+                  <a:schemeClr val="tx1"/>
+                </a:solidFill>
+                <a:latin typeface="+mn-lt"/>
+                <a:ea typeface="+mn-ea"/>
+                <a:cs typeface="+mn-cs"/>
+              </a:defRPr>
+            </a:lvl5pPr>
+            <a:lvl6pPr marL="2514600" indent="-228600" algn="l" defTabSz="914400" rtl="0" eaLnBrk="1" latinLnBrk="0" hangingPunct="1">
+              <a:lnSpc>
+                <a:spcPct val="90000"/>
+              </a:lnSpc>
+              <a:spcBef>
+                <a:spcPts val="500"/>
+              </a:spcBef>
+              <a:buFont typeface="Arial" panose="020B0604020202020204" pitchFamily="34" charset="0"/>
+              <a:buChar char="•"/>
+              <a:defRPr sz="1800" kern="1200">
+                <a:solidFill>
+                  <a:schemeClr val="tx1"/>
+                </a:solidFill>
+                <a:latin typeface="+mn-lt"/>
+                <a:ea typeface="+mn-ea"/>
+                <a:cs typeface="+mn-cs"/>
+              </a:defRPr>
+            </a:lvl6pPr>
+            <a:lvl7pPr marL="2971800" indent="-228600" algn="l" defTabSz="914400" rtl="0" eaLnBrk="1" latinLnBrk="0" hangingPunct="1">
+              <a:lnSpc>
+                <a:spcPct val="90000"/>
+              </a:lnSpc>
+              <a:spcBef>
+                <a:spcPts val="500"/>
+              </a:spcBef>
+              <a:buFont typeface="Arial" panose="020B0604020202020204" pitchFamily="34" charset="0"/>
+              <a:buChar char="•"/>
+              <a:defRPr sz="1800" kern="1200">
+                <a:solidFill>
+                  <a:schemeClr val="tx1"/>
+                </a:solidFill>
+                <a:latin typeface="+mn-lt"/>
+                <a:ea typeface="+mn-ea"/>
+                <a:cs typeface="+mn-cs"/>
+              </a:defRPr>
+            </a:lvl7pPr>
+            <a:lvl8pPr marL="3429000" indent="-228600" algn="l" defTabSz="914400" rtl="0" eaLnBrk="1" latinLnBrk="0" hangingPunct="1">
+              <a:lnSpc>
+                <a:spcPct val="90000"/>
+              </a:lnSpc>
+              <a:spcBef>
+                <a:spcPts val="500"/>
+              </a:spcBef>
+              <a:buFont typeface="Arial" panose="020B0604020202020204" pitchFamily="34" charset="0"/>
+              <a:buChar char="•"/>
+              <a:defRPr sz="1800" kern="1200">
+                <a:solidFill>
+                  <a:schemeClr val="tx1"/>
+                </a:solidFill>
+                <a:latin typeface="+mn-lt"/>
+                <a:ea typeface="+mn-ea"/>
+                <a:cs typeface="+mn-cs"/>
+              </a:defRPr>
+            </a:lvl8pPr>
+            <a:lvl9pPr marL="3886200" indent="-228600" algn="l" defTabSz="914400" rtl="0" eaLnBrk="1" latinLnBrk="0" hangingPunct="1">
+              <a:lnSpc>
+                <a:spcPct val="90000"/>
+              </a:lnSpc>
+              <a:spcBef>
+                <a:spcPts val="500"/>
+              </a:spcBef>
+              <a:buFont typeface="Arial" panose="020B0604020202020204" pitchFamily="34" charset="0"/>
+              <a:buChar char="•"/>
+              <a:defRPr sz="1800" kern="1200">
+                <a:solidFill>
+                  <a:schemeClr val="tx1"/>
+                </a:solidFill>
+                <a:latin typeface="+mn-lt"/>
+                <a:ea typeface="+mn-ea"/>
+                <a:cs typeface="+mn-cs"/>
+              </a:defRPr>
+            </a:lvl9pPr>
+          </a:lstStyle>
+          <a:p>
+            <a:r>
+              <a:rPr lang="fr-FR" sz="1800" dirty="0"/>
+              <a:t>Remarque :</a:t>
+            </a:r>
+          </a:p>
+          <a:p>
+            <a:pPr lvl="1"/>
+            <a:r>
+              <a:rPr lang="fr-FR" sz="1600" dirty="0"/>
+              <a:t>Pourquoi ne pas mesurer R à l’ohm-mètre ? </a:t>
+            </a:r>
+          </a:p>
+          <a:p>
+            <a:pPr lvl="1" algn="just"/>
+            <a:r>
+              <a:rPr lang="fr-FR" sz="1600" dirty="0"/>
+              <a:t>A cause de la position des  balais... </a:t>
+            </a:r>
+          </a:p>
+          <a:p>
+            <a:pPr lvl="1"/>
+            <a:r>
+              <a:rPr lang="fr-FR" sz="1600" dirty="0"/>
+              <a:t>Mais pourquoi on n’a pas le même problème avec le rotor bloqué ?</a:t>
+            </a:r>
+          </a:p>
+          <a:p>
+            <a:pPr lvl="1"/>
+            <a:r>
+              <a:rPr lang="fr-FR" sz="1600" dirty="0"/>
+              <a:t>Question à résoudre….</a:t>
+            </a:r>
+          </a:p>
+        </p:txBody>
+      </p:sp>
+    </p:spTree>
+    <p:extLst>
+      <p:ext uri="{BB962C8B-B14F-4D97-AF65-F5344CB8AC3E}">
+        <p14:creationId xmlns:p14="http://schemas.microsoft.com/office/powerpoint/2010/main" val="1218073976"/>
+      </p:ext>
+    </p:extLst>
+  </p:cSld>
+  <p:clrMapOvr>
+    <a:masterClrMapping/>
+  </p:clrMapOvr>
+</p:sld>
+</file>
+
+<file path=ppt/slides/slide16.xml><?xml version="1.0" encoding="utf-8"?>
+<p:sld xmlns:a="http://schemas.openxmlformats.org/drawingml/2006/main" xmlns:r="http://schemas.openxmlformats.org/officeDocument/2006/relationships" xmlns:p="http://schemas.openxmlformats.org/presentationml/2006/main">
+  <p:cSld>
+    <p:spTree>
+      <p:nvGrpSpPr>
+        <p:cNvPr id="1" name=""/>
+        <p:cNvGrpSpPr/>
+        <p:nvPr/>
+      </p:nvGrpSpPr>
+      <p:grpSpPr>
+        <a:xfrm>
+          <a:off x="0" y="0"/>
+          <a:ext cx="0" cy="0"/>
+          <a:chOff x="0" y="0"/>
+          <a:chExt cx="0" cy="0"/>
+        </a:xfrm>
+      </p:grpSpPr>
+      <p:sp>
+        <p:nvSpPr>
+          <p:cNvPr id="5" name="Titre 4">
+            <a:extLst>
+              <a:ext uri="{FF2B5EF4-FFF2-40B4-BE49-F238E27FC236}">
+                <a16:creationId xmlns:a16="http://schemas.microsoft.com/office/drawing/2014/main" id="{1B3466BE-90DA-460C-89D2-467B99FE9911}"/>
+              </a:ext>
+            </a:extLst>
+          </p:cNvPr>
+          <p:cNvSpPr>
+            <a:spLocks noGrp="1"/>
+          </p:cNvSpPr>
+          <p:nvPr>
+            <p:ph type="title"/>
+          </p:nvPr>
+        </p:nvSpPr>
+        <p:spPr/>
+        <p:txBody>
+          <a:bodyPr/>
+          <a:lstStyle/>
+          <a:p>
+            <a:r>
+              <a:rPr lang="fr-FR" dirty="0"/>
               <a:t>Détermination de la constante électrique ou de la constante de couple</a:t>
             </a:r>
           </a:p>
@@ -4371,383 +6407,553 @@
               </a:xfrm>
             </p:spPr>
             <p:txBody>
-              <a:bodyPr/>
+              <a:bodyPr>
+                <a:normAutofit fontScale="92500" lnSpcReduction="20000"/>
+              </a:bodyPr>
               <a:lstStyle/>
               <a:p>
                 <a:r>
                   <a:rPr lang="fr-FR" dirty="0"/>
-                  <a:t>Utilisation d’un moteur (à vide). </a:t>
+                  <a:t>Modèle utilisé : </a:t>
                 </a:r>
+              </a:p>
+              <a:p>
+                <a:pPr lvl="1"/>
+                <a:r>
+                  <a:rPr lang="fr-FR" dirty="0"/>
+                  <a:t>A vitesse constante, en régime permanent </a:t>
+                </a:r>
+                <a14:m>
+                  <m:oMath xmlns:m="http://schemas.openxmlformats.org/officeDocument/2006/math">
+                    <m:r>
+                      <a:rPr lang="fr-FR" b="0" i="1" smtClean="0">
+                        <a:latin typeface="Cambria Math" panose="02040503050406030204" pitchFamily="18" charset="0"/>
+                      </a:rPr>
+                      <m:t>𝜔</m:t>
+                    </m:r>
+                    <m:d>
+                      <m:dPr>
+                        <m:ctrlPr>
+                          <a:rPr lang="fr-FR" b="0" i="1" smtClean="0">
+                            <a:latin typeface="Cambria Math" panose="02040503050406030204" pitchFamily="18" charset="0"/>
+                          </a:rPr>
+                        </m:ctrlPr>
+                      </m:dPr>
+                      <m:e>
+                        <m:r>
+                          <a:rPr lang="fr-FR" b="0" i="1" smtClean="0">
+                            <a:latin typeface="Cambria Math" panose="02040503050406030204" pitchFamily="18" charset="0"/>
+                          </a:rPr>
+                          <m:t>𝑡</m:t>
+                        </m:r>
+                      </m:e>
+                    </m:d>
+                    <m:r>
+                      <a:rPr lang="fr-FR" b="0" i="1" smtClean="0">
+                        <a:latin typeface="Cambria Math" panose="02040503050406030204" pitchFamily="18" charset="0"/>
+                      </a:rPr>
+                      <m:t>=</m:t>
+                    </m:r>
+                    <m:r>
+                      <a:rPr lang="fr-FR" b="0" i="1" smtClean="0">
+                        <a:latin typeface="Cambria Math" panose="02040503050406030204" pitchFamily="18" charset="0"/>
+                      </a:rPr>
+                      <m:t>𝑐𝑠𝑡𝑒</m:t>
+                    </m:r>
+                  </m:oMath>
+                </a14:m>
+                <a:r>
+                  <a:rPr lang="fr-FR" dirty="0"/>
+                  <a:t> et </a:t>
+                </a:r>
+                <a14:m>
+                  <m:oMath xmlns:m="http://schemas.openxmlformats.org/officeDocument/2006/math">
+                    <m:r>
+                      <a:rPr lang="fr-FR" b="0" i="1" smtClean="0">
+                        <a:latin typeface="Cambria Math" panose="02040503050406030204" pitchFamily="18" charset="0"/>
+                      </a:rPr>
+                      <m:t>𝑖</m:t>
+                    </m:r>
+                    <m:d>
+                      <m:dPr>
+                        <m:ctrlPr>
+                          <a:rPr lang="fr-FR" b="0" i="1" smtClean="0">
+                            <a:latin typeface="Cambria Math" panose="02040503050406030204" pitchFamily="18" charset="0"/>
+                          </a:rPr>
+                        </m:ctrlPr>
+                      </m:dPr>
+                      <m:e>
+                        <m:r>
+                          <a:rPr lang="fr-FR" b="0" i="1" smtClean="0">
+                            <a:latin typeface="Cambria Math" panose="02040503050406030204" pitchFamily="18" charset="0"/>
+                          </a:rPr>
+                          <m:t>𝑡</m:t>
+                        </m:r>
+                      </m:e>
+                    </m:d>
+                    <m:r>
+                      <a:rPr lang="fr-FR" b="0" i="1" smtClean="0">
+                        <a:latin typeface="Cambria Math" panose="02040503050406030204" pitchFamily="18" charset="0"/>
+                      </a:rPr>
+                      <m:t>=</m:t>
+                    </m:r>
+                    <m:r>
+                      <a:rPr lang="fr-FR" b="0" i="1" smtClean="0">
+                        <a:latin typeface="Cambria Math" panose="02040503050406030204" pitchFamily="18" charset="0"/>
+                      </a:rPr>
+                      <m:t>𝑐𝑡𝑒</m:t>
+                    </m:r>
+                    <m:r>
+                      <a:rPr lang="fr-FR" b="0" i="1" smtClean="0">
+                        <a:latin typeface="Cambria Math" panose="02040503050406030204" pitchFamily="18" charset="0"/>
+                      </a:rPr>
+                      <m:t> </m:t>
+                    </m:r>
+                  </m:oMath>
+                </a14:m>
+                <a:r>
+                  <a:rPr lang="fr-FR" dirty="0"/>
+                  <a:t> </a:t>
+                </a:r>
+              </a:p>
+              <a:p>
+                <a:pPr lvl="1"/>
+                <a14:m>
+                  <m:oMath xmlns:m="http://schemas.openxmlformats.org/officeDocument/2006/math">
+                    <m:r>
+                      <a:rPr lang="fr-FR" i="1" dirty="0" smtClean="0">
+                        <a:latin typeface="Cambria Math" panose="02040503050406030204" pitchFamily="18" charset="0"/>
+                      </a:rPr>
+                      <m:t>𝑅</m:t>
+                    </m:r>
+                  </m:oMath>
+                </a14:m>
+                <a:r>
+                  <a:rPr lang="fr-FR" dirty="0"/>
+                  <a:t> est connue grâce à la diapo précédente</a:t>
+                </a:r>
+              </a:p>
+              <a:p>
+                <a:pPr lvl="1"/>
+                <a:r>
+                  <a:rPr lang="fr-FR" dirty="0"/>
+                  <a:t>On a donc </a:t>
+                </a:r>
+                <a14:m>
+                  <m:oMath xmlns:m="http://schemas.openxmlformats.org/officeDocument/2006/math">
+                    <m:sSub>
+                      <m:sSubPr>
+                        <m:ctrlPr>
+                          <a:rPr lang="fr-FR" sz="2000" b="0" i="1" smtClean="0">
+                            <a:latin typeface="Cambria Math" panose="02040503050406030204" pitchFamily="18" charset="0"/>
+                          </a:rPr>
+                        </m:ctrlPr>
+                      </m:sSubPr>
+                      <m:e>
+                        <m:r>
+                          <a:rPr lang="fr-FR" sz="2000" b="0" i="1" smtClean="0">
+                            <a:latin typeface="Cambria Math" panose="02040503050406030204" pitchFamily="18" charset="0"/>
+                          </a:rPr>
+                          <m:t>𝑈</m:t>
+                        </m:r>
+                      </m:e>
+                      <m:sub>
+                        <m:r>
+                          <a:rPr lang="fr-FR" sz="2000" b="0" i="1" smtClean="0">
+                            <a:latin typeface="Cambria Math" panose="02040503050406030204" pitchFamily="18" charset="0"/>
+                          </a:rPr>
+                          <m:t>𝑘</m:t>
+                        </m:r>
+                      </m:sub>
+                    </m:sSub>
+                    <m:r>
+                      <a:rPr lang="fr-FR" sz="2000" b="0" i="1" smtClean="0">
+                        <a:latin typeface="Cambria Math" panose="02040503050406030204" pitchFamily="18" charset="0"/>
+                      </a:rPr>
+                      <m:t>−</m:t>
+                    </m:r>
+                    <m:r>
+                      <a:rPr lang="fr-FR" sz="2000" i="1" smtClean="0">
+                        <a:latin typeface="Cambria Math" panose="02040503050406030204" pitchFamily="18" charset="0"/>
+                      </a:rPr>
+                      <m:t>𝑅</m:t>
+                    </m:r>
+                    <m:sSub>
+                      <m:sSubPr>
+                        <m:ctrlPr>
+                          <a:rPr lang="fr-FR" sz="2000" b="0" i="1" smtClean="0">
+                            <a:latin typeface="Cambria Math" panose="02040503050406030204" pitchFamily="18" charset="0"/>
+                          </a:rPr>
+                        </m:ctrlPr>
+                      </m:sSubPr>
+                      <m:e>
+                        <m:r>
+                          <a:rPr lang="fr-FR" sz="2000" b="0" i="1" smtClean="0">
+                            <a:latin typeface="Cambria Math" panose="02040503050406030204" pitchFamily="18" charset="0"/>
+                          </a:rPr>
+                          <m:t>𝑖</m:t>
+                        </m:r>
+                      </m:e>
+                      <m:sub>
+                        <m:r>
+                          <a:rPr lang="fr-FR" sz="2000" b="0" i="1" smtClean="0">
+                            <a:latin typeface="Cambria Math" panose="02040503050406030204" pitchFamily="18" charset="0"/>
+                          </a:rPr>
+                          <m:t>𝑘</m:t>
+                        </m:r>
+                      </m:sub>
+                    </m:sSub>
+                    <m:r>
+                      <a:rPr lang="fr-FR" sz="2000" b="0" i="1" smtClean="0">
+                        <a:latin typeface="Cambria Math" panose="02040503050406030204" pitchFamily="18" charset="0"/>
+                      </a:rPr>
+                      <m:t>=</m:t>
+                    </m:r>
+                    <m:r>
+                      <a:rPr lang="fr-FR" sz="2000" i="1" smtClean="0">
+                        <a:latin typeface="Cambria Math" panose="02040503050406030204" pitchFamily="18" charset="0"/>
+                      </a:rPr>
+                      <m:t>𝐾</m:t>
+                    </m:r>
+                    <m:sSub>
+                      <m:sSubPr>
+                        <m:ctrlPr>
+                          <a:rPr lang="fr-FR" sz="2000" b="0" i="1" smtClean="0">
+                            <a:latin typeface="Cambria Math" panose="02040503050406030204" pitchFamily="18" charset="0"/>
+                          </a:rPr>
+                        </m:ctrlPr>
+                      </m:sSubPr>
+                      <m:e>
+                        <m:r>
+                          <a:rPr lang="fr-FR" sz="2000" i="1" smtClean="0">
+                            <a:latin typeface="Cambria Math" panose="02040503050406030204" pitchFamily="18" charset="0"/>
+                          </a:rPr>
+                          <m:t>𝜔</m:t>
+                        </m:r>
+                      </m:e>
+                      <m:sub>
+                        <m:r>
+                          <a:rPr lang="fr-FR" sz="2000" b="0" i="1" smtClean="0">
+                            <a:latin typeface="Cambria Math" panose="02040503050406030204" pitchFamily="18" charset="0"/>
+                          </a:rPr>
+                          <m:t>𝑘</m:t>
+                        </m:r>
+                      </m:sub>
+                    </m:sSub>
+                  </m:oMath>
+                </a14:m>
+                <a:endParaRPr lang="fr-FR" sz="2000" i="1" dirty="0"/>
+              </a:p>
+              <a:p>
+                <a:pPr lvl="1"/>
+                <a:endParaRPr lang="fr-FR" dirty="0"/>
               </a:p>
               <a:p>
                 <a:r>
                   <a:rPr lang="fr-FR" dirty="0"/>
-                  <a:t>On utilise un codeur ou un tachymètre pour avoir </a:t>
+                  <a:t>Protocole expérimental : </a:t>
+                </a:r>
+              </a:p>
+              <a:p>
+                <a:pPr lvl="1"/>
+                <a:r>
+                  <a:rPr lang="fr-FR" dirty="0"/>
+                  <a:t>Moteur branché sur alimentation stabilisée</a:t>
+                </a:r>
+              </a:p>
+              <a:p>
+                <a:pPr lvl="1"/>
+                <a:r>
+                  <a:rPr lang="fr-FR" dirty="0"/>
+                  <a:t>Voltmètre sur la source</a:t>
+                </a:r>
+              </a:p>
+              <a:p>
+                <a:pPr lvl="1"/>
+                <a:r>
+                  <a:rPr lang="fr-FR" dirty="0"/>
+                  <a:t>Ampèremètre dans le circuit</a:t>
+                </a:r>
+              </a:p>
+              <a:p>
+                <a:pPr lvl="1"/>
+                <a:r>
+                  <a:rPr lang="fr-FR" dirty="0"/>
+                  <a:t>Tachymètre pour mesurer </a:t>
                 </a:r>
                 <a14:m>
                   <m:oMath xmlns:m="http://schemas.openxmlformats.org/officeDocument/2006/math">
-                    <m:r>
-                      <a:rPr lang="fr-FR" b="0" i="1" smtClean="0">
-                        <a:latin typeface="Cambria Math" panose="02040503050406030204" pitchFamily="18" charset="0"/>
-                      </a:rPr>
-                      <m:t>𝜔</m:t>
-                    </m:r>
-                    <m:r>
-                      <a:rPr lang="fr-FR" b="0" i="1" smtClean="0">
-                        <a:latin typeface="Cambria Math" panose="02040503050406030204" pitchFamily="18" charset="0"/>
-                      </a:rPr>
-                      <m:t>(</m:t>
-                    </m:r>
-                    <m:r>
-                      <a:rPr lang="fr-FR" b="0" i="1" smtClean="0">
-                        <a:latin typeface="Cambria Math" panose="02040503050406030204" pitchFamily="18" charset="0"/>
-                      </a:rPr>
-                      <m:t>𝑡</m:t>
-                    </m:r>
-                    <m:r>
-                      <a:rPr lang="fr-FR" b="0" i="1" smtClean="0">
-                        <a:latin typeface="Cambria Math" panose="02040503050406030204" pitchFamily="18" charset="0"/>
-                      </a:rPr>
-                      <m:t>)</m:t>
-                    </m:r>
+                    <m:sSub>
+                      <m:sSubPr>
+                        <m:ctrlPr>
+                          <a:rPr lang="fr-FR" b="0" i="1" smtClean="0">
+                            <a:latin typeface="Cambria Math" panose="02040503050406030204" pitchFamily="18" charset="0"/>
+                          </a:rPr>
+                        </m:ctrlPr>
+                      </m:sSubPr>
+                      <m:e>
+                        <m:r>
+                          <a:rPr lang="fr-FR" b="0" i="1" smtClean="0">
+                            <a:latin typeface="Cambria Math" panose="02040503050406030204" pitchFamily="18" charset="0"/>
+                          </a:rPr>
+                          <m:t>𝜔</m:t>
+                        </m:r>
+                      </m:e>
+                      <m:sub>
+                        <m:r>
+                          <a:rPr lang="fr-FR" b="0" i="1" smtClean="0">
+                            <a:latin typeface="Cambria Math" panose="02040503050406030204" pitchFamily="18" charset="0"/>
+                          </a:rPr>
+                          <m:t>𝑡</m:t>
+                        </m:r>
+                      </m:sub>
+                    </m:sSub>
+                  </m:oMath>
+                </a14:m>
+                <a:endParaRPr lang="fr-FR" b="0" dirty="0"/>
+              </a:p>
+              <a:p>
+                <a:pPr lvl="1"/>
+                <a:endParaRPr lang="fr-FR" dirty="0"/>
+              </a:p>
+              <a:p>
+                <a:r>
+                  <a:rPr lang="fr-FR" dirty="0"/>
+                  <a:t>Essai : </a:t>
+                </a:r>
+              </a:p>
+              <a:p>
+                <a:pPr lvl="1"/>
+                <a:r>
+                  <a:rPr lang="fr-FR" dirty="0"/>
+                  <a:t>Pour des tensions différentes, on mesure, en RP : </a:t>
+                </a:r>
+                <a14:m>
+                  <m:oMath xmlns:m="http://schemas.openxmlformats.org/officeDocument/2006/math">
+                    <m:sSub>
+                      <m:sSubPr>
+                        <m:ctrlPr>
+                          <a:rPr lang="fr-FR" b="0" i="1" smtClean="0">
+                            <a:latin typeface="Cambria Math" panose="02040503050406030204" pitchFamily="18" charset="0"/>
+                          </a:rPr>
+                        </m:ctrlPr>
+                      </m:sSubPr>
+                      <m:e>
+                        <m:r>
+                          <a:rPr lang="fr-FR" b="0" i="1" smtClean="0">
+                            <a:latin typeface="Cambria Math" panose="02040503050406030204" pitchFamily="18" charset="0"/>
+                          </a:rPr>
+                          <m:t>𝑈</m:t>
+                        </m:r>
+                      </m:e>
+                      <m:sub>
+                        <m:r>
+                          <a:rPr lang="fr-FR" b="0" i="1" smtClean="0">
+                            <a:latin typeface="Cambria Math" panose="02040503050406030204" pitchFamily="18" charset="0"/>
+                          </a:rPr>
+                          <m:t>𝑘</m:t>
+                        </m:r>
+                      </m:sub>
+                    </m:sSub>
+                  </m:oMath>
+                </a14:m>
+                <a:r>
+                  <a:rPr lang="fr-FR" dirty="0"/>
+                  <a:t>, </a:t>
+                </a:r>
+                <a14:m>
+                  <m:oMath xmlns:m="http://schemas.openxmlformats.org/officeDocument/2006/math">
+                    <m:sSub>
+                      <m:sSubPr>
+                        <m:ctrlPr>
+                          <a:rPr lang="fr-FR" b="0" i="1" smtClean="0">
+                            <a:latin typeface="Cambria Math" panose="02040503050406030204" pitchFamily="18" charset="0"/>
+                          </a:rPr>
+                        </m:ctrlPr>
+                      </m:sSubPr>
+                      <m:e>
+                        <m:r>
+                          <a:rPr lang="fr-FR" b="0" i="1" smtClean="0">
+                            <a:latin typeface="Cambria Math" panose="02040503050406030204" pitchFamily="18" charset="0"/>
+                          </a:rPr>
+                          <m:t>𝑖</m:t>
+                        </m:r>
+                      </m:e>
+                      <m:sub>
+                        <m:r>
+                          <a:rPr lang="fr-FR" b="0" i="1" smtClean="0">
+                            <a:latin typeface="Cambria Math" panose="02040503050406030204" pitchFamily="18" charset="0"/>
+                          </a:rPr>
+                          <m:t>𝑘</m:t>
+                        </m:r>
+                      </m:sub>
+                    </m:sSub>
+                  </m:oMath>
+                </a14:m>
+                <a:r>
+                  <a:rPr lang="fr-FR" dirty="0"/>
+                  <a:t>, </a:t>
+                </a:r>
+                <a14:m>
+                  <m:oMath xmlns:m="http://schemas.openxmlformats.org/officeDocument/2006/math">
+                    <m:sSub>
+                      <m:sSubPr>
+                        <m:ctrlPr>
+                          <a:rPr lang="fr-FR" b="0" i="1" smtClean="0">
+                            <a:latin typeface="Cambria Math" panose="02040503050406030204" pitchFamily="18" charset="0"/>
+                          </a:rPr>
+                        </m:ctrlPr>
+                      </m:sSubPr>
+                      <m:e>
+                        <m:r>
+                          <a:rPr lang="fr-FR" b="0" i="1" smtClean="0">
+                            <a:latin typeface="Cambria Math" panose="02040503050406030204" pitchFamily="18" charset="0"/>
+                          </a:rPr>
+                          <m:t>𝜔</m:t>
+                        </m:r>
+                      </m:e>
+                      <m:sub>
+                        <m:r>
+                          <a:rPr lang="fr-FR" b="0" i="1" smtClean="0">
+                            <a:latin typeface="Cambria Math" panose="02040503050406030204" pitchFamily="18" charset="0"/>
+                          </a:rPr>
+                          <m:t>𝑘</m:t>
+                        </m:r>
+                      </m:sub>
+                    </m:sSub>
                   </m:oMath>
                 </a14:m>
                 <a:endParaRPr lang="fr-FR" dirty="0"/>
               </a:p>
               <a:p>
+                <a:pPr lvl="1"/>
                 <a:r>
                   <a:rPr lang="fr-FR" dirty="0"/>
-                  <a:t>On fait varier </a:t>
+                  <a:t>On trace alors </a:t>
                 </a:r>
                 <a14:m>
                   <m:oMath xmlns:m="http://schemas.openxmlformats.org/officeDocument/2006/math">
-                    <m:r>
-                      <a:rPr lang="fr-FR" b="0" i="1" dirty="0" smtClean="0">
-                        <a:latin typeface="Cambria Math" panose="02040503050406030204" pitchFamily="18" charset="0"/>
-                      </a:rPr>
-                      <m:t>𝑈</m:t>
-                    </m:r>
-                    <m:r>
-                      <a:rPr lang="fr-FR" b="0" i="1" dirty="0" smtClean="0">
-                        <a:latin typeface="Cambria Math" panose="02040503050406030204" pitchFamily="18" charset="0"/>
-                      </a:rPr>
-                      <m:t>(</m:t>
-                    </m:r>
-                    <m:r>
-                      <a:rPr lang="fr-FR" b="0" i="1" dirty="0" smtClean="0">
-                        <a:latin typeface="Cambria Math" panose="02040503050406030204" pitchFamily="18" charset="0"/>
-                      </a:rPr>
-                      <m:t>𝑡</m:t>
-                    </m:r>
-                    <m:r>
-                      <a:rPr lang="fr-FR" b="0" i="1" dirty="0" smtClean="0">
-                        <a:latin typeface="Cambria Math" panose="02040503050406030204" pitchFamily="18" charset="0"/>
-                      </a:rPr>
-                      <m:t>)</m:t>
-                    </m:r>
+                    <m:sSub>
+                      <m:sSubPr>
+                        <m:ctrlPr>
+                          <a:rPr lang="fr-FR" sz="2400" b="0" i="1" smtClean="0">
+                            <a:latin typeface="Cambria Math" panose="02040503050406030204" pitchFamily="18" charset="0"/>
+                          </a:rPr>
+                        </m:ctrlPr>
+                      </m:sSubPr>
+                      <m:e>
+                        <m:r>
+                          <a:rPr lang="fr-FR" sz="2400" b="0" i="1" smtClean="0">
+                            <a:latin typeface="Cambria Math" panose="02040503050406030204" pitchFamily="18" charset="0"/>
+                          </a:rPr>
+                          <m:t>𝑈</m:t>
+                        </m:r>
+                      </m:e>
+                      <m:sub>
+                        <m:r>
+                          <a:rPr lang="fr-FR" sz="2400" b="0" i="1" smtClean="0">
+                            <a:latin typeface="Cambria Math" panose="02040503050406030204" pitchFamily="18" charset="0"/>
+                          </a:rPr>
+                          <m:t>𝑘</m:t>
+                        </m:r>
+                      </m:sub>
+                    </m:sSub>
+                    <m:r>
+                      <a:rPr lang="fr-FR" sz="2400" b="0" i="1" smtClean="0">
+                        <a:latin typeface="Cambria Math" panose="02040503050406030204" pitchFamily="18" charset="0"/>
+                      </a:rPr>
+                      <m:t>−</m:t>
+                    </m:r>
+                    <m:r>
+                      <a:rPr lang="fr-FR" sz="2400" i="1" smtClean="0">
+                        <a:latin typeface="Cambria Math" panose="02040503050406030204" pitchFamily="18" charset="0"/>
+                      </a:rPr>
+                      <m:t>𝑅</m:t>
+                    </m:r>
+                    <m:sSub>
+                      <m:sSubPr>
+                        <m:ctrlPr>
+                          <a:rPr lang="fr-FR" sz="2400" b="0" i="1" smtClean="0">
+                            <a:latin typeface="Cambria Math" panose="02040503050406030204" pitchFamily="18" charset="0"/>
+                          </a:rPr>
+                        </m:ctrlPr>
+                      </m:sSubPr>
+                      <m:e>
+                        <m:r>
+                          <a:rPr lang="fr-FR" sz="2400" b="0" i="1" smtClean="0">
+                            <a:latin typeface="Cambria Math" panose="02040503050406030204" pitchFamily="18" charset="0"/>
+                          </a:rPr>
+                          <m:t>𝑖</m:t>
+                        </m:r>
+                      </m:e>
+                      <m:sub>
+                        <m:r>
+                          <a:rPr lang="fr-FR" sz="2400" b="0" i="1" smtClean="0">
+                            <a:latin typeface="Cambria Math" panose="02040503050406030204" pitchFamily="18" charset="0"/>
+                          </a:rPr>
+                          <m:t>𝑘</m:t>
+                        </m:r>
+                      </m:sub>
+                    </m:sSub>
                   </m:oMath>
                 </a14:m>
                 <a:r>
                   <a:rPr lang="fr-FR" dirty="0"/>
-                  <a:t>. En régime permanent, on a alors  </a:t>
+                  <a:t> en fonction de </a:t>
                 </a:r>
                 <a14:m>
                   <m:oMath xmlns:m="http://schemas.openxmlformats.org/officeDocument/2006/math">
-                    <m:r>
-                      <a:rPr lang="fr-FR" i="1">
-                        <a:latin typeface="Cambria Math" panose="02040503050406030204" pitchFamily="18" charset="0"/>
-                      </a:rPr>
-                      <m:t>𝑈</m:t>
-                    </m:r>
-                    <m:d>
-                      <m:dPr>
+                    <m:sSub>
+                      <m:sSubPr>
                         <m:ctrlPr>
                           <a:rPr lang="fr-FR" i="1">
                             <a:latin typeface="Cambria Math" panose="02040503050406030204" pitchFamily="18" charset="0"/>
                           </a:rPr>
                         </m:ctrlPr>
-                      </m:dPr>
+                      </m:sSubPr>
                       <m:e>
                         <m:r>
                           <a:rPr lang="fr-FR" i="1">
                             <a:latin typeface="Cambria Math" panose="02040503050406030204" pitchFamily="18" charset="0"/>
                           </a:rPr>
-                          <m:t>𝑡</m:t>
+                          <m:t>𝜔</m:t>
                         </m:r>
                       </m:e>
-                    </m:d>
-                    <m:r>
-                      <a:rPr lang="fr-FR" i="1">
-                        <a:latin typeface="Cambria Math" panose="02040503050406030204" pitchFamily="18" charset="0"/>
-                      </a:rPr>
-                      <m:t>=</m:t>
-                    </m:r>
-                    <m:r>
-                      <a:rPr lang="fr-FR" i="1">
-                        <a:latin typeface="Cambria Math" panose="02040503050406030204" pitchFamily="18" charset="0"/>
-                      </a:rPr>
-                      <m:t>𝑅𝑖</m:t>
-                    </m:r>
-                    <m:d>
-                      <m:dPr>
-                        <m:ctrlPr>
+                      <m:sub>
+                        <m:r>
                           <a:rPr lang="fr-FR" i="1">
                             <a:latin typeface="Cambria Math" panose="02040503050406030204" pitchFamily="18" charset="0"/>
                           </a:rPr>
-                        </m:ctrlPr>
-                      </m:dPr>
-                      <m:e>
-                        <m:r>
-                          <a:rPr lang="fr-FR" i="1">
-                            <a:latin typeface="Cambria Math" panose="02040503050406030204" pitchFamily="18" charset="0"/>
-                          </a:rPr>
-                          <m:t>𝑡</m:t>
-                        </m:r>
-                      </m:e>
-                    </m:d>
-                    <m:r>
-                      <a:rPr lang="fr-FR" i="1">
-                        <a:latin typeface="Cambria Math" panose="02040503050406030204" pitchFamily="18" charset="0"/>
-                      </a:rPr>
-                      <m:t>+</m:t>
-                    </m:r>
-                    <m:r>
-                      <a:rPr lang="fr-FR" i="1">
-                        <a:latin typeface="Cambria Math" panose="02040503050406030204" pitchFamily="18" charset="0"/>
-                      </a:rPr>
-                      <m:t>𝐸</m:t>
-                    </m:r>
-                    <m:d>
-                      <m:dPr>
-                        <m:ctrlPr>
-                          <a:rPr lang="fr-FR" i="1">
-                            <a:latin typeface="Cambria Math" panose="02040503050406030204" pitchFamily="18" charset="0"/>
-                          </a:rPr>
-                        </m:ctrlPr>
-                      </m:dPr>
-                      <m:e>
-                        <m:r>
-                          <a:rPr lang="fr-FR" i="1">
-                            <a:latin typeface="Cambria Math" panose="02040503050406030204" pitchFamily="18" charset="0"/>
-                          </a:rPr>
-                          <m:t>𝑡</m:t>
-                        </m:r>
-                      </m:e>
-                    </m:d>
-                  </m:oMath>
-                </a14:m>
-                <a:r>
-                  <a:rPr lang="fr-FR" i="1" dirty="0"/>
-                  <a:t> </a:t>
-                </a:r>
-                <a:r>
-                  <a:rPr lang="fr-FR" dirty="0"/>
-                  <a:t>et donc </a:t>
-                </a:r>
-                <a14:m>
-                  <m:oMath xmlns:m="http://schemas.openxmlformats.org/officeDocument/2006/math">
-                    <m:r>
-                      <a:rPr lang="fr-FR" b="0" i="1" smtClean="0">
-                        <a:latin typeface="Cambria Math" panose="02040503050406030204" pitchFamily="18" charset="0"/>
-                      </a:rPr>
-                      <m:t>𝐸</m:t>
-                    </m:r>
-                    <m:d>
-                      <m:dPr>
-                        <m:ctrlPr>
-                          <a:rPr lang="fr-FR" b="0" i="1" smtClean="0">
-                            <a:latin typeface="Cambria Math" panose="02040503050406030204" pitchFamily="18" charset="0"/>
-                          </a:rPr>
-                        </m:ctrlPr>
-                      </m:dPr>
-                      <m:e>
-                        <m:r>
-                          <a:rPr lang="fr-FR" b="0" i="1" smtClean="0">
-                            <a:latin typeface="Cambria Math" panose="02040503050406030204" pitchFamily="18" charset="0"/>
-                          </a:rPr>
-                          <m:t>𝑡</m:t>
-                        </m:r>
-                      </m:e>
-                    </m:d>
-                    <m:r>
-                      <a:rPr lang="fr-FR" b="0" i="1" smtClean="0">
-                        <a:latin typeface="Cambria Math" panose="02040503050406030204" pitchFamily="18" charset="0"/>
-                      </a:rPr>
-                      <m:t>=</m:t>
-                    </m:r>
-                    <m:r>
-                      <a:rPr lang="fr-FR" b="0" i="1" smtClean="0">
-                        <a:latin typeface="Cambria Math" panose="02040503050406030204" pitchFamily="18" charset="0"/>
-                      </a:rPr>
-                      <m:t>𝑈</m:t>
-                    </m:r>
-                    <m:d>
-                      <m:dPr>
-                        <m:ctrlPr>
-                          <a:rPr lang="fr-FR" b="0" i="1" smtClean="0">
-                            <a:latin typeface="Cambria Math" panose="02040503050406030204" pitchFamily="18" charset="0"/>
-                          </a:rPr>
-                        </m:ctrlPr>
-                      </m:dPr>
-                      <m:e>
-                        <m:r>
-                          <a:rPr lang="fr-FR" b="0" i="1" smtClean="0">
-                            <a:latin typeface="Cambria Math" panose="02040503050406030204" pitchFamily="18" charset="0"/>
-                          </a:rPr>
-                          <m:t>𝑡</m:t>
-                        </m:r>
-                      </m:e>
-                    </m:d>
-                    <m:r>
-                      <a:rPr lang="fr-FR" b="0" i="1" smtClean="0">
-                        <a:latin typeface="Cambria Math" panose="02040503050406030204" pitchFamily="18" charset="0"/>
-                      </a:rPr>
-                      <m:t>−</m:t>
-                    </m:r>
-                    <m:r>
-                      <a:rPr lang="fr-FR" b="0" i="1" smtClean="0">
-                        <a:latin typeface="Cambria Math" panose="02040503050406030204" pitchFamily="18" charset="0"/>
-                      </a:rPr>
-                      <m:t>𝑅𝑖</m:t>
-                    </m:r>
-                    <m:r>
-                      <a:rPr lang="fr-FR" b="0" i="1" smtClean="0">
-                        <a:latin typeface="Cambria Math" panose="02040503050406030204" pitchFamily="18" charset="0"/>
-                      </a:rPr>
-                      <m:t>(</m:t>
-                    </m:r>
-                    <m:r>
-                      <a:rPr lang="fr-FR" b="0" i="1" smtClean="0">
-                        <a:latin typeface="Cambria Math" panose="02040503050406030204" pitchFamily="18" charset="0"/>
-                      </a:rPr>
-                      <m:t>𝑡</m:t>
-                    </m:r>
-                    <m:r>
-                      <a:rPr lang="fr-FR" b="0" i="1" smtClean="0">
-                        <a:latin typeface="Cambria Math" panose="02040503050406030204" pitchFamily="18" charset="0"/>
-                      </a:rPr>
-                      <m:t>)</m:t>
-                    </m:r>
-                  </m:oMath>
-                </a14:m>
-                <a:r>
-                  <a:rPr lang="fr-FR" dirty="0"/>
-                  <a:t>.</a:t>
-                </a:r>
-              </a:p>
-              <a:p>
-                <a:r>
-                  <a:rPr lang="fr-FR" dirty="0"/>
-                  <a:t>Par suite, </a:t>
-                </a:r>
-                <a14:m>
-                  <m:oMath xmlns:m="http://schemas.openxmlformats.org/officeDocument/2006/math">
-                    <m:r>
-                      <a:rPr lang="fr-FR" b="0" i="1" smtClean="0">
-                        <a:latin typeface="Cambria Math" panose="02040503050406030204" pitchFamily="18" charset="0"/>
-                      </a:rPr>
-                      <m:t>𝐾</m:t>
-                    </m:r>
-                    <m:r>
-                      <a:rPr lang="fr-FR" b="0" i="1" smtClean="0">
-                        <a:latin typeface="Cambria Math" panose="02040503050406030204" pitchFamily="18" charset="0"/>
-                      </a:rPr>
-                      <m:t>=</m:t>
-                    </m:r>
-                    <m:f>
-                      <m:fPr>
-                        <m:ctrlPr>
-                          <a:rPr lang="fr-FR" b="0" i="1" smtClean="0">
-                            <a:latin typeface="Cambria Math" panose="02040503050406030204" pitchFamily="18" charset="0"/>
-                          </a:rPr>
-                        </m:ctrlPr>
-                      </m:fPr>
-                      <m:num>
-                        <m:r>
-                          <a:rPr lang="fr-FR" i="1">
-                            <a:latin typeface="Cambria Math" panose="02040503050406030204" pitchFamily="18" charset="0"/>
-                          </a:rPr>
-                          <m:t>𝑈</m:t>
-                        </m:r>
-                        <m:d>
-                          <m:dPr>
-                            <m:ctrlPr>
-                              <a:rPr lang="fr-FR" i="1">
-                                <a:latin typeface="Cambria Math" panose="02040503050406030204" pitchFamily="18" charset="0"/>
-                              </a:rPr>
-                            </m:ctrlPr>
-                          </m:dPr>
-                          <m:e>
-                            <m:r>
-                              <a:rPr lang="fr-FR" i="1">
-                                <a:latin typeface="Cambria Math" panose="02040503050406030204" pitchFamily="18" charset="0"/>
-                              </a:rPr>
-                              <m:t>𝑡</m:t>
-                            </m:r>
-                          </m:e>
-                        </m:d>
-                        <m:r>
-                          <a:rPr lang="fr-FR" i="1">
-                            <a:latin typeface="Cambria Math" panose="02040503050406030204" pitchFamily="18" charset="0"/>
-                          </a:rPr>
-                          <m:t>−</m:t>
-                        </m:r>
-                        <m:r>
-                          <a:rPr lang="fr-FR" i="1">
-                            <a:latin typeface="Cambria Math" panose="02040503050406030204" pitchFamily="18" charset="0"/>
-                          </a:rPr>
-                          <m:t>𝑅𝑖</m:t>
-                        </m:r>
-                        <m:d>
-                          <m:dPr>
-                            <m:ctrlPr>
-                              <a:rPr lang="fr-FR" i="1">
-                                <a:latin typeface="Cambria Math" panose="02040503050406030204" pitchFamily="18" charset="0"/>
-                              </a:rPr>
-                            </m:ctrlPr>
-                          </m:dPr>
-                          <m:e>
-                            <m:r>
-                              <a:rPr lang="fr-FR" i="1">
-                                <a:latin typeface="Cambria Math" panose="02040503050406030204" pitchFamily="18" charset="0"/>
-                              </a:rPr>
-                              <m:t>𝑡</m:t>
-                            </m:r>
-                          </m:e>
-                        </m:d>
-                      </m:num>
-                      <m:den>
-                        <m:r>
-                          <a:rPr lang="fr-FR" b="0" i="1" smtClean="0">
-                            <a:latin typeface="Cambria Math" panose="02040503050406030204" pitchFamily="18" charset="0"/>
-                          </a:rPr>
-                          <m:t>𝜔</m:t>
-                        </m:r>
-                        <m:r>
-                          <a:rPr lang="fr-FR" b="0" i="1" smtClean="0">
-                            <a:latin typeface="Cambria Math" panose="02040503050406030204" pitchFamily="18" charset="0"/>
-                          </a:rPr>
-                          <m:t>(</m:t>
-                        </m:r>
-                        <m:r>
-                          <a:rPr lang="fr-FR" b="0" i="1" smtClean="0">
-                            <a:latin typeface="Cambria Math" panose="02040503050406030204" pitchFamily="18" charset="0"/>
-                          </a:rPr>
-                          <m:t>𝑡</m:t>
-                        </m:r>
-                        <m:r>
-                          <a:rPr lang="fr-FR" b="0" i="1" smtClean="0">
-                            <a:latin typeface="Cambria Math" panose="02040503050406030204" pitchFamily="18" charset="0"/>
-                          </a:rPr>
-                          <m:t>)</m:t>
-                        </m:r>
-                      </m:den>
-                    </m:f>
+                          <m:t>𝑘</m:t>
+                        </m:r>
+                      </m:sub>
+                    </m:sSub>
                   </m:oMath>
                 </a14:m>
                 <a:endParaRPr lang="fr-FR" dirty="0"/>
               </a:p>
               <a:p>
+                <a:pPr lvl="1"/>
+                <a:r>
+                  <a:rPr lang="fr-FR" dirty="0"/>
+                  <a:t>On espère alors avoir une droite passant par l’origine et de pente </a:t>
+                </a:r>
+                <a14:m>
+                  <m:oMath xmlns:m="http://schemas.openxmlformats.org/officeDocument/2006/math">
+                    <m:r>
+                      <a:rPr lang="fr-FR" b="0" i="1" smtClean="0">
+                        <a:latin typeface="Cambria Math" panose="02040503050406030204" pitchFamily="18" charset="0"/>
+                      </a:rPr>
+                      <m:t>𝐾</m:t>
+                    </m:r>
+                  </m:oMath>
+                </a14:m>
+                <a:endParaRPr lang="fr-FR" dirty="0"/>
+              </a:p>
+              <a:p>
+                <a:pPr marL="457200" lvl="1" indent="0">
+                  <a:buNone/>
+                </a:pPr>
                 <a:endParaRPr lang="fr-FR" dirty="0"/>
               </a:p>
             </p:txBody>
@@ -4778,7 +6984,7 @@
               <a:blipFill>
                 <a:blip r:embed="rId2"/>
                 <a:stretch>
-                  <a:fillRect l="-1212" t="-2029"/>
+                  <a:fillRect l="-1010" t="-2983"/>
                 </a:stretch>
               </a:blipFill>
             </p:spPr>
@@ -4815,7 +7021,7 @@
             </p:nvSpPr>
             <p:spPr>
               <a:xfrm>
-                <a:off x="9194800" y="1400629"/>
+                <a:off x="9268039" y="620688"/>
                 <a:ext cx="2917370" cy="1576251"/>
               </a:xfrm>
               <a:prstGeom prst="rect">
@@ -5484,7 +7690,7 @@
             </p:nvSpPr>
             <p:spPr>
               <a:xfrm>
-                <a:off x="9194800" y="1400629"/>
+                <a:off x="9268039" y="620688"/>
                 <a:ext cx="2917370" cy="1576251"/>
               </a:xfrm>
               <a:prstGeom prst="rect">
@@ -5512,6 +7718,634 @@
           </p:sp>
         </mc:Fallback>
       </mc:AlternateContent>
+      <mc:AlternateContent xmlns:mc="http://schemas.openxmlformats.org/markup-compatibility/2006" xmlns:a14="http://schemas.microsoft.com/office/drawing/2010/main">
+        <mc:Choice Requires="a14">
+          <p:sp>
+            <p:nvSpPr>
+              <p:cNvPr id="3" name="Espace réservé du contenu 5">
+                <a:extLst>
+                  <a:ext uri="{FF2B5EF4-FFF2-40B4-BE49-F238E27FC236}">
+                    <a16:creationId xmlns:a16="http://schemas.microsoft.com/office/drawing/2014/main" id="{C049CFD3-1346-B355-6733-727595BB3D62}"/>
+                  </a:ext>
+                </a:extLst>
+              </p:cNvPr>
+              <p:cNvSpPr txBox="1">
+                <a:spLocks/>
+              </p:cNvSpPr>
+              <p:nvPr/>
+            </p:nvSpPr>
+            <p:spPr>
+              <a:xfrm>
+                <a:off x="9268039" y="2433494"/>
+                <a:ext cx="2917370" cy="1576251"/>
+              </a:xfrm>
+              <a:prstGeom prst="rect">
+                <a:avLst/>
+              </a:prstGeom>
+            </p:spPr>
+            <p:txBody>
+              <a:bodyPr vert="horz" lIns="91440" tIns="45720" rIns="91440" bIns="45720" rtlCol="0">
+                <a:normAutofit/>
+              </a:bodyPr>
+              <a:lstStyle>
+                <a:lvl1pPr marL="228600" indent="-228600" algn="l" defTabSz="914400" rtl="0" eaLnBrk="1" latinLnBrk="0" hangingPunct="1">
+                  <a:lnSpc>
+                    <a:spcPct val="90000"/>
+                  </a:lnSpc>
+                  <a:spcBef>
+                    <a:spcPts val="1000"/>
+                  </a:spcBef>
+                  <a:buFont typeface="Arial" panose="020B0604020202020204" pitchFamily="34" charset="0"/>
+                  <a:buChar char="•"/>
+                  <a:defRPr sz="2800" kern="1200">
+                    <a:solidFill>
+                      <a:schemeClr val="tx1"/>
+                    </a:solidFill>
+                    <a:latin typeface="+mn-lt"/>
+                    <a:ea typeface="+mn-ea"/>
+                    <a:cs typeface="+mn-cs"/>
+                  </a:defRPr>
+                </a:lvl1pPr>
+                <a:lvl2pPr marL="685800" indent="-228600" algn="l" defTabSz="914400" rtl="0" eaLnBrk="1" latinLnBrk="0" hangingPunct="1">
+                  <a:lnSpc>
+                    <a:spcPct val="90000"/>
+                  </a:lnSpc>
+                  <a:spcBef>
+                    <a:spcPts val="500"/>
+                  </a:spcBef>
+                  <a:buFont typeface="Arial" panose="020B0604020202020204" pitchFamily="34" charset="0"/>
+                  <a:buChar char="•"/>
+                  <a:defRPr sz="2400" kern="1200">
+                    <a:solidFill>
+                      <a:schemeClr val="tx1"/>
+                    </a:solidFill>
+                    <a:latin typeface="+mn-lt"/>
+                    <a:ea typeface="+mn-ea"/>
+                    <a:cs typeface="+mn-cs"/>
+                  </a:defRPr>
+                </a:lvl2pPr>
+                <a:lvl3pPr marL="1143000" indent="-228600" algn="l" defTabSz="914400" rtl="0" eaLnBrk="1" latinLnBrk="0" hangingPunct="1">
+                  <a:lnSpc>
+                    <a:spcPct val="90000"/>
+                  </a:lnSpc>
+                  <a:spcBef>
+                    <a:spcPts val="500"/>
+                  </a:spcBef>
+                  <a:buFont typeface="Arial" panose="020B0604020202020204" pitchFamily="34" charset="0"/>
+                  <a:buChar char="•"/>
+                  <a:defRPr sz="2000" kern="1200">
+                    <a:solidFill>
+                      <a:schemeClr val="tx1"/>
+                    </a:solidFill>
+                    <a:latin typeface="+mn-lt"/>
+                    <a:ea typeface="+mn-ea"/>
+                    <a:cs typeface="+mn-cs"/>
+                  </a:defRPr>
+                </a:lvl3pPr>
+                <a:lvl4pPr marL="1600200" indent="-228600" algn="l" defTabSz="914400" rtl="0" eaLnBrk="1" latinLnBrk="0" hangingPunct="1">
+                  <a:lnSpc>
+                    <a:spcPct val="90000"/>
+                  </a:lnSpc>
+                  <a:spcBef>
+                    <a:spcPts val="500"/>
+                  </a:spcBef>
+                  <a:buFont typeface="Arial" panose="020B0604020202020204" pitchFamily="34" charset="0"/>
+                  <a:buChar char="•"/>
+                  <a:defRPr sz="1800" kern="1200">
+                    <a:solidFill>
+                      <a:schemeClr val="tx1"/>
+                    </a:solidFill>
+                    <a:latin typeface="+mn-lt"/>
+                    <a:ea typeface="+mn-ea"/>
+                    <a:cs typeface="+mn-cs"/>
+                  </a:defRPr>
+                </a:lvl4pPr>
+                <a:lvl5pPr marL="2057400" indent="-228600" algn="l" defTabSz="914400" rtl="0" eaLnBrk="1" latinLnBrk="0" hangingPunct="1">
+                  <a:lnSpc>
+                    <a:spcPct val="90000"/>
+                  </a:lnSpc>
+                  <a:spcBef>
+                    <a:spcPts val="500"/>
+                  </a:spcBef>
+                  <a:buFont typeface="Arial" panose="020B0604020202020204" pitchFamily="34" charset="0"/>
+                  <a:buChar char="•"/>
+                  <a:defRPr sz="1800" kern="1200">
+                    <a:solidFill>
+                      <a:schemeClr val="tx1"/>
+                    </a:solidFill>
+                    <a:latin typeface="+mn-lt"/>
+                    <a:ea typeface="+mn-ea"/>
+                    <a:cs typeface="+mn-cs"/>
+                  </a:defRPr>
+                </a:lvl5pPr>
+                <a:lvl6pPr marL="2514600" indent="-228600" algn="l" defTabSz="914400" rtl="0" eaLnBrk="1" latinLnBrk="0" hangingPunct="1">
+                  <a:lnSpc>
+                    <a:spcPct val="90000"/>
+                  </a:lnSpc>
+                  <a:spcBef>
+                    <a:spcPts val="500"/>
+                  </a:spcBef>
+                  <a:buFont typeface="Arial" panose="020B0604020202020204" pitchFamily="34" charset="0"/>
+                  <a:buChar char="•"/>
+                  <a:defRPr sz="1800" kern="1200">
+                    <a:solidFill>
+                      <a:schemeClr val="tx1"/>
+                    </a:solidFill>
+                    <a:latin typeface="+mn-lt"/>
+                    <a:ea typeface="+mn-ea"/>
+                    <a:cs typeface="+mn-cs"/>
+                  </a:defRPr>
+                </a:lvl6pPr>
+                <a:lvl7pPr marL="2971800" indent="-228600" algn="l" defTabSz="914400" rtl="0" eaLnBrk="1" latinLnBrk="0" hangingPunct="1">
+                  <a:lnSpc>
+                    <a:spcPct val="90000"/>
+                  </a:lnSpc>
+                  <a:spcBef>
+                    <a:spcPts val="500"/>
+                  </a:spcBef>
+                  <a:buFont typeface="Arial" panose="020B0604020202020204" pitchFamily="34" charset="0"/>
+                  <a:buChar char="•"/>
+                  <a:defRPr sz="1800" kern="1200">
+                    <a:solidFill>
+                      <a:schemeClr val="tx1"/>
+                    </a:solidFill>
+                    <a:latin typeface="+mn-lt"/>
+                    <a:ea typeface="+mn-ea"/>
+                    <a:cs typeface="+mn-cs"/>
+                  </a:defRPr>
+                </a:lvl7pPr>
+                <a:lvl8pPr marL="3429000" indent="-228600" algn="l" defTabSz="914400" rtl="0" eaLnBrk="1" latinLnBrk="0" hangingPunct="1">
+                  <a:lnSpc>
+                    <a:spcPct val="90000"/>
+                  </a:lnSpc>
+                  <a:spcBef>
+                    <a:spcPts val="500"/>
+                  </a:spcBef>
+                  <a:buFont typeface="Arial" panose="020B0604020202020204" pitchFamily="34" charset="0"/>
+                  <a:buChar char="•"/>
+                  <a:defRPr sz="1800" kern="1200">
+                    <a:solidFill>
+                      <a:schemeClr val="tx1"/>
+                    </a:solidFill>
+                    <a:latin typeface="+mn-lt"/>
+                    <a:ea typeface="+mn-ea"/>
+                    <a:cs typeface="+mn-cs"/>
+                  </a:defRPr>
+                </a:lvl8pPr>
+                <a:lvl9pPr marL="3886200" indent="-228600" algn="l" defTabSz="914400" rtl="0" eaLnBrk="1" latinLnBrk="0" hangingPunct="1">
+                  <a:lnSpc>
+                    <a:spcPct val="90000"/>
+                  </a:lnSpc>
+                  <a:spcBef>
+                    <a:spcPts val="500"/>
+                  </a:spcBef>
+                  <a:buFont typeface="Arial" panose="020B0604020202020204" pitchFamily="34" charset="0"/>
+                  <a:buChar char="•"/>
+                  <a:defRPr sz="1800" kern="1200">
+                    <a:solidFill>
+                      <a:schemeClr val="tx1"/>
+                    </a:solidFill>
+                    <a:latin typeface="+mn-lt"/>
+                    <a:ea typeface="+mn-ea"/>
+                    <a:cs typeface="+mn-cs"/>
+                  </a:defRPr>
+                </a:lvl9pPr>
+              </a:lstStyle>
+              <a:p>
+                <a14:m>
+                  <m:oMath xmlns:m="http://schemas.openxmlformats.org/officeDocument/2006/math">
+                    <m:r>
+                      <a:rPr lang="fr-FR" sz="1800" i="1" smtClean="0">
+                        <a:latin typeface="Cambria Math" panose="02040503050406030204" pitchFamily="18" charset="0"/>
+                      </a:rPr>
+                      <m:t>𝑈</m:t>
+                    </m:r>
+                    <m:d>
+                      <m:dPr>
+                        <m:ctrlPr>
+                          <a:rPr lang="fr-FR" sz="1800" i="1" smtClean="0">
+                            <a:latin typeface="Cambria Math" panose="02040503050406030204" pitchFamily="18" charset="0"/>
+                          </a:rPr>
+                        </m:ctrlPr>
+                      </m:dPr>
+                      <m:e>
+                        <m:r>
+                          <a:rPr lang="fr-FR" sz="1800" i="1" smtClean="0">
+                            <a:latin typeface="Cambria Math" panose="02040503050406030204" pitchFamily="18" charset="0"/>
+                          </a:rPr>
+                          <m:t>𝑡</m:t>
+                        </m:r>
+                      </m:e>
+                    </m:d>
+                    <m:r>
+                      <a:rPr lang="fr-FR" sz="1800" i="1" smtClean="0">
+                        <a:latin typeface="Cambria Math" panose="02040503050406030204" pitchFamily="18" charset="0"/>
+                      </a:rPr>
+                      <m:t>=</m:t>
+                    </m:r>
+                    <m:r>
+                      <a:rPr lang="fr-FR" sz="1800" i="1" smtClean="0">
+                        <a:latin typeface="Cambria Math" panose="02040503050406030204" pitchFamily="18" charset="0"/>
+                      </a:rPr>
+                      <m:t>𝑅𝑖</m:t>
+                    </m:r>
+                    <m:d>
+                      <m:dPr>
+                        <m:ctrlPr>
+                          <a:rPr lang="fr-FR" sz="1800" i="1" smtClean="0">
+                            <a:latin typeface="Cambria Math" panose="02040503050406030204" pitchFamily="18" charset="0"/>
+                          </a:rPr>
+                        </m:ctrlPr>
+                      </m:dPr>
+                      <m:e>
+                        <m:r>
+                          <a:rPr lang="fr-FR" sz="1800" i="1" smtClean="0">
+                            <a:latin typeface="Cambria Math" panose="02040503050406030204" pitchFamily="18" charset="0"/>
+                          </a:rPr>
+                          <m:t>𝑡</m:t>
+                        </m:r>
+                      </m:e>
+                    </m:d>
+                    <m:r>
+                      <a:rPr lang="fr-FR" sz="1800" i="1" smtClean="0">
+                        <a:latin typeface="Cambria Math" panose="02040503050406030204" pitchFamily="18" charset="0"/>
+                      </a:rPr>
+                      <m:t>+</m:t>
+                    </m:r>
+                    <m:r>
+                      <a:rPr lang="fr-FR" sz="1800" i="1" smtClean="0">
+                        <a:latin typeface="Cambria Math" panose="02040503050406030204" pitchFamily="18" charset="0"/>
+                      </a:rPr>
+                      <m:t>𝐸</m:t>
+                    </m:r>
+                    <m:r>
+                      <a:rPr lang="fr-FR" sz="1800" i="1" smtClean="0">
+                        <a:latin typeface="Cambria Math" panose="02040503050406030204" pitchFamily="18" charset="0"/>
+                      </a:rPr>
+                      <m:t>(</m:t>
+                    </m:r>
+                    <m:r>
+                      <a:rPr lang="fr-FR" sz="1800" i="1" smtClean="0">
+                        <a:latin typeface="Cambria Math" panose="02040503050406030204" pitchFamily="18" charset="0"/>
+                      </a:rPr>
+                      <m:t>𝑡</m:t>
+                    </m:r>
+                    <m:r>
+                      <a:rPr lang="fr-FR" sz="1800" i="1" smtClean="0">
+                        <a:latin typeface="Cambria Math" panose="02040503050406030204" pitchFamily="18" charset="0"/>
+                      </a:rPr>
+                      <m:t>)</m:t>
+                    </m:r>
+                  </m:oMath>
+                </a14:m>
+                <a:endParaRPr lang="fr-FR" sz="1800" i="1" dirty="0"/>
+              </a:p>
+              <a:p>
+                <a14:m>
+                  <m:oMath xmlns:m="http://schemas.openxmlformats.org/officeDocument/2006/math">
+                    <m:r>
+                      <a:rPr lang="fr-FR" sz="1800" i="1" smtClean="0">
+                        <a:latin typeface="Cambria Math" panose="02040503050406030204" pitchFamily="18" charset="0"/>
+                      </a:rPr>
+                      <m:t>𝐸</m:t>
+                    </m:r>
+                    <m:d>
+                      <m:dPr>
+                        <m:ctrlPr>
+                          <a:rPr lang="fr-FR" sz="1800" i="1" smtClean="0">
+                            <a:latin typeface="Cambria Math" panose="02040503050406030204" pitchFamily="18" charset="0"/>
+                          </a:rPr>
+                        </m:ctrlPr>
+                      </m:dPr>
+                      <m:e>
+                        <m:r>
+                          <a:rPr lang="fr-FR" sz="1800" i="1" smtClean="0">
+                            <a:latin typeface="Cambria Math" panose="02040503050406030204" pitchFamily="18" charset="0"/>
+                          </a:rPr>
+                          <m:t>𝑡</m:t>
+                        </m:r>
+                      </m:e>
+                    </m:d>
+                    <m:r>
+                      <a:rPr lang="fr-FR" sz="1800" i="1" smtClean="0">
+                        <a:latin typeface="Cambria Math" panose="02040503050406030204" pitchFamily="18" charset="0"/>
+                      </a:rPr>
+                      <m:t>=</m:t>
+                    </m:r>
+                    <m:r>
+                      <a:rPr lang="fr-FR" sz="1800" i="1" smtClean="0">
+                        <a:latin typeface="Cambria Math" panose="02040503050406030204" pitchFamily="18" charset="0"/>
+                      </a:rPr>
+                      <m:t>𝐾</m:t>
+                    </m:r>
+                    <m:r>
+                      <a:rPr lang="fr-FR" sz="1800" i="1" smtClean="0">
+                        <a:latin typeface="Cambria Math" panose="02040503050406030204" pitchFamily="18" charset="0"/>
+                      </a:rPr>
+                      <m:t>𝜔</m:t>
+                    </m:r>
+                    <m:d>
+                      <m:dPr>
+                        <m:ctrlPr>
+                          <a:rPr lang="fr-FR" sz="1800" i="1" smtClean="0">
+                            <a:latin typeface="Cambria Math" panose="02040503050406030204" pitchFamily="18" charset="0"/>
+                          </a:rPr>
+                        </m:ctrlPr>
+                      </m:dPr>
+                      <m:e>
+                        <m:r>
+                          <a:rPr lang="fr-FR" sz="1800" i="1" smtClean="0">
+                            <a:latin typeface="Cambria Math" panose="02040503050406030204" pitchFamily="18" charset="0"/>
+                          </a:rPr>
+                          <m:t>𝑡</m:t>
+                        </m:r>
+                      </m:e>
+                    </m:d>
+                  </m:oMath>
+                </a14:m>
+                <a:endParaRPr lang="fr-FR" sz="1800" i="1" dirty="0"/>
+              </a:p>
+              <a:p>
+                <a14:m>
+                  <m:oMath xmlns:m="http://schemas.openxmlformats.org/officeDocument/2006/math">
+                    <m:sSub>
+                      <m:sSubPr>
+                        <m:ctrlPr>
+                          <a:rPr lang="fr-FR" sz="1800" i="1" smtClean="0">
+                            <a:latin typeface="Cambria Math" panose="02040503050406030204" pitchFamily="18" charset="0"/>
+                          </a:rPr>
+                        </m:ctrlPr>
+                      </m:sSubPr>
+                      <m:e>
+                        <m:r>
+                          <a:rPr lang="fr-FR" sz="1800" i="1" smtClean="0">
+                            <a:latin typeface="Cambria Math" panose="02040503050406030204" pitchFamily="18" charset="0"/>
+                          </a:rPr>
+                          <m:t>𝐶</m:t>
+                        </m:r>
+                      </m:e>
+                      <m:sub>
+                        <m:r>
+                          <a:rPr lang="fr-FR" sz="1800" i="1" smtClean="0">
+                            <a:latin typeface="Cambria Math" panose="02040503050406030204" pitchFamily="18" charset="0"/>
+                          </a:rPr>
+                          <m:t>𝑚</m:t>
+                        </m:r>
+                      </m:sub>
+                    </m:sSub>
+                    <m:d>
+                      <m:dPr>
+                        <m:ctrlPr>
+                          <a:rPr lang="fr-FR" sz="1800" i="1" smtClean="0">
+                            <a:latin typeface="Cambria Math" panose="02040503050406030204" pitchFamily="18" charset="0"/>
+                          </a:rPr>
+                        </m:ctrlPr>
+                      </m:dPr>
+                      <m:e>
+                        <m:r>
+                          <a:rPr lang="fr-FR" sz="1800" i="1" smtClean="0">
+                            <a:latin typeface="Cambria Math" panose="02040503050406030204" pitchFamily="18" charset="0"/>
+                          </a:rPr>
+                          <m:t>𝑡</m:t>
+                        </m:r>
+                      </m:e>
+                    </m:d>
+                    <m:r>
+                      <a:rPr lang="fr-FR" sz="1800" i="1" smtClean="0">
+                        <a:latin typeface="Cambria Math" panose="02040503050406030204" pitchFamily="18" charset="0"/>
+                      </a:rPr>
+                      <m:t>=</m:t>
+                    </m:r>
+                    <m:r>
+                      <a:rPr lang="fr-FR" sz="1800" i="1" smtClean="0">
+                        <a:latin typeface="Cambria Math" panose="02040503050406030204" pitchFamily="18" charset="0"/>
+                      </a:rPr>
+                      <m:t>𝐾𝑖</m:t>
+                    </m:r>
+                    <m:d>
+                      <m:dPr>
+                        <m:ctrlPr>
+                          <a:rPr lang="fr-FR" sz="1800" i="1" smtClean="0">
+                            <a:latin typeface="Cambria Math" panose="02040503050406030204" pitchFamily="18" charset="0"/>
+                          </a:rPr>
+                        </m:ctrlPr>
+                      </m:dPr>
+                      <m:e>
+                        <m:r>
+                          <a:rPr lang="fr-FR" sz="1800" i="1" smtClean="0">
+                            <a:latin typeface="Cambria Math" panose="02040503050406030204" pitchFamily="18" charset="0"/>
+                          </a:rPr>
+                          <m:t>𝑡</m:t>
+                        </m:r>
+                      </m:e>
+                    </m:d>
+                  </m:oMath>
+                </a14:m>
+                <a:endParaRPr lang="fr-FR" sz="1800" i="1" dirty="0"/>
+              </a:p>
+              <a:p>
+                <a14:m>
+                  <m:oMath xmlns:m="http://schemas.openxmlformats.org/officeDocument/2006/math">
+                    <m:sSub>
+                      <m:sSubPr>
+                        <m:ctrlPr>
+                          <a:rPr lang="fr-FR" sz="1800" i="1" smtClean="0">
+                            <a:latin typeface="Cambria Math" panose="02040503050406030204" pitchFamily="18" charset="0"/>
+                          </a:rPr>
+                        </m:ctrlPr>
+                      </m:sSubPr>
+                      <m:e>
+                        <m:r>
+                          <a:rPr lang="fr-FR" sz="1800" i="1" smtClean="0">
+                            <a:latin typeface="Cambria Math" panose="02040503050406030204" pitchFamily="18" charset="0"/>
+                          </a:rPr>
+                          <m:t>𝐶</m:t>
+                        </m:r>
+                      </m:e>
+                      <m:sub>
+                        <m:r>
+                          <a:rPr lang="fr-FR" sz="1800" i="1" smtClean="0">
+                            <a:latin typeface="Cambria Math" panose="02040503050406030204" pitchFamily="18" charset="0"/>
+                          </a:rPr>
+                          <m:t>𝑚</m:t>
+                        </m:r>
+                      </m:sub>
+                    </m:sSub>
+                    <m:d>
+                      <m:dPr>
+                        <m:ctrlPr>
+                          <a:rPr lang="fr-FR" sz="1800" i="1" smtClean="0">
+                            <a:latin typeface="Cambria Math" panose="02040503050406030204" pitchFamily="18" charset="0"/>
+                          </a:rPr>
+                        </m:ctrlPr>
+                      </m:dPr>
+                      <m:e>
+                        <m:r>
+                          <a:rPr lang="fr-FR" sz="1800" i="1" smtClean="0">
+                            <a:latin typeface="Cambria Math" panose="02040503050406030204" pitchFamily="18" charset="0"/>
+                          </a:rPr>
+                          <m:t>𝑡</m:t>
+                        </m:r>
+                      </m:e>
+                    </m:d>
+                    <m:r>
+                      <a:rPr lang="fr-FR" sz="1800" i="1" smtClean="0">
+                        <a:latin typeface="Cambria Math" panose="02040503050406030204" pitchFamily="18" charset="0"/>
+                      </a:rPr>
+                      <m:t>+</m:t>
+                    </m:r>
+                    <m:sSub>
+                      <m:sSubPr>
+                        <m:ctrlPr>
+                          <a:rPr lang="fr-FR" sz="1800" i="1" smtClean="0">
+                            <a:latin typeface="Cambria Math" panose="02040503050406030204" pitchFamily="18" charset="0"/>
+                          </a:rPr>
+                        </m:ctrlPr>
+                      </m:sSubPr>
+                      <m:e>
+                        <m:r>
+                          <a:rPr lang="fr-FR" sz="1800" i="1" smtClean="0">
+                            <a:latin typeface="Cambria Math" panose="02040503050406030204" pitchFamily="18" charset="0"/>
+                          </a:rPr>
+                          <m:t>𝐶</m:t>
+                        </m:r>
+                      </m:e>
+                      <m:sub>
+                        <m:r>
+                          <a:rPr lang="fr-FR" sz="1800" i="1" smtClean="0">
+                            <a:latin typeface="Cambria Math" panose="02040503050406030204" pitchFamily="18" charset="0"/>
+                          </a:rPr>
+                          <m:t>𝑓</m:t>
+                        </m:r>
+                      </m:sub>
+                    </m:sSub>
+                    <m:d>
+                      <m:dPr>
+                        <m:ctrlPr>
+                          <a:rPr lang="fr-FR" sz="1800" i="1" smtClean="0">
+                            <a:latin typeface="Cambria Math" panose="02040503050406030204" pitchFamily="18" charset="0"/>
+                          </a:rPr>
+                        </m:ctrlPr>
+                      </m:dPr>
+                      <m:e>
+                        <m:r>
+                          <a:rPr lang="fr-FR" sz="1800" i="1" smtClean="0">
+                            <a:latin typeface="Cambria Math" panose="02040503050406030204" pitchFamily="18" charset="0"/>
+                          </a:rPr>
+                          <m:t>𝑡</m:t>
+                        </m:r>
+                      </m:e>
+                    </m:d>
+                    <m:r>
+                      <a:rPr lang="fr-FR" sz="1800" i="1">
+                        <a:latin typeface="Cambria Math" panose="02040503050406030204" pitchFamily="18" charset="0"/>
+                      </a:rPr>
+                      <m:t>=</m:t>
+                    </m:r>
+                    <m:r>
+                      <a:rPr lang="fr-FR" sz="1800" b="0" i="1" smtClean="0">
+                        <a:latin typeface="Cambria Math" panose="02040503050406030204" pitchFamily="18" charset="0"/>
+                      </a:rPr>
+                      <m:t>0</m:t>
+                    </m:r>
+                  </m:oMath>
+                </a14:m>
+                <a:endParaRPr lang="fr-FR" sz="1800" i="1" dirty="0"/>
+              </a:p>
+            </p:txBody>
+          </p:sp>
+        </mc:Choice>
+        <mc:Fallback xmlns="">
+          <p:sp>
+            <p:nvSpPr>
+              <p:cNvPr id="3" name="Espace réservé du contenu 5">
+                <a:extLst>
+                  <a:ext uri="{FF2B5EF4-FFF2-40B4-BE49-F238E27FC236}">
+                    <a16:creationId xmlns:a16="http://schemas.microsoft.com/office/drawing/2014/main" id="{C049CFD3-1346-B355-6733-727595BB3D62}"/>
+                  </a:ext>
+                </a:extLst>
+              </p:cNvPr>
+              <p:cNvSpPr txBox="1">
+                <a:spLocks noRot="1" noChangeAspect="1" noMove="1" noResize="1" noEditPoints="1" noAdjustHandles="1" noChangeArrowheads="1" noChangeShapeType="1" noTextEdit="1"/>
+              </p:cNvSpPr>
+              <p:nvPr/>
+            </p:nvSpPr>
+            <p:spPr>
+              <a:xfrm>
+                <a:off x="9268039" y="2433494"/>
+                <a:ext cx="2917370" cy="1576251"/>
+              </a:xfrm>
+              <a:prstGeom prst="rect">
+                <a:avLst/>
+              </a:prstGeom>
+              <a:blipFill>
+                <a:blip r:embed="rId4"/>
+                <a:stretch>
+                  <a:fillRect l="-1253" t="-2317"/>
+                </a:stretch>
+              </a:blipFill>
+            </p:spPr>
+            <p:txBody>
+              <a:bodyPr/>
+              <a:lstStyle/>
+              <a:p>
+                <a:r>
+                  <a:rPr lang="fr-FR">
+                    <a:noFill/>
+                  </a:rPr>
+                  <a:t> </a:t>
+                </a:r>
+              </a:p>
+            </p:txBody>
+          </p:sp>
+        </mc:Fallback>
+      </mc:AlternateContent>
+      <p:sp>
+        <p:nvSpPr>
+          <p:cNvPr id="7" name="Flèche : bas 6">
+            <a:extLst>
+              <a:ext uri="{FF2B5EF4-FFF2-40B4-BE49-F238E27FC236}">
+                <a16:creationId xmlns:a16="http://schemas.microsoft.com/office/drawing/2014/main" id="{DDC526B5-60C0-081F-CCD9-07AB3896008E}"/>
+              </a:ext>
+            </a:extLst>
+          </p:cNvPr>
+          <p:cNvSpPr/>
+          <p:nvPr/>
+        </p:nvSpPr>
+        <p:spPr>
+          <a:xfrm>
+            <a:off x="10200456" y="2098134"/>
+            <a:ext cx="360040" cy="394762"/>
+          </a:xfrm>
+          <a:prstGeom prst="downArrow">
+            <a:avLst/>
+          </a:prstGeom>
+        </p:spPr>
+        <p:style>
+          <a:lnRef idx="2">
+            <a:schemeClr val="accent1">
+              <a:shade val="15000"/>
+            </a:schemeClr>
+          </a:lnRef>
+          <a:fillRef idx="1">
+            <a:schemeClr val="accent1"/>
+          </a:fillRef>
+          <a:effectRef idx="0">
+            <a:schemeClr val="accent1"/>
+          </a:effectRef>
+          <a:fontRef idx="minor">
+            <a:schemeClr val="lt1"/>
+          </a:fontRef>
+        </p:style>
+        <p:txBody>
+          <a:bodyPr rtlCol="0" anchor="ctr"/>
+          <a:lstStyle/>
+          <a:p>
+            <a:pPr algn="ctr"/>
+            <a:endParaRPr lang="fr-FR"/>
+          </a:p>
+        </p:txBody>
+      </p:sp>
     </p:spTree>
     <p:extLst>
       <p:ext uri="{BB962C8B-B14F-4D97-AF65-F5344CB8AC3E}">
@@ -5525,7 +8359,7 @@
 </p:sld>
 </file>
 
-<file path=ppt/slides/slide16.xml><?xml version="1.0" encoding="utf-8"?>
+<file path=ppt/slides/slide17.xml><?xml version="1.0" encoding="utf-8"?>
 <p:sld xmlns:a="http://schemas.openxmlformats.org/drawingml/2006/main" xmlns:r="http://schemas.openxmlformats.org/officeDocument/2006/relationships" xmlns:p="http://schemas.openxmlformats.org/presentationml/2006/main">
   <p:cSld>
     <p:spTree>
@@ -5565,19 +8399,19 @@
           <a:p>
             <a:r>
               <a:rPr lang="fr-FR" dirty="0"/>
-              <a:t>Détermination de la résistance</a:t>
+              <a:t>Détermination de l’inductance</a:t>
             </a:r>
           </a:p>
         </p:txBody>
       </p:sp>
-      <mc:AlternateContent xmlns:mc="http://schemas.openxmlformats.org/markup-compatibility/2006" xmlns:a14="http://schemas.microsoft.com/office/drawing/2010/main">
-        <mc:Choice Requires="a14">
+      <mc:AlternateContent xmlns:mc="http://schemas.openxmlformats.org/markup-compatibility/2006">
+        <mc:Choice xmlns:a14="http://schemas.microsoft.com/office/drawing/2010/main" Requires="a14">
           <p:sp>
             <p:nvSpPr>
-              <p:cNvPr id="6" name="Espace réservé du contenu 5">
+              <p:cNvPr id="4" name="Espace réservé du contenu 5">
                 <a:extLst>
                   <a:ext uri="{FF2B5EF4-FFF2-40B4-BE49-F238E27FC236}">
-                    <a16:creationId xmlns:a16="http://schemas.microsoft.com/office/drawing/2014/main" id="{DD3182B1-2E49-4758-9780-442FDA2CB3F8}"/>
+                    <a16:creationId xmlns:a16="http://schemas.microsoft.com/office/drawing/2014/main" id="{A666A770-B1DC-540F-D0BF-AE0D9BD59423}"/>
                   </a:ext>
                 </a:extLst>
               </p:cNvPr>
@@ -5591,36 +8425,45 @@
             <p:spPr>
               <a:xfrm>
                 <a:off x="232229" y="1248228"/>
-                <a:ext cx="7560491" cy="5110161"/>
+                <a:ext cx="9054011" cy="5110161"/>
               </a:xfrm>
             </p:spPr>
             <p:txBody>
-              <a:bodyPr/>
+              <a:bodyPr>
+                <a:normAutofit fontScale="92500" lnSpcReduction="20000"/>
+              </a:bodyPr>
               <a:lstStyle/>
               <a:p>
                 <a:r>
                   <a:rPr lang="fr-FR" dirty="0"/>
-                  <a:t>Si </a:t>
+                  <a:t>Modèle utilisé : </a:t>
+                </a:r>
+              </a:p>
+              <a:p>
+                <a:pPr lvl="1"/>
+                <a:r>
+                  <a:rPr lang="fr-FR" dirty="0"/>
+                  <a:t>A rotor bloqué, on a </a:t>
                 </a:r>
                 <a14:m>
                   <m:oMath xmlns:m="http://schemas.openxmlformats.org/officeDocument/2006/math">
                     <m:r>
-                      <a:rPr lang="fr-FR" b="0" i="1" smtClean="0">
-                        <a:latin typeface="Cambria Math" panose="02040503050406030204" pitchFamily="18" charset="0"/>
-                      </a:rPr>
-                      <m:t>𝜔</m:t>
+                      <a:rPr lang="fr-FR" sz="2000" i="1" smtClean="0">
+                        <a:latin typeface="Cambria Math" panose="02040503050406030204" pitchFamily="18" charset="0"/>
+                      </a:rPr>
+                      <m:t>𝑈</m:t>
                     </m:r>
                     <m:d>
                       <m:dPr>
                         <m:ctrlPr>
-                          <a:rPr lang="fr-FR" b="0" i="1" smtClean="0">
+                          <a:rPr lang="fr-FR" sz="2000" i="1" smtClean="0">
                             <a:latin typeface="Cambria Math" panose="02040503050406030204" pitchFamily="18" charset="0"/>
                           </a:rPr>
                         </m:ctrlPr>
                       </m:dPr>
                       <m:e>
                         <m:r>
-                          <a:rPr lang="fr-FR" b="0" i="1" smtClean="0">
+                          <a:rPr lang="fr-FR" sz="2000" i="1" smtClean="0">
                             <a:latin typeface="Cambria Math" panose="02040503050406030204" pitchFamily="18" charset="0"/>
                           </a:rPr>
                           <m:t>𝑡</m:t>
@@ -5628,218 +8471,600 @@
                       </m:e>
                     </m:d>
                     <m:r>
-                      <a:rPr lang="fr-FR" b="0" i="1" smtClean="0">
-                        <a:latin typeface="Cambria Math" panose="02040503050406030204" pitchFamily="18" charset="0"/>
-                      </a:rPr>
-                      <m:t>=0</m:t>
-                    </m:r>
+                      <a:rPr lang="fr-FR" sz="2000" i="1" smtClean="0">
+                        <a:latin typeface="Cambria Math" panose="02040503050406030204" pitchFamily="18" charset="0"/>
+                      </a:rPr>
+                      <m:t>=</m:t>
+                    </m:r>
+                    <m:r>
+                      <a:rPr lang="fr-FR" sz="2000" i="1" smtClean="0">
+                        <a:latin typeface="Cambria Math" panose="02040503050406030204" pitchFamily="18" charset="0"/>
+                      </a:rPr>
+                      <m:t>𝑅𝑖</m:t>
+                    </m:r>
+                    <m:d>
+                      <m:dPr>
+                        <m:ctrlPr>
+                          <a:rPr lang="fr-FR" sz="2000" i="1" smtClean="0">
+                            <a:latin typeface="Cambria Math" panose="02040503050406030204" pitchFamily="18" charset="0"/>
+                          </a:rPr>
+                        </m:ctrlPr>
+                      </m:dPr>
+                      <m:e>
+                        <m:r>
+                          <a:rPr lang="fr-FR" sz="2000" i="1" smtClean="0">
+                            <a:latin typeface="Cambria Math" panose="02040503050406030204" pitchFamily="18" charset="0"/>
+                          </a:rPr>
+                          <m:t>𝑡</m:t>
+                        </m:r>
+                      </m:e>
+                    </m:d>
+                    <m:r>
+                      <a:rPr lang="fr-FR" sz="2000" i="1" smtClean="0">
+                        <a:latin typeface="Cambria Math" panose="02040503050406030204" pitchFamily="18" charset="0"/>
+                      </a:rPr>
+                      <m:t>+</m:t>
+                    </m:r>
+                    <m:f>
+                      <m:fPr>
+                        <m:ctrlPr>
+                          <a:rPr lang="fr-FR" sz="2000" i="1" smtClean="0">
+                            <a:latin typeface="Cambria Math" panose="02040503050406030204" pitchFamily="18" charset="0"/>
+                          </a:rPr>
+                        </m:ctrlPr>
+                      </m:fPr>
+                      <m:num>
+                        <m:r>
+                          <a:rPr lang="fr-FR" sz="2000" i="1" smtClean="0">
+                            <a:latin typeface="Cambria Math" panose="02040503050406030204" pitchFamily="18" charset="0"/>
+                          </a:rPr>
+                          <m:t>𝐿</m:t>
+                        </m:r>
+                        <m:r>
+                          <m:rPr>
+                            <m:sty m:val="p"/>
+                          </m:rPr>
+                          <a:rPr lang="fr-FR" sz="2000" smtClean="0">
+                            <a:latin typeface="Cambria Math" panose="02040503050406030204" pitchFamily="18" charset="0"/>
+                          </a:rPr>
+                          <m:t>d</m:t>
+                        </m:r>
+                        <m:r>
+                          <a:rPr lang="fr-FR" sz="2000" i="1" smtClean="0">
+                            <a:latin typeface="Cambria Math" panose="02040503050406030204" pitchFamily="18" charset="0"/>
+                          </a:rPr>
+                          <m:t>𝑖</m:t>
+                        </m:r>
+                        <m:d>
+                          <m:dPr>
+                            <m:ctrlPr>
+                              <a:rPr lang="fr-FR" sz="2000" i="1" smtClean="0">
+                                <a:latin typeface="Cambria Math" panose="02040503050406030204" pitchFamily="18" charset="0"/>
+                              </a:rPr>
+                            </m:ctrlPr>
+                          </m:dPr>
+                          <m:e>
+                            <m:r>
+                              <a:rPr lang="fr-FR" sz="2000" i="1" smtClean="0">
+                                <a:latin typeface="Cambria Math" panose="02040503050406030204" pitchFamily="18" charset="0"/>
+                              </a:rPr>
+                              <m:t>𝑡</m:t>
+                            </m:r>
+                          </m:e>
+                        </m:d>
+                      </m:num>
+                      <m:den>
+                        <m:r>
+                          <m:rPr>
+                            <m:sty m:val="p"/>
+                          </m:rPr>
+                          <a:rPr lang="fr-FR" sz="2000" smtClean="0">
+                            <a:latin typeface="Cambria Math" panose="02040503050406030204" pitchFamily="18" charset="0"/>
+                          </a:rPr>
+                          <m:t>d</m:t>
+                        </m:r>
+                        <m:r>
+                          <a:rPr lang="fr-FR" sz="2000" i="1" smtClean="0">
+                            <a:latin typeface="Cambria Math" panose="02040503050406030204" pitchFamily="18" charset="0"/>
+                          </a:rPr>
+                          <m:t>𝑡</m:t>
+                        </m:r>
+                      </m:den>
+                    </m:f>
                   </m:oMath>
                 </a14:m>
                 <a:r>
-                  <a:rPr lang="fr-FR" dirty="0"/>
-                  <a:t> alors </a:t>
+                  <a:rPr lang="fr-FR" sz="2000" i="1" dirty="0"/>
+                  <a:t> </a:t>
+                </a:r>
+                <a:r>
+                  <a:rPr lang="fr-FR" sz="2000" dirty="0"/>
+                  <a:t> soit </a:t>
                 </a:r>
                 <a14:m>
                   <m:oMath xmlns:m="http://schemas.openxmlformats.org/officeDocument/2006/math">
                     <m:r>
-                      <a:rPr lang="fr-FR" b="0" i="1" smtClean="0">
-                        <a:latin typeface="Cambria Math" panose="02040503050406030204" pitchFamily="18" charset="0"/>
-                      </a:rPr>
-                      <m:t>𝐸</m:t>
+                      <a:rPr lang="fr-FR" sz="2000" b="0" i="1" smtClean="0">
+                        <a:latin typeface="Cambria Math" panose="02040503050406030204" pitchFamily="18" charset="0"/>
+                      </a:rPr>
+                      <m:t>𝑈</m:t>
                     </m:r>
                     <m:d>
                       <m:dPr>
                         <m:ctrlPr>
-                          <a:rPr lang="fr-FR" b="0" i="1" smtClean="0">
+                          <a:rPr lang="fr-FR" sz="2000" b="0" i="1" smtClean="0">
                             <a:latin typeface="Cambria Math" panose="02040503050406030204" pitchFamily="18" charset="0"/>
                           </a:rPr>
                         </m:ctrlPr>
                       </m:dPr>
                       <m:e>
                         <m:r>
-                          <a:rPr lang="fr-FR" b="0" i="1" smtClean="0">
-                            <a:latin typeface="Cambria Math" panose="02040503050406030204" pitchFamily="18" charset="0"/>
-                          </a:rPr>
-                          <m:t>𝑡</m:t>
+                          <a:rPr lang="fr-FR" sz="2000" b="0" i="1" smtClean="0">
+                            <a:latin typeface="Cambria Math" panose="02040503050406030204" pitchFamily="18" charset="0"/>
+                          </a:rPr>
+                          <m:t>𝑝</m:t>
                         </m:r>
                       </m:e>
                     </m:d>
                     <m:r>
-                      <a:rPr lang="fr-FR" b="0" i="1" smtClean="0">
-                        <a:latin typeface="Cambria Math" panose="02040503050406030204" pitchFamily="18" charset="0"/>
-                      </a:rPr>
-                      <m:t>=0</m:t>
-                    </m:r>
-                    <m:r>
-                      <a:rPr lang="fr-FR" b="0" i="0" smtClean="0">
-                        <a:latin typeface="Cambria Math" panose="02040503050406030204" pitchFamily="18" charset="0"/>
-                      </a:rPr>
-                      <m:t>.</m:t>
-                    </m:r>
-                  </m:oMath>
-                </a14:m>
-                <a:endParaRPr lang="fr-FR" b="0" dirty="0"/>
-              </a:p>
-              <a:p>
-                <a:r>
-                  <a:rPr lang="fr-FR" dirty="0"/>
-                  <a:t>En régime permanent, on a alors </a:t>
-                </a:r>
-                <a14:m>
-                  <m:oMath xmlns:m="http://schemas.openxmlformats.org/officeDocument/2006/math">
-                    <m:r>
-                      <a:rPr lang="fr-FR" sz="2800" i="1" smtClean="0">
-                        <a:latin typeface="Cambria Math" panose="02040503050406030204" pitchFamily="18" charset="0"/>
-                      </a:rPr>
-                      <m:t>𝑈</m:t>
+                      <a:rPr lang="fr-FR" sz="2000" b="0" i="1" smtClean="0">
+                        <a:latin typeface="Cambria Math" panose="02040503050406030204" pitchFamily="18" charset="0"/>
+                      </a:rPr>
+                      <m:t>=</m:t>
+                    </m:r>
+                    <m:r>
+                      <a:rPr lang="fr-FR" sz="2000" b="0" i="1" smtClean="0">
+                        <a:latin typeface="Cambria Math" panose="02040503050406030204" pitchFamily="18" charset="0"/>
+                      </a:rPr>
+                      <m:t>𝑅𝐼</m:t>
                     </m:r>
                     <m:d>
                       <m:dPr>
                         <m:ctrlPr>
-                          <a:rPr lang="fr-FR" sz="2800" i="1" smtClean="0">
+                          <a:rPr lang="fr-FR" sz="2000" b="0" i="1" smtClean="0">
                             <a:latin typeface="Cambria Math" panose="02040503050406030204" pitchFamily="18" charset="0"/>
                           </a:rPr>
                         </m:ctrlPr>
                       </m:dPr>
                       <m:e>
                         <m:r>
-                          <a:rPr lang="fr-FR" sz="2800" i="1" smtClean="0">
-                            <a:latin typeface="Cambria Math" panose="02040503050406030204" pitchFamily="18" charset="0"/>
-                          </a:rPr>
-                          <m:t>𝑡</m:t>
+                          <a:rPr lang="fr-FR" sz="2000" b="0" i="1" smtClean="0">
+                            <a:latin typeface="Cambria Math" panose="02040503050406030204" pitchFamily="18" charset="0"/>
+                          </a:rPr>
+                          <m:t>𝑝</m:t>
                         </m:r>
                       </m:e>
                     </m:d>
                     <m:r>
-                      <a:rPr lang="fr-FR" sz="2800" i="1" smtClean="0">
-                        <a:latin typeface="Cambria Math" panose="02040503050406030204" pitchFamily="18" charset="0"/>
-                      </a:rPr>
-                      <m:t>=</m:t>
-                    </m:r>
-                    <m:r>
-                      <a:rPr lang="fr-FR" sz="2800" i="1" smtClean="0">
-                        <a:latin typeface="Cambria Math" panose="02040503050406030204" pitchFamily="18" charset="0"/>
-                      </a:rPr>
-                      <m:t>𝑅𝑖</m:t>
+                      <a:rPr lang="fr-FR" sz="2000" b="0" i="1" smtClean="0">
+                        <a:latin typeface="Cambria Math" panose="02040503050406030204" pitchFamily="18" charset="0"/>
+                      </a:rPr>
+                      <m:t>+</m:t>
+                    </m:r>
+                    <m:r>
+                      <a:rPr lang="fr-FR" sz="2000" b="0" i="1" smtClean="0">
+                        <a:latin typeface="Cambria Math" panose="02040503050406030204" pitchFamily="18" charset="0"/>
+                      </a:rPr>
+                      <m:t>𝐿𝑝𝐼</m:t>
                     </m:r>
                     <m:d>
                       <m:dPr>
                         <m:ctrlPr>
-                          <a:rPr lang="fr-FR" sz="2800" i="1" smtClean="0">
+                          <a:rPr lang="fr-FR" sz="2000" b="0" i="1" smtClean="0">
                             <a:latin typeface="Cambria Math" panose="02040503050406030204" pitchFamily="18" charset="0"/>
                           </a:rPr>
                         </m:ctrlPr>
                       </m:dPr>
                       <m:e>
                         <m:r>
-                          <a:rPr lang="fr-FR" sz="2800" i="1" smtClean="0">
-                            <a:latin typeface="Cambria Math" panose="02040503050406030204" pitchFamily="18" charset="0"/>
-                          </a:rPr>
-                          <m:t>𝑡</m:t>
+                          <a:rPr lang="fr-FR" sz="2000" b="0" i="1" smtClean="0">
+                            <a:latin typeface="Cambria Math" panose="02040503050406030204" pitchFamily="18" charset="0"/>
+                          </a:rPr>
+                          <m:t>𝑝</m:t>
                         </m:r>
                       </m:e>
                     </m:d>
                   </m:oMath>
                 </a14:m>
                 <a:r>
-                  <a:rPr lang="fr-FR" dirty="0"/>
-                  <a:t>.</a:t>
-                </a:r>
-              </a:p>
-              <a:p>
-                <a:r>
-                  <a:rPr lang="fr-FR" dirty="0"/>
-                  <a:t>On peut alors parler d’essai « rotor bloqué ». </a:t>
-                </a:r>
-              </a:p>
-              <a:p>
-                <a:r>
-                  <a:rPr lang="fr-FR" dirty="0"/>
-                  <a:t>En bloquant le moteur, on peut alors mesurer </a:t>
+                  <a:rPr lang="fr-FR" sz="2000" i="1" dirty="0"/>
+                  <a:t> et </a:t>
                 </a:r>
                 <a14:m>
                   <m:oMath xmlns:m="http://schemas.openxmlformats.org/officeDocument/2006/math">
-                    <m:r>
-                      <a:rPr lang="fr-FR" b="0" i="1" smtClean="0">
-                        <a:latin typeface="Cambria Math" panose="02040503050406030204" pitchFamily="18" charset="0"/>
-                      </a:rPr>
-                      <m:t>𝐼</m:t>
+                    <m:f>
+                      <m:fPr>
+                        <m:ctrlPr>
+                          <a:rPr lang="fr-FR" sz="2000" b="0" i="1" smtClean="0">
+                            <a:latin typeface="Cambria Math" panose="02040503050406030204" pitchFamily="18" charset="0"/>
+                          </a:rPr>
+                        </m:ctrlPr>
+                      </m:fPr>
+                      <m:num>
+                        <m:r>
+                          <a:rPr lang="fr-FR" sz="2000" b="0" i="1" smtClean="0">
+                            <a:latin typeface="Cambria Math" panose="02040503050406030204" pitchFamily="18" charset="0"/>
+                          </a:rPr>
+                          <m:t>𝐼</m:t>
+                        </m:r>
+                        <m:d>
+                          <m:dPr>
+                            <m:ctrlPr>
+                              <a:rPr lang="fr-FR" sz="2000" b="0" i="1" smtClean="0">
+                                <a:latin typeface="Cambria Math" panose="02040503050406030204" pitchFamily="18" charset="0"/>
+                              </a:rPr>
+                            </m:ctrlPr>
+                          </m:dPr>
+                          <m:e>
+                            <m:r>
+                              <a:rPr lang="fr-FR" sz="2000" b="0" i="1" smtClean="0">
+                                <a:latin typeface="Cambria Math" panose="02040503050406030204" pitchFamily="18" charset="0"/>
+                              </a:rPr>
+                              <m:t>𝑝</m:t>
+                            </m:r>
+                          </m:e>
+                        </m:d>
+                      </m:num>
+                      <m:den>
+                        <m:r>
+                          <a:rPr lang="fr-FR" sz="2000" b="0" i="1" smtClean="0">
+                            <a:latin typeface="Cambria Math" panose="02040503050406030204" pitchFamily="18" charset="0"/>
+                          </a:rPr>
+                          <m:t>𝑈</m:t>
+                        </m:r>
+                        <m:d>
+                          <m:dPr>
+                            <m:ctrlPr>
+                              <a:rPr lang="fr-FR" sz="2000" b="0" i="1" smtClean="0">
+                                <a:latin typeface="Cambria Math" panose="02040503050406030204" pitchFamily="18" charset="0"/>
+                              </a:rPr>
+                            </m:ctrlPr>
+                          </m:dPr>
+                          <m:e>
+                            <m:r>
+                              <a:rPr lang="fr-FR" sz="2000" b="0" i="1" smtClean="0">
+                                <a:latin typeface="Cambria Math" panose="02040503050406030204" pitchFamily="18" charset="0"/>
+                              </a:rPr>
+                              <m:t>𝑝</m:t>
+                            </m:r>
+                          </m:e>
+                        </m:d>
+                      </m:den>
+                    </m:f>
+                    <m:r>
+                      <a:rPr lang="fr-FR" sz="2000" b="0" i="1" smtClean="0">
+                        <a:latin typeface="Cambria Math" panose="02040503050406030204" pitchFamily="18" charset="0"/>
+                      </a:rPr>
+                      <m:t>=</m:t>
+                    </m:r>
+                    <m:f>
+                      <m:fPr>
+                        <m:ctrlPr>
+                          <a:rPr lang="fr-FR" sz="2000" b="0" i="1" smtClean="0">
+                            <a:latin typeface="Cambria Math" panose="02040503050406030204" pitchFamily="18" charset="0"/>
+                          </a:rPr>
+                        </m:ctrlPr>
+                      </m:fPr>
+                      <m:num>
+                        <m:r>
+                          <a:rPr lang="fr-FR" sz="2000" b="0" i="1" smtClean="0">
+                            <a:latin typeface="Cambria Math" panose="02040503050406030204" pitchFamily="18" charset="0"/>
+                          </a:rPr>
+                          <m:t>1</m:t>
+                        </m:r>
+                      </m:num>
+                      <m:den>
+                        <m:r>
+                          <a:rPr lang="fr-FR" sz="2000" b="0" i="1" smtClean="0">
+                            <a:latin typeface="Cambria Math" panose="02040503050406030204" pitchFamily="18" charset="0"/>
+                          </a:rPr>
+                          <m:t>𝑅</m:t>
+                        </m:r>
+                        <m:r>
+                          <a:rPr lang="fr-FR" sz="2000" b="0" i="1" smtClean="0">
+                            <a:latin typeface="Cambria Math" panose="02040503050406030204" pitchFamily="18" charset="0"/>
+                          </a:rPr>
+                          <m:t>+</m:t>
+                        </m:r>
+                        <m:r>
+                          <a:rPr lang="fr-FR" sz="2000" b="0" i="1" smtClean="0">
+                            <a:latin typeface="Cambria Math" panose="02040503050406030204" pitchFamily="18" charset="0"/>
+                          </a:rPr>
+                          <m:t>𝐿𝑝</m:t>
+                        </m:r>
+                        <m:r>
+                          <a:rPr lang="fr-FR" sz="2000" b="0" i="1" smtClean="0">
+                            <a:latin typeface="Cambria Math" panose="02040503050406030204" pitchFamily="18" charset="0"/>
+                          </a:rPr>
+                          <m:t> </m:t>
+                        </m:r>
+                      </m:den>
+                    </m:f>
+                  </m:oMath>
+                </a14:m>
+                <a:r>
+                  <a:rPr lang="fr-FR" sz="2000" i="1" dirty="0"/>
+                  <a:t>. On a donc, pour un échelon de tension </a:t>
+                </a:r>
+                <a14:m>
+                  <m:oMath xmlns:m="http://schemas.openxmlformats.org/officeDocument/2006/math">
+                    <m:r>
+                      <a:rPr lang="fr-FR" sz="2000" b="0" i="1" smtClean="0">
+                        <a:latin typeface="Cambria Math" panose="02040503050406030204" pitchFamily="18" charset="0"/>
+                      </a:rPr>
+                      <m:t>𝑖</m:t>
                     </m:r>
                     <m:d>
                       <m:dPr>
                         <m:ctrlPr>
-                          <a:rPr lang="fr-FR" b="0" i="1" smtClean="0">
+                          <a:rPr lang="fr-FR" sz="2000" b="0" i="1" smtClean="0">
                             <a:latin typeface="Cambria Math" panose="02040503050406030204" pitchFamily="18" charset="0"/>
                           </a:rPr>
                         </m:ctrlPr>
                       </m:dPr>
                       <m:e>
                         <m:r>
-                          <a:rPr lang="fr-FR" b="0" i="1" smtClean="0">
+                          <a:rPr lang="fr-FR" sz="2000" b="0" i="1" smtClean="0">
                             <a:latin typeface="Cambria Math" panose="02040503050406030204" pitchFamily="18" charset="0"/>
                           </a:rPr>
                           <m:t>𝑡</m:t>
                         </m:r>
+                      </m:e>
+                    </m:d>
+                    <m:r>
+                      <a:rPr lang="fr-FR" sz="2000" b="0" i="1" smtClean="0">
+                        <a:latin typeface="Cambria Math" panose="02040503050406030204" pitchFamily="18" charset="0"/>
+                      </a:rPr>
+                      <m:t>=</m:t>
+                    </m:r>
+                    <m:f>
+                      <m:fPr>
+                        <m:ctrlPr>
+                          <a:rPr lang="fr-FR" sz="2000" b="0" i="1" smtClean="0">
+                            <a:latin typeface="Cambria Math" panose="02040503050406030204" pitchFamily="18" charset="0"/>
+                          </a:rPr>
+                        </m:ctrlPr>
+                      </m:fPr>
+                      <m:num>
+                        <m:sSub>
+                          <m:sSubPr>
+                            <m:ctrlPr>
+                              <a:rPr lang="fr-FR" sz="2000" b="0" i="1" smtClean="0">
+                                <a:latin typeface="Cambria Math" panose="02040503050406030204" pitchFamily="18" charset="0"/>
+                              </a:rPr>
+                            </m:ctrlPr>
+                          </m:sSubPr>
+                          <m:e>
+                            <m:r>
+                              <a:rPr lang="fr-FR" sz="2000" b="0" i="1" smtClean="0">
+                                <a:latin typeface="Cambria Math" panose="02040503050406030204" pitchFamily="18" charset="0"/>
+                              </a:rPr>
+                              <m:t>𝑈</m:t>
+                            </m:r>
+                          </m:e>
+                          <m:sub>
+                            <m:r>
+                              <a:rPr lang="fr-FR" sz="2000" b="0" i="1" smtClean="0">
+                                <a:latin typeface="Cambria Math" panose="02040503050406030204" pitchFamily="18" charset="0"/>
+                              </a:rPr>
+                              <m:t>0</m:t>
+                            </m:r>
+                          </m:sub>
+                        </m:sSub>
+                      </m:num>
+                      <m:den>
+                        <m:r>
+                          <a:rPr lang="fr-FR" sz="2000" b="0" i="1" smtClean="0">
+                            <a:latin typeface="Cambria Math" panose="02040503050406030204" pitchFamily="18" charset="0"/>
+                          </a:rPr>
+                          <m:t>𝑅</m:t>
+                        </m:r>
+                      </m:den>
+                    </m:f>
+                    <m:d>
+                      <m:dPr>
+                        <m:ctrlPr>
+                          <a:rPr lang="fr-FR" sz="2000" b="0" i="1" smtClean="0">
+                            <a:latin typeface="Cambria Math" panose="02040503050406030204" pitchFamily="18" charset="0"/>
+                          </a:rPr>
+                        </m:ctrlPr>
+                      </m:dPr>
+                      <m:e>
+                        <m:r>
+                          <a:rPr lang="fr-FR" sz="2000" i="1">
+                            <a:latin typeface="Cambria Math" panose="02040503050406030204" pitchFamily="18" charset="0"/>
+                          </a:rPr>
+                          <m:t>1−</m:t>
+                        </m:r>
+                        <m:sSup>
+                          <m:sSupPr>
+                            <m:ctrlPr>
+                              <a:rPr lang="fr-FR" sz="2000" i="1">
+                                <a:latin typeface="Cambria Math" panose="02040503050406030204" pitchFamily="18" charset="0"/>
+                              </a:rPr>
+                            </m:ctrlPr>
+                          </m:sSupPr>
+                          <m:e>
+                            <m:r>
+                              <a:rPr lang="fr-FR" sz="2000" i="1">
+                                <a:latin typeface="Cambria Math" panose="02040503050406030204" pitchFamily="18" charset="0"/>
+                              </a:rPr>
+                              <m:t>𝑒</m:t>
+                            </m:r>
+                          </m:e>
+                          <m:sup>
+                            <m:r>
+                              <a:rPr lang="fr-FR" sz="2000" i="1">
+                                <a:latin typeface="Cambria Math" panose="02040503050406030204" pitchFamily="18" charset="0"/>
+                              </a:rPr>
+                              <m:t>−</m:t>
+                            </m:r>
+                            <m:f>
+                              <m:fPr>
+                                <m:ctrlPr>
+                                  <a:rPr lang="fr-FR" sz="2000" i="1">
+                                    <a:latin typeface="Cambria Math" panose="02040503050406030204" pitchFamily="18" charset="0"/>
+                                  </a:rPr>
+                                </m:ctrlPr>
+                              </m:fPr>
+                              <m:num>
+                                <m:r>
+                                  <a:rPr lang="fr-FR" sz="2000" i="1">
+                                    <a:latin typeface="Cambria Math" panose="02040503050406030204" pitchFamily="18" charset="0"/>
+                                  </a:rPr>
+                                  <m:t>𝑡</m:t>
+                                </m:r>
+                              </m:num>
+                              <m:den>
+                                <m:r>
+                                  <a:rPr lang="fr-FR" sz="2000" i="1">
+                                    <a:latin typeface="Cambria Math" panose="02040503050406030204" pitchFamily="18" charset="0"/>
+                                  </a:rPr>
+                                  <m:t>𝜏</m:t>
+                                </m:r>
+                              </m:den>
+                            </m:f>
+                          </m:sup>
+                        </m:sSup>
                       </m:e>
                     </m:d>
                   </m:oMath>
                 </a14:m>
                 <a:r>
-                  <a:rPr lang="fr-FR" dirty="0"/>
-                  <a:t> en faisant varier </a:t>
+                  <a:rPr lang="fr-FR" sz="2000" i="1" dirty="0"/>
+                  <a:t> avec </a:t>
                 </a:r>
                 <a14:m>
                   <m:oMath xmlns:m="http://schemas.openxmlformats.org/officeDocument/2006/math">
                     <m:r>
-                      <a:rPr lang="fr-FR" b="0" i="1" smtClean="0">
-                        <a:latin typeface="Cambria Math" panose="02040503050406030204" pitchFamily="18" charset="0"/>
-                      </a:rPr>
-                      <m:t>𝑈</m:t>
-                    </m:r>
-                    <m:r>
-                      <a:rPr lang="fr-FR" b="0" i="1" smtClean="0">
-                        <a:latin typeface="Cambria Math" panose="02040503050406030204" pitchFamily="18" charset="0"/>
-                      </a:rPr>
-                      <m:t>(</m:t>
-                    </m:r>
-                    <m:r>
-                      <a:rPr lang="fr-FR" b="0" i="1" smtClean="0">
-                        <a:latin typeface="Cambria Math" panose="02040503050406030204" pitchFamily="18" charset="0"/>
-                      </a:rPr>
-                      <m:t>𝑡</m:t>
-                    </m:r>
-                    <m:r>
-                      <a:rPr lang="fr-FR" b="0" i="1" smtClean="0">
-                        <a:latin typeface="Cambria Math" panose="02040503050406030204" pitchFamily="18" charset="0"/>
-                      </a:rPr>
-                      <m:t>)</m:t>
-                    </m:r>
+                      <a:rPr lang="fr-FR" sz="2000" b="0" i="1" smtClean="0">
+                        <a:latin typeface="Cambria Math" panose="02040503050406030204" pitchFamily="18" charset="0"/>
+                      </a:rPr>
+                      <m:t>𝜏</m:t>
+                    </m:r>
+                    <m:r>
+                      <a:rPr lang="fr-FR" sz="2000" b="0" i="1" smtClean="0">
+                        <a:latin typeface="Cambria Math" panose="02040503050406030204" pitchFamily="18" charset="0"/>
+                      </a:rPr>
+                      <m:t>=</m:t>
+                    </m:r>
+                    <m:f>
+                      <m:fPr>
+                        <m:ctrlPr>
+                          <a:rPr lang="fr-FR" sz="2000" b="0" i="1" smtClean="0">
+                            <a:latin typeface="Cambria Math" panose="02040503050406030204" pitchFamily="18" charset="0"/>
+                          </a:rPr>
+                        </m:ctrlPr>
+                      </m:fPr>
+                      <m:num>
+                        <m:r>
+                          <a:rPr lang="fr-FR" sz="2000" b="0" i="1" smtClean="0">
+                            <a:latin typeface="Cambria Math" panose="02040503050406030204" pitchFamily="18" charset="0"/>
+                          </a:rPr>
+                          <m:t>𝐿</m:t>
+                        </m:r>
+                      </m:num>
+                      <m:den>
+                        <m:r>
+                          <a:rPr lang="fr-FR" sz="2000" b="0" i="1" smtClean="0">
+                            <a:latin typeface="Cambria Math" panose="02040503050406030204" pitchFamily="18" charset="0"/>
+                          </a:rPr>
+                          <m:t>𝑅</m:t>
+                        </m:r>
+                      </m:den>
+                    </m:f>
                   </m:oMath>
                 </a14:m>
                 <a:r>
-                  <a:rPr lang="fr-FR" dirty="0"/>
+                  <a:rPr lang="fr-FR" sz="2000" i="1" dirty="0"/>
                   <a:t>.</a:t>
                 </a:r>
               </a:p>
               <a:p>
+                <a:pPr lvl="1"/>
+                <a:endParaRPr lang="fr-FR" dirty="0"/>
+              </a:p>
+              <a:p>
                 <a:r>
                   <a:rPr lang="fr-FR" dirty="0"/>
-                  <a:t>Il peut être intéressant de faire les essais « à chaud » quand le moteur a travaillé.</a:t>
+                  <a:t>Protocole expérimental : </a:t>
                 </a:r>
               </a:p>
               <a:p>
+                <a:pPr lvl="1"/>
+                <a:r>
+                  <a:rPr lang="fr-FR" dirty="0"/>
+                  <a:t>Moteur branché sur Générateur Basse fréquence. </a:t>
+                </a:r>
+              </a:p>
+              <a:p>
+                <a:pPr lvl="1"/>
+                <a:r>
+                  <a:rPr lang="fr-FR" dirty="0"/>
+                  <a:t>Oscilloscope avec pince ampèremétrique pour la mesure du courant. </a:t>
+                </a:r>
+              </a:p>
+              <a:p>
+                <a:pPr lvl="1"/>
+                <a:r>
+                  <a:rPr lang="fr-FR" b="0" dirty="0"/>
+                  <a:t>Oscilloscope avec mesure de la tension source</a:t>
+                </a:r>
+              </a:p>
+              <a:p>
+                <a:pPr lvl="1"/>
+                <a:endParaRPr lang="fr-FR" dirty="0"/>
+              </a:p>
+              <a:p>
+                <a:r>
+                  <a:rPr lang="fr-FR" dirty="0"/>
+                  <a:t>Essai : </a:t>
+                </a:r>
+              </a:p>
+              <a:p>
+                <a:pPr lvl="1"/>
+                <a:r>
+                  <a:rPr lang="fr-FR" dirty="0"/>
+                  <a:t>Sollicitation du moteur avec des créneaux. </a:t>
+                </a:r>
+              </a:p>
+              <a:p>
+                <a:pPr lvl="1"/>
+                <a:r>
+                  <a:rPr lang="fr-FR" dirty="0"/>
+                  <a:t>Mesure de la constante de temps</a:t>
+                </a:r>
+              </a:p>
+              <a:p>
+                <a:pPr lvl="1"/>
+                <a:r>
+                  <a:rPr lang="fr-FR" dirty="0"/>
+                  <a:t>Calcul de L.</a:t>
+                </a:r>
+              </a:p>
+              <a:p>
+                <a:pPr lvl="1"/>
+                <a:r>
+                  <a:rPr lang="fr-FR" dirty="0"/>
+                  <a:t>(Plusieurs essais éventuellement, pour faire une moyenne).</a:t>
+                </a:r>
+              </a:p>
+              <a:p>
+                <a:pPr marL="457200" lvl="1" indent="0">
+                  <a:buNone/>
+                </a:pPr>
                 <a:endParaRPr lang="fr-FR" dirty="0"/>
               </a:p>
             </p:txBody>
           </p:sp>
         </mc:Choice>
-        <mc:Fallback xmlns="">
+        <mc:Fallback>
           <p:sp>
             <p:nvSpPr>
-              <p:cNvPr id="6" name="Espace réservé du contenu 5">
+              <p:cNvPr id="4" name="Espace réservé du contenu 5">
                 <a:extLst>
                   <a:ext uri="{FF2B5EF4-FFF2-40B4-BE49-F238E27FC236}">
-                    <a16:creationId xmlns:a16="http://schemas.microsoft.com/office/drawing/2014/main" id="{DD3182B1-2E49-4758-9780-442FDA2CB3F8}"/>
+                    <a16:creationId xmlns:a16="http://schemas.microsoft.com/office/drawing/2014/main" id="{A666A770-B1DC-540F-D0BF-AE0D9BD59423}"/>
                   </a:ext>
                 </a:extLst>
               </p:cNvPr>
@@ -5853,12 +9078,12 @@
             <p:spPr>
               <a:xfrm>
                 <a:off x="232229" y="1248228"/>
-                <a:ext cx="7560491" cy="5110161"/>
+                <a:ext cx="9054011" cy="5110161"/>
               </a:xfrm>
               <a:blipFill>
                 <a:blip r:embed="rId2"/>
                 <a:stretch>
-                  <a:fillRect l="-1452" t="-2029"/>
+                  <a:fillRect l="-1010" t="-2983"/>
                 </a:stretch>
               </a:blipFill>
             </p:spPr>
@@ -5881,10 +9106,10 @@
         <mc:Choice Requires="a14">
           <p:sp>
             <p:nvSpPr>
-              <p:cNvPr id="2" name="Espace réservé du contenu 5">
+              <p:cNvPr id="7" name="Espace réservé du contenu 5">
                 <a:extLst>
                   <a:ext uri="{FF2B5EF4-FFF2-40B4-BE49-F238E27FC236}">
-                    <a16:creationId xmlns:a16="http://schemas.microsoft.com/office/drawing/2014/main" id="{4F494113-301F-6C2D-6326-14787B2C6677}"/>
+                    <a16:creationId xmlns:a16="http://schemas.microsoft.com/office/drawing/2014/main" id="{63E0CC1C-1F0D-7993-F63B-DC9C179664FA}"/>
                   </a:ext>
                 </a:extLst>
               </p:cNvPr>
@@ -5895,8 +9120,8 @@
             </p:nvSpPr>
             <p:spPr>
               <a:xfrm>
-                <a:off x="7923349" y="1390469"/>
-                <a:ext cx="4268651" cy="1576251"/>
+                <a:off x="9268039" y="620688"/>
+                <a:ext cx="2917370" cy="1576251"/>
               </a:xfrm>
               <a:prstGeom prst="rect">
                 <a:avLst/>
@@ -6550,10 +9775,10 @@
         <mc:Fallback xmlns="">
           <p:sp>
             <p:nvSpPr>
-              <p:cNvPr id="2" name="Espace réservé du contenu 5">
+              <p:cNvPr id="7" name="Espace réservé du contenu 5">
                 <a:extLst>
                   <a:ext uri="{FF2B5EF4-FFF2-40B4-BE49-F238E27FC236}">
-                    <a16:creationId xmlns:a16="http://schemas.microsoft.com/office/drawing/2014/main" id="{4F494113-301F-6C2D-6326-14787B2C6677}"/>
+                    <a16:creationId xmlns:a16="http://schemas.microsoft.com/office/drawing/2014/main" id="{63E0CC1C-1F0D-7993-F63B-DC9C179664FA}"/>
                   </a:ext>
                 </a:extLst>
               </p:cNvPr>
@@ -6564,8 +9789,8 @@
             </p:nvSpPr>
             <p:spPr>
               <a:xfrm>
-                <a:off x="7923349" y="1390469"/>
-                <a:ext cx="4268651" cy="1576251"/>
+                <a:off x="9268039" y="620688"/>
+                <a:ext cx="2917370" cy="1576251"/>
               </a:xfrm>
               <a:prstGeom prst="rect">
                 <a:avLst/>
@@ -6573,7 +9798,7 @@
               <a:blipFill>
                 <a:blip r:embed="rId3"/>
                 <a:stretch>
-                  <a:fillRect l="-429"/>
+                  <a:fillRect l="-626"/>
                 </a:stretch>
               </a:blipFill>
             </p:spPr>
@@ -6595,7 +9820,7 @@
     </p:spTree>
     <p:extLst>
       <p:ext uri="{BB962C8B-B14F-4D97-AF65-F5344CB8AC3E}">
-        <p14:creationId xmlns:p14="http://schemas.microsoft.com/office/powerpoint/2010/main" val="1218073976"/>
+        <p14:creationId xmlns:p14="http://schemas.microsoft.com/office/powerpoint/2010/main" val="77956961"/>
       </p:ext>
     </p:extLst>
   </p:cSld>
@@ -6605,7 +9830,7 @@
 </p:sld>
 </file>
 
-<file path=ppt/slides/slide17.xml><?xml version="1.0" encoding="utf-8"?>
+<file path=ppt/slides/slide18.xml><?xml version="1.0" encoding="utf-8"?>
 <p:sld xmlns:a="http://schemas.openxmlformats.org/drawingml/2006/main" xmlns:r="http://schemas.openxmlformats.org/officeDocument/2006/relationships" xmlns:p="http://schemas.openxmlformats.org/presentationml/2006/main">
   <p:cSld>
     <p:spTree>
@@ -6645,40 +9870,447 @@
           <a:p>
             <a:r>
               <a:rPr lang="fr-FR" dirty="0"/>
-              <a:t>Détermination de l’inductance</a:t>
+              <a:t>Détermination de l’inertie</a:t>
             </a:r>
           </a:p>
         </p:txBody>
       </p:sp>
-      <p:sp>
-        <p:nvSpPr>
-          <p:cNvPr id="6" name="Espace réservé du contenu 5">
-            <a:extLst>
-              <a:ext uri="{FF2B5EF4-FFF2-40B4-BE49-F238E27FC236}">
-                <a16:creationId xmlns:a16="http://schemas.microsoft.com/office/drawing/2014/main" id="{DD3182B1-2E49-4758-9780-442FDA2CB3F8}"/>
-              </a:ext>
-            </a:extLst>
-          </p:cNvPr>
-          <p:cNvSpPr>
-            <a:spLocks noGrp="1"/>
-          </p:cNvSpPr>
-          <p:nvPr>
-            <p:ph idx="1"/>
-          </p:nvPr>
-        </p:nvSpPr>
-        <p:spPr/>
-        <p:txBody>
-          <a:bodyPr/>
-          <a:lstStyle/>
-          <a:p>
-            <a:endParaRPr lang="fr-FR"/>
-          </a:p>
-        </p:txBody>
-      </p:sp>
+      <mc:AlternateContent xmlns:mc="http://schemas.openxmlformats.org/markup-compatibility/2006">
+        <mc:Choice xmlns:a14="http://schemas.microsoft.com/office/drawing/2010/main" Requires="a14">
+          <p:sp>
+            <p:nvSpPr>
+              <p:cNvPr id="6" name="Espace réservé du contenu 5">
+                <a:extLst>
+                  <a:ext uri="{FF2B5EF4-FFF2-40B4-BE49-F238E27FC236}">
+                    <a16:creationId xmlns:a16="http://schemas.microsoft.com/office/drawing/2014/main" id="{DD3182B1-2E49-4758-9780-442FDA2CB3F8}"/>
+                  </a:ext>
+                </a:extLst>
+              </p:cNvPr>
+              <p:cNvSpPr>
+                <a:spLocks noGrp="1"/>
+              </p:cNvSpPr>
+              <p:nvPr>
+                <p:ph idx="1"/>
+              </p:nvPr>
+            </p:nvSpPr>
+            <p:spPr/>
+            <p:txBody>
+              <a:bodyPr/>
+              <a:lstStyle/>
+              <a:p>
+                <a:r>
+                  <a:rPr lang="fr-FR" dirty="0"/>
+                  <a:t>Exprimons la fonction de transfert du moteur dans le domaine de Laplace : </a:t>
+                </a:r>
+              </a:p>
+              <a:p>
+                <a14:m>
+                  <m:oMath xmlns:m="http://schemas.openxmlformats.org/officeDocument/2006/math">
+                    <m:f>
+                      <m:fPr>
+                        <m:ctrlPr>
+                          <a:rPr lang="fr-FR" b="0" i="1" smtClean="0">
+                            <a:latin typeface="Cambria Math" panose="02040503050406030204" pitchFamily="18" charset="0"/>
+                          </a:rPr>
+                        </m:ctrlPr>
+                      </m:fPr>
+                      <m:num>
+                        <m:r>
+                          <m:rPr>
+                            <m:sty m:val="p"/>
+                          </m:rPr>
+                          <a:rPr lang="fr-FR" b="0" i="0" smtClean="0">
+                            <a:latin typeface="Cambria Math" panose="02040503050406030204" pitchFamily="18" charset="0"/>
+                          </a:rPr>
+                          <m:t>Ω</m:t>
+                        </m:r>
+                        <m:d>
+                          <m:dPr>
+                            <m:ctrlPr>
+                              <a:rPr lang="fr-FR" b="0" i="1" smtClean="0">
+                                <a:latin typeface="Cambria Math" panose="02040503050406030204" pitchFamily="18" charset="0"/>
+                              </a:rPr>
+                            </m:ctrlPr>
+                          </m:dPr>
+                          <m:e>
+                            <m:r>
+                              <a:rPr lang="fr-FR" b="0" i="1" smtClean="0">
+                                <a:latin typeface="Cambria Math" panose="02040503050406030204" pitchFamily="18" charset="0"/>
+                              </a:rPr>
+                              <m:t>𝑝</m:t>
+                            </m:r>
+                          </m:e>
+                        </m:d>
+                      </m:num>
+                      <m:den>
+                        <m:r>
+                          <a:rPr lang="fr-FR" b="0" i="1" smtClean="0">
+                            <a:latin typeface="Cambria Math" panose="02040503050406030204" pitchFamily="18" charset="0"/>
+                          </a:rPr>
+                          <m:t>𝑈</m:t>
+                        </m:r>
+                        <m:d>
+                          <m:dPr>
+                            <m:ctrlPr>
+                              <a:rPr lang="fr-FR" b="0" i="1" smtClean="0">
+                                <a:latin typeface="Cambria Math" panose="02040503050406030204" pitchFamily="18" charset="0"/>
+                              </a:rPr>
+                            </m:ctrlPr>
+                          </m:dPr>
+                          <m:e>
+                            <m:r>
+                              <a:rPr lang="fr-FR" b="0" i="1" smtClean="0">
+                                <a:latin typeface="Cambria Math" panose="02040503050406030204" pitchFamily="18" charset="0"/>
+                              </a:rPr>
+                              <m:t>𝑝</m:t>
+                            </m:r>
+                          </m:e>
+                        </m:d>
+                      </m:den>
+                    </m:f>
+                    <m:r>
+                      <a:rPr lang="fr-FR" b="0" i="1" smtClean="0">
+                        <a:latin typeface="Cambria Math" panose="02040503050406030204" pitchFamily="18" charset="0"/>
+                      </a:rPr>
+                      <m:t>=</m:t>
+                    </m:r>
+                    <m:f>
+                      <m:fPr>
+                        <m:ctrlPr>
+                          <a:rPr lang="fr-FR" b="0" i="1" smtClean="0">
+                            <a:latin typeface="Cambria Math" panose="02040503050406030204" pitchFamily="18" charset="0"/>
+                          </a:rPr>
+                        </m:ctrlPr>
+                      </m:fPr>
+                      <m:num>
+                        <m:f>
+                          <m:fPr>
+                            <m:ctrlPr>
+                              <a:rPr lang="fr-FR" b="0" i="1" smtClean="0">
+                                <a:solidFill>
+                                  <a:srgbClr val="00B050"/>
+                                </a:solidFill>
+                                <a:latin typeface="Cambria Math" panose="02040503050406030204" pitchFamily="18" charset="0"/>
+                              </a:rPr>
+                            </m:ctrlPr>
+                          </m:fPr>
+                          <m:num>
+                            <m:r>
+                              <a:rPr lang="fr-FR" b="0" i="1" smtClean="0">
+                                <a:solidFill>
+                                  <a:srgbClr val="00B050"/>
+                                </a:solidFill>
+                                <a:latin typeface="Cambria Math" panose="02040503050406030204" pitchFamily="18" charset="0"/>
+                              </a:rPr>
+                              <m:t>𝐾</m:t>
+                            </m:r>
+                          </m:num>
+                          <m:den>
+                            <m:sSup>
+                              <m:sSupPr>
+                                <m:ctrlPr>
+                                  <a:rPr lang="fr-FR" b="0" i="1" smtClean="0">
+                                    <a:solidFill>
+                                      <a:srgbClr val="00B050"/>
+                                    </a:solidFill>
+                                    <a:latin typeface="Cambria Math" panose="02040503050406030204" pitchFamily="18" charset="0"/>
+                                  </a:rPr>
+                                </m:ctrlPr>
+                              </m:sSupPr>
+                              <m:e>
+                                <m:r>
+                                  <a:rPr lang="fr-FR" b="0" i="1" smtClean="0">
+                                    <a:solidFill>
+                                      <a:srgbClr val="00B050"/>
+                                    </a:solidFill>
+                                    <a:latin typeface="Cambria Math" panose="02040503050406030204" pitchFamily="18" charset="0"/>
+                                  </a:rPr>
+                                  <m:t>𝐾</m:t>
+                                </m:r>
+                              </m:e>
+                              <m:sup>
+                                <m:r>
+                                  <a:rPr lang="fr-FR" b="0" i="1" smtClean="0">
+                                    <a:solidFill>
+                                      <a:srgbClr val="00B050"/>
+                                    </a:solidFill>
+                                    <a:latin typeface="Cambria Math" panose="02040503050406030204" pitchFamily="18" charset="0"/>
+                                  </a:rPr>
+                                  <m:t>2</m:t>
+                                </m:r>
+                              </m:sup>
+                            </m:sSup>
+                            <m:r>
+                              <a:rPr lang="fr-FR" b="0" i="1" smtClean="0">
+                                <a:solidFill>
+                                  <a:srgbClr val="00B050"/>
+                                </a:solidFill>
+                                <a:latin typeface="Cambria Math" panose="02040503050406030204" pitchFamily="18" charset="0"/>
+                              </a:rPr>
+                              <m:t>+</m:t>
+                            </m:r>
+                            <m:r>
+                              <a:rPr lang="fr-FR" b="0" i="1" smtClean="0">
+                                <a:solidFill>
+                                  <a:srgbClr val="00B050"/>
+                                </a:solidFill>
+                                <a:latin typeface="Cambria Math" panose="02040503050406030204" pitchFamily="18" charset="0"/>
+                              </a:rPr>
+                              <m:t>𝑅𝑓</m:t>
+                            </m:r>
+                          </m:den>
+                        </m:f>
+                      </m:num>
+                      <m:den>
+                        <m:r>
+                          <a:rPr lang="fr-FR" b="0" i="1" smtClean="0">
+                            <a:latin typeface="Cambria Math" panose="02040503050406030204" pitchFamily="18" charset="0"/>
+                          </a:rPr>
+                          <m:t>1+</m:t>
+                        </m:r>
+                        <m:f>
+                          <m:fPr>
+                            <m:ctrlPr>
+                              <a:rPr lang="fr-FR" b="0" i="1" smtClean="0">
+                                <a:latin typeface="Cambria Math" panose="02040503050406030204" pitchFamily="18" charset="0"/>
+                              </a:rPr>
+                            </m:ctrlPr>
+                          </m:fPr>
+                          <m:num>
+                            <m:r>
+                              <a:rPr lang="fr-FR" i="1">
+                                <a:latin typeface="Cambria Math" panose="02040503050406030204" pitchFamily="18" charset="0"/>
+                              </a:rPr>
+                              <m:t>𝐽</m:t>
+                            </m:r>
+                            <m:r>
+                              <a:rPr lang="fr-FR" i="1" smtClean="0">
+                                <a:solidFill>
+                                  <a:srgbClr val="00B050"/>
+                                </a:solidFill>
+                                <a:latin typeface="Cambria Math" panose="02040503050406030204" pitchFamily="18" charset="0"/>
+                              </a:rPr>
+                              <m:t>𝑅</m:t>
+                            </m:r>
+                            <m:r>
+                              <a:rPr lang="fr-FR" i="1" smtClean="0">
+                                <a:solidFill>
+                                  <a:srgbClr val="00B050"/>
+                                </a:solidFill>
+                                <a:latin typeface="Cambria Math" panose="02040503050406030204" pitchFamily="18" charset="0"/>
+                              </a:rPr>
+                              <m:t>+</m:t>
+                            </m:r>
+                            <m:r>
+                              <a:rPr lang="fr-FR" i="1" smtClean="0">
+                                <a:solidFill>
+                                  <a:srgbClr val="00B050"/>
+                                </a:solidFill>
+                                <a:latin typeface="Cambria Math" panose="02040503050406030204" pitchFamily="18" charset="0"/>
+                              </a:rPr>
+                              <m:t>𝐿𝑓</m:t>
+                            </m:r>
+                          </m:num>
+                          <m:den>
+                            <m:sSup>
+                              <m:sSupPr>
+                                <m:ctrlPr>
+                                  <a:rPr lang="fr-FR" b="0" i="1" smtClean="0">
+                                    <a:solidFill>
+                                      <a:srgbClr val="00B050"/>
+                                    </a:solidFill>
+                                    <a:latin typeface="Cambria Math" panose="02040503050406030204" pitchFamily="18" charset="0"/>
+                                  </a:rPr>
+                                </m:ctrlPr>
+                              </m:sSupPr>
+                              <m:e>
+                                <m:r>
+                                  <a:rPr lang="fr-FR" b="0" i="1" smtClean="0">
+                                    <a:solidFill>
+                                      <a:srgbClr val="00B050"/>
+                                    </a:solidFill>
+                                    <a:latin typeface="Cambria Math" panose="02040503050406030204" pitchFamily="18" charset="0"/>
+                                  </a:rPr>
+                                  <m:t>𝐾</m:t>
+                                </m:r>
+                              </m:e>
+                              <m:sup>
+                                <m:r>
+                                  <a:rPr lang="fr-FR" b="0" i="1" smtClean="0">
+                                    <a:solidFill>
+                                      <a:srgbClr val="00B050"/>
+                                    </a:solidFill>
+                                    <a:latin typeface="Cambria Math" panose="02040503050406030204" pitchFamily="18" charset="0"/>
+                                  </a:rPr>
+                                  <m:t>2</m:t>
+                                </m:r>
+                              </m:sup>
+                            </m:sSup>
+                            <m:r>
+                              <a:rPr lang="fr-FR" b="0" i="1" smtClean="0">
+                                <a:solidFill>
+                                  <a:srgbClr val="00B050"/>
+                                </a:solidFill>
+                                <a:latin typeface="Cambria Math" panose="02040503050406030204" pitchFamily="18" charset="0"/>
+                              </a:rPr>
+                              <m:t>+</m:t>
+                            </m:r>
+                            <m:r>
+                              <a:rPr lang="fr-FR" b="0" i="1" smtClean="0">
+                                <a:solidFill>
+                                  <a:srgbClr val="00B050"/>
+                                </a:solidFill>
+                                <a:latin typeface="Cambria Math" panose="02040503050406030204" pitchFamily="18" charset="0"/>
+                              </a:rPr>
+                              <m:t>𝑅𝑓</m:t>
+                            </m:r>
+                          </m:den>
+                        </m:f>
+                        <m:r>
+                          <a:rPr lang="fr-FR" b="0" i="1" smtClean="0">
+                            <a:latin typeface="Cambria Math" panose="02040503050406030204" pitchFamily="18" charset="0"/>
+                          </a:rPr>
+                          <m:t>𝑝</m:t>
+                        </m:r>
+                        <m:r>
+                          <a:rPr lang="fr-FR" b="0" i="1" smtClean="0">
+                            <a:latin typeface="Cambria Math" panose="02040503050406030204" pitchFamily="18" charset="0"/>
+                          </a:rPr>
+                          <m:t>+</m:t>
+                        </m:r>
+                        <m:f>
+                          <m:fPr>
+                            <m:ctrlPr>
+                              <a:rPr lang="fr-FR" b="0" i="1" smtClean="0">
+                                <a:latin typeface="Cambria Math" panose="02040503050406030204" pitchFamily="18" charset="0"/>
+                              </a:rPr>
+                            </m:ctrlPr>
+                          </m:fPr>
+                          <m:num>
+                            <m:r>
+                              <a:rPr lang="fr-FR" b="0" i="1" smtClean="0">
+                                <a:latin typeface="Cambria Math" panose="02040503050406030204" pitchFamily="18" charset="0"/>
+                              </a:rPr>
+                              <m:t>𝐽</m:t>
+                            </m:r>
+                            <m:r>
+                              <a:rPr lang="fr-FR" b="0" i="1" smtClean="0">
+                                <a:solidFill>
+                                  <a:srgbClr val="00B050"/>
+                                </a:solidFill>
+                                <a:latin typeface="Cambria Math" panose="02040503050406030204" pitchFamily="18" charset="0"/>
+                              </a:rPr>
+                              <m:t>𝐿</m:t>
+                            </m:r>
+                          </m:num>
+                          <m:den>
+                            <m:sSup>
+                              <m:sSupPr>
+                                <m:ctrlPr>
+                                  <a:rPr lang="fr-FR" b="0" i="1" smtClean="0">
+                                    <a:solidFill>
+                                      <a:srgbClr val="00B050"/>
+                                    </a:solidFill>
+                                    <a:latin typeface="Cambria Math" panose="02040503050406030204" pitchFamily="18" charset="0"/>
+                                  </a:rPr>
+                                </m:ctrlPr>
+                              </m:sSupPr>
+                              <m:e>
+                                <m:r>
+                                  <a:rPr lang="fr-FR" b="0" i="1" smtClean="0">
+                                    <a:solidFill>
+                                      <a:srgbClr val="00B050"/>
+                                    </a:solidFill>
+                                    <a:latin typeface="Cambria Math" panose="02040503050406030204" pitchFamily="18" charset="0"/>
+                                  </a:rPr>
+                                  <m:t>𝐾</m:t>
+                                </m:r>
+                              </m:e>
+                              <m:sup>
+                                <m:r>
+                                  <a:rPr lang="fr-FR" b="0" i="1" smtClean="0">
+                                    <a:solidFill>
+                                      <a:srgbClr val="00B050"/>
+                                    </a:solidFill>
+                                    <a:latin typeface="Cambria Math" panose="02040503050406030204" pitchFamily="18" charset="0"/>
+                                  </a:rPr>
+                                  <m:t>2</m:t>
+                                </m:r>
+                              </m:sup>
+                            </m:sSup>
+                            <m:r>
+                              <a:rPr lang="fr-FR" b="0" i="1" smtClean="0">
+                                <a:solidFill>
+                                  <a:srgbClr val="00B050"/>
+                                </a:solidFill>
+                                <a:latin typeface="Cambria Math" panose="02040503050406030204" pitchFamily="18" charset="0"/>
+                              </a:rPr>
+                              <m:t>+</m:t>
+                            </m:r>
+                            <m:r>
+                              <a:rPr lang="fr-FR" b="0" i="1" smtClean="0">
+                                <a:solidFill>
+                                  <a:srgbClr val="00B050"/>
+                                </a:solidFill>
+                                <a:latin typeface="Cambria Math" panose="02040503050406030204" pitchFamily="18" charset="0"/>
+                              </a:rPr>
+                              <m:t>𝑅𝑓</m:t>
+                            </m:r>
+                          </m:den>
+                        </m:f>
+                      </m:den>
+                    </m:f>
+                  </m:oMath>
+                </a14:m>
+                <a:endParaRPr lang="fr-FR" dirty="0"/>
+              </a:p>
+            </p:txBody>
+          </p:sp>
+        </mc:Choice>
+        <mc:Fallback>
+          <p:sp>
+            <p:nvSpPr>
+              <p:cNvPr id="6" name="Espace réservé du contenu 5">
+                <a:extLst>
+                  <a:ext uri="{FF2B5EF4-FFF2-40B4-BE49-F238E27FC236}">
+                    <a16:creationId xmlns:a16="http://schemas.microsoft.com/office/drawing/2014/main" id="{DD3182B1-2E49-4758-9780-442FDA2CB3F8}"/>
+                  </a:ext>
+                </a:extLst>
+              </p:cNvPr>
+              <p:cNvSpPr>
+                <a:spLocks noGrp="1" noRot="1" noChangeAspect="1" noMove="1" noResize="1" noEditPoints="1" noAdjustHandles="1" noChangeArrowheads="1" noChangeShapeType="1" noTextEdit="1"/>
+              </p:cNvSpPr>
+              <p:nvPr>
+                <p:ph idx="1"/>
+              </p:nvPr>
+            </p:nvSpPr>
+            <p:spPr>
+              <a:blipFill>
+                <a:blip r:embed="rId2"/>
+                <a:stretch>
+                  <a:fillRect l="-936" t="-2029"/>
+                </a:stretch>
+              </a:blipFill>
+            </p:spPr>
+            <p:txBody>
+              <a:bodyPr/>
+              <a:lstStyle/>
+              <a:p>
+                <a:r>
+                  <a:rPr lang="fr-FR">
+                    <a:noFill/>
+                  </a:rPr>
+                  <a:t> </a:t>
+                </a:r>
+              </a:p>
+            </p:txBody>
+          </p:sp>
+        </mc:Fallback>
+      </mc:AlternateContent>
     </p:spTree>
     <p:extLst>
       <p:ext uri="{BB962C8B-B14F-4D97-AF65-F5344CB8AC3E}">
-        <p14:creationId xmlns:p14="http://schemas.microsoft.com/office/powerpoint/2010/main" val="77956961"/>
+        <p14:creationId xmlns:p14="http://schemas.microsoft.com/office/powerpoint/2010/main" val="3199687834"/>
       </p:ext>
     </p:extLst>
   </p:cSld>
@@ -6688,7 +10320,7 @@
 </p:sld>
 </file>
 
-<file path=ppt/slides/slide18.xml><?xml version="1.0" encoding="utf-8"?>
+<file path=ppt/slides/slide19.xml><?xml version="1.0" encoding="utf-8"?>
 <p:sld xmlns:a="http://schemas.openxmlformats.org/drawingml/2006/main" xmlns:r="http://schemas.openxmlformats.org/officeDocument/2006/relationships" xmlns:p="http://schemas.openxmlformats.org/presentationml/2006/main">
   <p:cSld>
     <p:spTree>
@@ -8323,8 +11955,8 @@
           </a:p>
         </p:txBody>
       </p:sp>
-      <mc:AlternateContent xmlns:mc="http://schemas.openxmlformats.org/markup-compatibility/2006">
-        <mc:Choice xmlns:a14="http://schemas.microsoft.com/office/drawing/2010/main" Requires="a14">
+      <mc:AlternateContent xmlns:mc="http://schemas.openxmlformats.org/markup-compatibility/2006" xmlns:a14="http://schemas.microsoft.com/office/drawing/2010/main">
+        <mc:Choice Requires="a14">
           <p:sp>
             <p:nvSpPr>
               <p:cNvPr id="3" name="Espace réservé du contenu 2"/>
@@ -9469,7 +13101,7 @@
             </p:txBody>
           </p:sp>
         </mc:Choice>
-        <mc:Fallback>
+        <mc:Fallback xmlns="">
           <p:sp>
             <p:nvSpPr>
               <p:cNvPr id="3" name="Espace réservé du contenu 2"/>
@@ -9849,8 +13481,8 @@
           </a:p>
         </p:txBody>
       </p:sp>
-      <mc:AlternateContent xmlns:mc="http://schemas.openxmlformats.org/markup-compatibility/2006">
-        <mc:Choice xmlns:a14="http://schemas.microsoft.com/office/drawing/2010/main" Requires="a14">
+      <mc:AlternateContent xmlns:mc="http://schemas.openxmlformats.org/markup-compatibility/2006" xmlns:a14="http://schemas.microsoft.com/office/drawing/2010/main">
+        <mc:Choice Requires="a14">
           <p:sp>
             <p:nvSpPr>
               <p:cNvPr id="21" name="ZoneTexte 20">
@@ -9900,7 +13532,7 @@
             </p:txBody>
           </p:sp>
         </mc:Choice>
-        <mc:Fallback>
+        <mc:Fallback xmlns="">
           <p:sp>
             <p:nvSpPr>
               <p:cNvPr id="21" name="ZoneTexte 20">

--- a/B_Fiches_Protocoles/ProtocolesExpérimentaux.pptx
+++ b/B_Fiches_Protocoles/ProtocolesExpérimentaux.pptx
@@ -273,7 +273,7 @@
           <a:p>
             <a:fld id="{1A3D9B3B-1EC8-4BC4-B783-7630517B3190}" type="datetimeFigureOut">
               <a:rPr lang="fr-FR" smtClean="0"/>
-              <a:t>31/05/2024</a:t>
+              <a:t>01/06/2024</a:t>
             </a:fld>
             <a:endParaRPr lang="fr-FR"/>
           </a:p>
@@ -682,7 +682,7 @@
           <a:p>
             <a:fld id="{1A3D9B3B-1EC8-4BC4-B783-7630517B3190}" type="datetimeFigureOut">
               <a:rPr lang="fr-FR" smtClean="0"/>
-              <a:t>31/05/2024</a:t>
+              <a:t>01/06/2024</a:t>
             </a:fld>
             <a:endParaRPr lang="fr-FR"/>
           </a:p>
@@ -868,7 +868,7 @@
           <a:p>
             <a:fld id="{1A3D9B3B-1EC8-4BC4-B783-7630517B3190}" type="datetimeFigureOut">
               <a:rPr lang="fr-FR" smtClean="0"/>
-              <a:t>31/05/2024</a:t>
+              <a:t>01/06/2024</a:t>
             </a:fld>
             <a:endParaRPr lang="fr-FR"/>
           </a:p>
@@ -1044,7 +1044,7 @@
           <a:p>
             <a:fld id="{1A3D9B3B-1EC8-4BC4-B783-7630517B3190}" type="datetimeFigureOut">
               <a:rPr lang="fr-FR" smtClean="0"/>
-              <a:t>31/05/2024</a:t>
+              <a:t>01/06/2024</a:t>
             </a:fld>
             <a:endParaRPr lang="fr-FR"/>
           </a:p>
@@ -1343,7 +1343,7 @@
           <a:p>
             <a:fld id="{1A3D9B3B-1EC8-4BC4-B783-7630517B3190}" type="datetimeFigureOut">
               <a:rPr lang="fr-FR" smtClean="0"/>
-              <a:t>31/05/2024</a:t>
+              <a:t>01/06/2024</a:t>
             </a:fld>
             <a:endParaRPr lang="fr-FR"/>
           </a:p>
@@ -1580,7 +1580,7 @@
           <a:p>
             <a:fld id="{1A3D9B3B-1EC8-4BC4-B783-7630517B3190}" type="datetimeFigureOut">
               <a:rPr lang="fr-FR" smtClean="0"/>
-              <a:t>31/05/2024</a:t>
+              <a:t>01/06/2024</a:t>
             </a:fld>
             <a:endParaRPr lang="fr-FR"/>
           </a:p>
@@ -1998,7 +1998,7 @@
           <a:p>
             <a:fld id="{1A3D9B3B-1EC8-4BC4-B783-7630517B3190}" type="datetimeFigureOut">
               <a:rPr lang="fr-FR" smtClean="0"/>
-              <a:t>31/05/2024</a:t>
+              <a:t>01/06/2024</a:t>
             </a:fld>
             <a:endParaRPr lang="fr-FR"/>
           </a:p>
@@ -2123,7 +2123,7 @@
           <a:p>
             <a:fld id="{1A3D9B3B-1EC8-4BC4-B783-7630517B3190}" type="datetimeFigureOut">
               <a:rPr lang="fr-FR" smtClean="0"/>
-              <a:t>31/05/2024</a:t>
+              <a:t>01/06/2024</a:t>
             </a:fld>
             <a:endParaRPr lang="fr-FR"/>
           </a:p>
@@ -2272,7 +2272,7 @@
           <a:p>
             <a:fld id="{1A3D9B3B-1EC8-4BC4-B783-7630517B3190}" type="datetimeFigureOut">
               <a:rPr lang="fr-FR" smtClean="0"/>
-              <a:t>31/05/2024</a:t>
+              <a:t>01/06/2024</a:t>
             </a:fld>
             <a:endParaRPr lang="fr-FR"/>
           </a:p>
@@ -2555,7 +2555,7 @@
           <a:p>
             <a:fld id="{1A3D9B3B-1EC8-4BC4-B783-7630517B3190}" type="datetimeFigureOut">
               <a:rPr lang="fr-FR" smtClean="0"/>
-              <a:t>31/05/2024</a:t>
+              <a:t>01/06/2024</a:t>
             </a:fld>
             <a:endParaRPr lang="fr-FR"/>
           </a:p>
@@ -2815,7 +2815,7 @@
           <a:p>
             <a:fld id="{1A3D9B3B-1EC8-4BC4-B783-7630517B3190}" type="datetimeFigureOut">
               <a:rPr lang="fr-FR" smtClean="0"/>
-              <a:t>31/05/2024</a:t>
+              <a:t>01/06/2024</a:t>
             </a:fld>
             <a:endParaRPr lang="fr-FR"/>
           </a:p>
@@ -3035,7 +3035,7 @@
             <a:fld id="{1A3D9B3B-1EC8-4BC4-B783-7630517B3190}" type="datetimeFigureOut">
               <a:rPr lang="fr-FR" smtClean="0"/>
               <a:pPr/>
-              <a:t>31/05/2024</a:t>
+              <a:t>01/06/2024</a:t>
             </a:fld>
             <a:endParaRPr lang="fr-FR"/>
           </a:p>
@@ -3767,7 +3767,7 @@
             <a:pPr lvl="1"/>
             <a:r>
               <a:rPr lang="fr-FR" dirty="0"/>
-              <a:t>Le frottement s’oppose à l’établissement d’un mouvement</a:t>
+              <a:t>Le frottement sec s’oppose à l’établissement d’un mouvement</a:t>
             </a:r>
           </a:p>
           <a:p>
@@ -3914,6 +3914,7 @@
             <a:endParaRPr lang="fr-FR" dirty="0"/>
           </a:p>
           <a:p>
+            <a:pPr algn="just"/>
             <a:r>
               <a:rPr lang="fr-FR" dirty="0"/>
               <a:t>Sur un déplacement où la pesanteur ne travaille pas (</a:t>
@@ -4074,25 +4075,349 @@
           </a:p>
         </p:txBody>
       </p:sp>
-      <p:sp>
-        <p:nvSpPr>
-          <p:cNvPr id="3" name="Espace réservé du contenu 2"/>
-          <p:cNvSpPr>
-            <a:spLocks noGrp="1"/>
-          </p:cNvSpPr>
-          <p:nvPr>
-            <p:ph idx="1"/>
-          </p:nvPr>
-        </p:nvSpPr>
-        <p:spPr/>
-        <p:txBody>
-          <a:bodyPr/>
-          <a:lstStyle/>
-          <a:p>
-            <a:endParaRPr lang="fr-FR"/>
-          </a:p>
-        </p:txBody>
-      </p:sp>
+      <mc:AlternateContent xmlns:mc="http://schemas.openxmlformats.org/markup-compatibility/2006">
+        <mc:Choice xmlns:a14="http://schemas.microsoft.com/office/drawing/2010/main" Requires="a14">
+          <p:sp>
+            <p:nvSpPr>
+              <p:cNvPr id="3" name="Espace réservé du contenu 2"/>
+              <p:cNvSpPr>
+                <a:spLocks noGrp="1"/>
+              </p:cNvSpPr>
+              <p:nvPr>
+                <p:ph idx="1"/>
+              </p:nvPr>
+            </p:nvSpPr>
+            <p:spPr/>
+            <p:txBody>
+              <a:bodyPr/>
+              <a:lstStyle/>
+              <a:p>
+                <a:r>
+                  <a:rPr lang="fr-FR" dirty="0"/>
+                  <a:t>Frottement visqueux sur un mouvement de translation :</a:t>
+                </a:r>
+              </a:p>
+              <a:p>
+                <a:pPr lvl="1"/>
+                <a14:m>
+                  <m:oMath xmlns:m="http://schemas.openxmlformats.org/officeDocument/2006/math">
+                    <m:sSub>
+                      <m:sSubPr>
+                        <m:ctrlPr>
+                          <a:rPr lang="fr-FR" b="0" i="1" smtClean="0">
+                            <a:latin typeface="Cambria Math" panose="02040503050406030204" pitchFamily="18" charset="0"/>
+                          </a:rPr>
+                        </m:ctrlPr>
+                      </m:sSubPr>
+                      <m:e>
+                        <m:r>
+                          <a:rPr lang="fr-FR" b="0" i="1" smtClean="0">
+                            <a:latin typeface="Cambria Math" panose="02040503050406030204" pitchFamily="18" charset="0"/>
+                          </a:rPr>
+                          <m:t>𝐹</m:t>
+                        </m:r>
+                      </m:e>
+                      <m:sub>
+                        <m:r>
+                          <a:rPr lang="fr-FR" b="0" i="1" smtClean="0">
+                            <a:latin typeface="Cambria Math" panose="02040503050406030204" pitchFamily="18" charset="0"/>
+                          </a:rPr>
+                          <m:t>𝑣</m:t>
+                        </m:r>
+                      </m:sub>
+                    </m:sSub>
+                    <m:r>
+                      <a:rPr lang="fr-FR" b="0" i="1" smtClean="0">
+                        <a:latin typeface="Cambria Math" panose="02040503050406030204" pitchFamily="18" charset="0"/>
+                      </a:rPr>
+                      <m:t>=</m:t>
+                    </m:r>
+                    <m:r>
+                      <a:rPr lang="fr-FR" b="0" i="1" smtClean="0">
+                        <a:latin typeface="Cambria Math" panose="02040503050406030204" pitchFamily="18" charset="0"/>
+                      </a:rPr>
+                      <m:t>𝛼</m:t>
+                    </m:r>
+                    <m:r>
+                      <a:rPr lang="fr-FR" b="0" i="1" smtClean="0">
+                        <a:latin typeface="Cambria Math" panose="02040503050406030204" pitchFamily="18" charset="0"/>
+                      </a:rPr>
+                      <m:t>𝑣</m:t>
+                    </m:r>
+                  </m:oMath>
+                </a14:m>
+                <a:r>
+                  <a:rPr lang="fr-FR" dirty="0"/>
+                  <a:t>; donc </a:t>
+                </a:r>
+                <a14:m>
+                  <m:oMath xmlns:m="http://schemas.openxmlformats.org/officeDocument/2006/math">
+                    <m:d>
+                      <m:dPr>
+                        <m:begChr m:val="["/>
+                        <m:endChr m:val="]"/>
+                        <m:ctrlPr>
+                          <a:rPr lang="fr-FR" b="0" i="0" smtClean="0">
+                            <a:latin typeface="Cambria Math" panose="02040503050406030204" pitchFamily="18" charset="0"/>
+                          </a:rPr>
+                        </m:ctrlPr>
+                      </m:dPr>
+                      <m:e>
+                        <m:r>
+                          <a:rPr lang="fr-FR" b="0" i="1" smtClean="0">
+                            <a:latin typeface="Cambria Math" panose="02040503050406030204" pitchFamily="18" charset="0"/>
+                          </a:rPr>
+                          <m:t>𝛼</m:t>
+                        </m:r>
+                      </m:e>
+                    </m:d>
+                    <m:r>
+                      <a:rPr lang="fr-FR" b="0" i="1" smtClean="0">
+                        <a:latin typeface="Cambria Math" panose="02040503050406030204" pitchFamily="18" charset="0"/>
+                      </a:rPr>
+                      <m:t>=</m:t>
+                    </m:r>
+                    <m:d>
+                      <m:dPr>
+                        <m:begChr m:val="["/>
+                        <m:endChr m:val="]"/>
+                        <m:ctrlPr>
+                          <a:rPr lang="fr-FR" b="0" i="1" smtClean="0">
+                            <a:latin typeface="Cambria Math" panose="02040503050406030204" pitchFamily="18" charset="0"/>
+                          </a:rPr>
+                        </m:ctrlPr>
+                      </m:dPr>
+                      <m:e>
+                        <m:f>
+                          <m:fPr>
+                            <m:ctrlPr>
+                              <a:rPr lang="fr-FR" b="0" i="1" smtClean="0">
+                                <a:latin typeface="Cambria Math" panose="02040503050406030204" pitchFamily="18" charset="0"/>
+                              </a:rPr>
+                            </m:ctrlPr>
+                          </m:fPr>
+                          <m:num>
+                            <m:r>
+                              <a:rPr lang="fr-FR" b="0" i="1" smtClean="0">
+                                <a:latin typeface="Cambria Math" panose="02040503050406030204" pitchFamily="18" charset="0"/>
+                              </a:rPr>
+                              <m:t>𝑁</m:t>
+                            </m:r>
+                          </m:num>
+                          <m:den>
+                            <m:r>
+                              <a:rPr lang="fr-FR" b="0" i="1" smtClean="0">
+                                <a:latin typeface="Cambria Math" panose="02040503050406030204" pitchFamily="18" charset="0"/>
+                              </a:rPr>
+                              <m:t>𝑚</m:t>
+                            </m:r>
+                            <m:r>
+                              <m:rPr>
+                                <m:lit/>
+                              </m:rPr>
+                              <a:rPr lang="fr-FR" b="0" i="1" smtClean="0">
+                                <a:latin typeface="Cambria Math" panose="02040503050406030204" pitchFamily="18" charset="0"/>
+                              </a:rPr>
+                              <m:t>/</m:t>
+                            </m:r>
+                            <m:r>
+                              <a:rPr lang="fr-FR" b="0" i="1" smtClean="0">
+                                <a:latin typeface="Cambria Math" panose="02040503050406030204" pitchFamily="18" charset="0"/>
+                              </a:rPr>
+                              <m:t>𝑠</m:t>
+                            </m:r>
+                          </m:den>
+                        </m:f>
+                      </m:e>
+                    </m:d>
+                  </m:oMath>
+                </a14:m>
+                <a:endParaRPr lang="fr-FR" dirty="0"/>
+              </a:p>
+              <a:p>
+                <a:r>
+                  <a:rPr lang="fr-FR" dirty="0"/>
+                  <a:t>Frottement visqueux sur un mouvement de rotation:</a:t>
+                </a:r>
+              </a:p>
+              <a:p>
+                <a:pPr lvl="1"/>
+                <a14:m>
+                  <m:oMath xmlns:m="http://schemas.openxmlformats.org/officeDocument/2006/math">
+                    <m:sSub>
+                      <m:sSubPr>
+                        <m:ctrlPr>
+                          <a:rPr lang="fr-FR" b="0" i="1" smtClean="0">
+                            <a:latin typeface="Cambria Math" panose="02040503050406030204" pitchFamily="18" charset="0"/>
+                          </a:rPr>
+                        </m:ctrlPr>
+                      </m:sSubPr>
+                      <m:e>
+                        <m:r>
+                          <a:rPr lang="fr-FR" b="0" i="1" smtClean="0">
+                            <a:latin typeface="Cambria Math" panose="02040503050406030204" pitchFamily="18" charset="0"/>
+                          </a:rPr>
+                          <m:t>𝐶</m:t>
+                        </m:r>
+                      </m:e>
+                      <m:sub>
+                        <m:r>
+                          <a:rPr lang="fr-FR" b="0" i="1" smtClean="0">
+                            <a:latin typeface="Cambria Math" panose="02040503050406030204" pitchFamily="18" charset="0"/>
+                          </a:rPr>
+                          <m:t>𝑣</m:t>
+                        </m:r>
+                      </m:sub>
+                    </m:sSub>
+                    <m:r>
+                      <a:rPr lang="fr-FR" b="0" i="1" smtClean="0">
+                        <a:latin typeface="Cambria Math" panose="02040503050406030204" pitchFamily="18" charset="0"/>
+                      </a:rPr>
+                      <m:t>=</m:t>
+                    </m:r>
+                    <m:r>
+                      <a:rPr lang="fr-FR" b="0" i="1" smtClean="0">
+                        <a:latin typeface="Cambria Math" panose="02040503050406030204" pitchFamily="18" charset="0"/>
+                      </a:rPr>
+                      <m:t>𝛼𝜔</m:t>
+                    </m:r>
+                  </m:oMath>
+                </a14:m>
+                <a:r>
+                  <a:rPr lang="fr-FR" dirty="0"/>
+                  <a:t>; donc </a:t>
+                </a:r>
+                <a14:m>
+                  <m:oMath xmlns:m="http://schemas.openxmlformats.org/officeDocument/2006/math">
+                    <m:d>
+                      <m:dPr>
+                        <m:begChr m:val="["/>
+                        <m:endChr m:val="]"/>
+                        <m:ctrlPr>
+                          <a:rPr lang="fr-FR" b="0" i="1" smtClean="0">
+                            <a:latin typeface="Cambria Math" panose="02040503050406030204" pitchFamily="18" charset="0"/>
+                          </a:rPr>
+                        </m:ctrlPr>
+                      </m:dPr>
+                      <m:e>
+                        <m:r>
+                          <a:rPr lang="fr-FR" b="0" i="1" smtClean="0">
+                            <a:latin typeface="Cambria Math" panose="02040503050406030204" pitchFamily="18" charset="0"/>
+                          </a:rPr>
+                          <m:t>𝛼</m:t>
+                        </m:r>
+                      </m:e>
+                    </m:d>
+                    <m:r>
+                      <a:rPr lang="fr-FR" b="0" i="1" smtClean="0">
+                        <a:latin typeface="Cambria Math" panose="02040503050406030204" pitchFamily="18" charset="0"/>
+                      </a:rPr>
+                      <m:t>=</m:t>
+                    </m:r>
+                    <m:d>
+                      <m:dPr>
+                        <m:begChr m:val="["/>
+                        <m:endChr m:val="]"/>
+                        <m:ctrlPr>
+                          <a:rPr lang="fr-FR" b="0" i="1" smtClean="0">
+                            <a:latin typeface="Cambria Math" panose="02040503050406030204" pitchFamily="18" charset="0"/>
+                          </a:rPr>
+                        </m:ctrlPr>
+                      </m:dPr>
+                      <m:e>
+                        <m:f>
+                          <m:fPr>
+                            <m:ctrlPr>
+                              <a:rPr lang="fr-FR" b="0" i="1" smtClean="0">
+                                <a:latin typeface="Cambria Math" panose="02040503050406030204" pitchFamily="18" charset="0"/>
+                              </a:rPr>
+                            </m:ctrlPr>
+                          </m:fPr>
+                          <m:num>
+                            <m:r>
+                              <a:rPr lang="fr-FR" b="0" i="1" smtClean="0">
+                                <a:latin typeface="Cambria Math" panose="02040503050406030204" pitchFamily="18" charset="0"/>
+                              </a:rPr>
+                              <m:t>𝑁</m:t>
+                            </m:r>
+                            <m:r>
+                              <a:rPr lang="fr-FR" b="0" i="1" smtClean="0">
+                                <a:latin typeface="Cambria Math" panose="02040503050406030204" pitchFamily="18" charset="0"/>
+                              </a:rPr>
+                              <m:t>𝑚</m:t>
+                            </m:r>
+                          </m:num>
+                          <m:den>
+                            <m:r>
+                              <a:rPr lang="fr-FR" b="0" i="1" smtClean="0">
+                                <a:latin typeface="Cambria Math" panose="02040503050406030204" pitchFamily="18" charset="0"/>
+                              </a:rPr>
+                              <m:t>𝑟𝑎𝑑</m:t>
+                            </m:r>
+                            <m:r>
+                              <m:rPr>
+                                <m:lit/>
+                              </m:rPr>
+                              <a:rPr lang="fr-FR" b="0" i="1" smtClean="0">
+                                <a:latin typeface="Cambria Math" panose="02040503050406030204" pitchFamily="18" charset="0"/>
+                              </a:rPr>
+                              <m:t>/</m:t>
+                            </m:r>
+                            <m:r>
+                              <a:rPr lang="fr-FR" b="0" i="1" smtClean="0">
+                                <a:latin typeface="Cambria Math" panose="02040503050406030204" pitchFamily="18" charset="0"/>
+                              </a:rPr>
+                              <m:t>𝑠</m:t>
+                            </m:r>
+                          </m:den>
+                        </m:f>
+                      </m:e>
+                    </m:d>
+                  </m:oMath>
+                </a14:m>
+                <a:endParaRPr lang="fr-FR" dirty="0"/>
+              </a:p>
+              <a:p>
+                <a:pPr lvl="1"/>
+                <a:endParaRPr lang="fr-FR" dirty="0"/>
+              </a:p>
+            </p:txBody>
+          </p:sp>
+        </mc:Choice>
+        <mc:Fallback>
+          <p:sp>
+            <p:nvSpPr>
+              <p:cNvPr id="3" name="Espace réservé du contenu 2"/>
+              <p:cNvSpPr>
+                <a:spLocks noGrp="1" noRot="1" noChangeAspect="1" noMove="1" noResize="1" noEditPoints="1" noAdjustHandles="1" noChangeArrowheads="1" noChangeShapeType="1" noTextEdit="1"/>
+              </p:cNvSpPr>
+              <p:nvPr>
+                <p:ph idx="1"/>
+              </p:nvPr>
+            </p:nvSpPr>
+            <p:spPr>
+              <a:blipFill>
+                <a:blip r:embed="rId2"/>
+                <a:stretch>
+                  <a:fillRect l="-936" t="-2029"/>
+                </a:stretch>
+              </a:blipFill>
+            </p:spPr>
+            <p:txBody>
+              <a:bodyPr/>
+              <a:lstStyle/>
+              <a:p>
+                <a:r>
+                  <a:rPr lang="fr-FR">
+                    <a:noFill/>
+                  </a:rPr>
+                  <a:t> </a:t>
+                </a:r>
+              </a:p>
+            </p:txBody>
+          </p:sp>
+        </mc:Fallback>
+      </mc:AlternateContent>
     </p:spTree>
     <p:extLst>
       <p:ext uri="{BB962C8B-B14F-4D97-AF65-F5344CB8AC3E}">
@@ -8404,8 +8729,8 @@
           </a:p>
         </p:txBody>
       </p:sp>
-      <mc:AlternateContent xmlns:mc="http://schemas.openxmlformats.org/markup-compatibility/2006">
-        <mc:Choice xmlns:a14="http://schemas.microsoft.com/office/drawing/2010/main" Requires="a14">
+      <mc:AlternateContent xmlns:mc="http://schemas.openxmlformats.org/markup-compatibility/2006" xmlns:a14="http://schemas.microsoft.com/office/drawing/2010/main">
+        <mc:Choice Requires="a14">
           <p:sp>
             <p:nvSpPr>
               <p:cNvPr id="4" name="Espace réservé du contenu 5">
@@ -9058,7 +9383,7 @@
             </p:txBody>
           </p:sp>
         </mc:Choice>
-        <mc:Fallback>
+        <mc:Fallback xmlns="">
           <p:sp>
             <p:nvSpPr>
               <p:cNvPr id="4" name="Espace réservé du contenu 5">
@@ -9875,8 +10200,8 @@
           </a:p>
         </p:txBody>
       </p:sp>
-      <mc:AlternateContent xmlns:mc="http://schemas.openxmlformats.org/markup-compatibility/2006">
-        <mc:Choice xmlns:a14="http://schemas.microsoft.com/office/drawing/2010/main" Requires="a14">
+      <mc:AlternateContent xmlns:mc="http://schemas.openxmlformats.org/markup-compatibility/2006" xmlns:a14="http://schemas.microsoft.com/office/drawing/2010/main">
+        <mc:Choice Requires="a14">
           <p:sp>
             <p:nvSpPr>
               <p:cNvPr id="6" name="Espace réservé du contenu 5">
@@ -10267,7 +10592,7 @@
             </p:txBody>
           </p:sp>
         </mc:Choice>
-        <mc:Fallback>
+        <mc:Fallback xmlns="">
           <p:sp>
             <p:nvSpPr>
               <p:cNvPr id="6" name="Espace réservé du contenu 5">

--- a/B_Fiches_Protocoles/ProtocolesExpérimentaux.pptx
+++ b/B_Fiches_Protocoles/ProtocolesExpérimentaux.pptx
@@ -273,7 +273,7 @@
           <a:p>
             <a:fld id="{1A3D9B3B-1EC8-4BC4-B783-7630517B3190}" type="datetimeFigureOut">
               <a:rPr lang="fr-FR" smtClean="0"/>
-              <a:t>01/06/2024</a:t>
+              <a:t>02/06/2024</a:t>
             </a:fld>
             <a:endParaRPr lang="fr-FR"/>
           </a:p>
@@ -682,7 +682,7 @@
           <a:p>
             <a:fld id="{1A3D9B3B-1EC8-4BC4-B783-7630517B3190}" type="datetimeFigureOut">
               <a:rPr lang="fr-FR" smtClean="0"/>
-              <a:t>01/06/2024</a:t>
+              <a:t>02/06/2024</a:t>
             </a:fld>
             <a:endParaRPr lang="fr-FR"/>
           </a:p>
@@ -868,7 +868,7 @@
           <a:p>
             <a:fld id="{1A3D9B3B-1EC8-4BC4-B783-7630517B3190}" type="datetimeFigureOut">
               <a:rPr lang="fr-FR" smtClean="0"/>
-              <a:t>01/06/2024</a:t>
+              <a:t>02/06/2024</a:t>
             </a:fld>
             <a:endParaRPr lang="fr-FR"/>
           </a:p>
@@ -1044,7 +1044,7 @@
           <a:p>
             <a:fld id="{1A3D9B3B-1EC8-4BC4-B783-7630517B3190}" type="datetimeFigureOut">
               <a:rPr lang="fr-FR" smtClean="0"/>
-              <a:t>01/06/2024</a:t>
+              <a:t>02/06/2024</a:t>
             </a:fld>
             <a:endParaRPr lang="fr-FR"/>
           </a:p>
@@ -1343,7 +1343,7 @@
           <a:p>
             <a:fld id="{1A3D9B3B-1EC8-4BC4-B783-7630517B3190}" type="datetimeFigureOut">
               <a:rPr lang="fr-FR" smtClean="0"/>
-              <a:t>01/06/2024</a:t>
+              <a:t>02/06/2024</a:t>
             </a:fld>
             <a:endParaRPr lang="fr-FR"/>
           </a:p>
@@ -1580,7 +1580,7 @@
           <a:p>
             <a:fld id="{1A3D9B3B-1EC8-4BC4-B783-7630517B3190}" type="datetimeFigureOut">
               <a:rPr lang="fr-FR" smtClean="0"/>
-              <a:t>01/06/2024</a:t>
+              <a:t>02/06/2024</a:t>
             </a:fld>
             <a:endParaRPr lang="fr-FR"/>
           </a:p>
@@ -1998,7 +1998,7 @@
           <a:p>
             <a:fld id="{1A3D9B3B-1EC8-4BC4-B783-7630517B3190}" type="datetimeFigureOut">
               <a:rPr lang="fr-FR" smtClean="0"/>
-              <a:t>01/06/2024</a:t>
+              <a:t>02/06/2024</a:t>
             </a:fld>
             <a:endParaRPr lang="fr-FR"/>
           </a:p>
@@ -2123,7 +2123,7 @@
           <a:p>
             <a:fld id="{1A3D9B3B-1EC8-4BC4-B783-7630517B3190}" type="datetimeFigureOut">
               <a:rPr lang="fr-FR" smtClean="0"/>
-              <a:t>01/06/2024</a:t>
+              <a:t>02/06/2024</a:t>
             </a:fld>
             <a:endParaRPr lang="fr-FR"/>
           </a:p>
@@ -2272,7 +2272,7 @@
           <a:p>
             <a:fld id="{1A3D9B3B-1EC8-4BC4-B783-7630517B3190}" type="datetimeFigureOut">
               <a:rPr lang="fr-FR" smtClean="0"/>
-              <a:t>01/06/2024</a:t>
+              <a:t>02/06/2024</a:t>
             </a:fld>
             <a:endParaRPr lang="fr-FR"/>
           </a:p>
@@ -2555,7 +2555,7 @@
           <a:p>
             <a:fld id="{1A3D9B3B-1EC8-4BC4-B783-7630517B3190}" type="datetimeFigureOut">
               <a:rPr lang="fr-FR" smtClean="0"/>
-              <a:t>01/06/2024</a:t>
+              <a:t>02/06/2024</a:t>
             </a:fld>
             <a:endParaRPr lang="fr-FR"/>
           </a:p>
@@ -2815,7 +2815,7 @@
           <a:p>
             <a:fld id="{1A3D9B3B-1EC8-4BC4-B783-7630517B3190}" type="datetimeFigureOut">
               <a:rPr lang="fr-FR" smtClean="0"/>
-              <a:t>01/06/2024</a:t>
+              <a:t>02/06/2024</a:t>
             </a:fld>
             <a:endParaRPr lang="fr-FR"/>
           </a:p>
@@ -3035,7 +3035,7 @@
             <a:fld id="{1A3D9B3B-1EC8-4BC4-B783-7630517B3190}" type="datetimeFigureOut">
               <a:rPr lang="fr-FR" smtClean="0"/>
               <a:pPr/>
-              <a:t>01/06/2024</a:t>
+              <a:t>02/06/2024</a:t>
             </a:fld>
             <a:endParaRPr lang="fr-FR"/>
           </a:p>
@@ -4087,18 +4087,32 @@
                 <p:ph idx="1"/>
               </p:nvPr>
             </p:nvSpPr>
-            <p:spPr/>
+            <p:spPr>
+              <a:xfrm>
+                <a:off x="232229" y="1248228"/>
+                <a:ext cx="11727542" cy="5529144"/>
+              </a:xfrm>
+            </p:spPr>
             <p:txBody>
-              <a:bodyPr/>
+              <a:bodyPr>
+                <a:normAutofit fontScale="70000" lnSpcReduction="20000"/>
+              </a:bodyPr>
               <a:lstStyle/>
               <a:p>
+                <a:r>
+                  <a:rPr lang="fr-FR" dirty="0"/>
+                  <a:t>Idées :</a:t>
+                </a:r>
+              </a:p>
+              <a:p>
+                <a:pPr lvl="1"/>
                 <a:r>
                   <a:rPr lang="fr-FR" dirty="0"/>
                   <a:t>Frottement visqueux sur un mouvement de translation :</a:t>
                 </a:r>
               </a:p>
               <a:p>
-                <a:pPr lvl="1"/>
+                <a:pPr lvl="2"/>
                 <a14:m>
                   <m:oMath xmlns:m="http://schemas.openxmlformats.org/officeDocument/2006/math">
                     <m:sSub>
@@ -4157,7 +4171,7 @@
                         <m:begChr m:val="["/>
                         <m:endChr m:val="]"/>
                         <m:ctrlPr>
-                          <a:rPr lang="fr-FR" b="0" i="0" smtClean="0">
+                          <a:rPr lang="fr-FR" b="0" i="1" smtClean="0">
                             <a:latin typeface="Cambria Math" panose="02040503050406030204" pitchFamily="18" charset="0"/>
                           </a:rPr>
                         </m:ctrlPr>
@@ -4235,13 +4249,14 @@
                 <a:endParaRPr lang="fr-FR" dirty="0"/>
               </a:p>
               <a:p>
+                <a:pPr lvl="1"/>
                 <a:r>
                   <a:rPr lang="fr-FR" dirty="0"/>
                   <a:t>Frottement visqueux sur un mouvement de rotation:</a:t>
                 </a:r>
               </a:p>
               <a:p>
-                <a:pPr lvl="1"/>
+                <a:pPr lvl="2"/>
                 <a14:m>
                   <m:oMath xmlns:m="http://schemas.openxmlformats.org/officeDocument/2006/math">
                     <m:sSub>
@@ -4338,13 +4353,7 @@
                               <a:rPr lang="fr-FR" b="0" i="1" smtClean="0">
                                 <a:latin typeface="Cambria Math" panose="02040503050406030204" pitchFamily="18" charset="0"/>
                               </a:rPr>
-                              <m:t>𝑁</m:t>
-                            </m:r>
-                            <m:r>
-                              <a:rPr lang="fr-FR" b="0" i="1" smtClean="0">
-                                <a:latin typeface="Cambria Math" panose="02040503050406030204" pitchFamily="18" charset="0"/>
-                              </a:rPr>
-                              <m:t>𝑚</m:t>
+                              <m:t>𝑁𝑚</m:t>
                             </m:r>
                           </m:num>
                           <m:den>
@@ -4379,6 +4388,543 @@
               </a:p>
               <a:p>
                 <a:pPr lvl="1"/>
+                <a:r>
+                  <a:rPr lang="fr-FR" dirty="0"/>
+                  <a:t>Le PFD ou le TEC peut souvent s’écrire sous la forme : </a:t>
+                </a:r>
+              </a:p>
+              <a:p>
+                <a:pPr lvl="2"/>
+                <a14:m>
+                  <m:oMath xmlns:m="http://schemas.openxmlformats.org/officeDocument/2006/math">
+                    <m:sSub>
+                      <m:sSubPr>
+                        <m:ctrlPr>
+                          <a:rPr lang="fr-FR" b="0" i="1" smtClean="0">
+                            <a:latin typeface="Cambria Math" panose="02040503050406030204" pitchFamily="18" charset="0"/>
+                          </a:rPr>
+                        </m:ctrlPr>
+                      </m:sSubPr>
+                      <m:e>
+                        <m:r>
+                          <a:rPr lang="fr-FR" b="0" i="1" smtClean="0">
+                            <a:latin typeface="Cambria Math" panose="02040503050406030204" pitchFamily="18" charset="0"/>
+                          </a:rPr>
+                          <m:t>𝐶</m:t>
+                        </m:r>
+                      </m:e>
+                      <m:sub>
+                        <m:r>
+                          <a:rPr lang="fr-FR" b="0" i="1" smtClean="0">
+                            <a:latin typeface="Cambria Math" panose="02040503050406030204" pitchFamily="18" charset="0"/>
+                          </a:rPr>
+                          <m:t>𝑚</m:t>
+                        </m:r>
+                      </m:sub>
+                    </m:sSub>
+                    <m:r>
+                      <a:rPr lang="fr-FR" b="0" i="1" smtClean="0">
+                        <a:latin typeface="Cambria Math" panose="02040503050406030204" pitchFamily="18" charset="0"/>
+                      </a:rPr>
+                      <m:t>−</m:t>
+                    </m:r>
+                    <m:sSub>
+                      <m:sSubPr>
+                        <m:ctrlPr>
+                          <a:rPr lang="fr-FR" b="0" i="1" smtClean="0">
+                            <a:latin typeface="Cambria Math" panose="02040503050406030204" pitchFamily="18" charset="0"/>
+                          </a:rPr>
+                        </m:ctrlPr>
+                      </m:sSubPr>
+                      <m:e>
+                        <m:r>
+                          <a:rPr lang="fr-FR" b="0" i="1" smtClean="0">
+                            <a:latin typeface="Cambria Math" panose="02040503050406030204" pitchFamily="18" charset="0"/>
+                          </a:rPr>
+                          <m:t>𝐶</m:t>
+                        </m:r>
+                      </m:e>
+                      <m:sub>
+                        <m:r>
+                          <a:rPr lang="fr-FR" b="0" i="1" smtClean="0">
+                            <a:latin typeface="Cambria Math" panose="02040503050406030204" pitchFamily="18" charset="0"/>
+                          </a:rPr>
+                          <m:t>𝑓</m:t>
+                        </m:r>
+                      </m:sub>
+                    </m:sSub>
+                    <m:r>
+                      <a:rPr lang="fr-FR" i="1">
+                        <a:latin typeface="Cambria Math" panose="02040503050406030204" pitchFamily="18" charset="0"/>
+                      </a:rPr>
+                      <m:t>=</m:t>
+                    </m:r>
+                    <m:r>
+                      <a:rPr lang="fr-FR" i="1">
+                        <a:latin typeface="Cambria Math" panose="02040503050406030204" pitchFamily="18" charset="0"/>
+                      </a:rPr>
+                      <m:t>𝐽</m:t>
+                    </m:r>
+                    <m:f>
+                      <m:fPr>
+                        <m:ctrlPr>
+                          <a:rPr lang="fr-FR" b="0" i="1" smtClean="0">
+                            <a:latin typeface="Cambria Math" panose="02040503050406030204" pitchFamily="18" charset="0"/>
+                          </a:rPr>
+                        </m:ctrlPr>
+                      </m:fPr>
+                      <m:num>
+                        <m:r>
+                          <m:rPr>
+                            <m:sty m:val="p"/>
+                          </m:rPr>
+                          <a:rPr lang="fr-FR" b="0" i="0" smtClean="0">
+                            <a:latin typeface="Cambria Math" panose="02040503050406030204" pitchFamily="18" charset="0"/>
+                          </a:rPr>
+                          <m:t>d</m:t>
+                        </m:r>
+                        <m:r>
+                          <a:rPr lang="fr-FR" b="0" i="1" smtClean="0">
+                            <a:latin typeface="Cambria Math" panose="02040503050406030204" pitchFamily="18" charset="0"/>
+                          </a:rPr>
+                          <m:t>𝜔</m:t>
+                        </m:r>
+                        <m:r>
+                          <a:rPr lang="fr-FR" b="0" i="1" smtClean="0">
+                            <a:latin typeface="Cambria Math" panose="02040503050406030204" pitchFamily="18" charset="0"/>
+                          </a:rPr>
+                          <m:t>(</m:t>
+                        </m:r>
+                        <m:r>
+                          <a:rPr lang="fr-FR" b="0" i="1" smtClean="0">
+                            <a:latin typeface="Cambria Math" panose="02040503050406030204" pitchFamily="18" charset="0"/>
+                          </a:rPr>
+                          <m:t>𝑡</m:t>
+                        </m:r>
+                        <m:r>
+                          <a:rPr lang="fr-FR" b="0" i="1" smtClean="0">
+                            <a:latin typeface="Cambria Math" panose="02040503050406030204" pitchFamily="18" charset="0"/>
+                          </a:rPr>
+                          <m:t>)</m:t>
+                        </m:r>
+                      </m:num>
+                      <m:den>
+                        <m:r>
+                          <m:rPr>
+                            <m:sty m:val="p"/>
+                          </m:rPr>
+                          <a:rPr lang="fr-FR" b="0" i="0" smtClean="0">
+                            <a:latin typeface="Cambria Math" panose="02040503050406030204" pitchFamily="18" charset="0"/>
+                          </a:rPr>
+                          <m:t>d</m:t>
+                        </m:r>
+                        <m:r>
+                          <a:rPr lang="fr-FR" b="0" i="1" smtClean="0">
+                            <a:latin typeface="Cambria Math" panose="02040503050406030204" pitchFamily="18" charset="0"/>
+                          </a:rPr>
+                          <m:t>𝑡</m:t>
+                        </m:r>
+                      </m:den>
+                    </m:f>
+                  </m:oMath>
+                </a14:m>
+                <a:r>
+                  <a:rPr lang="fr-FR" dirty="0"/>
+                  <a:t> ou </a:t>
+                </a:r>
+                <a14:m>
+                  <m:oMath xmlns:m="http://schemas.openxmlformats.org/officeDocument/2006/math">
+                    <m:sSub>
+                      <m:sSubPr>
+                        <m:ctrlPr>
+                          <a:rPr lang="fr-FR" b="0" i="1" smtClean="0">
+                            <a:latin typeface="Cambria Math" panose="02040503050406030204" pitchFamily="18" charset="0"/>
+                          </a:rPr>
+                        </m:ctrlPr>
+                      </m:sSubPr>
+                      <m:e>
+                        <m:r>
+                          <a:rPr lang="fr-FR" b="0" i="1" smtClean="0">
+                            <a:latin typeface="Cambria Math" panose="02040503050406030204" pitchFamily="18" charset="0"/>
+                          </a:rPr>
+                          <m:t>𝐹</m:t>
+                        </m:r>
+                      </m:e>
+                      <m:sub>
+                        <m:r>
+                          <a:rPr lang="fr-FR" b="0" i="1" smtClean="0">
+                            <a:latin typeface="Cambria Math" panose="02040503050406030204" pitchFamily="18" charset="0"/>
+                          </a:rPr>
+                          <m:t>𝑚</m:t>
+                        </m:r>
+                      </m:sub>
+                    </m:sSub>
+                    <m:r>
+                      <a:rPr lang="fr-FR" b="0" i="1" smtClean="0">
+                        <a:latin typeface="Cambria Math" panose="02040503050406030204" pitchFamily="18" charset="0"/>
+                      </a:rPr>
+                      <m:t>−</m:t>
+                    </m:r>
+                    <m:sSub>
+                      <m:sSubPr>
+                        <m:ctrlPr>
+                          <a:rPr lang="fr-FR" b="0" i="1" smtClean="0">
+                            <a:latin typeface="Cambria Math" panose="02040503050406030204" pitchFamily="18" charset="0"/>
+                          </a:rPr>
+                        </m:ctrlPr>
+                      </m:sSubPr>
+                      <m:e>
+                        <m:r>
+                          <a:rPr lang="fr-FR" b="0" i="1" smtClean="0">
+                            <a:latin typeface="Cambria Math" panose="02040503050406030204" pitchFamily="18" charset="0"/>
+                          </a:rPr>
+                          <m:t>𝐹</m:t>
+                        </m:r>
+                      </m:e>
+                      <m:sub>
+                        <m:r>
+                          <a:rPr lang="fr-FR" b="0" i="1" smtClean="0">
+                            <a:latin typeface="Cambria Math" panose="02040503050406030204" pitchFamily="18" charset="0"/>
+                          </a:rPr>
+                          <m:t>𝑓</m:t>
+                        </m:r>
+                      </m:sub>
+                    </m:sSub>
+                    <m:r>
+                      <a:rPr lang="fr-FR" i="1">
+                        <a:latin typeface="Cambria Math" panose="02040503050406030204" pitchFamily="18" charset="0"/>
+                      </a:rPr>
+                      <m:t>=</m:t>
+                    </m:r>
+                    <m:r>
+                      <a:rPr lang="fr-FR" i="1">
+                        <a:latin typeface="Cambria Math" panose="02040503050406030204" pitchFamily="18" charset="0"/>
+                      </a:rPr>
+                      <m:t>𝑚</m:t>
+                    </m:r>
+                    <m:f>
+                      <m:fPr>
+                        <m:ctrlPr>
+                          <a:rPr lang="fr-FR" b="0" i="1" smtClean="0">
+                            <a:latin typeface="Cambria Math" panose="02040503050406030204" pitchFamily="18" charset="0"/>
+                          </a:rPr>
+                        </m:ctrlPr>
+                      </m:fPr>
+                      <m:num>
+                        <m:r>
+                          <m:rPr>
+                            <m:sty m:val="p"/>
+                          </m:rPr>
+                          <a:rPr lang="fr-FR" b="0" i="0" smtClean="0">
+                            <a:latin typeface="Cambria Math" panose="02040503050406030204" pitchFamily="18" charset="0"/>
+                          </a:rPr>
+                          <m:t>d</m:t>
+                        </m:r>
+                        <m:r>
+                          <a:rPr lang="fr-FR" b="0" i="1" smtClean="0">
+                            <a:latin typeface="Cambria Math" panose="02040503050406030204" pitchFamily="18" charset="0"/>
+                          </a:rPr>
+                          <m:t>𝑣</m:t>
+                        </m:r>
+                        <m:d>
+                          <m:dPr>
+                            <m:ctrlPr>
+                              <a:rPr lang="fr-FR" b="0" i="1" smtClean="0">
+                                <a:latin typeface="Cambria Math" panose="02040503050406030204" pitchFamily="18" charset="0"/>
+                              </a:rPr>
+                            </m:ctrlPr>
+                          </m:dPr>
+                          <m:e>
+                            <m:r>
+                              <a:rPr lang="fr-FR" b="0" i="1" smtClean="0">
+                                <a:latin typeface="Cambria Math" panose="02040503050406030204" pitchFamily="18" charset="0"/>
+                              </a:rPr>
+                              <m:t>𝑡</m:t>
+                            </m:r>
+                          </m:e>
+                        </m:d>
+                      </m:num>
+                      <m:den>
+                        <m:r>
+                          <m:rPr>
+                            <m:sty m:val="p"/>
+                          </m:rPr>
+                          <a:rPr lang="fr-FR" b="0" i="0" smtClean="0">
+                            <a:latin typeface="Cambria Math" panose="02040503050406030204" pitchFamily="18" charset="0"/>
+                          </a:rPr>
+                          <m:t>d</m:t>
+                        </m:r>
+                        <m:r>
+                          <a:rPr lang="fr-FR" b="0" i="1" smtClean="0">
+                            <a:latin typeface="Cambria Math" panose="02040503050406030204" pitchFamily="18" charset="0"/>
+                          </a:rPr>
+                          <m:t>𝑡</m:t>
+                        </m:r>
+                      </m:den>
+                    </m:f>
+                  </m:oMath>
+                </a14:m>
+                <a:r>
+                  <a:rPr lang="fr-FR" dirty="0"/>
+                  <a:t>.</a:t>
+                </a:r>
+              </a:p>
+              <a:p>
+                <a:pPr lvl="2"/>
+                <a:r>
+                  <a:rPr lang="fr-FR" dirty="0"/>
+                  <a:t>A vitesse constante, on a donc : </a:t>
+                </a:r>
+                <a14:m>
+                  <m:oMath xmlns:m="http://schemas.openxmlformats.org/officeDocument/2006/math">
+                    <m:sSub>
+                      <m:sSubPr>
+                        <m:ctrlPr>
+                          <a:rPr lang="fr-FR" b="0" i="1" smtClean="0">
+                            <a:latin typeface="Cambria Math" panose="02040503050406030204" pitchFamily="18" charset="0"/>
+                          </a:rPr>
+                        </m:ctrlPr>
+                      </m:sSubPr>
+                      <m:e>
+                        <m:r>
+                          <a:rPr lang="fr-FR" b="0" i="1" smtClean="0">
+                            <a:latin typeface="Cambria Math" panose="02040503050406030204" pitchFamily="18" charset="0"/>
+                          </a:rPr>
+                          <m:t>𝐶</m:t>
+                        </m:r>
+                      </m:e>
+                      <m:sub>
+                        <m:r>
+                          <a:rPr lang="fr-FR" b="0" i="1" smtClean="0">
+                            <a:latin typeface="Cambria Math" panose="02040503050406030204" pitchFamily="18" charset="0"/>
+                          </a:rPr>
+                          <m:t>𝑚</m:t>
+                        </m:r>
+                      </m:sub>
+                    </m:sSub>
+                    <m:r>
+                      <a:rPr lang="fr-FR" b="0" i="1" smtClean="0">
+                        <a:latin typeface="Cambria Math" panose="02040503050406030204" pitchFamily="18" charset="0"/>
+                      </a:rPr>
+                      <m:t>=</m:t>
+                    </m:r>
+                    <m:sSub>
+                      <m:sSubPr>
+                        <m:ctrlPr>
+                          <a:rPr lang="fr-FR" b="0" i="1" smtClean="0">
+                            <a:latin typeface="Cambria Math" panose="02040503050406030204" pitchFamily="18" charset="0"/>
+                          </a:rPr>
+                        </m:ctrlPr>
+                      </m:sSubPr>
+                      <m:e>
+                        <m:r>
+                          <a:rPr lang="fr-FR" b="0" i="1" smtClean="0">
+                            <a:latin typeface="Cambria Math" panose="02040503050406030204" pitchFamily="18" charset="0"/>
+                          </a:rPr>
+                          <m:t>𝐶</m:t>
+                        </m:r>
+                      </m:e>
+                      <m:sub>
+                        <m:r>
+                          <a:rPr lang="fr-FR" b="0" i="1" smtClean="0">
+                            <a:latin typeface="Cambria Math" panose="02040503050406030204" pitchFamily="18" charset="0"/>
+                          </a:rPr>
+                          <m:t>𝑓</m:t>
+                        </m:r>
+                      </m:sub>
+                    </m:sSub>
+                  </m:oMath>
+                </a14:m>
+                <a:r>
+                  <a:rPr lang="fr-FR" dirty="0"/>
+                  <a:t> ou </a:t>
+                </a:r>
+                <a14:m>
+                  <m:oMath xmlns:m="http://schemas.openxmlformats.org/officeDocument/2006/math">
+                    <m:sSub>
+                      <m:sSubPr>
+                        <m:ctrlPr>
+                          <a:rPr lang="fr-FR" b="0" i="1" smtClean="0">
+                            <a:latin typeface="Cambria Math" panose="02040503050406030204" pitchFamily="18" charset="0"/>
+                          </a:rPr>
+                        </m:ctrlPr>
+                      </m:sSubPr>
+                      <m:e>
+                        <m:r>
+                          <a:rPr lang="fr-FR" b="0" i="1" smtClean="0">
+                            <a:latin typeface="Cambria Math" panose="02040503050406030204" pitchFamily="18" charset="0"/>
+                          </a:rPr>
+                          <m:t>𝐹</m:t>
+                        </m:r>
+                      </m:e>
+                      <m:sub>
+                        <m:r>
+                          <a:rPr lang="fr-FR" b="0" i="1" smtClean="0">
+                            <a:latin typeface="Cambria Math" panose="02040503050406030204" pitchFamily="18" charset="0"/>
+                          </a:rPr>
+                          <m:t>𝑚</m:t>
+                        </m:r>
+                      </m:sub>
+                    </m:sSub>
+                    <m:r>
+                      <a:rPr lang="fr-FR" b="0" i="1" smtClean="0">
+                        <a:latin typeface="Cambria Math" panose="02040503050406030204" pitchFamily="18" charset="0"/>
+                      </a:rPr>
+                      <m:t>=</m:t>
+                    </m:r>
+                    <m:sSub>
+                      <m:sSubPr>
+                        <m:ctrlPr>
+                          <a:rPr lang="fr-FR" b="0" i="1" smtClean="0">
+                            <a:latin typeface="Cambria Math" panose="02040503050406030204" pitchFamily="18" charset="0"/>
+                          </a:rPr>
+                        </m:ctrlPr>
+                      </m:sSubPr>
+                      <m:e>
+                        <m:r>
+                          <a:rPr lang="fr-FR" b="0" i="1" smtClean="0">
+                            <a:latin typeface="Cambria Math" panose="02040503050406030204" pitchFamily="18" charset="0"/>
+                          </a:rPr>
+                          <m:t>𝐹</m:t>
+                        </m:r>
+                      </m:e>
+                      <m:sub>
+                        <m:r>
+                          <a:rPr lang="fr-FR" b="0" i="1" smtClean="0">
+                            <a:latin typeface="Cambria Math" panose="02040503050406030204" pitchFamily="18" charset="0"/>
+                          </a:rPr>
+                          <m:t>𝑓</m:t>
+                        </m:r>
+                      </m:sub>
+                    </m:sSub>
+                  </m:oMath>
+                </a14:m>
+                <a:r>
+                  <a:rPr lang="fr-FR" dirty="0"/>
+                  <a:t>.</a:t>
+                </a:r>
+              </a:p>
+              <a:p>
+                <a:r>
+                  <a:rPr lang="fr-FR" dirty="0"/>
+                  <a:t>Protocole expérimental</a:t>
+                </a:r>
+              </a:p>
+              <a:p>
+                <a:pPr lvl="1"/>
+                <a:r>
+                  <a:rPr lang="fr-FR" dirty="0"/>
+                  <a:t>On réalise plusieurs essais en commandant le système à vitesse constante</a:t>
+                </a:r>
+              </a:p>
+              <a:p>
+                <a:pPr lvl="1"/>
+                <a:r>
+                  <a:rPr lang="fr-FR" dirty="0"/>
+                  <a:t>Pour chaque essai on attend le régime permanent et on mesure le courant moteur et on en déduit le couple moteur (si le moteur est à CC, </a:t>
+                </a:r>
+                <a14:m>
+                  <m:oMath xmlns:m="http://schemas.openxmlformats.org/officeDocument/2006/math">
+                    <m:sSub>
+                      <m:sSubPr>
+                        <m:ctrlPr>
+                          <a:rPr lang="fr-FR" b="0" i="1" smtClean="0">
+                            <a:latin typeface="Cambria Math" panose="02040503050406030204" pitchFamily="18" charset="0"/>
+                          </a:rPr>
+                        </m:ctrlPr>
+                      </m:sSubPr>
+                      <m:e>
+                        <m:r>
+                          <a:rPr lang="fr-FR" b="0" i="1" smtClean="0">
+                            <a:latin typeface="Cambria Math" panose="02040503050406030204" pitchFamily="18" charset="0"/>
+                          </a:rPr>
+                          <m:t>𝐶</m:t>
+                        </m:r>
+                      </m:e>
+                      <m:sub>
+                        <m:r>
+                          <a:rPr lang="fr-FR" b="0" i="1" smtClean="0">
+                            <a:latin typeface="Cambria Math" panose="02040503050406030204" pitchFamily="18" charset="0"/>
+                          </a:rPr>
+                          <m:t>𝑚</m:t>
+                        </m:r>
+                      </m:sub>
+                    </m:sSub>
+                    <m:r>
+                      <a:rPr lang="fr-FR" b="0" i="1" smtClean="0">
+                        <a:latin typeface="Cambria Math" panose="02040503050406030204" pitchFamily="18" charset="0"/>
+                      </a:rPr>
+                      <m:t>=</m:t>
+                    </m:r>
+                    <m:r>
+                      <a:rPr lang="fr-FR" b="0" i="1" smtClean="0">
+                        <a:latin typeface="Cambria Math" panose="02040503050406030204" pitchFamily="18" charset="0"/>
+                      </a:rPr>
+                      <m:t>𝐾𝑖</m:t>
+                    </m:r>
+                  </m:oMath>
+                </a14:m>
+                <a:r>
+                  <a:rPr lang="fr-FR" dirty="0"/>
+                  <a:t>). </a:t>
+                </a:r>
+              </a:p>
+              <a:p>
+                <a:r>
+                  <a:rPr lang="fr-FR" dirty="0"/>
+                  <a:t>Analyse des essais : </a:t>
+                </a:r>
+              </a:p>
+              <a:p>
+                <a:pPr lvl="1"/>
+                <a:r>
+                  <a:rPr lang="fr-FR" dirty="0"/>
+                  <a:t>On trace le couple moteur en fonction de la vitesse de rotation du moteur (ou l’effort en fonction de la vitesse)</a:t>
+                </a:r>
+              </a:p>
+              <a:p>
+                <a:pPr lvl="1"/>
+                <a:r>
+                  <a:rPr lang="fr-FR" dirty="0"/>
+                  <a:t>Si la courbe est une constante : le couple de frottement est sec uniquement</a:t>
+                </a:r>
+              </a:p>
+              <a:p>
+                <a:pPr lvl="1"/>
+                <a:r>
+                  <a:rPr lang="fr-FR" dirty="0"/>
+                  <a:t>Si la courbe est une droite qui passe par l’origine, le couple de frottement est visqueux uniquement, la pente est le coefficient de frottement visqueux.</a:t>
+                </a:r>
+              </a:p>
+              <a:p>
+                <a:pPr lvl="1"/>
+                <a:r>
+                  <a:rPr lang="fr-FR" dirty="0"/>
+                  <a:t>Si la courbe est une droite affine, l’ordonnée à l’origine est le couple frottement sec, la pente est le coefficient de frottement visqueux.</a:t>
+                </a:r>
+              </a:p>
+              <a:p>
+                <a:pPr lvl="1"/>
+                <a:r>
+                  <a:rPr lang="fr-FR" dirty="0"/>
+                  <a:t>Si la courbe a une autre tendance, il faut choisir un </a:t>
+                </a:r>
+                <a:r>
+                  <a:rPr lang="fr-FR"/>
+                  <a:t>autre modèle…</a:t>
+                </a:r>
+                <a:endParaRPr lang="fr-FR" dirty="0"/>
+              </a:p>
+              <a:p>
+                <a:pPr lvl="1"/>
+                <a:endParaRPr lang="fr-FR" dirty="0"/>
+              </a:p>
+              <a:p>
+                <a:pPr lvl="2"/>
+                <a:endParaRPr lang="fr-FR" dirty="0"/>
+              </a:p>
+              <a:p>
+                <a:pPr lvl="1"/>
                 <a:endParaRPr lang="fr-FR" dirty="0"/>
               </a:p>
             </p:txBody>
@@ -4396,10 +4942,14 @@
               </p:nvPr>
             </p:nvSpPr>
             <p:spPr>
+              <a:xfrm>
+                <a:off x="232229" y="1248228"/>
+                <a:ext cx="11727542" cy="5529144"/>
+              </a:xfrm>
               <a:blipFill>
                 <a:blip r:embed="rId2"/>
                 <a:stretch>
-                  <a:fillRect l="-936" t="-2029"/>
+                  <a:fillRect l="-468" t="-2095"/>
                 </a:stretch>
               </a:blipFill>
             </p:spPr>
